--- a/Presen/素材.pptx
+++ b/Presen/素材.pptx
@@ -5,13 +5,16 @@
     <p:sldMasterId id="2147483701" r:id="rId1"/>
   </p:sldMasterIdLst>
   <p:notesMasterIdLst>
-    <p:notesMasterId r:id="rId3"/>
+    <p:notesMasterId r:id="rId6"/>
   </p:notesMasterIdLst>
   <p:handoutMasterIdLst>
-    <p:handoutMasterId r:id="rId4"/>
+    <p:handoutMasterId r:id="rId7"/>
   </p:handoutMasterIdLst>
   <p:sldIdLst>
     <p:sldId id="283" r:id="rId2"/>
+    <p:sldId id="284" r:id="rId3"/>
+    <p:sldId id="285" r:id="rId4"/>
+    <p:sldId id="286" r:id="rId5"/>
   </p:sldIdLst>
   <p:sldSz cx="9144000" cy="6858000" type="screen4x3"/>
   <p:notesSz cx="6802438" cy="9934575"/>
@@ -215,7 +218,7 @@
           <a:p>
             <a:fld id="{1A135487-3B0B-4099-A9AF-A1DD3FB96830}" type="datetimeFigureOut">
               <a:rPr kumimoji="1" lang="ja-JP" altLang="en-US" smtClean="0"/>
-              <a:t>2021/10/26</a:t>
+              <a:t>2021/11/2</a:t>
             </a:fld>
             <a:endParaRPr kumimoji="1" lang="ja-JP" altLang="en-US"/>
           </a:p>
@@ -380,7 +383,7 @@
           <a:p>
             <a:fld id="{311F266F-543F-491F-AAE1-BD3B073CB50F}" type="datetimeFigureOut">
               <a:rPr kumimoji="1" lang="ja-JP" altLang="en-US" smtClean="0"/>
-              <a:t>2021/10/26</a:t>
+              <a:t>2021/11/2</a:t>
             </a:fld>
             <a:endParaRPr kumimoji="1" lang="ja-JP" altLang="en-US"/>
           </a:p>
@@ -831,6 +834,310 @@
 </p:notes>
 </file>
 
+<file path=ppt/notesSlides/notesSlide2.xml><?xml version="1.0" encoding="utf-8"?>
+<p:notes xmlns:a="http://schemas.openxmlformats.org/drawingml/2006/main" xmlns:r="http://schemas.openxmlformats.org/officeDocument/2006/relationships" xmlns:p="http://schemas.openxmlformats.org/presentationml/2006/main">
+  <p:cSld>
+    <p:spTree>
+      <p:nvGrpSpPr>
+        <p:cNvPr id="1" name=""/>
+        <p:cNvGrpSpPr/>
+        <p:nvPr/>
+      </p:nvGrpSpPr>
+      <p:grpSpPr>
+        <a:xfrm>
+          <a:off x="0" y="0"/>
+          <a:ext cx="0" cy="0"/>
+          <a:chOff x="0" y="0"/>
+          <a:chExt cx="0" cy="0"/>
+        </a:xfrm>
+      </p:grpSpPr>
+      <p:sp>
+        <p:nvSpPr>
+          <p:cNvPr id="2" name="スライド イメージ プレースホルダー 1"/>
+          <p:cNvSpPr>
+            <a:spLocks noGrp="1" noRot="1" noChangeAspect="1"/>
+          </p:cNvSpPr>
+          <p:nvPr>
+            <p:ph type="sldImg"/>
+          </p:nvPr>
+        </p:nvSpPr>
+        <p:spPr/>
+      </p:sp>
+      <p:sp>
+        <p:nvSpPr>
+          <p:cNvPr id="3" name="ノート プレースホルダー 2"/>
+          <p:cNvSpPr>
+            <a:spLocks noGrp="1"/>
+          </p:cNvSpPr>
+          <p:nvPr>
+            <p:ph type="body" idx="1"/>
+          </p:nvPr>
+        </p:nvSpPr>
+        <p:spPr/>
+        <p:txBody>
+          <a:bodyPr/>
+          <a:lstStyle/>
+          <a:p>
+            <a:r>
+              <a:rPr kumimoji="1" lang="ja-JP" altLang="en-US" dirty="0"/>
+              <a:t>結果はこのようになります．</a:t>
+            </a:r>
+            <a:endParaRPr kumimoji="1" lang="en-US" altLang="ja-JP" dirty="0"/>
+          </a:p>
+          <a:p>
+            <a:r>
+              <a:rPr kumimoji="1" lang="ja-JP" altLang="en-US" dirty="0"/>
+              <a:t>黄色で強調された部分が正しく分類できたレビューの数になります．</a:t>
+            </a:r>
+            <a:endParaRPr kumimoji="1" lang="en-US" altLang="ja-JP" dirty="0"/>
+          </a:p>
+          <a:p>
+            <a:r>
+              <a:rPr kumimoji="1" lang="ja-JP" altLang="en-US" dirty="0"/>
+              <a:t>レビューを用いて学習した既存手法では，全体で</a:t>
+            </a:r>
+            <a:r>
+              <a:rPr kumimoji="1" lang="en-US" altLang="ja-JP" dirty="0"/>
+              <a:t>92%</a:t>
+            </a:r>
+            <a:r>
+              <a:rPr kumimoji="1" lang="ja-JP" altLang="en-US" dirty="0"/>
+              <a:t>の正解率となりました．対してフォーラムを用いて学習した提案手法では，</a:t>
+            </a:r>
+            <a:r>
+              <a:rPr kumimoji="1" lang="en-US" altLang="ja-JP" dirty="0"/>
+              <a:t>82%</a:t>
+            </a:r>
+            <a:r>
+              <a:rPr kumimoji="1" lang="ja-JP" altLang="en-US" dirty="0"/>
+              <a:t>と既存手法には劣りますが高い正解率になっています．また，機能要求の</a:t>
+            </a:r>
+            <a:r>
+              <a:rPr kumimoji="1" lang="en-US" altLang="ja-JP" dirty="0"/>
+              <a:t>recall</a:t>
+            </a:r>
+            <a:r>
+              <a:rPr kumimoji="1" lang="ja-JP" altLang="en-US" dirty="0"/>
+              <a:t>については既存手法を上回っています．</a:t>
+            </a:r>
+            <a:endParaRPr kumimoji="1" lang="en-US" altLang="ja-JP" dirty="0"/>
+          </a:p>
+          <a:p>
+            <a:r>
+              <a:rPr kumimoji="1" lang="ja-JP" altLang="en-US" dirty="0"/>
+              <a:t>この結果から，フォーラムを教師データとして用いると，分類精度は低下するもののある程度の精度で分類が可能であると言えます．</a:t>
+            </a:r>
+            <a:endParaRPr kumimoji="1" lang="en-US" altLang="ja-JP" dirty="0"/>
+          </a:p>
+          <a:p>
+            <a:r>
+              <a:rPr kumimoji="1" lang="ja-JP" altLang="en-US" dirty="0"/>
+              <a:t>現在は</a:t>
+            </a:r>
+            <a:r>
+              <a:rPr kumimoji="1" lang="en-US" altLang="ja-JP" dirty="0"/>
+              <a:t>1</a:t>
+            </a:r>
+            <a:r>
+              <a:rPr kumimoji="1" lang="ja-JP" altLang="en-US" dirty="0" err="1"/>
+              <a:t>つの</a:t>
+            </a:r>
+            <a:r>
+              <a:rPr kumimoji="1" lang="ja-JP" altLang="en-US" dirty="0"/>
+              <a:t>ゲームタイトルのデータしか集まっていませんが，今後は他のタイトルのレビューもラベル付けすることで，異なるゲームタイトルのフォーラムを教師データとした際の分類精度も確認するつもりです．</a:t>
+            </a:r>
+            <a:endParaRPr kumimoji="1" lang="en-US" altLang="ja-JP" dirty="0"/>
+          </a:p>
+        </p:txBody>
+      </p:sp>
+      <p:sp>
+        <p:nvSpPr>
+          <p:cNvPr id="4" name="スライド番号プレースホルダー 3"/>
+          <p:cNvSpPr>
+            <a:spLocks noGrp="1"/>
+          </p:cNvSpPr>
+          <p:nvPr>
+            <p:ph type="sldNum" sz="quarter" idx="5"/>
+          </p:nvPr>
+        </p:nvSpPr>
+        <p:spPr/>
+        <p:txBody>
+          <a:bodyPr/>
+          <a:lstStyle/>
+          <a:p>
+            <a:fld id="{95767C1C-10FB-4333-8A05-1CD5D2B47B53}" type="slidenum">
+              <a:rPr kumimoji="1" lang="ja-JP" altLang="en-US" smtClean="0"/>
+              <a:t>1</a:t>
+            </a:fld>
+            <a:endParaRPr kumimoji="1" lang="ja-JP" altLang="en-US"/>
+          </a:p>
+        </p:txBody>
+      </p:sp>
+    </p:spTree>
+    <p:extLst>
+      <p:ext uri="{BB962C8B-B14F-4D97-AF65-F5344CB8AC3E}">
+        <p14:creationId xmlns:p14="http://schemas.microsoft.com/office/powerpoint/2010/main" val="1632246235"/>
+      </p:ext>
+    </p:extLst>
+  </p:cSld>
+  <p:clrMapOvr>
+    <a:masterClrMapping/>
+  </p:clrMapOvr>
+</p:notes>
+</file>
+
+<file path=ppt/notesSlides/notesSlide3.xml><?xml version="1.0" encoding="utf-8"?>
+<p:notes xmlns:a="http://schemas.openxmlformats.org/drawingml/2006/main" xmlns:r="http://schemas.openxmlformats.org/officeDocument/2006/relationships" xmlns:p="http://schemas.openxmlformats.org/presentationml/2006/main">
+  <p:cSld>
+    <p:spTree>
+      <p:nvGrpSpPr>
+        <p:cNvPr id="1" name=""/>
+        <p:cNvGrpSpPr/>
+        <p:nvPr/>
+      </p:nvGrpSpPr>
+      <p:grpSpPr>
+        <a:xfrm>
+          <a:off x="0" y="0"/>
+          <a:ext cx="0" cy="0"/>
+          <a:chOff x="0" y="0"/>
+          <a:chExt cx="0" cy="0"/>
+        </a:xfrm>
+      </p:grpSpPr>
+      <p:sp>
+        <p:nvSpPr>
+          <p:cNvPr id="2" name="スライド イメージ プレースホルダー 1"/>
+          <p:cNvSpPr>
+            <a:spLocks noGrp="1" noRot="1" noChangeAspect="1"/>
+          </p:cNvSpPr>
+          <p:nvPr>
+            <p:ph type="sldImg"/>
+          </p:nvPr>
+        </p:nvSpPr>
+        <p:spPr/>
+      </p:sp>
+      <p:sp>
+        <p:nvSpPr>
+          <p:cNvPr id="3" name="ノート プレースホルダー 2"/>
+          <p:cNvSpPr>
+            <a:spLocks noGrp="1"/>
+          </p:cNvSpPr>
+          <p:nvPr>
+            <p:ph type="body" idx="1"/>
+          </p:nvPr>
+        </p:nvSpPr>
+        <p:spPr/>
+        <p:txBody>
+          <a:bodyPr/>
+          <a:lstStyle/>
+          <a:p>
+            <a:r>
+              <a:rPr kumimoji="1" lang="ja-JP" altLang="en-US" dirty="0"/>
+              <a:t>結果はこのようになります．</a:t>
+            </a:r>
+            <a:endParaRPr kumimoji="1" lang="en-US" altLang="ja-JP" dirty="0"/>
+          </a:p>
+          <a:p>
+            <a:r>
+              <a:rPr kumimoji="1" lang="ja-JP" altLang="en-US" dirty="0"/>
+              <a:t>黄色で強調された部分が正しく分類できたレビューの数になります．</a:t>
+            </a:r>
+            <a:endParaRPr kumimoji="1" lang="en-US" altLang="ja-JP" dirty="0"/>
+          </a:p>
+          <a:p>
+            <a:r>
+              <a:rPr kumimoji="1" lang="ja-JP" altLang="en-US" dirty="0"/>
+              <a:t>レビューを用いて学習した既存手法では，全体で</a:t>
+            </a:r>
+            <a:r>
+              <a:rPr kumimoji="1" lang="en-US" altLang="ja-JP" dirty="0"/>
+              <a:t>92%</a:t>
+            </a:r>
+            <a:r>
+              <a:rPr kumimoji="1" lang="ja-JP" altLang="en-US" dirty="0"/>
+              <a:t>の正解率となりました．対してフォーラムを用いて学習した提案手法では，</a:t>
+            </a:r>
+            <a:r>
+              <a:rPr kumimoji="1" lang="en-US" altLang="ja-JP" dirty="0"/>
+              <a:t>82%</a:t>
+            </a:r>
+            <a:r>
+              <a:rPr kumimoji="1" lang="ja-JP" altLang="en-US" dirty="0"/>
+              <a:t>と既存手法には劣りますが高い正解率になっています．また，機能要求の</a:t>
+            </a:r>
+            <a:r>
+              <a:rPr kumimoji="1" lang="en-US" altLang="ja-JP" dirty="0"/>
+              <a:t>recall</a:t>
+            </a:r>
+            <a:r>
+              <a:rPr kumimoji="1" lang="ja-JP" altLang="en-US" dirty="0"/>
+              <a:t>については既存手法を上回っています．</a:t>
+            </a:r>
+            <a:endParaRPr kumimoji="1" lang="en-US" altLang="ja-JP" dirty="0"/>
+          </a:p>
+          <a:p>
+            <a:r>
+              <a:rPr kumimoji="1" lang="ja-JP" altLang="en-US" dirty="0"/>
+              <a:t>この結果から，フォーラムを教師データとして用いると，分類精度は低下するもののある程度の精度で分類が可能であると言えます．</a:t>
+            </a:r>
+            <a:endParaRPr kumimoji="1" lang="en-US" altLang="ja-JP" dirty="0"/>
+          </a:p>
+          <a:p>
+            <a:r>
+              <a:rPr kumimoji="1" lang="ja-JP" altLang="en-US" dirty="0"/>
+              <a:t>現在は</a:t>
+            </a:r>
+            <a:r>
+              <a:rPr kumimoji="1" lang="en-US" altLang="ja-JP" dirty="0"/>
+              <a:t>1</a:t>
+            </a:r>
+            <a:r>
+              <a:rPr kumimoji="1" lang="ja-JP" altLang="en-US" dirty="0" err="1"/>
+              <a:t>つの</a:t>
+            </a:r>
+            <a:r>
+              <a:rPr kumimoji="1" lang="ja-JP" altLang="en-US" dirty="0"/>
+              <a:t>ゲームタイトルのデータしか集まっていませんが，今後は他のタイトルのレビューもラベル付けすることで，異なるゲームタイトルのフォーラムを教師データとした際の分類精度も確認するつもりです．</a:t>
+            </a:r>
+            <a:endParaRPr kumimoji="1" lang="en-US" altLang="ja-JP" dirty="0"/>
+          </a:p>
+        </p:txBody>
+      </p:sp>
+      <p:sp>
+        <p:nvSpPr>
+          <p:cNvPr id="4" name="スライド番号プレースホルダー 3"/>
+          <p:cNvSpPr>
+            <a:spLocks noGrp="1"/>
+          </p:cNvSpPr>
+          <p:nvPr>
+            <p:ph type="sldNum" sz="quarter" idx="5"/>
+          </p:nvPr>
+        </p:nvSpPr>
+        <p:spPr/>
+        <p:txBody>
+          <a:bodyPr/>
+          <a:lstStyle/>
+          <a:p>
+            <a:fld id="{95767C1C-10FB-4333-8A05-1CD5D2B47B53}" type="slidenum">
+              <a:rPr kumimoji="1" lang="ja-JP" altLang="en-US" smtClean="0"/>
+              <a:t>2</a:t>
+            </a:fld>
+            <a:endParaRPr kumimoji="1" lang="ja-JP" altLang="en-US"/>
+          </a:p>
+        </p:txBody>
+      </p:sp>
+    </p:spTree>
+    <p:extLst>
+      <p:ext uri="{BB962C8B-B14F-4D97-AF65-F5344CB8AC3E}">
+        <p14:creationId xmlns:p14="http://schemas.microsoft.com/office/powerpoint/2010/main" val="3703173851"/>
+      </p:ext>
+    </p:extLst>
+  </p:cSld>
+  <p:clrMapOvr>
+    <a:masterClrMapping/>
+  </p:clrMapOvr>
+</p:notes>
+</file>
+
 <file path=ppt/slideLayouts/slideLayout1.xml><?xml version="1.0" encoding="utf-8"?>
 <p:sldLayout xmlns:a="http://schemas.openxmlformats.org/drawingml/2006/main" xmlns:r="http://schemas.openxmlformats.org/officeDocument/2006/relationships" xmlns:p="http://schemas.openxmlformats.org/presentationml/2006/main" preserve="1" userDrawn="1">
   <p:cSld name="タイトル スライド">
@@ -1120,7 +1427,7 @@
           <a:p>
             <a:fld id="{6EF8C076-2BBF-4B38-83E1-4ECAE93235BF}" type="datetime1">
               <a:rPr kumimoji="1" lang="ja-JP" altLang="en-US" smtClean="0"/>
-              <a:t>2021/10/26</a:t>
+              <a:t>2021/11/2</a:t>
             </a:fld>
             <a:endParaRPr kumimoji="1" lang="ja-JP" altLang="en-US"/>
           </a:p>
@@ -1418,7 +1725,7 @@
           <a:p>
             <a:fld id="{D79729C8-6443-4713-958D-FB0AA1851F46}" type="datetime1">
               <a:rPr kumimoji="1" lang="ja-JP" altLang="en-US" smtClean="0"/>
-              <a:t>2021/10/26</a:t>
+              <a:t>2021/11/2</a:t>
             </a:fld>
             <a:endParaRPr kumimoji="1" lang="ja-JP" altLang="en-US"/>
           </a:p>
@@ -1628,7 +1935,7 @@
           <a:p>
             <a:fld id="{04765AF4-C7A1-429A-A652-B34B2E76344F}" type="datetime1">
               <a:rPr kumimoji="1" lang="ja-JP" altLang="en-US" smtClean="0"/>
-              <a:t>2021/10/26</a:t>
+              <a:t>2021/11/2</a:t>
             </a:fld>
             <a:endParaRPr kumimoji="1" lang="ja-JP" altLang="en-US"/>
           </a:p>
@@ -1991,7 +2298,7 @@
           <a:p>
             <a:fld id="{209CC299-5D92-41D8-9419-B5FAF20B7E17}" type="datetime1">
               <a:rPr kumimoji="1" lang="ja-JP" altLang="en-US" smtClean="0"/>
-              <a:t>2021/10/26</a:t>
+              <a:t>2021/11/2</a:t>
             </a:fld>
             <a:endParaRPr kumimoji="1" lang="ja-JP" altLang="en-US"/>
           </a:p>
@@ -2236,7 +2543,7 @@
           <a:p>
             <a:fld id="{4BAC7283-620A-4653-9F1E-039F3D362187}" type="datetime1">
               <a:rPr kumimoji="1" lang="ja-JP" altLang="en-US" smtClean="0"/>
-              <a:t>2021/10/26</a:t>
+              <a:t>2021/11/2</a:t>
             </a:fld>
             <a:endParaRPr kumimoji="1" lang="ja-JP" altLang="en-US"/>
           </a:p>
@@ -2529,7 +2836,7 @@
           <a:p>
             <a:fld id="{4A4EE016-2822-4458-8F57-5398A5932203}" type="datetime1">
               <a:rPr kumimoji="1" lang="ja-JP" altLang="en-US" smtClean="0"/>
-              <a:t>2021/10/26</a:t>
+              <a:t>2021/11/2</a:t>
             </a:fld>
             <a:endParaRPr kumimoji="1" lang="ja-JP" altLang="en-US"/>
           </a:p>
@@ -2957,7 +3264,7 @@
           <a:p>
             <a:fld id="{207670B6-8429-442F-B6A6-B12A4387D506}" type="datetime1">
               <a:rPr kumimoji="1" lang="ja-JP" altLang="en-US" smtClean="0"/>
-              <a:t>2021/10/26</a:t>
+              <a:t>2021/11/2</a:t>
             </a:fld>
             <a:endParaRPr kumimoji="1" lang="ja-JP" altLang="en-US"/>
           </a:p>
@@ -3074,7 +3381,7 @@
           <a:p>
             <a:fld id="{F95E6910-53D1-4B71-85DF-BB7B54297707}" type="datetime1">
               <a:rPr kumimoji="1" lang="ja-JP" altLang="en-US" smtClean="0"/>
-              <a:t>2021/10/26</a:t>
+              <a:t>2021/11/2</a:t>
             </a:fld>
             <a:endParaRPr kumimoji="1" lang="ja-JP" altLang="en-US"/>
           </a:p>
@@ -3169,7 +3476,7 @@
           <a:p>
             <a:fld id="{0AE48976-5A13-4B17-B57A-22956F6F3A86}" type="datetime1">
               <a:rPr kumimoji="1" lang="ja-JP" altLang="en-US" smtClean="0"/>
-              <a:t>2021/10/26</a:t>
+              <a:t>2021/11/2</a:t>
             </a:fld>
             <a:endParaRPr kumimoji="1" lang="ja-JP" altLang="en-US"/>
           </a:p>
@@ -3476,7 +3783,7 @@
           <a:p>
             <a:fld id="{902C1540-8895-4E63-AC78-3D7ADA2A0F06}" type="datetime1">
               <a:rPr kumimoji="1" lang="ja-JP" altLang="en-US" smtClean="0"/>
-              <a:t>2021/10/26</a:t>
+              <a:t>2021/11/2</a:t>
             </a:fld>
             <a:endParaRPr kumimoji="1" lang="ja-JP" altLang="en-US"/>
           </a:p>
@@ -3728,7 +4035,7 @@
           <a:p>
             <a:fld id="{D6464D58-E288-4AF7-9E7F-3530E4C812DB}" type="datetime1">
               <a:rPr kumimoji="1" lang="ja-JP" altLang="en-US" smtClean="0"/>
-              <a:t>2021/10/26</a:t>
+              <a:t>2021/11/2</a:t>
             </a:fld>
             <a:endParaRPr kumimoji="1" lang="ja-JP" altLang="en-US"/>
           </a:p>
@@ -3978,7 +4285,7 @@
             <a:fld id="{3B819935-A763-4BCA-8969-272AE3AC709B}" type="datetime1">
               <a:rPr lang="ja-JP" altLang="en-US" smtClean="0"/>
               <a:pPr/>
-              <a:t>2021/10/26</a:t>
+              <a:t>2021/11/2</a:t>
             </a:fld>
             <a:endParaRPr lang="ja-JP" altLang="en-US"/>
           </a:p>
@@ -4430,8 +4737,17 @@
           <a:p>
             <a:r>
               <a:rPr kumimoji="1" lang="ja-JP" altLang="en-US" dirty="0"/>
-              <a:t>実験結果</a:t>
-            </a:r>
+              <a:t>実験</a:t>
+            </a:r>
+            <a:r>
+              <a:rPr kumimoji="1" lang="ja-JP" altLang="en-US" dirty="0" smtClean="0"/>
+              <a:t>結果</a:t>
+            </a:r>
+            <a:r>
+              <a:rPr kumimoji="1" lang="en-US" altLang="ja-JP" dirty="0" smtClean="0"/>
+              <a:t>(Cities: Skylines)</a:t>
+            </a:r>
+            <a:endParaRPr kumimoji="1" lang="ja-JP" altLang="en-US" dirty="0"/>
           </a:p>
         </p:txBody>
       </p:sp>
@@ -9470,6 +9786,98 @@
           </a:graphicData>
         </a:graphic>
       </p:graphicFrame>
+      <p:cxnSp>
+        <p:nvCxnSpPr>
+          <p:cNvPr id="8" name="直線コネクタ 7">
+            <a:extLst>
+              <a:ext uri="{FF2B5EF4-FFF2-40B4-BE49-F238E27FC236}">
+                <a16:creationId xmlns:a16="http://schemas.microsoft.com/office/drawing/2014/main" id="{0B22DF8F-9DC9-4E57-B6B4-5C0B3E3CB7C5}"/>
+              </a:ext>
+            </a:extLst>
+          </p:cNvPr>
+          <p:cNvCxnSpPr>
+            <a:cxnSpLocks/>
+          </p:cNvCxnSpPr>
+          <p:nvPr/>
+        </p:nvCxnSpPr>
+        <p:spPr>
+          <a:xfrm>
+            <a:off x="5086562" y="4526014"/>
+            <a:ext cx="0" cy="1828800"/>
+          </a:xfrm>
+          <a:prstGeom prst="line">
+            <a:avLst/>
+          </a:prstGeom>
+          <a:ln w="19050">
+            <a:solidFill>
+              <a:schemeClr val="tx1">
+                <a:lumMod val="75000"/>
+                <a:lumOff val="25000"/>
+              </a:schemeClr>
+            </a:solidFill>
+          </a:ln>
+        </p:spPr>
+        <p:style>
+          <a:lnRef idx="1">
+            <a:schemeClr val="accent1"/>
+          </a:lnRef>
+          <a:fillRef idx="0">
+            <a:schemeClr val="accent1"/>
+          </a:fillRef>
+          <a:effectRef idx="0">
+            <a:schemeClr val="accent1"/>
+          </a:effectRef>
+          <a:fontRef idx="minor">
+            <a:schemeClr val="tx1"/>
+          </a:fontRef>
+        </p:style>
+      </p:cxnSp>
+      <p:cxnSp>
+        <p:nvCxnSpPr>
+          <p:cNvPr id="9" name="直線コネクタ 8">
+            <a:extLst>
+              <a:ext uri="{FF2B5EF4-FFF2-40B4-BE49-F238E27FC236}">
+                <a16:creationId xmlns:a16="http://schemas.microsoft.com/office/drawing/2014/main" id="{0B22DF8F-9DC9-4E57-B6B4-5C0B3E3CB7C5}"/>
+              </a:ext>
+            </a:extLst>
+          </p:cNvPr>
+          <p:cNvCxnSpPr>
+            <a:cxnSpLocks/>
+          </p:cNvCxnSpPr>
+          <p:nvPr/>
+        </p:nvCxnSpPr>
+        <p:spPr>
+          <a:xfrm>
+            <a:off x="5086562" y="6604678"/>
+            <a:ext cx="0" cy="1828800"/>
+          </a:xfrm>
+          <a:prstGeom prst="line">
+            <a:avLst/>
+          </a:prstGeom>
+          <a:ln w="19050">
+            <a:solidFill>
+              <a:schemeClr val="tx1">
+                <a:lumMod val="75000"/>
+                <a:lumOff val="25000"/>
+              </a:schemeClr>
+            </a:solidFill>
+          </a:ln>
+        </p:spPr>
+        <p:style>
+          <a:lnRef idx="1">
+            <a:schemeClr val="accent1"/>
+          </a:lnRef>
+          <a:fillRef idx="0">
+            <a:schemeClr val="accent1"/>
+          </a:fillRef>
+          <a:effectRef idx="0">
+            <a:schemeClr val="accent1"/>
+          </a:effectRef>
+          <a:fontRef idx="minor">
+            <a:schemeClr val="tx1"/>
+          </a:fontRef>
+        </p:style>
+      </p:cxnSp>
     </p:spTree>
     <p:extLst>
       <p:ext uri="{BB962C8B-B14F-4D97-AF65-F5344CB8AC3E}">
@@ -9480,6 +9888,7823 @@
   <p:clrMapOvr>
     <a:masterClrMapping/>
   </p:clrMapOvr>
+</p:sld>
+</file>
+
+<file path=ppt/slides/slide2.xml><?xml version="1.0" encoding="utf-8"?>
+<p:sld xmlns:a="http://schemas.openxmlformats.org/drawingml/2006/main" xmlns:r="http://schemas.openxmlformats.org/officeDocument/2006/relationships" xmlns:p="http://schemas.openxmlformats.org/presentationml/2006/main">
+  <p:cSld>
+    <p:spTree>
+      <p:nvGrpSpPr>
+        <p:cNvPr id="1" name=""/>
+        <p:cNvGrpSpPr/>
+        <p:nvPr/>
+      </p:nvGrpSpPr>
+      <p:grpSpPr>
+        <a:xfrm>
+          <a:off x="0" y="0"/>
+          <a:ext cx="0" cy="0"/>
+          <a:chOff x="0" y="0"/>
+          <a:chExt cx="0" cy="0"/>
+        </a:xfrm>
+      </p:grpSpPr>
+      <p:sp>
+        <p:nvSpPr>
+          <p:cNvPr id="2" name="タイトル 1">
+            <a:extLst>
+              <a:ext uri="{FF2B5EF4-FFF2-40B4-BE49-F238E27FC236}">
+                <a16:creationId xmlns:a16="http://schemas.microsoft.com/office/drawing/2014/main" id="{6E77DB93-8CC2-4374-8072-03F06ADA13E6}"/>
+              </a:ext>
+            </a:extLst>
+          </p:cNvPr>
+          <p:cNvSpPr>
+            <a:spLocks noGrp="1"/>
+          </p:cNvSpPr>
+          <p:nvPr>
+            <p:ph type="title"/>
+          </p:nvPr>
+        </p:nvSpPr>
+        <p:spPr/>
+        <p:txBody>
+          <a:bodyPr>
+            <a:normAutofit fontScale="90000"/>
+          </a:bodyPr>
+          <a:lstStyle/>
+          <a:p>
+            <a:r>
+              <a:rPr kumimoji="1" lang="ja-JP" altLang="en-US" dirty="0"/>
+              <a:t>実験</a:t>
+            </a:r>
+            <a:r>
+              <a:rPr kumimoji="1" lang="ja-JP" altLang="en-US" dirty="0" smtClean="0"/>
+              <a:t>結果</a:t>
+            </a:r>
+            <a:r>
+              <a:rPr kumimoji="1" lang="en-US" altLang="ja-JP" dirty="0" smtClean="0"/>
+              <a:t>(Euro truck sim)</a:t>
+            </a:r>
+            <a:endParaRPr kumimoji="1" lang="ja-JP" altLang="en-US" dirty="0"/>
+          </a:p>
+        </p:txBody>
+      </p:sp>
+      <p:graphicFrame>
+        <p:nvGraphicFramePr>
+          <p:cNvPr id="11" name="コンテンツ プレースホルダー 4">
+            <a:extLst>
+              <a:ext uri="{FF2B5EF4-FFF2-40B4-BE49-F238E27FC236}">
+                <a16:creationId xmlns:a16="http://schemas.microsoft.com/office/drawing/2014/main" id="{B6C615EF-9CEE-472B-85AD-FC76E8D92178}"/>
+              </a:ext>
+            </a:extLst>
+          </p:cNvPr>
+          <p:cNvGraphicFramePr>
+            <a:graphicFrameLocks/>
+          </p:cNvGraphicFramePr>
+          <p:nvPr>
+            <p:extLst>
+              <p:ext uri="{D42A27DB-BD31-4B8C-83A1-F6EECF244321}">
+                <p14:modId xmlns:p14="http://schemas.microsoft.com/office/powerpoint/2010/main" val="3174127606"/>
+              </p:ext>
+            </p:extLst>
+          </p:nvPr>
+        </p:nvGraphicFramePr>
+        <p:xfrm>
+          <a:off x="125639" y="2447350"/>
+          <a:ext cx="8892721" cy="1828800"/>
+        </p:xfrm>
+        <a:graphic>
+          <a:graphicData uri="http://schemas.openxmlformats.org/drawingml/2006/table">
+            <a:tbl>
+              <a:tblPr firstRow="1" bandRow="1">
+                <a:tableStyleId>{5940675A-B579-460E-94D1-54222C63F5DA}</a:tableStyleId>
+              </a:tblPr>
+              <a:tblGrid>
+                <a:gridCol w="416002">
+                  <a:extLst>
+                    <a:ext uri="{9D8B030D-6E8A-4147-A177-3AD203B41FA5}">
+                      <a16:colId xmlns:a16="http://schemas.microsoft.com/office/drawing/2014/main" val="1923610548"/>
+                    </a:ext>
+                  </a:extLst>
+                </a:gridCol>
+                <a:gridCol w="1190750">
+                  <a:extLst>
+                    <a:ext uri="{9D8B030D-6E8A-4147-A177-3AD203B41FA5}">
+                      <a16:colId xmlns:a16="http://schemas.microsoft.com/office/drawing/2014/main" val="1484246165"/>
+                    </a:ext>
+                  </a:extLst>
+                </a:gridCol>
+                <a:gridCol w="1104679">
+                  <a:extLst>
+                    <a:ext uri="{9D8B030D-6E8A-4147-A177-3AD203B41FA5}">
+                      <a16:colId xmlns:a16="http://schemas.microsoft.com/office/drawing/2014/main" val="1784955739"/>
+                    </a:ext>
+                  </a:extLst>
+                </a:gridCol>
+                <a:gridCol w="1104679">
+                  <a:extLst>
+                    <a:ext uri="{9D8B030D-6E8A-4147-A177-3AD203B41FA5}">
+                      <a16:colId xmlns:a16="http://schemas.microsoft.com/office/drawing/2014/main" val="2815321614"/>
+                    </a:ext>
+                  </a:extLst>
+                </a:gridCol>
+                <a:gridCol w="1104679">
+                  <a:extLst>
+                    <a:ext uri="{9D8B030D-6E8A-4147-A177-3AD203B41FA5}">
+                      <a16:colId xmlns:a16="http://schemas.microsoft.com/office/drawing/2014/main" val="2073608608"/>
+                    </a:ext>
+                  </a:extLst>
+                </a:gridCol>
+                <a:gridCol w="992983">
+                  <a:extLst>
+                    <a:ext uri="{9D8B030D-6E8A-4147-A177-3AD203B41FA5}">
+                      <a16:colId xmlns:a16="http://schemas.microsoft.com/office/drawing/2014/main" val="3636356136"/>
+                    </a:ext>
+                  </a:extLst>
+                </a:gridCol>
+                <a:gridCol w="992983">
+                  <a:extLst>
+                    <a:ext uri="{9D8B030D-6E8A-4147-A177-3AD203B41FA5}">
+                      <a16:colId xmlns:a16="http://schemas.microsoft.com/office/drawing/2014/main" val="1161361597"/>
+                    </a:ext>
+                  </a:extLst>
+                </a:gridCol>
+                <a:gridCol w="992983">
+                  <a:extLst>
+                    <a:ext uri="{9D8B030D-6E8A-4147-A177-3AD203B41FA5}">
+                      <a16:colId xmlns:a16="http://schemas.microsoft.com/office/drawing/2014/main" val="1162311465"/>
+                    </a:ext>
+                  </a:extLst>
+                </a:gridCol>
+                <a:gridCol w="992983">
+                  <a:extLst>
+                    <a:ext uri="{9D8B030D-6E8A-4147-A177-3AD203B41FA5}">
+                      <a16:colId xmlns:a16="http://schemas.microsoft.com/office/drawing/2014/main" val="3168335535"/>
+                    </a:ext>
+                  </a:extLst>
+                </a:gridCol>
+              </a:tblGrid>
+              <a:tr h="360485">
+                <a:tc rowSpan="2" gridSpan="2">
+                  <a:txBody>
+                    <a:bodyPr/>
+                    <a:lstStyle/>
+                    <a:p>
+                      <a:pPr algn="ctr"/>
+                      <a:r>
+                        <a:rPr kumimoji="1" lang="ja-JP" altLang="en-US" sz="1800" b="1" dirty="0">
+                          <a:solidFill>
+                            <a:schemeClr val="tx1">
+                              <a:lumMod val="75000"/>
+                              <a:lumOff val="25000"/>
+                            </a:schemeClr>
+                          </a:solidFill>
+                        </a:rPr>
+                        <a:t>既存手法</a:t>
+                      </a:r>
+                      <a:endParaRPr kumimoji="1" lang="en-US" altLang="ja-JP" sz="1800" b="1" dirty="0">
+                        <a:solidFill>
+                          <a:schemeClr val="tx1">
+                            <a:lumMod val="75000"/>
+                            <a:lumOff val="25000"/>
+                          </a:schemeClr>
+                        </a:solidFill>
+                      </a:endParaRPr>
+                    </a:p>
+                    <a:p>
+                      <a:pPr algn="ctr"/>
+                      <a:r>
+                        <a:rPr kumimoji="1" lang="en-US" altLang="ja-JP" sz="1400" b="0" dirty="0">
+                          <a:solidFill>
+                            <a:schemeClr val="tx1">
+                              <a:lumMod val="75000"/>
+                              <a:lumOff val="25000"/>
+                            </a:schemeClr>
+                          </a:solidFill>
+                        </a:rPr>
+                        <a:t>review-review</a:t>
+                      </a:r>
+                      <a:endParaRPr kumimoji="1" lang="ja-JP" altLang="en-US" sz="2000" b="0" dirty="0">
+                        <a:solidFill>
+                          <a:schemeClr val="tx1">
+                            <a:lumMod val="75000"/>
+                            <a:lumOff val="25000"/>
+                          </a:schemeClr>
+                        </a:solidFill>
+                      </a:endParaRPr>
+                    </a:p>
+                  </a:txBody>
+                  <a:tcPr anchor="ctr">
+                    <a:lnTlToBr w="12700" cap="flat" cmpd="sng" algn="ctr">
+                      <a:noFill/>
+                      <a:prstDash val="solid"/>
+                      <a:round/>
+                      <a:headEnd type="none" w="med" len="med"/>
+                      <a:tailEnd type="none" w="med" len="med"/>
+                    </a:lnTlToBr>
+                  </a:tcPr>
+                </a:tc>
+                <a:tc rowSpan="2" hMerge="1">
+                  <a:txBody>
+                    <a:bodyPr/>
+                    <a:lstStyle/>
+                    <a:p>
+                      <a:pPr algn="ctr"/>
+                      <a:endParaRPr kumimoji="1" lang="ja-JP" altLang="en-US" sz="1400" b="1" dirty="0">
+                        <a:solidFill>
+                          <a:schemeClr val="tx1">
+                            <a:lumMod val="75000"/>
+                            <a:lumOff val="25000"/>
+                          </a:schemeClr>
+                        </a:solidFill>
+                      </a:endParaRPr>
+                    </a:p>
+                  </a:txBody>
+                  <a:tcPr anchor="ctr">
+                    <a:lnTlToBr w="12700" cap="flat" cmpd="sng" algn="ctr">
+                      <a:solidFill>
+                        <a:schemeClr val="tx1"/>
+                      </a:solidFill>
+                      <a:prstDash val="solid"/>
+                      <a:round/>
+                      <a:headEnd type="none" w="med" len="med"/>
+                      <a:tailEnd type="none" w="med" len="med"/>
+                    </a:lnTlToBr>
+                  </a:tcPr>
+                </a:tc>
+                <a:tc gridSpan="3">
+                  <a:txBody>
+                    <a:bodyPr/>
+                    <a:lstStyle/>
+                    <a:p>
+                      <a:pPr algn="ctr"/>
+                      <a:r>
+                        <a:rPr kumimoji="1" lang="ja-JP" altLang="en-US" sz="1800" b="1" dirty="0">
+                          <a:solidFill>
+                            <a:schemeClr val="tx1">
+                              <a:lumMod val="75000"/>
+                              <a:lumOff val="25000"/>
+                            </a:schemeClr>
+                          </a:solidFill>
+                        </a:rPr>
+                        <a:t>予測した分類</a:t>
+                      </a:r>
+                    </a:p>
+                  </a:txBody>
+                  <a:tcPr anchor="ctr">
+                    <a:solidFill>
+                      <a:srgbClr val="FFCCFF"/>
+                    </a:solidFill>
+                  </a:tcPr>
+                </a:tc>
+                <a:tc hMerge="1">
+                  <a:txBody>
+                    <a:bodyPr/>
+                    <a:lstStyle/>
+                    <a:p>
+                      <a:pPr algn="ctr"/>
+                      <a:endParaRPr kumimoji="1" lang="ja-JP" altLang="en-US" sz="1400" b="1" dirty="0">
+                        <a:solidFill>
+                          <a:schemeClr val="tx1">
+                            <a:lumMod val="75000"/>
+                            <a:lumOff val="25000"/>
+                          </a:schemeClr>
+                        </a:solidFill>
+                      </a:endParaRPr>
+                    </a:p>
+                  </a:txBody>
+                  <a:tcPr anchor="ctr">
+                    <a:solidFill>
+                      <a:srgbClr val="FFCCFF"/>
+                    </a:solidFill>
+                  </a:tcPr>
+                </a:tc>
+                <a:tc hMerge="1">
+                  <a:txBody>
+                    <a:bodyPr/>
+                    <a:lstStyle/>
+                    <a:p>
+                      <a:pPr algn="ctr"/>
+                      <a:endParaRPr kumimoji="1" lang="ja-JP" altLang="en-US" sz="1400" b="1" dirty="0">
+                        <a:solidFill>
+                          <a:schemeClr val="tx1">
+                            <a:lumMod val="75000"/>
+                            <a:lumOff val="25000"/>
+                          </a:schemeClr>
+                        </a:solidFill>
+                      </a:endParaRPr>
+                    </a:p>
+                  </a:txBody>
+                  <a:tcPr anchor="ctr">
+                    <a:solidFill>
+                      <a:srgbClr val="FFCCFF"/>
+                    </a:solidFill>
+                  </a:tcPr>
+                </a:tc>
+                <a:tc rowSpan="2">
+                  <a:txBody>
+                    <a:bodyPr/>
+                    <a:lstStyle/>
+                    <a:p>
+                      <a:pPr algn="ctr"/>
+                      <a:r>
+                        <a:rPr kumimoji="1" lang="ja-JP" altLang="en-US" sz="1800" b="1" dirty="0">
+                          <a:solidFill>
+                            <a:schemeClr val="tx1">
+                              <a:lumMod val="75000"/>
+                              <a:lumOff val="25000"/>
+                            </a:schemeClr>
+                          </a:solidFill>
+                        </a:rPr>
+                        <a:t>適合率</a:t>
+                      </a:r>
+                      <a:endParaRPr kumimoji="1" lang="en-US" altLang="ja-JP" sz="1800" b="1" dirty="0">
+                        <a:solidFill>
+                          <a:schemeClr val="tx1">
+                            <a:lumMod val="75000"/>
+                            <a:lumOff val="25000"/>
+                          </a:schemeClr>
+                        </a:solidFill>
+                      </a:endParaRPr>
+                    </a:p>
+                    <a:p>
+                      <a:pPr marL="0" marR="0" lvl="0" indent="0" algn="ctr" defTabSz="685800" rtl="0" eaLnBrk="1" fontAlgn="auto" latinLnBrk="0" hangingPunct="1">
+                        <a:lnSpc>
+                          <a:spcPct val="100000"/>
+                        </a:lnSpc>
+                        <a:spcBef>
+                          <a:spcPts val="0"/>
+                        </a:spcBef>
+                        <a:spcAft>
+                          <a:spcPts val="0"/>
+                        </a:spcAft>
+                        <a:buClrTx/>
+                        <a:buSzTx/>
+                        <a:buFontTx/>
+                        <a:buNone/>
+                        <a:tabLst/>
+                        <a:defRPr/>
+                      </a:pPr>
+                      <a:r>
+                        <a:rPr kumimoji="1" lang="en-US" altLang="ja-JP" sz="1400" b="0" dirty="0">
+                          <a:solidFill>
+                            <a:schemeClr val="tx1">
+                              <a:lumMod val="75000"/>
+                              <a:lumOff val="25000"/>
+                            </a:schemeClr>
+                          </a:solidFill>
+                        </a:rPr>
+                        <a:t>precision</a:t>
+                      </a:r>
+                      <a:endParaRPr kumimoji="1" lang="en-US" altLang="ja-JP" sz="2400" b="0" dirty="0">
+                        <a:solidFill>
+                          <a:schemeClr val="tx1">
+                            <a:lumMod val="75000"/>
+                            <a:lumOff val="25000"/>
+                          </a:schemeClr>
+                        </a:solidFill>
+                      </a:endParaRPr>
+                    </a:p>
+                  </a:txBody>
+                  <a:tcPr anchor="ctr">
+                    <a:noFill/>
+                  </a:tcPr>
+                </a:tc>
+                <a:tc rowSpan="2">
+                  <a:txBody>
+                    <a:bodyPr/>
+                    <a:lstStyle/>
+                    <a:p>
+                      <a:pPr algn="ctr"/>
+                      <a:r>
+                        <a:rPr kumimoji="1" lang="ja-JP" altLang="en-US" sz="1800" b="1" dirty="0">
+                          <a:solidFill>
+                            <a:schemeClr val="tx1">
+                              <a:lumMod val="75000"/>
+                              <a:lumOff val="25000"/>
+                            </a:schemeClr>
+                          </a:solidFill>
+                        </a:rPr>
+                        <a:t>再現率</a:t>
+                      </a:r>
+                      <a:endParaRPr kumimoji="1" lang="en-US" altLang="ja-JP" sz="1800" b="1" dirty="0">
+                        <a:solidFill>
+                          <a:schemeClr val="tx1">
+                            <a:lumMod val="75000"/>
+                            <a:lumOff val="25000"/>
+                          </a:schemeClr>
+                        </a:solidFill>
+                      </a:endParaRPr>
+                    </a:p>
+                    <a:p>
+                      <a:pPr algn="ctr"/>
+                      <a:r>
+                        <a:rPr kumimoji="1" lang="en-US" altLang="ja-JP" sz="1400" b="0" dirty="0">
+                          <a:solidFill>
+                            <a:schemeClr val="tx1">
+                              <a:lumMod val="75000"/>
+                              <a:lumOff val="25000"/>
+                            </a:schemeClr>
+                          </a:solidFill>
+                        </a:rPr>
+                        <a:t>recall</a:t>
+                      </a:r>
+                      <a:endParaRPr kumimoji="1" lang="ja-JP" altLang="en-US" sz="1800" b="0" dirty="0">
+                        <a:solidFill>
+                          <a:schemeClr val="tx1">
+                            <a:lumMod val="75000"/>
+                            <a:lumOff val="25000"/>
+                          </a:schemeClr>
+                        </a:solidFill>
+                      </a:endParaRPr>
+                    </a:p>
+                  </a:txBody>
+                  <a:tcPr anchor="ctr">
+                    <a:noFill/>
+                  </a:tcPr>
+                </a:tc>
+                <a:tc rowSpan="2">
+                  <a:txBody>
+                    <a:bodyPr/>
+                    <a:lstStyle/>
+                    <a:p>
+                      <a:pPr algn="ctr"/>
+                      <a:r>
+                        <a:rPr kumimoji="1" lang="en-US" altLang="ja-JP" sz="1800" b="1" dirty="0">
+                          <a:solidFill>
+                            <a:schemeClr val="tx1">
+                              <a:lumMod val="75000"/>
+                              <a:lumOff val="25000"/>
+                            </a:schemeClr>
+                          </a:solidFill>
+                        </a:rPr>
+                        <a:t>F</a:t>
+                      </a:r>
+                      <a:r>
+                        <a:rPr kumimoji="1" lang="ja-JP" altLang="en-US" sz="1800" b="1" dirty="0">
+                          <a:solidFill>
+                            <a:schemeClr val="tx1">
+                              <a:lumMod val="75000"/>
+                              <a:lumOff val="25000"/>
+                            </a:schemeClr>
+                          </a:solidFill>
+                        </a:rPr>
+                        <a:t>値</a:t>
+                      </a:r>
+                      <a:endParaRPr kumimoji="1" lang="en-US" altLang="ja-JP" sz="1800" b="1" dirty="0">
+                        <a:solidFill>
+                          <a:schemeClr val="tx1">
+                            <a:lumMod val="75000"/>
+                            <a:lumOff val="25000"/>
+                          </a:schemeClr>
+                        </a:solidFill>
+                      </a:endParaRPr>
+                    </a:p>
+                    <a:p>
+                      <a:pPr algn="ctr"/>
+                      <a:r>
+                        <a:rPr kumimoji="1" lang="en-US" altLang="ja-JP" sz="1400" b="0" dirty="0">
+                          <a:solidFill>
+                            <a:schemeClr val="tx1">
+                              <a:lumMod val="75000"/>
+                              <a:lumOff val="25000"/>
+                            </a:schemeClr>
+                          </a:solidFill>
+                        </a:rPr>
+                        <a:t>F1-score</a:t>
+                      </a:r>
+                      <a:endParaRPr kumimoji="1" lang="ja-JP" altLang="en-US" sz="1400" b="0" dirty="0">
+                        <a:solidFill>
+                          <a:schemeClr val="tx1">
+                            <a:lumMod val="75000"/>
+                            <a:lumOff val="25000"/>
+                          </a:schemeClr>
+                        </a:solidFill>
+                      </a:endParaRPr>
+                    </a:p>
+                  </a:txBody>
+                  <a:tcPr anchor="ctr">
+                    <a:noFill/>
+                  </a:tcPr>
+                </a:tc>
+                <a:tc rowSpan="2">
+                  <a:txBody>
+                    <a:bodyPr/>
+                    <a:lstStyle/>
+                    <a:p>
+                      <a:pPr algn="ctr"/>
+                      <a:r>
+                        <a:rPr kumimoji="1" lang="ja-JP" altLang="en-US" sz="1800" b="1" dirty="0">
+                          <a:solidFill>
+                            <a:schemeClr val="tx1">
+                              <a:lumMod val="75000"/>
+                              <a:lumOff val="25000"/>
+                            </a:schemeClr>
+                          </a:solidFill>
+                        </a:rPr>
+                        <a:t>正解率</a:t>
+                      </a:r>
+                      <a:endParaRPr kumimoji="1" lang="en-US" altLang="ja-JP" sz="1800" b="1" dirty="0">
+                        <a:solidFill>
+                          <a:schemeClr val="tx1">
+                            <a:lumMod val="75000"/>
+                            <a:lumOff val="25000"/>
+                          </a:schemeClr>
+                        </a:solidFill>
+                      </a:endParaRPr>
+                    </a:p>
+                    <a:p>
+                      <a:pPr algn="ctr"/>
+                      <a:r>
+                        <a:rPr kumimoji="1" lang="en-US" altLang="ja-JP" sz="1400" b="0" dirty="0">
+                          <a:solidFill>
+                            <a:schemeClr val="tx1">
+                              <a:lumMod val="75000"/>
+                              <a:lumOff val="25000"/>
+                            </a:schemeClr>
+                          </a:solidFill>
+                        </a:rPr>
+                        <a:t>accuracy</a:t>
+                      </a:r>
+                      <a:endParaRPr kumimoji="1" lang="ja-JP" altLang="en-US" sz="1400" b="0" dirty="0">
+                        <a:solidFill>
+                          <a:schemeClr val="tx1">
+                            <a:lumMod val="75000"/>
+                            <a:lumOff val="25000"/>
+                          </a:schemeClr>
+                        </a:solidFill>
+                      </a:endParaRPr>
+                    </a:p>
+                  </a:txBody>
+                  <a:tcPr anchor="ctr">
+                    <a:noFill/>
+                  </a:tcPr>
+                </a:tc>
+                <a:extLst>
+                  <a:ext uri="{0D108BD9-81ED-4DB2-BD59-A6C34878D82A}">
+                    <a16:rowId xmlns:a16="http://schemas.microsoft.com/office/drawing/2014/main" val="53369686"/>
+                  </a:ext>
+                </a:extLst>
+              </a:tr>
+              <a:tr h="360485">
+                <a:tc gridSpan="2" vMerge="1">
+                  <a:txBody>
+                    <a:bodyPr/>
+                    <a:lstStyle/>
+                    <a:p>
+                      <a:pPr algn="ctr"/>
+                      <a:endParaRPr kumimoji="1" lang="ja-JP" altLang="en-US" sz="1400" b="1" dirty="0">
+                        <a:solidFill>
+                          <a:schemeClr val="tx1">
+                            <a:lumMod val="75000"/>
+                            <a:lumOff val="25000"/>
+                          </a:schemeClr>
+                        </a:solidFill>
+                      </a:endParaRPr>
+                    </a:p>
+                  </a:txBody>
+                  <a:tcPr anchor="ctr">
+                    <a:lnTlToBr w="12700" cap="flat" cmpd="sng" algn="ctr">
+                      <a:solidFill>
+                        <a:schemeClr val="tx1"/>
+                      </a:solidFill>
+                      <a:prstDash val="solid"/>
+                      <a:round/>
+                      <a:headEnd type="none" w="med" len="med"/>
+                      <a:tailEnd type="none" w="med" len="med"/>
+                    </a:lnTlToBr>
+                  </a:tcPr>
+                </a:tc>
+                <a:tc hMerge="1" vMerge="1">
+                  <a:txBody>
+                    <a:bodyPr/>
+                    <a:lstStyle/>
+                    <a:p>
+                      <a:pPr algn="ctr"/>
+                      <a:endParaRPr kumimoji="1" lang="ja-JP" altLang="en-US" sz="1400" b="1" dirty="0">
+                        <a:solidFill>
+                          <a:schemeClr val="tx1">
+                            <a:lumMod val="75000"/>
+                            <a:lumOff val="25000"/>
+                          </a:schemeClr>
+                        </a:solidFill>
+                      </a:endParaRPr>
+                    </a:p>
+                  </a:txBody>
+                  <a:tcPr anchor="ctr">
+                    <a:lnTlToBr w="12700" cap="flat" cmpd="sng" algn="ctr">
+                      <a:solidFill>
+                        <a:schemeClr val="tx1"/>
+                      </a:solidFill>
+                      <a:prstDash val="solid"/>
+                      <a:round/>
+                      <a:headEnd type="none" w="med" len="med"/>
+                      <a:tailEnd type="none" w="med" len="med"/>
+                    </a:lnTlToBr>
+                  </a:tcPr>
+                </a:tc>
+                <a:tc>
+                  <a:txBody>
+                    <a:bodyPr/>
+                    <a:lstStyle/>
+                    <a:p>
+                      <a:pPr algn="ctr"/>
+                      <a:r>
+                        <a:rPr kumimoji="1" lang="ja-JP" altLang="en-US" sz="1800" b="1" dirty="0">
+                          <a:solidFill>
+                            <a:schemeClr val="tx1">
+                              <a:lumMod val="75000"/>
+                              <a:lumOff val="25000"/>
+                            </a:schemeClr>
+                          </a:solidFill>
+                        </a:rPr>
+                        <a:t>バグ報告</a:t>
+                      </a:r>
+                    </a:p>
+                  </a:txBody>
+                  <a:tcPr anchor="ctr">
+                    <a:solidFill>
+                      <a:srgbClr val="FFCCFF"/>
+                    </a:solidFill>
+                  </a:tcPr>
+                </a:tc>
+                <a:tc>
+                  <a:txBody>
+                    <a:bodyPr/>
+                    <a:lstStyle/>
+                    <a:p>
+                      <a:pPr algn="ctr"/>
+                      <a:r>
+                        <a:rPr kumimoji="1" lang="ja-JP" altLang="en-US" sz="1800" b="1" dirty="0">
+                          <a:solidFill>
+                            <a:schemeClr val="tx1">
+                              <a:lumMod val="75000"/>
+                              <a:lumOff val="25000"/>
+                            </a:schemeClr>
+                          </a:solidFill>
+                        </a:rPr>
+                        <a:t>機能要求</a:t>
+                      </a:r>
+                    </a:p>
+                  </a:txBody>
+                  <a:tcPr anchor="ctr">
+                    <a:solidFill>
+                      <a:srgbClr val="FFCCFF"/>
+                    </a:solidFill>
+                  </a:tcPr>
+                </a:tc>
+                <a:tc>
+                  <a:txBody>
+                    <a:bodyPr/>
+                    <a:lstStyle/>
+                    <a:p>
+                      <a:pPr algn="ctr"/>
+                      <a:r>
+                        <a:rPr kumimoji="1" lang="ja-JP" altLang="en-US" sz="1800" b="1" dirty="0">
+                          <a:solidFill>
+                            <a:schemeClr val="tx1">
+                              <a:lumMod val="75000"/>
+                              <a:lumOff val="25000"/>
+                            </a:schemeClr>
+                          </a:solidFill>
+                        </a:rPr>
+                        <a:t>その他</a:t>
+                      </a:r>
+                    </a:p>
+                  </a:txBody>
+                  <a:tcPr anchor="ctr">
+                    <a:solidFill>
+                      <a:srgbClr val="FFCCFF"/>
+                    </a:solidFill>
+                  </a:tcPr>
+                </a:tc>
+                <a:tc vMerge="1">
+                  <a:txBody>
+                    <a:bodyPr/>
+                    <a:lstStyle/>
+                    <a:p>
+                      <a:pPr algn="ctr"/>
+                      <a:endParaRPr kumimoji="1" lang="ja-JP" altLang="en-US" sz="1800" b="1" dirty="0">
+                        <a:solidFill>
+                          <a:schemeClr val="tx1">
+                            <a:lumMod val="75000"/>
+                            <a:lumOff val="25000"/>
+                          </a:schemeClr>
+                        </a:solidFill>
+                      </a:endParaRPr>
+                    </a:p>
+                  </a:txBody>
+                  <a:tcPr anchor="ctr">
+                    <a:solidFill>
+                      <a:srgbClr val="FFCCFF"/>
+                    </a:solidFill>
+                  </a:tcPr>
+                </a:tc>
+                <a:tc vMerge="1">
+                  <a:txBody>
+                    <a:bodyPr/>
+                    <a:lstStyle/>
+                    <a:p>
+                      <a:endParaRPr kumimoji="1" lang="ja-JP" altLang="en-US"/>
+                    </a:p>
+                  </a:txBody>
+                  <a:tcPr/>
+                </a:tc>
+                <a:tc vMerge="1">
+                  <a:txBody>
+                    <a:bodyPr/>
+                    <a:lstStyle/>
+                    <a:p>
+                      <a:endParaRPr kumimoji="1" lang="ja-JP" altLang="en-US"/>
+                    </a:p>
+                  </a:txBody>
+                  <a:tcPr/>
+                </a:tc>
+                <a:tc vMerge="1">
+                  <a:txBody>
+                    <a:bodyPr/>
+                    <a:lstStyle/>
+                    <a:p>
+                      <a:endParaRPr kumimoji="1" lang="ja-JP" altLang="en-US"/>
+                    </a:p>
+                  </a:txBody>
+                  <a:tcPr/>
+                </a:tc>
+                <a:extLst>
+                  <a:ext uri="{0D108BD9-81ED-4DB2-BD59-A6C34878D82A}">
+                    <a16:rowId xmlns:a16="http://schemas.microsoft.com/office/drawing/2014/main" val="290926368"/>
+                  </a:ext>
+                </a:extLst>
+              </a:tr>
+              <a:tr h="360485">
+                <a:tc rowSpan="3">
+                  <a:txBody>
+                    <a:bodyPr/>
+                    <a:lstStyle/>
+                    <a:p>
+                      <a:pPr marL="0" marR="0" lvl="0" indent="0" algn="ctr" defTabSz="685800" rtl="0" eaLnBrk="1" fontAlgn="auto" latinLnBrk="0" hangingPunct="1">
+                        <a:lnSpc>
+                          <a:spcPct val="100000"/>
+                        </a:lnSpc>
+                        <a:spcBef>
+                          <a:spcPts val="0"/>
+                        </a:spcBef>
+                        <a:spcAft>
+                          <a:spcPts val="0"/>
+                        </a:spcAft>
+                        <a:buClrTx/>
+                        <a:buSzTx/>
+                        <a:buFontTx/>
+                        <a:buNone/>
+                        <a:tabLst/>
+                        <a:defRPr/>
+                      </a:pPr>
+                      <a:r>
+                        <a:rPr kumimoji="1" lang="ja-JP" altLang="en-US" sz="1800" b="1" dirty="0">
+                          <a:solidFill>
+                            <a:schemeClr val="tx1">
+                              <a:lumMod val="75000"/>
+                              <a:lumOff val="25000"/>
+                            </a:schemeClr>
+                          </a:solidFill>
+                        </a:rPr>
+                        <a:t>真の分類</a:t>
+                      </a:r>
+                    </a:p>
+                  </a:txBody>
+                  <a:tcPr vert="eaVert" anchor="ctr">
+                    <a:solidFill>
+                      <a:schemeClr val="tx2">
+                        <a:lumMod val="20000"/>
+                        <a:lumOff val="80000"/>
+                      </a:schemeClr>
+                    </a:solidFill>
+                  </a:tcPr>
+                </a:tc>
+                <a:tc>
+                  <a:txBody>
+                    <a:bodyPr/>
+                    <a:lstStyle/>
+                    <a:p>
+                      <a:pPr marL="0" marR="0" lvl="0" indent="0" algn="ctr" defTabSz="685800" rtl="0" eaLnBrk="1" fontAlgn="auto" latinLnBrk="0" hangingPunct="1">
+                        <a:lnSpc>
+                          <a:spcPct val="100000"/>
+                        </a:lnSpc>
+                        <a:spcBef>
+                          <a:spcPts val="0"/>
+                        </a:spcBef>
+                        <a:spcAft>
+                          <a:spcPts val="0"/>
+                        </a:spcAft>
+                        <a:buClrTx/>
+                        <a:buSzTx/>
+                        <a:buFontTx/>
+                        <a:buNone/>
+                        <a:tabLst/>
+                        <a:defRPr/>
+                      </a:pPr>
+                      <a:r>
+                        <a:rPr kumimoji="1" lang="ja-JP" altLang="en-US" sz="1800" b="1" dirty="0">
+                          <a:solidFill>
+                            <a:schemeClr val="tx1">
+                              <a:lumMod val="75000"/>
+                              <a:lumOff val="25000"/>
+                            </a:schemeClr>
+                          </a:solidFill>
+                        </a:rPr>
+                        <a:t>バグ報告</a:t>
+                      </a:r>
+                    </a:p>
+                  </a:txBody>
+                  <a:tcPr anchor="ctr">
+                    <a:solidFill>
+                      <a:schemeClr val="tx2">
+                        <a:lumMod val="20000"/>
+                        <a:lumOff val="80000"/>
+                      </a:schemeClr>
+                    </a:solidFill>
+                  </a:tcPr>
+                </a:tc>
+                <a:tc>
+                  <a:txBody>
+                    <a:bodyPr/>
+                    <a:lstStyle/>
+                    <a:p>
+                      <a:pPr algn="ctr"/>
+                      <a:r>
+                        <a:rPr kumimoji="1" lang="en-US" altLang="ja-JP" sz="1800" b="1" dirty="0" smtClean="0">
+                          <a:solidFill>
+                            <a:schemeClr val="tx1">
+                              <a:lumMod val="75000"/>
+                              <a:lumOff val="25000"/>
+                            </a:schemeClr>
+                          </a:solidFill>
+                        </a:rPr>
+                        <a:t>9</a:t>
+                      </a:r>
+                      <a:endParaRPr kumimoji="1" lang="ja-JP" altLang="en-US" sz="1800" b="1" dirty="0">
+                        <a:solidFill>
+                          <a:schemeClr val="tx1">
+                            <a:lumMod val="75000"/>
+                            <a:lumOff val="25000"/>
+                          </a:schemeClr>
+                        </a:solidFill>
+                      </a:endParaRPr>
+                    </a:p>
+                  </a:txBody>
+                  <a:tcPr anchor="ctr">
+                    <a:solidFill>
+                      <a:srgbClr val="FFFF99"/>
+                    </a:solidFill>
+                  </a:tcPr>
+                </a:tc>
+                <a:tc>
+                  <a:txBody>
+                    <a:bodyPr/>
+                    <a:lstStyle/>
+                    <a:p>
+                      <a:pPr algn="ctr"/>
+                      <a:r>
+                        <a:rPr kumimoji="1" lang="en-US" altLang="ja-JP" sz="1800" b="1" dirty="0" smtClean="0">
+                          <a:solidFill>
+                            <a:schemeClr val="tx1">
+                              <a:lumMod val="75000"/>
+                              <a:lumOff val="25000"/>
+                            </a:schemeClr>
+                          </a:solidFill>
+                        </a:rPr>
+                        <a:t>8</a:t>
+                      </a:r>
+                      <a:endParaRPr kumimoji="1" lang="ja-JP" altLang="en-US" sz="1800" b="1" dirty="0">
+                        <a:solidFill>
+                          <a:schemeClr val="tx1">
+                            <a:lumMod val="75000"/>
+                            <a:lumOff val="25000"/>
+                          </a:schemeClr>
+                        </a:solidFill>
+                      </a:endParaRPr>
+                    </a:p>
+                  </a:txBody>
+                  <a:tcPr anchor="ctr"/>
+                </a:tc>
+                <a:tc>
+                  <a:txBody>
+                    <a:bodyPr/>
+                    <a:lstStyle/>
+                    <a:p>
+                      <a:pPr algn="ctr"/>
+                      <a:r>
+                        <a:rPr kumimoji="1" lang="en-US" altLang="ja-JP" sz="1800" b="1" dirty="0" smtClean="0">
+                          <a:solidFill>
+                            <a:schemeClr val="tx1">
+                              <a:lumMod val="75000"/>
+                              <a:lumOff val="25000"/>
+                            </a:schemeClr>
+                          </a:solidFill>
+                        </a:rPr>
+                        <a:t>4</a:t>
+                      </a:r>
+                      <a:endParaRPr kumimoji="1" lang="ja-JP" altLang="en-US" sz="1800" b="1" dirty="0">
+                        <a:solidFill>
+                          <a:schemeClr val="tx1">
+                            <a:lumMod val="75000"/>
+                            <a:lumOff val="25000"/>
+                          </a:schemeClr>
+                        </a:solidFill>
+                      </a:endParaRPr>
+                    </a:p>
+                  </a:txBody>
+                  <a:tcPr anchor="ctr"/>
+                </a:tc>
+                <a:tc>
+                  <a:txBody>
+                    <a:bodyPr/>
+                    <a:lstStyle/>
+                    <a:p>
+                      <a:pPr algn="ctr"/>
+                      <a:r>
+                        <a:rPr kumimoji="1" lang="en-US" altLang="ja-JP" sz="1800" b="1" smtClean="0">
+                          <a:solidFill>
+                            <a:schemeClr val="tx1">
+                              <a:lumMod val="75000"/>
+                              <a:lumOff val="25000"/>
+                            </a:schemeClr>
+                          </a:solidFill>
+                        </a:rPr>
+                        <a:t>0.75</a:t>
+                      </a:r>
+                      <a:endParaRPr kumimoji="1" lang="ja-JP" altLang="en-US" sz="1800" b="1" dirty="0">
+                        <a:solidFill>
+                          <a:schemeClr val="tx1">
+                            <a:lumMod val="75000"/>
+                            <a:lumOff val="25000"/>
+                          </a:schemeClr>
+                        </a:solidFill>
+                      </a:endParaRPr>
+                    </a:p>
+                  </a:txBody>
+                  <a:tcPr anchor="ctr"/>
+                </a:tc>
+                <a:tc>
+                  <a:txBody>
+                    <a:bodyPr/>
+                    <a:lstStyle/>
+                    <a:p>
+                      <a:pPr algn="ctr"/>
+                      <a:r>
+                        <a:rPr kumimoji="1" lang="en-US" altLang="ja-JP" sz="1800" b="1" smtClean="0">
+                          <a:solidFill>
+                            <a:schemeClr val="tx1">
+                              <a:lumMod val="75000"/>
+                              <a:lumOff val="25000"/>
+                            </a:schemeClr>
+                          </a:solidFill>
+                        </a:rPr>
+                        <a:t>0.43</a:t>
+                      </a:r>
+                      <a:endParaRPr kumimoji="1" lang="ja-JP" altLang="en-US" sz="1800" b="1" dirty="0">
+                        <a:solidFill>
+                          <a:schemeClr val="tx1">
+                            <a:lumMod val="75000"/>
+                            <a:lumOff val="25000"/>
+                          </a:schemeClr>
+                        </a:solidFill>
+                      </a:endParaRPr>
+                    </a:p>
+                  </a:txBody>
+                  <a:tcPr anchor="ctr"/>
+                </a:tc>
+                <a:tc>
+                  <a:txBody>
+                    <a:bodyPr/>
+                    <a:lstStyle/>
+                    <a:p>
+                      <a:pPr algn="ctr"/>
+                      <a:r>
+                        <a:rPr kumimoji="1" lang="en-US" altLang="ja-JP" sz="1800" b="1" smtClean="0">
+                          <a:solidFill>
+                            <a:schemeClr val="tx1">
+                              <a:lumMod val="75000"/>
+                              <a:lumOff val="25000"/>
+                            </a:schemeClr>
+                          </a:solidFill>
+                        </a:rPr>
+                        <a:t>0.55</a:t>
+                      </a:r>
+                      <a:endParaRPr kumimoji="1" lang="ja-JP" altLang="en-US" sz="1800" b="1" dirty="0">
+                        <a:solidFill>
+                          <a:schemeClr val="tx1">
+                            <a:lumMod val="75000"/>
+                            <a:lumOff val="25000"/>
+                          </a:schemeClr>
+                        </a:solidFill>
+                      </a:endParaRPr>
+                    </a:p>
+                  </a:txBody>
+                  <a:tcPr anchor="ctr"/>
+                </a:tc>
+                <a:tc rowSpan="3">
+                  <a:txBody>
+                    <a:bodyPr/>
+                    <a:lstStyle/>
+                    <a:p>
+                      <a:pPr algn="ctr"/>
+                      <a:r>
+                        <a:rPr kumimoji="1" lang="en-US" altLang="ja-JP" sz="1800" b="1" dirty="0" smtClean="0">
+                          <a:solidFill>
+                            <a:schemeClr val="tx1">
+                              <a:lumMod val="75000"/>
+                              <a:lumOff val="25000"/>
+                            </a:schemeClr>
+                          </a:solidFill>
+                        </a:rPr>
+                        <a:t>0.86</a:t>
+                      </a:r>
+                      <a:endParaRPr kumimoji="1" lang="ja-JP" altLang="en-US" sz="1800" b="1" dirty="0">
+                        <a:solidFill>
+                          <a:schemeClr val="tx1">
+                            <a:lumMod val="75000"/>
+                            <a:lumOff val="25000"/>
+                          </a:schemeClr>
+                        </a:solidFill>
+                      </a:endParaRPr>
+                    </a:p>
+                  </a:txBody>
+                  <a:tcPr anchor="ctr"/>
+                </a:tc>
+                <a:extLst>
+                  <a:ext uri="{0D108BD9-81ED-4DB2-BD59-A6C34878D82A}">
+                    <a16:rowId xmlns:a16="http://schemas.microsoft.com/office/drawing/2014/main" val="3098006258"/>
+                  </a:ext>
+                </a:extLst>
+              </a:tr>
+              <a:tr h="360485">
+                <a:tc vMerge="1">
+                  <a:txBody>
+                    <a:bodyPr/>
+                    <a:lstStyle/>
+                    <a:p>
+                      <a:pPr algn="ctr"/>
+                      <a:endParaRPr kumimoji="1" lang="ja-JP" altLang="en-US" sz="1400" b="1" dirty="0">
+                        <a:solidFill>
+                          <a:schemeClr val="tx1">
+                            <a:lumMod val="75000"/>
+                            <a:lumOff val="25000"/>
+                          </a:schemeClr>
+                        </a:solidFill>
+                      </a:endParaRPr>
+                    </a:p>
+                  </a:txBody>
+                  <a:tcPr anchor="ctr">
+                    <a:solidFill>
+                      <a:schemeClr val="tx2">
+                        <a:lumMod val="20000"/>
+                        <a:lumOff val="80000"/>
+                      </a:schemeClr>
+                    </a:solidFill>
+                  </a:tcPr>
+                </a:tc>
+                <a:tc>
+                  <a:txBody>
+                    <a:bodyPr/>
+                    <a:lstStyle/>
+                    <a:p>
+                      <a:pPr algn="ctr"/>
+                      <a:r>
+                        <a:rPr kumimoji="1" lang="ja-JP" altLang="en-US" sz="1800" b="1" dirty="0">
+                          <a:solidFill>
+                            <a:schemeClr val="tx1">
+                              <a:lumMod val="75000"/>
+                              <a:lumOff val="25000"/>
+                            </a:schemeClr>
+                          </a:solidFill>
+                        </a:rPr>
+                        <a:t>機能要求</a:t>
+                      </a:r>
+                    </a:p>
+                  </a:txBody>
+                  <a:tcPr anchor="ctr">
+                    <a:solidFill>
+                      <a:schemeClr val="tx2">
+                        <a:lumMod val="20000"/>
+                        <a:lumOff val="80000"/>
+                      </a:schemeClr>
+                    </a:solidFill>
+                  </a:tcPr>
+                </a:tc>
+                <a:tc>
+                  <a:txBody>
+                    <a:bodyPr/>
+                    <a:lstStyle/>
+                    <a:p>
+                      <a:pPr algn="ctr"/>
+                      <a:r>
+                        <a:rPr kumimoji="1" lang="en-US" altLang="ja-JP" sz="1800" b="1" dirty="0" smtClean="0">
+                          <a:solidFill>
+                            <a:schemeClr val="tx1">
+                              <a:lumMod val="75000"/>
+                              <a:lumOff val="25000"/>
+                            </a:schemeClr>
+                          </a:solidFill>
+                        </a:rPr>
+                        <a:t>0</a:t>
+                      </a:r>
+                      <a:endParaRPr kumimoji="1" lang="ja-JP" altLang="en-US" sz="1800" b="1" dirty="0">
+                        <a:solidFill>
+                          <a:schemeClr val="tx1">
+                            <a:lumMod val="75000"/>
+                            <a:lumOff val="25000"/>
+                          </a:schemeClr>
+                        </a:solidFill>
+                      </a:endParaRPr>
+                    </a:p>
+                  </a:txBody>
+                  <a:tcPr anchor="ctr"/>
+                </a:tc>
+                <a:tc>
+                  <a:txBody>
+                    <a:bodyPr/>
+                    <a:lstStyle/>
+                    <a:p>
+                      <a:pPr algn="ctr"/>
+                      <a:r>
+                        <a:rPr kumimoji="1" lang="en-US" altLang="ja-JP" sz="1800" b="1" dirty="0" smtClean="0">
+                          <a:solidFill>
+                            <a:schemeClr val="tx1">
+                              <a:lumMod val="75000"/>
+                              <a:lumOff val="25000"/>
+                            </a:schemeClr>
+                          </a:solidFill>
+                        </a:rPr>
+                        <a:t>19</a:t>
+                      </a:r>
+                      <a:endParaRPr kumimoji="1" lang="ja-JP" altLang="en-US" sz="1800" b="1" dirty="0">
+                        <a:solidFill>
+                          <a:schemeClr val="tx1">
+                            <a:lumMod val="75000"/>
+                            <a:lumOff val="25000"/>
+                          </a:schemeClr>
+                        </a:solidFill>
+                      </a:endParaRPr>
+                    </a:p>
+                  </a:txBody>
+                  <a:tcPr anchor="ctr">
+                    <a:solidFill>
+                      <a:srgbClr val="FFFF99"/>
+                    </a:solidFill>
+                  </a:tcPr>
+                </a:tc>
+                <a:tc>
+                  <a:txBody>
+                    <a:bodyPr/>
+                    <a:lstStyle/>
+                    <a:p>
+                      <a:pPr algn="ctr"/>
+                      <a:r>
+                        <a:rPr kumimoji="1" lang="en-US" altLang="ja-JP" sz="1800" b="1" dirty="0" smtClean="0">
+                          <a:solidFill>
+                            <a:schemeClr val="tx1">
+                              <a:lumMod val="75000"/>
+                              <a:lumOff val="25000"/>
+                            </a:schemeClr>
+                          </a:solidFill>
+                        </a:rPr>
+                        <a:t>5</a:t>
+                      </a:r>
+                      <a:endParaRPr kumimoji="1" lang="ja-JP" altLang="en-US" sz="1800" b="1" dirty="0">
+                        <a:solidFill>
+                          <a:schemeClr val="tx1">
+                            <a:lumMod val="75000"/>
+                            <a:lumOff val="25000"/>
+                          </a:schemeClr>
+                        </a:solidFill>
+                      </a:endParaRPr>
+                    </a:p>
+                  </a:txBody>
+                  <a:tcPr anchor="ctr"/>
+                </a:tc>
+                <a:tc>
+                  <a:txBody>
+                    <a:bodyPr/>
+                    <a:lstStyle/>
+                    <a:p>
+                      <a:pPr algn="ctr"/>
+                      <a:r>
+                        <a:rPr kumimoji="1" lang="en-US" altLang="ja-JP" sz="1800" b="1" dirty="0" smtClean="0">
+                          <a:solidFill>
+                            <a:schemeClr val="tx1">
+                              <a:lumMod val="75000"/>
+                              <a:lumOff val="25000"/>
+                            </a:schemeClr>
+                          </a:solidFill>
+                        </a:rPr>
+                        <a:t>0.35</a:t>
+                      </a:r>
+                      <a:endParaRPr kumimoji="1" lang="ja-JP" altLang="en-US" sz="1800" b="1" dirty="0">
+                        <a:solidFill>
+                          <a:schemeClr val="tx1">
+                            <a:lumMod val="75000"/>
+                            <a:lumOff val="25000"/>
+                          </a:schemeClr>
+                        </a:solidFill>
+                      </a:endParaRPr>
+                    </a:p>
+                  </a:txBody>
+                  <a:tcPr anchor="ctr"/>
+                </a:tc>
+                <a:tc>
+                  <a:txBody>
+                    <a:bodyPr/>
+                    <a:lstStyle/>
+                    <a:p>
+                      <a:pPr algn="ctr"/>
+                      <a:r>
+                        <a:rPr kumimoji="1" lang="en-US" altLang="ja-JP" sz="1800" b="1" dirty="0" smtClean="0">
+                          <a:solidFill>
+                            <a:schemeClr val="tx1">
+                              <a:lumMod val="75000"/>
+                              <a:lumOff val="25000"/>
+                            </a:schemeClr>
+                          </a:solidFill>
+                        </a:rPr>
+                        <a:t>0.79</a:t>
+                      </a:r>
+                      <a:endParaRPr kumimoji="1" lang="ja-JP" altLang="en-US" sz="1800" b="1" dirty="0">
+                        <a:solidFill>
+                          <a:schemeClr val="tx1">
+                            <a:lumMod val="75000"/>
+                            <a:lumOff val="25000"/>
+                          </a:schemeClr>
+                        </a:solidFill>
+                      </a:endParaRPr>
+                    </a:p>
+                  </a:txBody>
+                  <a:tcPr anchor="ctr"/>
+                </a:tc>
+                <a:tc>
+                  <a:txBody>
+                    <a:bodyPr/>
+                    <a:lstStyle/>
+                    <a:p>
+                      <a:pPr algn="ctr"/>
+                      <a:r>
+                        <a:rPr kumimoji="1" lang="en-US" altLang="ja-JP" sz="1800" b="1" dirty="0" smtClean="0">
+                          <a:solidFill>
+                            <a:schemeClr val="tx1">
+                              <a:lumMod val="75000"/>
+                              <a:lumOff val="25000"/>
+                            </a:schemeClr>
+                          </a:solidFill>
+                        </a:rPr>
+                        <a:t>0.48</a:t>
+                      </a:r>
+                      <a:endParaRPr kumimoji="1" lang="ja-JP" altLang="en-US" sz="1800" b="1" dirty="0">
+                        <a:solidFill>
+                          <a:schemeClr val="tx1">
+                            <a:lumMod val="75000"/>
+                            <a:lumOff val="25000"/>
+                          </a:schemeClr>
+                        </a:solidFill>
+                      </a:endParaRPr>
+                    </a:p>
+                  </a:txBody>
+                  <a:tcPr anchor="ctr"/>
+                </a:tc>
+                <a:tc vMerge="1">
+                  <a:txBody>
+                    <a:bodyPr/>
+                    <a:lstStyle/>
+                    <a:p>
+                      <a:pPr algn="ctr"/>
+                      <a:endParaRPr kumimoji="1" lang="ja-JP" altLang="en-US" sz="1800" b="1" dirty="0">
+                        <a:solidFill>
+                          <a:schemeClr val="tx1">
+                            <a:lumMod val="75000"/>
+                            <a:lumOff val="25000"/>
+                          </a:schemeClr>
+                        </a:solidFill>
+                      </a:endParaRPr>
+                    </a:p>
+                  </a:txBody>
+                  <a:tcPr anchor="ctr"/>
+                </a:tc>
+                <a:extLst>
+                  <a:ext uri="{0D108BD9-81ED-4DB2-BD59-A6C34878D82A}">
+                    <a16:rowId xmlns:a16="http://schemas.microsoft.com/office/drawing/2014/main" val="2471616886"/>
+                  </a:ext>
+                </a:extLst>
+              </a:tr>
+              <a:tr h="360485">
+                <a:tc vMerge="1">
+                  <a:txBody>
+                    <a:bodyPr/>
+                    <a:lstStyle/>
+                    <a:p>
+                      <a:pPr algn="ctr"/>
+                      <a:endParaRPr kumimoji="1" lang="ja-JP" altLang="en-US" sz="1400" b="1" dirty="0">
+                        <a:solidFill>
+                          <a:schemeClr val="tx1">
+                            <a:lumMod val="75000"/>
+                            <a:lumOff val="25000"/>
+                          </a:schemeClr>
+                        </a:solidFill>
+                      </a:endParaRPr>
+                    </a:p>
+                  </a:txBody>
+                  <a:tcPr anchor="ctr">
+                    <a:solidFill>
+                      <a:schemeClr val="tx2">
+                        <a:lumMod val="20000"/>
+                        <a:lumOff val="80000"/>
+                      </a:schemeClr>
+                    </a:solidFill>
+                  </a:tcPr>
+                </a:tc>
+                <a:tc>
+                  <a:txBody>
+                    <a:bodyPr/>
+                    <a:lstStyle/>
+                    <a:p>
+                      <a:pPr algn="ctr"/>
+                      <a:r>
+                        <a:rPr kumimoji="1" lang="ja-JP" altLang="en-US" sz="1800" b="1" dirty="0">
+                          <a:solidFill>
+                            <a:schemeClr val="tx1">
+                              <a:lumMod val="75000"/>
+                              <a:lumOff val="25000"/>
+                            </a:schemeClr>
+                          </a:solidFill>
+                        </a:rPr>
+                        <a:t>その他</a:t>
+                      </a:r>
+                    </a:p>
+                  </a:txBody>
+                  <a:tcPr anchor="ctr">
+                    <a:solidFill>
+                      <a:schemeClr val="tx2">
+                        <a:lumMod val="20000"/>
+                        <a:lumOff val="80000"/>
+                      </a:schemeClr>
+                    </a:solidFill>
+                  </a:tcPr>
+                </a:tc>
+                <a:tc>
+                  <a:txBody>
+                    <a:bodyPr/>
+                    <a:lstStyle/>
+                    <a:p>
+                      <a:pPr algn="ctr"/>
+                      <a:r>
+                        <a:rPr kumimoji="1" lang="en-US" altLang="ja-JP" sz="1800" b="1" dirty="0">
+                          <a:solidFill>
+                            <a:schemeClr val="tx1">
+                              <a:lumMod val="75000"/>
+                              <a:lumOff val="25000"/>
+                            </a:schemeClr>
+                          </a:solidFill>
+                        </a:rPr>
+                        <a:t>3</a:t>
+                      </a:r>
+                      <a:endParaRPr kumimoji="1" lang="ja-JP" altLang="en-US" sz="1800" b="1" dirty="0">
+                        <a:solidFill>
+                          <a:schemeClr val="tx1">
+                            <a:lumMod val="75000"/>
+                            <a:lumOff val="25000"/>
+                          </a:schemeClr>
+                        </a:solidFill>
+                      </a:endParaRPr>
+                    </a:p>
+                  </a:txBody>
+                  <a:tcPr anchor="ctr"/>
+                </a:tc>
+                <a:tc>
+                  <a:txBody>
+                    <a:bodyPr/>
+                    <a:lstStyle/>
+                    <a:p>
+                      <a:pPr algn="ctr"/>
+                      <a:r>
+                        <a:rPr kumimoji="1" lang="en-US" altLang="ja-JP" sz="1800" b="1" dirty="0" smtClean="0">
+                          <a:solidFill>
+                            <a:schemeClr val="tx1">
+                              <a:lumMod val="75000"/>
+                              <a:lumOff val="25000"/>
+                            </a:schemeClr>
+                          </a:solidFill>
+                        </a:rPr>
+                        <a:t>28</a:t>
+                      </a:r>
+                      <a:endParaRPr kumimoji="1" lang="ja-JP" altLang="en-US" sz="1800" b="1" dirty="0">
+                        <a:solidFill>
+                          <a:schemeClr val="tx1">
+                            <a:lumMod val="75000"/>
+                            <a:lumOff val="25000"/>
+                          </a:schemeClr>
+                        </a:solidFill>
+                      </a:endParaRPr>
+                    </a:p>
+                  </a:txBody>
+                  <a:tcPr anchor="ctr"/>
+                </a:tc>
+                <a:tc>
+                  <a:txBody>
+                    <a:bodyPr/>
+                    <a:lstStyle/>
+                    <a:p>
+                      <a:pPr algn="ctr"/>
+                      <a:r>
+                        <a:rPr kumimoji="1" lang="en-US" altLang="ja-JP" sz="1800" b="1" dirty="0" smtClean="0">
+                          <a:solidFill>
+                            <a:schemeClr val="tx1">
+                              <a:lumMod val="75000"/>
+                              <a:lumOff val="25000"/>
+                            </a:schemeClr>
+                          </a:solidFill>
+                        </a:rPr>
+                        <a:t>256</a:t>
+                      </a:r>
+                      <a:endParaRPr kumimoji="1" lang="ja-JP" altLang="en-US" sz="1800" b="1" dirty="0">
+                        <a:solidFill>
+                          <a:schemeClr val="tx1">
+                            <a:lumMod val="75000"/>
+                            <a:lumOff val="25000"/>
+                          </a:schemeClr>
+                        </a:solidFill>
+                      </a:endParaRPr>
+                    </a:p>
+                  </a:txBody>
+                  <a:tcPr anchor="ctr">
+                    <a:solidFill>
+                      <a:srgbClr val="FFFF99"/>
+                    </a:solidFill>
+                  </a:tcPr>
+                </a:tc>
+                <a:tc>
+                  <a:txBody>
+                    <a:bodyPr/>
+                    <a:lstStyle/>
+                    <a:p>
+                      <a:pPr algn="ctr"/>
+                      <a:r>
+                        <a:rPr kumimoji="1" lang="en-US" altLang="ja-JP" sz="1800" b="1" dirty="0" smtClean="0">
+                          <a:solidFill>
+                            <a:schemeClr val="tx1">
+                              <a:lumMod val="75000"/>
+                              <a:lumOff val="25000"/>
+                            </a:schemeClr>
+                          </a:solidFill>
+                        </a:rPr>
+                        <a:t>0.97</a:t>
+                      </a:r>
+                      <a:endParaRPr kumimoji="1" lang="ja-JP" altLang="en-US" sz="1800" b="1" dirty="0">
+                        <a:solidFill>
+                          <a:schemeClr val="tx1">
+                            <a:lumMod val="75000"/>
+                            <a:lumOff val="25000"/>
+                          </a:schemeClr>
+                        </a:solidFill>
+                      </a:endParaRPr>
+                    </a:p>
+                  </a:txBody>
+                  <a:tcPr anchor="ctr">
+                    <a:noFill/>
+                  </a:tcPr>
+                </a:tc>
+                <a:tc>
+                  <a:txBody>
+                    <a:bodyPr/>
+                    <a:lstStyle/>
+                    <a:p>
+                      <a:pPr algn="ctr"/>
+                      <a:r>
+                        <a:rPr kumimoji="1" lang="en-US" altLang="ja-JP" sz="1800" b="1" dirty="0" smtClean="0">
+                          <a:solidFill>
+                            <a:schemeClr val="tx1">
+                              <a:lumMod val="75000"/>
+                              <a:lumOff val="25000"/>
+                            </a:schemeClr>
+                          </a:solidFill>
+                        </a:rPr>
+                        <a:t>0.89</a:t>
+                      </a:r>
+                      <a:endParaRPr kumimoji="1" lang="ja-JP" altLang="en-US" sz="1800" b="1" dirty="0">
+                        <a:solidFill>
+                          <a:schemeClr val="tx1">
+                            <a:lumMod val="75000"/>
+                            <a:lumOff val="25000"/>
+                          </a:schemeClr>
+                        </a:solidFill>
+                      </a:endParaRPr>
+                    </a:p>
+                  </a:txBody>
+                  <a:tcPr anchor="ctr">
+                    <a:noFill/>
+                  </a:tcPr>
+                </a:tc>
+                <a:tc>
+                  <a:txBody>
+                    <a:bodyPr/>
+                    <a:lstStyle/>
+                    <a:p>
+                      <a:pPr algn="ctr"/>
+                      <a:r>
+                        <a:rPr kumimoji="1" lang="en-US" altLang="ja-JP" sz="1800" b="1" dirty="0" smtClean="0">
+                          <a:solidFill>
+                            <a:schemeClr val="tx1">
+                              <a:lumMod val="75000"/>
+                              <a:lumOff val="25000"/>
+                            </a:schemeClr>
+                          </a:solidFill>
+                        </a:rPr>
+                        <a:t>0.93</a:t>
+                      </a:r>
+                      <a:endParaRPr kumimoji="1" lang="ja-JP" altLang="en-US" sz="1800" b="1" dirty="0">
+                        <a:solidFill>
+                          <a:schemeClr val="tx1">
+                            <a:lumMod val="75000"/>
+                            <a:lumOff val="25000"/>
+                          </a:schemeClr>
+                        </a:solidFill>
+                      </a:endParaRPr>
+                    </a:p>
+                  </a:txBody>
+                  <a:tcPr anchor="ctr">
+                    <a:noFill/>
+                  </a:tcPr>
+                </a:tc>
+                <a:tc vMerge="1">
+                  <a:txBody>
+                    <a:bodyPr/>
+                    <a:lstStyle/>
+                    <a:p>
+                      <a:pPr algn="ctr"/>
+                      <a:endParaRPr kumimoji="1" lang="ja-JP" altLang="en-US" sz="1800" b="1" dirty="0">
+                        <a:solidFill>
+                          <a:schemeClr val="tx1">
+                            <a:lumMod val="75000"/>
+                            <a:lumOff val="25000"/>
+                          </a:schemeClr>
+                        </a:solidFill>
+                      </a:endParaRPr>
+                    </a:p>
+                  </a:txBody>
+                  <a:tcPr anchor="ctr">
+                    <a:noFill/>
+                  </a:tcPr>
+                </a:tc>
+                <a:extLst>
+                  <a:ext uri="{0D108BD9-81ED-4DB2-BD59-A6C34878D82A}">
+                    <a16:rowId xmlns:a16="http://schemas.microsoft.com/office/drawing/2014/main" val="1654385434"/>
+                  </a:ext>
+                </a:extLst>
+              </a:tr>
+            </a:tbl>
+          </a:graphicData>
+        </a:graphic>
+      </p:graphicFrame>
+      <p:cxnSp>
+        <p:nvCxnSpPr>
+          <p:cNvPr id="15" name="直線コネクタ 14">
+            <a:extLst>
+              <a:ext uri="{FF2B5EF4-FFF2-40B4-BE49-F238E27FC236}">
+                <a16:creationId xmlns:a16="http://schemas.microsoft.com/office/drawing/2014/main" id="{0B22DF8F-9DC9-4E57-B6B4-5C0B3E3CB7C5}"/>
+              </a:ext>
+            </a:extLst>
+          </p:cNvPr>
+          <p:cNvCxnSpPr>
+            <a:cxnSpLocks/>
+          </p:cNvCxnSpPr>
+          <p:nvPr/>
+        </p:nvCxnSpPr>
+        <p:spPr>
+          <a:xfrm>
+            <a:off x="5086563" y="2447350"/>
+            <a:ext cx="0" cy="1828800"/>
+          </a:xfrm>
+          <a:prstGeom prst="line">
+            <a:avLst/>
+          </a:prstGeom>
+          <a:ln w="19050">
+            <a:solidFill>
+              <a:schemeClr val="tx1">
+                <a:lumMod val="75000"/>
+                <a:lumOff val="25000"/>
+              </a:schemeClr>
+            </a:solidFill>
+          </a:ln>
+        </p:spPr>
+        <p:style>
+          <a:lnRef idx="1">
+            <a:schemeClr val="accent1"/>
+          </a:lnRef>
+          <a:fillRef idx="0">
+            <a:schemeClr val="accent1"/>
+          </a:fillRef>
+          <a:effectRef idx="0">
+            <a:schemeClr val="accent1"/>
+          </a:effectRef>
+          <a:fontRef idx="minor">
+            <a:schemeClr val="tx1"/>
+          </a:fontRef>
+        </p:style>
+      </p:cxnSp>
+      <p:graphicFrame>
+        <p:nvGraphicFramePr>
+          <p:cNvPr id="5" name="表 4">
+            <a:extLst>
+              <a:ext uri="{FF2B5EF4-FFF2-40B4-BE49-F238E27FC236}">
+                <a16:creationId xmlns:a16="http://schemas.microsoft.com/office/drawing/2014/main" id="{8AC64D62-57EC-4B8C-864D-8DA29F26C0B2}"/>
+              </a:ext>
+            </a:extLst>
+          </p:cNvPr>
+          <p:cNvGraphicFramePr>
+            <a:graphicFrameLocks noGrp="1"/>
+          </p:cNvGraphicFramePr>
+          <p:nvPr>
+            <p:extLst>
+              <p:ext uri="{D42A27DB-BD31-4B8C-83A1-F6EECF244321}">
+                <p14:modId xmlns:p14="http://schemas.microsoft.com/office/powerpoint/2010/main" val="756034484"/>
+              </p:ext>
+            </p:extLst>
+          </p:nvPr>
+        </p:nvGraphicFramePr>
+        <p:xfrm>
+          <a:off x="125638" y="970300"/>
+          <a:ext cx="4960924" cy="1112520"/>
+        </p:xfrm>
+        <a:graphic>
+          <a:graphicData uri="http://schemas.openxmlformats.org/drawingml/2006/table">
+            <a:tbl>
+              <a:tblPr firstRow="1" bandRow="1">
+                <a:tableStyleId>{5940675A-B579-460E-94D1-54222C63F5DA}</a:tableStyleId>
+              </a:tblPr>
+              <a:tblGrid>
+                <a:gridCol w="1630591">
+                  <a:extLst>
+                    <a:ext uri="{9D8B030D-6E8A-4147-A177-3AD203B41FA5}">
+                      <a16:colId xmlns:a16="http://schemas.microsoft.com/office/drawing/2014/main" val="1177785589"/>
+                    </a:ext>
+                  </a:extLst>
+                </a:gridCol>
+                <a:gridCol w="1110111">
+                  <a:extLst>
+                    <a:ext uri="{9D8B030D-6E8A-4147-A177-3AD203B41FA5}">
+                      <a16:colId xmlns:a16="http://schemas.microsoft.com/office/drawing/2014/main" val="3458905210"/>
+                    </a:ext>
+                  </a:extLst>
+                </a:gridCol>
+                <a:gridCol w="1110111">
+                  <a:extLst>
+                    <a:ext uri="{9D8B030D-6E8A-4147-A177-3AD203B41FA5}">
+                      <a16:colId xmlns:a16="http://schemas.microsoft.com/office/drawing/2014/main" val="683119308"/>
+                    </a:ext>
+                  </a:extLst>
+                </a:gridCol>
+                <a:gridCol w="1110111">
+                  <a:extLst>
+                    <a:ext uri="{9D8B030D-6E8A-4147-A177-3AD203B41FA5}">
+                      <a16:colId xmlns:a16="http://schemas.microsoft.com/office/drawing/2014/main" val="3813063030"/>
+                    </a:ext>
+                  </a:extLst>
+                </a:gridCol>
+              </a:tblGrid>
+              <a:tr h="370840">
+                <a:tc>
+                  <a:txBody>
+                    <a:bodyPr/>
+                    <a:lstStyle/>
+                    <a:p>
+                      <a:pPr algn="ctr"/>
+                      <a:endParaRPr kumimoji="1" lang="ja-JP" altLang="en-US" sz="1800" b="1" dirty="0">
+                        <a:solidFill>
+                          <a:schemeClr val="tx1">
+                            <a:lumMod val="75000"/>
+                            <a:lumOff val="25000"/>
+                          </a:schemeClr>
+                        </a:solidFill>
+                      </a:endParaRPr>
+                    </a:p>
+                  </a:txBody>
+                  <a:tcPr/>
+                </a:tc>
+                <a:tc>
+                  <a:txBody>
+                    <a:bodyPr/>
+                    <a:lstStyle/>
+                    <a:p>
+                      <a:pPr algn="ctr"/>
+                      <a:r>
+                        <a:rPr kumimoji="1" lang="ja-JP" altLang="en-US" sz="1800" b="1" dirty="0">
+                          <a:solidFill>
+                            <a:schemeClr val="tx1">
+                              <a:lumMod val="75000"/>
+                              <a:lumOff val="25000"/>
+                            </a:schemeClr>
+                          </a:solidFill>
+                        </a:rPr>
+                        <a:t>バグ報告</a:t>
+                      </a:r>
+                    </a:p>
+                  </a:txBody>
+                  <a:tcPr anchor="ctr"/>
+                </a:tc>
+                <a:tc>
+                  <a:txBody>
+                    <a:bodyPr/>
+                    <a:lstStyle/>
+                    <a:p>
+                      <a:pPr algn="ctr"/>
+                      <a:r>
+                        <a:rPr kumimoji="1" lang="ja-JP" altLang="en-US" sz="1800" b="1" dirty="0">
+                          <a:solidFill>
+                            <a:schemeClr val="tx1">
+                              <a:lumMod val="75000"/>
+                              <a:lumOff val="25000"/>
+                            </a:schemeClr>
+                          </a:solidFill>
+                        </a:rPr>
+                        <a:t>機能要求</a:t>
+                      </a:r>
+                    </a:p>
+                  </a:txBody>
+                  <a:tcPr anchor="ctr"/>
+                </a:tc>
+                <a:tc>
+                  <a:txBody>
+                    <a:bodyPr/>
+                    <a:lstStyle/>
+                    <a:p>
+                      <a:pPr algn="ctr"/>
+                      <a:r>
+                        <a:rPr kumimoji="1" lang="ja-JP" altLang="en-US" sz="1800" b="1" dirty="0">
+                          <a:solidFill>
+                            <a:schemeClr val="tx1">
+                              <a:lumMod val="75000"/>
+                              <a:lumOff val="25000"/>
+                            </a:schemeClr>
+                          </a:solidFill>
+                        </a:rPr>
+                        <a:t>その他</a:t>
+                      </a:r>
+                    </a:p>
+                  </a:txBody>
+                  <a:tcPr anchor="ctr"/>
+                </a:tc>
+                <a:extLst>
+                  <a:ext uri="{0D108BD9-81ED-4DB2-BD59-A6C34878D82A}">
+                    <a16:rowId xmlns:a16="http://schemas.microsoft.com/office/drawing/2014/main" val="13191471"/>
+                  </a:ext>
+                </a:extLst>
+              </a:tr>
+              <a:tr h="370840">
+                <a:tc>
+                  <a:txBody>
+                    <a:bodyPr/>
+                    <a:lstStyle/>
+                    <a:p>
+                      <a:pPr algn="ctr"/>
+                      <a:r>
+                        <a:rPr kumimoji="1" lang="ja-JP" altLang="en-US" sz="1800" b="1" dirty="0">
+                          <a:solidFill>
+                            <a:schemeClr val="tx1">
+                              <a:lumMod val="75000"/>
+                              <a:lumOff val="25000"/>
+                            </a:schemeClr>
+                          </a:solidFill>
+                        </a:rPr>
+                        <a:t>教師データ</a:t>
+                      </a:r>
+                    </a:p>
+                  </a:txBody>
+                  <a:tcPr/>
+                </a:tc>
+                <a:tc>
+                  <a:txBody>
+                    <a:bodyPr/>
+                    <a:lstStyle/>
+                    <a:p>
+                      <a:pPr algn="ctr"/>
+                      <a:r>
+                        <a:rPr kumimoji="1" lang="en-US" altLang="ja-JP" sz="1800" b="1" dirty="0" smtClean="0">
+                          <a:solidFill>
+                            <a:schemeClr val="tx1">
+                              <a:lumMod val="75000"/>
+                              <a:lumOff val="25000"/>
+                            </a:schemeClr>
+                          </a:solidFill>
+                        </a:rPr>
+                        <a:t>40</a:t>
+                      </a:r>
+                      <a:endParaRPr kumimoji="1" lang="ja-JP" altLang="en-US" sz="1800" b="1" dirty="0">
+                        <a:solidFill>
+                          <a:schemeClr val="tx1">
+                            <a:lumMod val="75000"/>
+                            <a:lumOff val="25000"/>
+                          </a:schemeClr>
+                        </a:solidFill>
+                      </a:endParaRPr>
+                    </a:p>
+                  </a:txBody>
+                  <a:tcPr/>
+                </a:tc>
+                <a:tc>
+                  <a:txBody>
+                    <a:bodyPr/>
+                    <a:lstStyle/>
+                    <a:p>
+                      <a:pPr algn="ctr"/>
+                      <a:r>
+                        <a:rPr kumimoji="1" lang="en-US" altLang="ja-JP" sz="1800" b="1" dirty="0" smtClean="0">
+                          <a:solidFill>
+                            <a:schemeClr val="tx1">
+                              <a:lumMod val="75000"/>
+                              <a:lumOff val="25000"/>
+                            </a:schemeClr>
+                          </a:solidFill>
+                        </a:rPr>
+                        <a:t>60</a:t>
+                      </a:r>
+                      <a:endParaRPr kumimoji="1" lang="ja-JP" altLang="en-US" sz="1800" b="1" dirty="0">
+                        <a:solidFill>
+                          <a:schemeClr val="tx1">
+                            <a:lumMod val="75000"/>
+                            <a:lumOff val="25000"/>
+                          </a:schemeClr>
+                        </a:solidFill>
+                      </a:endParaRPr>
+                    </a:p>
+                  </a:txBody>
+                  <a:tcPr/>
+                </a:tc>
+                <a:tc>
+                  <a:txBody>
+                    <a:bodyPr/>
+                    <a:lstStyle/>
+                    <a:p>
+                      <a:pPr algn="ctr"/>
+                      <a:r>
+                        <a:rPr kumimoji="1" lang="en-US" altLang="ja-JP" sz="1800" b="1" dirty="0" smtClean="0">
+                          <a:solidFill>
+                            <a:schemeClr val="tx1">
+                              <a:lumMod val="75000"/>
+                              <a:lumOff val="25000"/>
+                            </a:schemeClr>
+                          </a:solidFill>
+                        </a:rPr>
+                        <a:t>672</a:t>
+                      </a:r>
+                      <a:endParaRPr kumimoji="1" lang="ja-JP" altLang="en-US" sz="1800" b="1" dirty="0">
+                        <a:solidFill>
+                          <a:schemeClr val="tx1">
+                            <a:lumMod val="75000"/>
+                            <a:lumOff val="25000"/>
+                          </a:schemeClr>
+                        </a:solidFill>
+                      </a:endParaRPr>
+                    </a:p>
+                  </a:txBody>
+                  <a:tcPr/>
+                </a:tc>
+                <a:extLst>
+                  <a:ext uri="{0D108BD9-81ED-4DB2-BD59-A6C34878D82A}">
+                    <a16:rowId xmlns:a16="http://schemas.microsoft.com/office/drawing/2014/main" val="2961215049"/>
+                  </a:ext>
+                </a:extLst>
+              </a:tr>
+              <a:tr h="370840">
+                <a:tc>
+                  <a:txBody>
+                    <a:bodyPr/>
+                    <a:lstStyle/>
+                    <a:p>
+                      <a:pPr algn="ctr"/>
+                      <a:r>
+                        <a:rPr kumimoji="1" lang="ja-JP" altLang="en-US" sz="1800" b="1" dirty="0">
+                          <a:solidFill>
+                            <a:schemeClr val="tx1">
+                              <a:lumMod val="75000"/>
+                              <a:lumOff val="25000"/>
+                            </a:schemeClr>
+                          </a:solidFill>
+                        </a:rPr>
+                        <a:t>テストデータ</a:t>
+                      </a:r>
+                    </a:p>
+                  </a:txBody>
+                  <a:tcPr/>
+                </a:tc>
+                <a:tc>
+                  <a:txBody>
+                    <a:bodyPr/>
+                    <a:lstStyle/>
+                    <a:p>
+                      <a:pPr algn="ctr"/>
+                      <a:r>
+                        <a:rPr kumimoji="1" lang="en-US" altLang="ja-JP" sz="1800" b="1" dirty="0" smtClean="0">
+                          <a:solidFill>
+                            <a:schemeClr val="tx1">
+                              <a:lumMod val="75000"/>
+                              <a:lumOff val="25000"/>
+                            </a:schemeClr>
+                          </a:solidFill>
+                        </a:rPr>
+                        <a:t>21</a:t>
+                      </a:r>
+                      <a:endParaRPr kumimoji="1" lang="ja-JP" altLang="en-US" sz="1800" b="1" dirty="0">
+                        <a:solidFill>
+                          <a:schemeClr val="tx1">
+                            <a:lumMod val="75000"/>
+                            <a:lumOff val="25000"/>
+                          </a:schemeClr>
+                        </a:solidFill>
+                      </a:endParaRPr>
+                    </a:p>
+                  </a:txBody>
+                  <a:tcPr/>
+                </a:tc>
+                <a:tc>
+                  <a:txBody>
+                    <a:bodyPr/>
+                    <a:lstStyle/>
+                    <a:p>
+                      <a:pPr algn="ctr"/>
+                      <a:r>
+                        <a:rPr kumimoji="1" lang="en-US" altLang="ja-JP" sz="1800" b="1" dirty="0" smtClean="0">
+                          <a:solidFill>
+                            <a:schemeClr val="tx1">
+                              <a:lumMod val="75000"/>
+                              <a:lumOff val="25000"/>
+                            </a:schemeClr>
+                          </a:solidFill>
+                        </a:rPr>
+                        <a:t>24</a:t>
+                      </a:r>
+                      <a:endParaRPr kumimoji="1" lang="ja-JP" altLang="en-US" sz="1800" b="1" dirty="0">
+                        <a:solidFill>
+                          <a:schemeClr val="tx1">
+                            <a:lumMod val="75000"/>
+                            <a:lumOff val="25000"/>
+                          </a:schemeClr>
+                        </a:solidFill>
+                      </a:endParaRPr>
+                    </a:p>
+                  </a:txBody>
+                  <a:tcPr/>
+                </a:tc>
+                <a:tc>
+                  <a:txBody>
+                    <a:bodyPr/>
+                    <a:lstStyle/>
+                    <a:p>
+                      <a:pPr algn="ctr"/>
+                      <a:r>
+                        <a:rPr kumimoji="1" lang="en-US" altLang="ja-JP" sz="1800" b="1" dirty="0" smtClean="0">
+                          <a:solidFill>
+                            <a:schemeClr val="tx1">
+                              <a:lumMod val="75000"/>
+                              <a:lumOff val="25000"/>
+                            </a:schemeClr>
+                          </a:solidFill>
+                        </a:rPr>
+                        <a:t>287</a:t>
+                      </a:r>
+                      <a:endParaRPr kumimoji="1" lang="ja-JP" altLang="en-US" sz="1800" b="1" dirty="0">
+                        <a:solidFill>
+                          <a:schemeClr val="tx1">
+                            <a:lumMod val="75000"/>
+                            <a:lumOff val="25000"/>
+                          </a:schemeClr>
+                        </a:solidFill>
+                      </a:endParaRPr>
+                    </a:p>
+                  </a:txBody>
+                  <a:tcPr/>
+                </a:tc>
+                <a:extLst>
+                  <a:ext uri="{0D108BD9-81ED-4DB2-BD59-A6C34878D82A}">
+                    <a16:rowId xmlns:a16="http://schemas.microsoft.com/office/drawing/2014/main" val="2279886790"/>
+                  </a:ext>
+                </a:extLst>
+              </a:tr>
+            </a:tbl>
+          </a:graphicData>
+        </a:graphic>
+      </p:graphicFrame>
+      <p:graphicFrame>
+        <p:nvGraphicFramePr>
+          <p:cNvPr id="20" name="コンテンツ プレースホルダー 4">
+            <a:extLst>
+              <a:ext uri="{FF2B5EF4-FFF2-40B4-BE49-F238E27FC236}">
+                <a16:creationId xmlns:a16="http://schemas.microsoft.com/office/drawing/2014/main" id="{94AA94F2-2491-4730-BA26-88F2D248DE99}"/>
+              </a:ext>
+            </a:extLst>
+          </p:cNvPr>
+          <p:cNvGraphicFramePr>
+            <a:graphicFrameLocks/>
+          </p:cNvGraphicFramePr>
+          <p:nvPr>
+            <p:extLst>
+              <p:ext uri="{D42A27DB-BD31-4B8C-83A1-F6EECF244321}">
+                <p14:modId xmlns:p14="http://schemas.microsoft.com/office/powerpoint/2010/main" val="2601588519"/>
+              </p:ext>
+            </p:extLst>
+          </p:nvPr>
+        </p:nvGraphicFramePr>
+        <p:xfrm>
+          <a:off x="125639" y="4526014"/>
+          <a:ext cx="8892721" cy="1828800"/>
+        </p:xfrm>
+        <a:graphic>
+          <a:graphicData uri="http://schemas.openxmlformats.org/drawingml/2006/table">
+            <a:tbl>
+              <a:tblPr firstRow="1" bandRow="1">
+                <a:tableStyleId>{5940675A-B579-460E-94D1-54222C63F5DA}</a:tableStyleId>
+              </a:tblPr>
+              <a:tblGrid>
+                <a:gridCol w="416002">
+                  <a:extLst>
+                    <a:ext uri="{9D8B030D-6E8A-4147-A177-3AD203B41FA5}">
+                      <a16:colId xmlns:a16="http://schemas.microsoft.com/office/drawing/2014/main" val="1923610548"/>
+                    </a:ext>
+                  </a:extLst>
+                </a:gridCol>
+                <a:gridCol w="1190750">
+                  <a:extLst>
+                    <a:ext uri="{9D8B030D-6E8A-4147-A177-3AD203B41FA5}">
+                      <a16:colId xmlns:a16="http://schemas.microsoft.com/office/drawing/2014/main" val="1484246165"/>
+                    </a:ext>
+                  </a:extLst>
+                </a:gridCol>
+                <a:gridCol w="1104679">
+                  <a:extLst>
+                    <a:ext uri="{9D8B030D-6E8A-4147-A177-3AD203B41FA5}">
+                      <a16:colId xmlns:a16="http://schemas.microsoft.com/office/drawing/2014/main" val="1784955739"/>
+                    </a:ext>
+                  </a:extLst>
+                </a:gridCol>
+                <a:gridCol w="1104679">
+                  <a:extLst>
+                    <a:ext uri="{9D8B030D-6E8A-4147-A177-3AD203B41FA5}">
+                      <a16:colId xmlns:a16="http://schemas.microsoft.com/office/drawing/2014/main" val="2815321614"/>
+                    </a:ext>
+                  </a:extLst>
+                </a:gridCol>
+                <a:gridCol w="1104679">
+                  <a:extLst>
+                    <a:ext uri="{9D8B030D-6E8A-4147-A177-3AD203B41FA5}">
+                      <a16:colId xmlns:a16="http://schemas.microsoft.com/office/drawing/2014/main" val="2073608608"/>
+                    </a:ext>
+                  </a:extLst>
+                </a:gridCol>
+                <a:gridCol w="992983">
+                  <a:extLst>
+                    <a:ext uri="{9D8B030D-6E8A-4147-A177-3AD203B41FA5}">
+                      <a16:colId xmlns:a16="http://schemas.microsoft.com/office/drawing/2014/main" val="3636356136"/>
+                    </a:ext>
+                  </a:extLst>
+                </a:gridCol>
+                <a:gridCol w="992983">
+                  <a:extLst>
+                    <a:ext uri="{9D8B030D-6E8A-4147-A177-3AD203B41FA5}">
+                      <a16:colId xmlns:a16="http://schemas.microsoft.com/office/drawing/2014/main" val="1161361597"/>
+                    </a:ext>
+                  </a:extLst>
+                </a:gridCol>
+                <a:gridCol w="992983">
+                  <a:extLst>
+                    <a:ext uri="{9D8B030D-6E8A-4147-A177-3AD203B41FA5}">
+                      <a16:colId xmlns:a16="http://schemas.microsoft.com/office/drawing/2014/main" val="1162311465"/>
+                    </a:ext>
+                  </a:extLst>
+                </a:gridCol>
+                <a:gridCol w="992983">
+                  <a:extLst>
+                    <a:ext uri="{9D8B030D-6E8A-4147-A177-3AD203B41FA5}">
+                      <a16:colId xmlns:a16="http://schemas.microsoft.com/office/drawing/2014/main" val="3168335535"/>
+                    </a:ext>
+                  </a:extLst>
+                </a:gridCol>
+              </a:tblGrid>
+              <a:tr h="360485">
+                <a:tc rowSpan="2" gridSpan="2">
+                  <a:txBody>
+                    <a:bodyPr/>
+                    <a:lstStyle/>
+                    <a:p>
+                      <a:pPr algn="ctr"/>
+                      <a:r>
+                        <a:rPr kumimoji="1" lang="ja-JP" altLang="en-US" sz="1800" b="1" dirty="0">
+                          <a:solidFill>
+                            <a:schemeClr val="tx1">
+                              <a:lumMod val="75000"/>
+                              <a:lumOff val="25000"/>
+                            </a:schemeClr>
+                          </a:solidFill>
+                        </a:rPr>
+                        <a:t>提案手法</a:t>
+                      </a:r>
+                      <a:endParaRPr kumimoji="1" lang="en-US" altLang="ja-JP" sz="1800" b="1" dirty="0">
+                        <a:solidFill>
+                          <a:schemeClr val="tx1">
+                            <a:lumMod val="75000"/>
+                            <a:lumOff val="25000"/>
+                          </a:schemeClr>
+                        </a:solidFill>
+                      </a:endParaRPr>
+                    </a:p>
+                    <a:p>
+                      <a:pPr marL="0" marR="0" lvl="0" indent="0" algn="ctr" defTabSz="685800" rtl="0" eaLnBrk="1" fontAlgn="auto" latinLnBrk="0" hangingPunct="1">
+                        <a:lnSpc>
+                          <a:spcPct val="100000"/>
+                        </a:lnSpc>
+                        <a:spcBef>
+                          <a:spcPts val="0"/>
+                        </a:spcBef>
+                        <a:spcAft>
+                          <a:spcPts val="0"/>
+                        </a:spcAft>
+                        <a:buClrTx/>
+                        <a:buSzTx/>
+                        <a:buFontTx/>
+                        <a:buNone/>
+                        <a:tabLst/>
+                        <a:defRPr/>
+                      </a:pPr>
+                      <a:r>
+                        <a:rPr kumimoji="1" lang="en-US" altLang="ja-JP" sz="1400" b="0" i="0" u="none" strike="noStrike" kern="1200" cap="none" spc="0" normalizeH="0" baseline="0" noProof="0" dirty="0">
+                          <a:ln>
+                            <a:noFill/>
+                          </a:ln>
+                          <a:solidFill>
+                            <a:prstClr val="black">
+                              <a:lumMod val="75000"/>
+                              <a:lumOff val="25000"/>
+                            </a:prstClr>
+                          </a:solidFill>
+                          <a:effectLst/>
+                          <a:uLnTx/>
+                          <a:uFillTx/>
+                          <a:latin typeface="+mn-lt"/>
+                          <a:ea typeface="+mn-ea"/>
+                          <a:cs typeface="+mn-cs"/>
+                        </a:rPr>
+                        <a:t>forum-review</a:t>
+                      </a:r>
+                      <a:endParaRPr kumimoji="1" lang="ja-JP" altLang="en-US" sz="2000" b="0" i="0" u="none" strike="noStrike" kern="1200" cap="none" spc="0" normalizeH="0" baseline="0" noProof="0" dirty="0">
+                        <a:ln>
+                          <a:noFill/>
+                        </a:ln>
+                        <a:solidFill>
+                          <a:prstClr val="black">
+                            <a:lumMod val="75000"/>
+                            <a:lumOff val="25000"/>
+                          </a:prstClr>
+                        </a:solidFill>
+                        <a:effectLst/>
+                        <a:uLnTx/>
+                        <a:uFillTx/>
+                        <a:latin typeface="+mn-lt"/>
+                        <a:ea typeface="+mn-ea"/>
+                        <a:cs typeface="+mn-cs"/>
+                      </a:endParaRPr>
+                    </a:p>
+                  </a:txBody>
+                  <a:tcPr anchor="ctr">
+                    <a:lnTlToBr w="12700" cap="flat" cmpd="sng" algn="ctr">
+                      <a:noFill/>
+                      <a:prstDash val="solid"/>
+                      <a:round/>
+                      <a:headEnd type="none" w="med" len="med"/>
+                      <a:tailEnd type="none" w="med" len="med"/>
+                    </a:lnTlToBr>
+                  </a:tcPr>
+                </a:tc>
+                <a:tc rowSpan="2" hMerge="1">
+                  <a:txBody>
+                    <a:bodyPr/>
+                    <a:lstStyle/>
+                    <a:p>
+                      <a:pPr algn="ctr"/>
+                      <a:endParaRPr kumimoji="1" lang="ja-JP" altLang="en-US" sz="1400" b="1" dirty="0">
+                        <a:solidFill>
+                          <a:schemeClr val="tx1">
+                            <a:lumMod val="75000"/>
+                            <a:lumOff val="25000"/>
+                          </a:schemeClr>
+                        </a:solidFill>
+                      </a:endParaRPr>
+                    </a:p>
+                  </a:txBody>
+                  <a:tcPr anchor="ctr">
+                    <a:lnTlToBr w="12700" cap="flat" cmpd="sng" algn="ctr">
+                      <a:solidFill>
+                        <a:schemeClr val="tx1"/>
+                      </a:solidFill>
+                      <a:prstDash val="solid"/>
+                      <a:round/>
+                      <a:headEnd type="none" w="med" len="med"/>
+                      <a:tailEnd type="none" w="med" len="med"/>
+                    </a:lnTlToBr>
+                  </a:tcPr>
+                </a:tc>
+                <a:tc gridSpan="3">
+                  <a:txBody>
+                    <a:bodyPr/>
+                    <a:lstStyle/>
+                    <a:p>
+                      <a:pPr algn="ctr"/>
+                      <a:r>
+                        <a:rPr kumimoji="1" lang="ja-JP" altLang="en-US" sz="1800" b="1" dirty="0">
+                          <a:solidFill>
+                            <a:schemeClr val="tx1">
+                              <a:lumMod val="75000"/>
+                              <a:lumOff val="25000"/>
+                            </a:schemeClr>
+                          </a:solidFill>
+                        </a:rPr>
+                        <a:t>予測した分類</a:t>
+                      </a:r>
+                    </a:p>
+                  </a:txBody>
+                  <a:tcPr anchor="ctr">
+                    <a:solidFill>
+                      <a:srgbClr val="FFCCFF"/>
+                    </a:solidFill>
+                  </a:tcPr>
+                </a:tc>
+                <a:tc hMerge="1">
+                  <a:txBody>
+                    <a:bodyPr/>
+                    <a:lstStyle/>
+                    <a:p>
+                      <a:pPr algn="ctr"/>
+                      <a:endParaRPr kumimoji="1" lang="ja-JP" altLang="en-US" sz="1400" b="1" dirty="0">
+                        <a:solidFill>
+                          <a:schemeClr val="tx1">
+                            <a:lumMod val="75000"/>
+                            <a:lumOff val="25000"/>
+                          </a:schemeClr>
+                        </a:solidFill>
+                      </a:endParaRPr>
+                    </a:p>
+                  </a:txBody>
+                  <a:tcPr anchor="ctr">
+                    <a:solidFill>
+                      <a:srgbClr val="FFCCFF"/>
+                    </a:solidFill>
+                  </a:tcPr>
+                </a:tc>
+                <a:tc hMerge="1">
+                  <a:txBody>
+                    <a:bodyPr/>
+                    <a:lstStyle/>
+                    <a:p>
+                      <a:pPr algn="ctr"/>
+                      <a:endParaRPr kumimoji="1" lang="ja-JP" altLang="en-US" sz="1400" b="1" dirty="0">
+                        <a:solidFill>
+                          <a:schemeClr val="tx1">
+                            <a:lumMod val="75000"/>
+                            <a:lumOff val="25000"/>
+                          </a:schemeClr>
+                        </a:solidFill>
+                      </a:endParaRPr>
+                    </a:p>
+                  </a:txBody>
+                  <a:tcPr anchor="ctr">
+                    <a:solidFill>
+                      <a:srgbClr val="FFCCFF"/>
+                    </a:solidFill>
+                  </a:tcPr>
+                </a:tc>
+                <a:tc rowSpan="2">
+                  <a:txBody>
+                    <a:bodyPr/>
+                    <a:lstStyle/>
+                    <a:p>
+                      <a:pPr algn="ctr"/>
+                      <a:r>
+                        <a:rPr kumimoji="1" lang="ja-JP" altLang="en-US" sz="1800" b="1" dirty="0">
+                          <a:solidFill>
+                            <a:schemeClr val="tx1">
+                              <a:lumMod val="75000"/>
+                              <a:lumOff val="25000"/>
+                            </a:schemeClr>
+                          </a:solidFill>
+                        </a:rPr>
+                        <a:t>適合率</a:t>
+                      </a:r>
+                      <a:endParaRPr kumimoji="1" lang="en-US" altLang="ja-JP" sz="1800" b="1" dirty="0">
+                        <a:solidFill>
+                          <a:schemeClr val="tx1">
+                            <a:lumMod val="75000"/>
+                            <a:lumOff val="25000"/>
+                          </a:schemeClr>
+                        </a:solidFill>
+                      </a:endParaRPr>
+                    </a:p>
+                    <a:p>
+                      <a:pPr marL="0" marR="0" lvl="0" indent="0" algn="ctr" defTabSz="685800" rtl="0" eaLnBrk="1" fontAlgn="auto" latinLnBrk="0" hangingPunct="1">
+                        <a:lnSpc>
+                          <a:spcPct val="100000"/>
+                        </a:lnSpc>
+                        <a:spcBef>
+                          <a:spcPts val="0"/>
+                        </a:spcBef>
+                        <a:spcAft>
+                          <a:spcPts val="0"/>
+                        </a:spcAft>
+                        <a:buClrTx/>
+                        <a:buSzTx/>
+                        <a:buFontTx/>
+                        <a:buNone/>
+                        <a:tabLst/>
+                        <a:defRPr/>
+                      </a:pPr>
+                      <a:r>
+                        <a:rPr kumimoji="1" lang="en-US" altLang="ja-JP" sz="1400" b="0" dirty="0">
+                          <a:solidFill>
+                            <a:schemeClr val="tx1">
+                              <a:lumMod val="75000"/>
+                              <a:lumOff val="25000"/>
+                            </a:schemeClr>
+                          </a:solidFill>
+                        </a:rPr>
+                        <a:t>precision</a:t>
+                      </a:r>
+                      <a:endParaRPr kumimoji="1" lang="en-US" altLang="ja-JP" sz="2400" b="0" dirty="0">
+                        <a:solidFill>
+                          <a:schemeClr val="tx1">
+                            <a:lumMod val="75000"/>
+                            <a:lumOff val="25000"/>
+                          </a:schemeClr>
+                        </a:solidFill>
+                      </a:endParaRPr>
+                    </a:p>
+                  </a:txBody>
+                  <a:tcPr anchor="ctr">
+                    <a:noFill/>
+                  </a:tcPr>
+                </a:tc>
+                <a:tc rowSpan="2">
+                  <a:txBody>
+                    <a:bodyPr/>
+                    <a:lstStyle/>
+                    <a:p>
+                      <a:pPr algn="ctr"/>
+                      <a:r>
+                        <a:rPr kumimoji="1" lang="ja-JP" altLang="en-US" sz="1800" b="1" dirty="0">
+                          <a:solidFill>
+                            <a:schemeClr val="tx1">
+                              <a:lumMod val="75000"/>
+                              <a:lumOff val="25000"/>
+                            </a:schemeClr>
+                          </a:solidFill>
+                        </a:rPr>
+                        <a:t>再現率</a:t>
+                      </a:r>
+                      <a:endParaRPr kumimoji="1" lang="en-US" altLang="ja-JP" sz="1800" b="1" dirty="0">
+                        <a:solidFill>
+                          <a:schemeClr val="tx1">
+                            <a:lumMod val="75000"/>
+                            <a:lumOff val="25000"/>
+                          </a:schemeClr>
+                        </a:solidFill>
+                      </a:endParaRPr>
+                    </a:p>
+                    <a:p>
+                      <a:pPr algn="ctr"/>
+                      <a:r>
+                        <a:rPr kumimoji="1" lang="en-US" altLang="ja-JP" sz="1400" b="0" dirty="0">
+                          <a:solidFill>
+                            <a:schemeClr val="tx1">
+                              <a:lumMod val="75000"/>
+                              <a:lumOff val="25000"/>
+                            </a:schemeClr>
+                          </a:solidFill>
+                        </a:rPr>
+                        <a:t>recall</a:t>
+                      </a:r>
+                      <a:endParaRPr kumimoji="1" lang="ja-JP" altLang="en-US" sz="1800" b="0" dirty="0">
+                        <a:solidFill>
+                          <a:schemeClr val="tx1">
+                            <a:lumMod val="75000"/>
+                            <a:lumOff val="25000"/>
+                          </a:schemeClr>
+                        </a:solidFill>
+                      </a:endParaRPr>
+                    </a:p>
+                  </a:txBody>
+                  <a:tcPr anchor="ctr">
+                    <a:noFill/>
+                  </a:tcPr>
+                </a:tc>
+                <a:tc rowSpan="2">
+                  <a:txBody>
+                    <a:bodyPr/>
+                    <a:lstStyle/>
+                    <a:p>
+                      <a:pPr algn="ctr"/>
+                      <a:r>
+                        <a:rPr kumimoji="1" lang="en-US" altLang="ja-JP" sz="1800" b="1" dirty="0">
+                          <a:solidFill>
+                            <a:schemeClr val="tx1">
+                              <a:lumMod val="75000"/>
+                              <a:lumOff val="25000"/>
+                            </a:schemeClr>
+                          </a:solidFill>
+                        </a:rPr>
+                        <a:t>F</a:t>
+                      </a:r>
+                      <a:r>
+                        <a:rPr kumimoji="1" lang="ja-JP" altLang="en-US" sz="1800" b="1" dirty="0">
+                          <a:solidFill>
+                            <a:schemeClr val="tx1">
+                              <a:lumMod val="75000"/>
+                              <a:lumOff val="25000"/>
+                            </a:schemeClr>
+                          </a:solidFill>
+                        </a:rPr>
+                        <a:t>値</a:t>
+                      </a:r>
+                      <a:endParaRPr kumimoji="1" lang="en-US" altLang="ja-JP" sz="1800" b="1" dirty="0">
+                        <a:solidFill>
+                          <a:schemeClr val="tx1">
+                            <a:lumMod val="75000"/>
+                            <a:lumOff val="25000"/>
+                          </a:schemeClr>
+                        </a:solidFill>
+                      </a:endParaRPr>
+                    </a:p>
+                    <a:p>
+                      <a:pPr algn="ctr"/>
+                      <a:r>
+                        <a:rPr kumimoji="1" lang="en-US" altLang="ja-JP" sz="1400" b="0" dirty="0">
+                          <a:solidFill>
+                            <a:schemeClr val="tx1">
+                              <a:lumMod val="75000"/>
+                              <a:lumOff val="25000"/>
+                            </a:schemeClr>
+                          </a:solidFill>
+                        </a:rPr>
+                        <a:t>F1-score</a:t>
+                      </a:r>
+                      <a:endParaRPr kumimoji="1" lang="ja-JP" altLang="en-US" sz="1400" b="0" dirty="0">
+                        <a:solidFill>
+                          <a:schemeClr val="tx1">
+                            <a:lumMod val="75000"/>
+                            <a:lumOff val="25000"/>
+                          </a:schemeClr>
+                        </a:solidFill>
+                      </a:endParaRPr>
+                    </a:p>
+                  </a:txBody>
+                  <a:tcPr anchor="ctr">
+                    <a:noFill/>
+                  </a:tcPr>
+                </a:tc>
+                <a:tc rowSpan="2">
+                  <a:txBody>
+                    <a:bodyPr/>
+                    <a:lstStyle/>
+                    <a:p>
+                      <a:pPr algn="ctr"/>
+                      <a:r>
+                        <a:rPr kumimoji="1" lang="ja-JP" altLang="en-US" sz="1800" b="1" dirty="0">
+                          <a:solidFill>
+                            <a:schemeClr val="tx1">
+                              <a:lumMod val="75000"/>
+                              <a:lumOff val="25000"/>
+                            </a:schemeClr>
+                          </a:solidFill>
+                        </a:rPr>
+                        <a:t>正解率</a:t>
+                      </a:r>
+                      <a:endParaRPr kumimoji="1" lang="en-US" altLang="ja-JP" sz="1800" b="1" dirty="0">
+                        <a:solidFill>
+                          <a:schemeClr val="tx1">
+                            <a:lumMod val="75000"/>
+                            <a:lumOff val="25000"/>
+                          </a:schemeClr>
+                        </a:solidFill>
+                      </a:endParaRPr>
+                    </a:p>
+                    <a:p>
+                      <a:pPr algn="ctr"/>
+                      <a:r>
+                        <a:rPr kumimoji="1" lang="en-US" altLang="ja-JP" sz="1400" b="0" dirty="0">
+                          <a:solidFill>
+                            <a:schemeClr val="tx1">
+                              <a:lumMod val="75000"/>
+                              <a:lumOff val="25000"/>
+                            </a:schemeClr>
+                          </a:solidFill>
+                        </a:rPr>
+                        <a:t>accuracy</a:t>
+                      </a:r>
+                      <a:endParaRPr kumimoji="1" lang="ja-JP" altLang="en-US" sz="1400" b="0" dirty="0">
+                        <a:solidFill>
+                          <a:schemeClr val="tx1">
+                            <a:lumMod val="75000"/>
+                            <a:lumOff val="25000"/>
+                          </a:schemeClr>
+                        </a:solidFill>
+                      </a:endParaRPr>
+                    </a:p>
+                  </a:txBody>
+                  <a:tcPr anchor="ctr">
+                    <a:noFill/>
+                  </a:tcPr>
+                </a:tc>
+                <a:extLst>
+                  <a:ext uri="{0D108BD9-81ED-4DB2-BD59-A6C34878D82A}">
+                    <a16:rowId xmlns:a16="http://schemas.microsoft.com/office/drawing/2014/main" val="53369686"/>
+                  </a:ext>
+                </a:extLst>
+              </a:tr>
+              <a:tr h="360485">
+                <a:tc gridSpan="2" vMerge="1">
+                  <a:txBody>
+                    <a:bodyPr/>
+                    <a:lstStyle/>
+                    <a:p>
+                      <a:pPr algn="ctr"/>
+                      <a:endParaRPr kumimoji="1" lang="ja-JP" altLang="en-US" sz="1400" b="1" dirty="0">
+                        <a:solidFill>
+                          <a:schemeClr val="tx1">
+                            <a:lumMod val="75000"/>
+                            <a:lumOff val="25000"/>
+                          </a:schemeClr>
+                        </a:solidFill>
+                      </a:endParaRPr>
+                    </a:p>
+                  </a:txBody>
+                  <a:tcPr anchor="ctr">
+                    <a:lnTlToBr w="12700" cap="flat" cmpd="sng" algn="ctr">
+                      <a:solidFill>
+                        <a:schemeClr val="tx1"/>
+                      </a:solidFill>
+                      <a:prstDash val="solid"/>
+                      <a:round/>
+                      <a:headEnd type="none" w="med" len="med"/>
+                      <a:tailEnd type="none" w="med" len="med"/>
+                    </a:lnTlToBr>
+                  </a:tcPr>
+                </a:tc>
+                <a:tc hMerge="1" vMerge="1">
+                  <a:txBody>
+                    <a:bodyPr/>
+                    <a:lstStyle/>
+                    <a:p>
+                      <a:pPr algn="ctr"/>
+                      <a:endParaRPr kumimoji="1" lang="ja-JP" altLang="en-US" sz="1400" b="1" dirty="0">
+                        <a:solidFill>
+                          <a:schemeClr val="tx1">
+                            <a:lumMod val="75000"/>
+                            <a:lumOff val="25000"/>
+                          </a:schemeClr>
+                        </a:solidFill>
+                      </a:endParaRPr>
+                    </a:p>
+                  </a:txBody>
+                  <a:tcPr anchor="ctr">
+                    <a:lnTlToBr w="12700" cap="flat" cmpd="sng" algn="ctr">
+                      <a:solidFill>
+                        <a:schemeClr val="tx1"/>
+                      </a:solidFill>
+                      <a:prstDash val="solid"/>
+                      <a:round/>
+                      <a:headEnd type="none" w="med" len="med"/>
+                      <a:tailEnd type="none" w="med" len="med"/>
+                    </a:lnTlToBr>
+                  </a:tcPr>
+                </a:tc>
+                <a:tc>
+                  <a:txBody>
+                    <a:bodyPr/>
+                    <a:lstStyle/>
+                    <a:p>
+                      <a:pPr algn="ctr"/>
+                      <a:r>
+                        <a:rPr kumimoji="1" lang="ja-JP" altLang="en-US" sz="1800" b="1" dirty="0">
+                          <a:solidFill>
+                            <a:schemeClr val="tx1">
+                              <a:lumMod val="75000"/>
+                              <a:lumOff val="25000"/>
+                            </a:schemeClr>
+                          </a:solidFill>
+                        </a:rPr>
+                        <a:t>バグ報告</a:t>
+                      </a:r>
+                    </a:p>
+                  </a:txBody>
+                  <a:tcPr anchor="ctr">
+                    <a:solidFill>
+                      <a:srgbClr val="FFCCFF"/>
+                    </a:solidFill>
+                  </a:tcPr>
+                </a:tc>
+                <a:tc>
+                  <a:txBody>
+                    <a:bodyPr/>
+                    <a:lstStyle/>
+                    <a:p>
+                      <a:pPr algn="ctr"/>
+                      <a:r>
+                        <a:rPr kumimoji="1" lang="ja-JP" altLang="en-US" sz="1800" b="1" dirty="0">
+                          <a:solidFill>
+                            <a:schemeClr val="tx1">
+                              <a:lumMod val="75000"/>
+                              <a:lumOff val="25000"/>
+                            </a:schemeClr>
+                          </a:solidFill>
+                        </a:rPr>
+                        <a:t>機能要求</a:t>
+                      </a:r>
+                    </a:p>
+                  </a:txBody>
+                  <a:tcPr anchor="ctr">
+                    <a:solidFill>
+                      <a:srgbClr val="FFCCFF"/>
+                    </a:solidFill>
+                  </a:tcPr>
+                </a:tc>
+                <a:tc>
+                  <a:txBody>
+                    <a:bodyPr/>
+                    <a:lstStyle/>
+                    <a:p>
+                      <a:pPr algn="ctr"/>
+                      <a:r>
+                        <a:rPr kumimoji="1" lang="ja-JP" altLang="en-US" sz="1800" b="1" dirty="0">
+                          <a:solidFill>
+                            <a:schemeClr val="tx1">
+                              <a:lumMod val="75000"/>
+                              <a:lumOff val="25000"/>
+                            </a:schemeClr>
+                          </a:solidFill>
+                        </a:rPr>
+                        <a:t>その他</a:t>
+                      </a:r>
+                    </a:p>
+                  </a:txBody>
+                  <a:tcPr anchor="ctr">
+                    <a:solidFill>
+                      <a:srgbClr val="FFCCFF"/>
+                    </a:solidFill>
+                  </a:tcPr>
+                </a:tc>
+                <a:tc vMerge="1">
+                  <a:txBody>
+                    <a:bodyPr/>
+                    <a:lstStyle/>
+                    <a:p>
+                      <a:pPr algn="ctr"/>
+                      <a:endParaRPr kumimoji="1" lang="ja-JP" altLang="en-US" sz="1800" b="1" dirty="0">
+                        <a:solidFill>
+                          <a:schemeClr val="tx1">
+                            <a:lumMod val="75000"/>
+                            <a:lumOff val="25000"/>
+                          </a:schemeClr>
+                        </a:solidFill>
+                      </a:endParaRPr>
+                    </a:p>
+                  </a:txBody>
+                  <a:tcPr anchor="ctr">
+                    <a:solidFill>
+                      <a:srgbClr val="FFCCFF"/>
+                    </a:solidFill>
+                  </a:tcPr>
+                </a:tc>
+                <a:tc vMerge="1">
+                  <a:txBody>
+                    <a:bodyPr/>
+                    <a:lstStyle/>
+                    <a:p>
+                      <a:endParaRPr kumimoji="1" lang="ja-JP" altLang="en-US"/>
+                    </a:p>
+                  </a:txBody>
+                  <a:tcPr/>
+                </a:tc>
+                <a:tc vMerge="1">
+                  <a:txBody>
+                    <a:bodyPr/>
+                    <a:lstStyle/>
+                    <a:p>
+                      <a:endParaRPr kumimoji="1" lang="ja-JP" altLang="en-US"/>
+                    </a:p>
+                  </a:txBody>
+                  <a:tcPr/>
+                </a:tc>
+                <a:tc vMerge="1">
+                  <a:txBody>
+                    <a:bodyPr/>
+                    <a:lstStyle/>
+                    <a:p>
+                      <a:endParaRPr kumimoji="1" lang="ja-JP" altLang="en-US"/>
+                    </a:p>
+                  </a:txBody>
+                  <a:tcPr/>
+                </a:tc>
+                <a:extLst>
+                  <a:ext uri="{0D108BD9-81ED-4DB2-BD59-A6C34878D82A}">
+                    <a16:rowId xmlns:a16="http://schemas.microsoft.com/office/drawing/2014/main" val="290926368"/>
+                  </a:ext>
+                </a:extLst>
+              </a:tr>
+              <a:tr h="360485">
+                <a:tc rowSpan="3">
+                  <a:txBody>
+                    <a:bodyPr/>
+                    <a:lstStyle/>
+                    <a:p>
+                      <a:pPr marL="0" marR="0" lvl="0" indent="0" algn="ctr" defTabSz="685800" rtl="0" eaLnBrk="1" fontAlgn="auto" latinLnBrk="0" hangingPunct="1">
+                        <a:lnSpc>
+                          <a:spcPct val="100000"/>
+                        </a:lnSpc>
+                        <a:spcBef>
+                          <a:spcPts val="0"/>
+                        </a:spcBef>
+                        <a:spcAft>
+                          <a:spcPts val="0"/>
+                        </a:spcAft>
+                        <a:buClrTx/>
+                        <a:buSzTx/>
+                        <a:buFontTx/>
+                        <a:buNone/>
+                        <a:tabLst/>
+                        <a:defRPr/>
+                      </a:pPr>
+                      <a:r>
+                        <a:rPr kumimoji="1" lang="ja-JP" altLang="en-US" sz="1800" b="1" dirty="0">
+                          <a:solidFill>
+                            <a:schemeClr val="tx1">
+                              <a:lumMod val="75000"/>
+                              <a:lumOff val="25000"/>
+                            </a:schemeClr>
+                          </a:solidFill>
+                        </a:rPr>
+                        <a:t>真の分類</a:t>
+                      </a:r>
+                    </a:p>
+                  </a:txBody>
+                  <a:tcPr vert="eaVert" anchor="ctr">
+                    <a:solidFill>
+                      <a:schemeClr val="tx2">
+                        <a:lumMod val="20000"/>
+                        <a:lumOff val="80000"/>
+                      </a:schemeClr>
+                    </a:solidFill>
+                  </a:tcPr>
+                </a:tc>
+                <a:tc>
+                  <a:txBody>
+                    <a:bodyPr/>
+                    <a:lstStyle/>
+                    <a:p>
+                      <a:pPr marL="0" marR="0" lvl="0" indent="0" algn="ctr" defTabSz="685800" rtl="0" eaLnBrk="1" fontAlgn="auto" latinLnBrk="0" hangingPunct="1">
+                        <a:lnSpc>
+                          <a:spcPct val="100000"/>
+                        </a:lnSpc>
+                        <a:spcBef>
+                          <a:spcPts val="0"/>
+                        </a:spcBef>
+                        <a:spcAft>
+                          <a:spcPts val="0"/>
+                        </a:spcAft>
+                        <a:buClrTx/>
+                        <a:buSzTx/>
+                        <a:buFontTx/>
+                        <a:buNone/>
+                        <a:tabLst/>
+                        <a:defRPr/>
+                      </a:pPr>
+                      <a:r>
+                        <a:rPr kumimoji="1" lang="ja-JP" altLang="en-US" sz="1800" b="1" dirty="0">
+                          <a:solidFill>
+                            <a:schemeClr val="tx1">
+                              <a:lumMod val="75000"/>
+                              <a:lumOff val="25000"/>
+                            </a:schemeClr>
+                          </a:solidFill>
+                        </a:rPr>
+                        <a:t>バグ報告</a:t>
+                      </a:r>
+                    </a:p>
+                  </a:txBody>
+                  <a:tcPr anchor="ctr">
+                    <a:solidFill>
+                      <a:schemeClr val="tx2">
+                        <a:lumMod val="20000"/>
+                        <a:lumOff val="80000"/>
+                      </a:schemeClr>
+                    </a:solidFill>
+                  </a:tcPr>
+                </a:tc>
+                <a:tc>
+                  <a:txBody>
+                    <a:bodyPr/>
+                    <a:lstStyle/>
+                    <a:p>
+                      <a:pPr algn="ctr"/>
+                      <a:r>
+                        <a:rPr kumimoji="1" lang="en-US" altLang="ja-JP" sz="1800" b="1" dirty="0" smtClean="0">
+                          <a:solidFill>
+                            <a:schemeClr val="tx1">
+                              <a:lumMod val="75000"/>
+                              <a:lumOff val="25000"/>
+                            </a:schemeClr>
+                          </a:solidFill>
+                        </a:rPr>
+                        <a:t>12</a:t>
+                      </a:r>
+                      <a:endParaRPr kumimoji="1" lang="ja-JP" altLang="en-US" sz="1800" b="1" dirty="0">
+                        <a:solidFill>
+                          <a:schemeClr val="tx1">
+                            <a:lumMod val="75000"/>
+                            <a:lumOff val="25000"/>
+                          </a:schemeClr>
+                        </a:solidFill>
+                      </a:endParaRPr>
+                    </a:p>
+                  </a:txBody>
+                  <a:tcPr anchor="ctr">
+                    <a:solidFill>
+                      <a:srgbClr val="FFFF99"/>
+                    </a:solidFill>
+                  </a:tcPr>
+                </a:tc>
+                <a:tc>
+                  <a:txBody>
+                    <a:bodyPr/>
+                    <a:lstStyle/>
+                    <a:p>
+                      <a:pPr algn="ctr"/>
+                      <a:r>
+                        <a:rPr kumimoji="1" lang="en-US" altLang="ja-JP" sz="1800" b="1" dirty="0" smtClean="0">
+                          <a:solidFill>
+                            <a:schemeClr val="tx1">
+                              <a:lumMod val="75000"/>
+                              <a:lumOff val="25000"/>
+                            </a:schemeClr>
+                          </a:solidFill>
+                        </a:rPr>
+                        <a:t>1</a:t>
+                      </a:r>
+                      <a:endParaRPr kumimoji="1" lang="ja-JP" altLang="en-US" sz="1800" b="1" dirty="0">
+                        <a:solidFill>
+                          <a:schemeClr val="tx1">
+                            <a:lumMod val="75000"/>
+                            <a:lumOff val="25000"/>
+                          </a:schemeClr>
+                        </a:solidFill>
+                      </a:endParaRPr>
+                    </a:p>
+                  </a:txBody>
+                  <a:tcPr anchor="ctr"/>
+                </a:tc>
+                <a:tc>
+                  <a:txBody>
+                    <a:bodyPr/>
+                    <a:lstStyle/>
+                    <a:p>
+                      <a:pPr algn="ctr"/>
+                      <a:r>
+                        <a:rPr kumimoji="1" lang="en-US" altLang="ja-JP" sz="1800" b="1" dirty="0" smtClean="0">
+                          <a:solidFill>
+                            <a:schemeClr val="tx1">
+                              <a:lumMod val="75000"/>
+                              <a:lumOff val="25000"/>
+                            </a:schemeClr>
+                          </a:solidFill>
+                        </a:rPr>
+                        <a:t>8</a:t>
+                      </a:r>
+                      <a:endParaRPr kumimoji="1" lang="ja-JP" altLang="en-US" sz="1800" b="1" dirty="0">
+                        <a:solidFill>
+                          <a:schemeClr val="tx1">
+                            <a:lumMod val="75000"/>
+                            <a:lumOff val="25000"/>
+                          </a:schemeClr>
+                        </a:solidFill>
+                      </a:endParaRPr>
+                    </a:p>
+                  </a:txBody>
+                  <a:tcPr anchor="ctr"/>
+                </a:tc>
+                <a:tc>
+                  <a:txBody>
+                    <a:bodyPr/>
+                    <a:lstStyle/>
+                    <a:p>
+                      <a:pPr algn="ctr"/>
+                      <a:r>
+                        <a:rPr kumimoji="1" lang="en-US" altLang="ja-JP" sz="1800" b="1" dirty="0" smtClean="0">
+                          <a:solidFill>
+                            <a:schemeClr val="tx1">
+                              <a:lumMod val="75000"/>
+                              <a:lumOff val="25000"/>
+                            </a:schemeClr>
+                          </a:solidFill>
+                        </a:rPr>
+                        <a:t>0.30</a:t>
+                      </a:r>
+                      <a:endParaRPr kumimoji="1" lang="ja-JP" altLang="en-US" sz="1800" b="1" dirty="0">
+                        <a:solidFill>
+                          <a:schemeClr val="tx1">
+                            <a:lumMod val="75000"/>
+                            <a:lumOff val="25000"/>
+                          </a:schemeClr>
+                        </a:solidFill>
+                      </a:endParaRPr>
+                    </a:p>
+                  </a:txBody>
+                  <a:tcPr anchor="ctr"/>
+                </a:tc>
+                <a:tc>
+                  <a:txBody>
+                    <a:bodyPr/>
+                    <a:lstStyle/>
+                    <a:p>
+                      <a:pPr algn="ctr"/>
+                      <a:r>
+                        <a:rPr kumimoji="1" lang="en-US" altLang="ja-JP" sz="1800" b="1" dirty="0" smtClean="0">
+                          <a:solidFill>
+                            <a:schemeClr val="tx1">
+                              <a:lumMod val="75000"/>
+                              <a:lumOff val="25000"/>
+                            </a:schemeClr>
+                          </a:solidFill>
+                        </a:rPr>
+                        <a:t>0.57</a:t>
+                      </a:r>
+                      <a:endParaRPr kumimoji="1" lang="ja-JP" altLang="en-US" sz="1800" b="1" dirty="0">
+                        <a:solidFill>
+                          <a:schemeClr val="tx1">
+                            <a:lumMod val="75000"/>
+                            <a:lumOff val="25000"/>
+                          </a:schemeClr>
+                        </a:solidFill>
+                      </a:endParaRPr>
+                    </a:p>
+                  </a:txBody>
+                  <a:tcPr anchor="ctr"/>
+                </a:tc>
+                <a:tc>
+                  <a:txBody>
+                    <a:bodyPr/>
+                    <a:lstStyle/>
+                    <a:p>
+                      <a:pPr algn="ctr"/>
+                      <a:r>
+                        <a:rPr kumimoji="1" lang="en-US" altLang="ja-JP" sz="1800" b="1" dirty="0" smtClean="0">
+                          <a:solidFill>
+                            <a:schemeClr val="tx1">
+                              <a:lumMod val="75000"/>
+                              <a:lumOff val="25000"/>
+                            </a:schemeClr>
+                          </a:solidFill>
+                        </a:rPr>
+                        <a:t>0.39</a:t>
+                      </a:r>
+                      <a:endParaRPr kumimoji="1" lang="ja-JP" altLang="en-US" sz="1800" b="1" dirty="0">
+                        <a:solidFill>
+                          <a:schemeClr val="tx1">
+                            <a:lumMod val="75000"/>
+                            <a:lumOff val="25000"/>
+                          </a:schemeClr>
+                        </a:solidFill>
+                      </a:endParaRPr>
+                    </a:p>
+                  </a:txBody>
+                  <a:tcPr anchor="ctr"/>
+                </a:tc>
+                <a:tc rowSpan="3">
+                  <a:txBody>
+                    <a:bodyPr/>
+                    <a:lstStyle/>
+                    <a:p>
+                      <a:pPr algn="ctr"/>
+                      <a:r>
+                        <a:rPr kumimoji="1" lang="en-US" altLang="ja-JP" sz="1800" b="1" dirty="0" smtClean="0">
+                          <a:solidFill>
+                            <a:schemeClr val="tx1">
+                              <a:lumMod val="75000"/>
+                              <a:lumOff val="25000"/>
+                            </a:schemeClr>
+                          </a:solidFill>
+                        </a:rPr>
+                        <a:t>0.76</a:t>
+                      </a:r>
+                      <a:endParaRPr kumimoji="1" lang="ja-JP" altLang="en-US" sz="1800" b="1" dirty="0">
+                        <a:solidFill>
+                          <a:schemeClr val="tx1">
+                            <a:lumMod val="75000"/>
+                            <a:lumOff val="25000"/>
+                          </a:schemeClr>
+                        </a:solidFill>
+                      </a:endParaRPr>
+                    </a:p>
+                  </a:txBody>
+                  <a:tcPr anchor="ctr"/>
+                </a:tc>
+                <a:extLst>
+                  <a:ext uri="{0D108BD9-81ED-4DB2-BD59-A6C34878D82A}">
+                    <a16:rowId xmlns:a16="http://schemas.microsoft.com/office/drawing/2014/main" val="3098006258"/>
+                  </a:ext>
+                </a:extLst>
+              </a:tr>
+              <a:tr h="360485">
+                <a:tc vMerge="1">
+                  <a:txBody>
+                    <a:bodyPr/>
+                    <a:lstStyle/>
+                    <a:p>
+                      <a:pPr algn="ctr"/>
+                      <a:endParaRPr kumimoji="1" lang="ja-JP" altLang="en-US" sz="1400" b="1" dirty="0">
+                        <a:solidFill>
+                          <a:schemeClr val="tx1">
+                            <a:lumMod val="75000"/>
+                            <a:lumOff val="25000"/>
+                          </a:schemeClr>
+                        </a:solidFill>
+                      </a:endParaRPr>
+                    </a:p>
+                  </a:txBody>
+                  <a:tcPr anchor="ctr">
+                    <a:solidFill>
+                      <a:schemeClr val="tx2">
+                        <a:lumMod val="20000"/>
+                        <a:lumOff val="80000"/>
+                      </a:schemeClr>
+                    </a:solidFill>
+                  </a:tcPr>
+                </a:tc>
+                <a:tc>
+                  <a:txBody>
+                    <a:bodyPr/>
+                    <a:lstStyle/>
+                    <a:p>
+                      <a:pPr algn="ctr"/>
+                      <a:r>
+                        <a:rPr kumimoji="1" lang="ja-JP" altLang="en-US" sz="1800" b="1" dirty="0">
+                          <a:solidFill>
+                            <a:schemeClr val="tx1">
+                              <a:lumMod val="75000"/>
+                              <a:lumOff val="25000"/>
+                            </a:schemeClr>
+                          </a:solidFill>
+                        </a:rPr>
+                        <a:t>機能要求</a:t>
+                      </a:r>
+                    </a:p>
+                  </a:txBody>
+                  <a:tcPr anchor="ctr">
+                    <a:solidFill>
+                      <a:schemeClr val="tx2">
+                        <a:lumMod val="20000"/>
+                        <a:lumOff val="80000"/>
+                      </a:schemeClr>
+                    </a:solidFill>
+                  </a:tcPr>
+                </a:tc>
+                <a:tc>
+                  <a:txBody>
+                    <a:bodyPr/>
+                    <a:lstStyle/>
+                    <a:p>
+                      <a:pPr algn="ctr"/>
+                      <a:r>
+                        <a:rPr kumimoji="1" lang="en-US" altLang="ja-JP" sz="1800" b="1" dirty="0" smtClean="0">
+                          <a:solidFill>
+                            <a:schemeClr val="tx1">
+                              <a:lumMod val="75000"/>
+                              <a:lumOff val="25000"/>
+                            </a:schemeClr>
+                          </a:solidFill>
+                        </a:rPr>
+                        <a:t>0</a:t>
+                      </a:r>
+                      <a:endParaRPr kumimoji="1" lang="ja-JP" altLang="en-US" sz="1800" b="1" dirty="0">
+                        <a:solidFill>
+                          <a:schemeClr val="tx1">
+                            <a:lumMod val="75000"/>
+                            <a:lumOff val="25000"/>
+                          </a:schemeClr>
+                        </a:solidFill>
+                      </a:endParaRPr>
+                    </a:p>
+                  </a:txBody>
+                  <a:tcPr anchor="ctr"/>
+                </a:tc>
+                <a:tc>
+                  <a:txBody>
+                    <a:bodyPr/>
+                    <a:lstStyle/>
+                    <a:p>
+                      <a:pPr algn="ctr"/>
+                      <a:r>
+                        <a:rPr kumimoji="1" lang="en-US" altLang="ja-JP" sz="1800" b="1" dirty="0" smtClean="0">
+                          <a:solidFill>
+                            <a:schemeClr val="tx1">
+                              <a:lumMod val="75000"/>
+                              <a:lumOff val="25000"/>
+                            </a:schemeClr>
+                          </a:solidFill>
+                        </a:rPr>
+                        <a:t>16</a:t>
+                      </a:r>
+                      <a:endParaRPr kumimoji="1" lang="ja-JP" altLang="en-US" sz="1800" b="1" dirty="0">
+                        <a:solidFill>
+                          <a:schemeClr val="tx1">
+                            <a:lumMod val="75000"/>
+                            <a:lumOff val="25000"/>
+                          </a:schemeClr>
+                        </a:solidFill>
+                      </a:endParaRPr>
+                    </a:p>
+                  </a:txBody>
+                  <a:tcPr anchor="ctr">
+                    <a:solidFill>
+                      <a:srgbClr val="FFFF99"/>
+                    </a:solidFill>
+                  </a:tcPr>
+                </a:tc>
+                <a:tc>
+                  <a:txBody>
+                    <a:bodyPr/>
+                    <a:lstStyle/>
+                    <a:p>
+                      <a:pPr algn="ctr"/>
+                      <a:r>
+                        <a:rPr kumimoji="1" lang="en-US" altLang="ja-JP" sz="1800" b="1" dirty="0" smtClean="0">
+                          <a:solidFill>
+                            <a:schemeClr val="tx1">
+                              <a:lumMod val="75000"/>
+                              <a:lumOff val="25000"/>
+                            </a:schemeClr>
+                          </a:solidFill>
+                        </a:rPr>
+                        <a:t>8</a:t>
+                      </a:r>
+                      <a:endParaRPr kumimoji="1" lang="ja-JP" altLang="en-US" sz="1800" b="1" dirty="0">
+                        <a:solidFill>
+                          <a:schemeClr val="tx1">
+                            <a:lumMod val="75000"/>
+                            <a:lumOff val="25000"/>
+                          </a:schemeClr>
+                        </a:solidFill>
+                      </a:endParaRPr>
+                    </a:p>
+                  </a:txBody>
+                  <a:tcPr anchor="ctr"/>
+                </a:tc>
+                <a:tc>
+                  <a:txBody>
+                    <a:bodyPr/>
+                    <a:lstStyle/>
+                    <a:p>
+                      <a:pPr algn="ctr"/>
+                      <a:r>
+                        <a:rPr kumimoji="1" lang="en-US" altLang="ja-JP" sz="1800" b="1" dirty="0" smtClean="0">
+                          <a:solidFill>
+                            <a:schemeClr val="tx1">
+                              <a:lumMod val="75000"/>
+                              <a:lumOff val="25000"/>
+                            </a:schemeClr>
+                          </a:solidFill>
+                        </a:rPr>
+                        <a:t>0.30</a:t>
+                      </a:r>
+                      <a:endParaRPr kumimoji="1" lang="ja-JP" altLang="en-US" sz="1800" b="1" dirty="0">
+                        <a:solidFill>
+                          <a:schemeClr val="tx1">
+                            <a:lumMod val="75000"/>
+                            <a:lumOff val="25000"/>
+                          </a:schemeClr>
+                        </a:solidFill>
+                      </a:endParaRPr>
+                    </a:p>
+                  </a:txBody>
+                  <a:tcPr anchor="ctr"/>
+                </a:tc>
+                <a:tc>
+                  <a:txBody>
+                    <a:bodyPr/>
+                    <a:lstStyle/>
+                    <a:p>
+                      <a:pPr algn="ctr"/>
+                      <a:r>
+                        <a:rPr kumimoji="1" lang="en-US" altLang="ja-JP" sz="1800" b="1" dirty="0" smtClean="0">
+                          <a:solidFill>
+                            <a:schemeClr val="tx1">
+                              <a:lumMod val="75000"/>
+                              <a:lumOff val="25000"/>
+                            </a:schemeClr>
+                          </a:solidFill>
+                        </a:rPr>
+                        <a:t>0.67</a:t>
+                      </a:r>
+                      <a:endParaRPr kumimoji="1" lang="ja-JP" altLang="en-US" sz="1800" b="1" dirty="0">
+                        <a:solidFill>
+                          <a:schemeClr val="tx1">
+                            <a:lumMod val="75000"/>
+                            <a:lumOff val="25000"/>
+                          </a:schemeClr>
+                        </a:solidFill>
+                      </a:endParaRPr>
+                    </a:p>
+                  </a:txBody>
+                  <a:tcPr anchor="ctr"/>
+                </a:tc>
+                <a:tc>
+                  <a:txBody>
+                    <a:bodyPr/>
+                    <a:lstStyle/>
+                    <a:p>
+                      <a:pPr algn="ctr"/>
+                      <a:r>
+                        <a:rPr kumimoji="1" lang="en-US" altLang="ja-JP" sz="1800" b="1" dirty="0" smtClean="0">
+                          <a:solidFill>
+                            <a:schemeClr val="tx1">
+                              <a:lumMod val="75000"/>
+                              <a:lumOff val="25000"/>
+                            </a:schemeClr>
+                          </a:solidFill>
+                        </a:rPr>
+                        <a:t>0.42</a:t>
+                      </a:r>
+                      <a:endParaRPr kumimoji="1" lang="ja-JP" altLang="en-US" sz="1800" b="1" dirty="0">
+                        <a:solidFill>
+                          <a:schemeClr val="tx1">
+                            <a:lumMod val="75000"/>
+                            <a:lumOff val="25000"/>
+                          </a:schemeClr>
+                        </a:solidFill>
+                      </a:endParaRPr>
+                    </a:p>
+                  </a:txBody>
+                  <a:tcPr anchor="ctr"/>
+                </a:tc>
+                <a:tc vMerge="1">
+                  <a:txBody>
+                    <a:bodyPr/>
+                    <a:lstStyle/>
+                    <a:p>
+                      <a:pPr algn="ctr"/>
+                      <a:endParaRPr kumimoji="1" lang="ja-JP" altLang="en-US" sz="1800" b="1" dirty="0">
+                        <a:solidFill>
+                          <a:schemeClr val="tx1">
+                            <a:lumMod val="75000"/>
+                            <a:lumOff val="25000"/>
+                          </a:schemeClr>
+                        </a:solidFill>
+                      </a:endParaRPr>
+                    </a:p>
+                  </a:txBody>
+                  <a:tcPr anchor="ctr"/>
+                </a:tc>
+                <a:extLst>
+                  <a:ext uri="{0D108BD9-81ED-4DB2-BD59-A6C34878D82A}">
+                    <a16:rowId xmlns:a16="http://schemas.microsoft.com/office/drawing/2014/main" val="2471616886"/>
+                  </a:ext>
+                </a:extLst>
+              </a:tr>
+              <a:tr h="360485">
+                <a:tc vMerge="1">
+                  <a:txBody>
+                    <a:bodyPr/>
+                    <a:lstStyle/>
+                    <a:p>
+                      <a:pPr algn="ctr"/>
+                      <a:endParaRPr kumimoji="1" lang="ja-JP" altLang="en-US" sz="1400" b="1" dirty="0">
+                        <a:solidFill>
+                          <a:schemeClr val="tx1">
+                            <a:lumMod val="75000"/>
+                            <a:lumOff val="25000"/>
+                          </a:schemeClr>
+                        </a:solidFill>
+                      </a:endParaRPr>
+                    </a:p>
+                  </a:txBody>
+                  <a:tcPr anchor="ctr">
+                    <a:solidFill>
+                      <a:schemeClr val="tx2">
+                        <a:lumMod val="20000"/>
+                        <a:lumOff val="80000"/>
+                      </a:schemeClr>
+                    </a:solidFill>
+                  </a:tcPr>
+                </a:tc>
+                <a:tc>
+                  <a:txBody>
+                    <a:bodyPr/>
+                    <a:lstStyle/>
+                    <a:p>
+                      <a:pPr algn="ctr"/>
+                      <a:r>
+                        <a:rPr kumimoji="1" lang="ja-JP" altLang="en-US" sz="1800" b="1" dirty="0">
+                          <a:solidFill>
+                            <a:schemeClr val="tx1">
+                              <a:lumMod val="75000"/>
+                              <a:lumOff val="25000"/>
+                            </a:schemeClr>
+                          </a:solidFill>
+                        </a:rPr>
+                        <a:t>その他</a:t>
+                      </a:r>
+                    </a:p>
+                  </a:txBody>
+                  <a:tcPr anchor="ctr">
+                    <a:solidFill>
+                      <a:schemeClr val="tx2">
+                        <a:lumMod val="20000"/>
+                        <a:lumOff val="80000"/>
+                      </a:schemeClr>
+                    </a:solidFill>
+                  </a:tcPr>
+                </a:tc>
+                <a:tc>
+                  <a:txBody>
+                    <a:bodyPr/>
+                    <a:lstStyle/>
+                    <a:p>
+                      <a:pPr algn="ctr"/>
+                      <a:r>
+                        <a:rPr kumimoji="1" lang="en-US" altLang="ja-JP" sz="1800" b="1" dirty="0" smtClean="0">
+                          <a:solidFill>
+                            <a:schemeClr val="tx1">
+                              <a:lumMod val="75000"/>
+                              <a:lumOff val="25000"/>
+                            </a:schemeClr>
+                          </a:solidFill>
+                        </a:rPr>
+                        <a:t>28</a:t>
+                      </a:r>
+                      <a:endParaRPr kumimoji="1" lang="ja-JP" altLang="en-US" sz="1800" b="1" dirty="0">
+                        <a:solidFill>
+                          <a:schemeClr val="tx1">
+                            <a:lumMod val="75000"/>
+                            <a:lumOff val="25000"/>
+                          </a:schemeClr>
+                        </a:solidFill>
+                      </a:endParaRPr>
+                    </a:p>
+                  </a:txBody>
+                  <a:tcPr anchor="ctr"/>
+                </a:tc>
+                <a:tc>
+                  <a:txBody>
+                    <a:bodyPr/>
+                    <a:lstStyle/>
+                    <a:p>
+                      <a:pPr algn="ctr"/>
+                      <a:r>
+                        <a:rPr kumimoji="1" lang="en-US" altLang="ja-JP" sz="1800" b="1" dirty="0" smtClean="0">
+                          <a:solidFill>
+                            <a:schemeClr val="tx1">
+                              <a:lumMod val="75000"/>
+                              <a:lumOff val="25000"/>
+                            </a:schemeClr>
+                          </a:solidFill>
+                        </a:rPr>
+                        <a:t>36</a:t>
+                      </a:r>
+                      <a:endParaRPr kumimoji="1" lang="ja-JP" altLang="en-US" sz="1800" b="1" dirty="0">
+                        <a:solidFill>
+                          <a:schemeClr val="tx1">
+                            <a:lumMod val="75000"/>
+                            <a:lumOff val="25000"/>
+                          </a:schemeClr>
+                        </a:solidFill>
+                      </a:endParaRPr>
+                    </a:p>
+                  </a:txBody>
+                  <a:tcPr anchor="ctr"/>
+                </a:tc>
+                <a:tc>
+                  <a:txBody>
+                    <a:bodyPr/>
+                    <a:lstStyle/>
+                    <a:p>
+                      <a:pPr algn="ctr"/>
+                      <a:r>
+                        <a:rPr kumimoji="1" lang="en-US" altLang="ja-JP" sz="1800" b="1" dirty="0" smtClean="0">
+                          <a:solidFill>
+                            <a:schemeClr val="tx1">
+                              <a:lumMod val="75000"/>
+                              <a:lumOff val="25000"/>
+                            </a:schemeClr>
+                          </a:solidFill>
+                        </a:rPr>
+                        <a:t>223</a:t>
+                      </a:r>
+                      <a:endParaRPr kumimoji="1" lang="ja-JP" altLang="en-US" sz="1800" b="1" dirty="0">
+                        <a:solidFill>
+                          <a:schemeClr val="tx1">
+                            <a:lumMod val="75000"/>
+                            <a:lumOff val="25000"/>
+                          </a:schemeClr>
+                        </a:solidFill>
+                      </a:endParaRPr>
+                    </a:p>
+                  </a:txBody>
+                  <a:tcPr anchor="ctr">
+                    <a:solidFill>
+                      <a:srgbClr val="FFFF99"/>
+                    </a:solidFill>
+                  </a:tcPr>
+                </a:tc>
+                <a:tc>
+                  <a:txBody>
+                    <a:bodyPr/>
+                    <a:lstStyle/>
+                    <a:p>
+                      <a:pPr algn="ctr"/>
+                      <a:r>
+                        <a:rPr kumimoji="1" lang="en-US" altLang="ja-JP" sz="1800" b="1" dirty="0" smtClean="0">
+                          <a:solidFill>
+                            <a:schemeClr val="tx1">
+                              <a:lumMod val="75000"/>
+                              <a:lumOff val="25000"/>
+                            </a:schemeClr>
+                          </a:solidFill>
+                        </a:rPr>
+                        <a:t>0.93</a:t>
+                      </a:r>
+                      <a:endParaRPr kumimoji="1" lang="ja-JP" altLang="en-US" sz="1800" b="1" dirty="0">
+                        <a:solidFill>
+                          <a:schemeClr val="tx1">
+                            <a:lumMod val="75000"/>
+                            <a:lumOff val="25000"/>
+                          </a:schemeClr>
+                        </a:solidFill>
+                      </a:endParaRPr>
+                    </a:p>
+                  </a:txBody>
+                  <a:tcPr anchor="ctr">
+                    <a:noFill/>
+                  </a:tcPr>
+                </a:tc>
+                <a:tc>
+                  <a:txBody>
+                    <a:bodyPr/>
+                    <a:lstStyle/>
+                    <a:p>
+                      <a:pPr algn="ctr"/>
+                      <a:r>
+                        <a:rPr kumimoji="1" lang="en-US" altLang="ja-JP" sz="1800" b="1" dirty="0" smtClean="0">
+                          <a:solidFill>
+                            <a:schemeClr val="tx1">
+                              <a:lumMod val="75000"/>
+                              <a:lumOff val="25000"/>
+                            </a:schemeClr>
+                          </a:solidFill>
+                        </a:rPr>
+                        <a:t>0.78</a:t>
+                      </a:r>
+                      <a:endParaRPr kumimoji="1" lang="ja-JP" altLang="en-US" sz="1800" b="1" dirty="0">
+                        <a:solidFill>
+                          <a:schemeClr val="tx1">
+                            <a:lumMod val="75000"/>
+                            <a:lumOff val="25000"/>
+                          </a:schemeClr>
+                        </a:solidFill>
+                      </a:endParaRPr>
+                    </a:p>
+                  </a:txBody>
+                  <a:tcPr anchor="ctr">
+                    <a:noFill/>
+                  </a:tcPr>
+                </a:tc>
+                <a:tc>
+                  <a:txBody>
+                    <a:bodyPr/>
+                    <a:lstStyle/>
+                    <a:p>
+                      <a:pPr algn="ctr"/>
+                      <a:r>
+                        <a:rPr kumimoji="1" lang="en-US" altLang="ja-JP" sz="1800" b="1" dirty="0" smtClean="0">
+                          <a:solidFill>
+                            <a:schemeClr val="tx1">
+                              <a:lumMod val="75000"/>
+                              <a:lumOff val="25000"/>
+                            </a:schemeClr>
+                          </a:solidFill>
+                        </a:rPr>
+                        <a:t>0.85</a:t>
+                      </a:r>
+                      <a:endParaRPr kumimoji="1" lang="ja-JP" altLang="en-US" sz="1800" b="1" dirty="0">
+                        <a:solidFill>
+                          <a:schemeClr val="tx1">
+                            <a:lumMod val="75000"/>
+                            <a:lumOff val="25000"/>
+                          </a:schemeClr>
+                        </a:solidFill>
+                      </a:endParaRPr>
+                    </a:p>
+                  </a:txBody>
+                  <a:tcPr anchor="ctr">
+                    <a:noFill/>
+                  </a:tcPr>
+                </a:tc>
+                <a:tc vMerge="1">
+                  <a:txBody>
+                    <a:bodyPr/>
+                    <a:lstStyle/>
+                    <a:p>
+                      <a:pPr algn="ctr"/>
+                      <a:endParaRPr kumimoji="1" lang="ja-JP" altLang="en-US" sz="1800" b="1" dirty="0">
+                        <a:solidFill>
+                          <a:schemeClr val="tx1">
+                            <a:lumMod val="75000"/>
+                            <a:lumOff val="25000"/>
+                          </a:schemeClr>
+                        </a:solidFill>
+                      </a:endParaRPr>
+                    </a:p>
+                  </a:txBody>
+                  <a:tcPr anchor="ctr">
+                    <a:noFill/>
+                  </a:tcPr>
+                </a:tc>
+                <a:extLst>
+                  <a:ext uri="{0D108BD9-81ED-4DB2-BD59-A6C34878D82A}">
+                    <a16:rowId xmlns:a16="http://schemas.microsoft.com/office/drawing/2014/main" val="1654385434"/>
+                  </a:ext>
+                </a:extLst>
+              </a:tr>
+            </a:tbl>
+          </a:graphicData>
+        </a:graphic>
+      </p:graphicFrame>
+      <p:cxnSp>
+        <p:nvCxnSpPr>
+          <p:cNvPr id="8" name="直線コネクタ 7">
+            <a:extLst>
+              <a:ext uri="{FF2B5EF4-FFF2-40B4-BE49-F238E27FC236}">
+                <a16:creationId xmlns:a16="http://schemas.microsoft.com/office/drawing/2014/main" id="{0B22DF8F-9DC9-4E57-B6B4-5C0B3E3CB7C5}"/>
+              </a:ext>
+            </a:extLst>
+          </p:cNvPr>
+          <p:cNvCxnSpPr>
+            <a:cxnSpLocks/>
+          </p:cNvCxnSpPr>
+          <p:nvPr/>
+        </p:nvCxnSpPr>
+        <p:spPr>
+          <a:xfrm>
+            <a:off x="5086562" y="4526014"/>
+            <a:ext cx="0" cy="1828800"/>
+          </a:xfrm>
+          <a:prstGeom prst="line">
+            <a:avLst/>
+          </a:prstGeom>
+          <a:ln w="19050">
+            <a:solidFill>
+              <a:schemeClr val="tx1">
+                <a:lumMod val="75000"/>
+                <a:lumOff val="25000"/>
+              </a:schemeClr>
+            </a:solidFill>
+          </a:ln>
+        </p:spPr>
+        <p:style>
+          <a:lnRef idx="1">
+            <a:schemeClr val="accent1"/>
+          </a:lnRef>
+          <a:fillRef idx="0">
+            <a:schemeClr val="accent1"/>
+          </a:fillRef>
+          <a:effectRef idx="0">
+            <a:schemeClr val="accent1"/>
+          </a:effectRef>
+          <a:fontRef idx="minor">
+            <a:schemeClr val="tx1"/>
+          </a:fontRef>
+        </p:style>
+      </p:cxnSp>
+    </p:spTree>
+    <p:extLst>
+      <p:ext uri="{BB962C8B-B14F-4D97-AF65-F5344CB8AC3E}">
+        <p14:creationId xmlns:p14="http://schemas.microsoft.com/office/powerpoint/2010/main" val="4202116646"/>
+      </p:ext>
+    </p:extLst>
+  </p:cSld>
+  <p:clrMapOvr>
+    <a:masterClrMapping/>
+  </p:clrMapOvr>
+</p:sld>
+</file>
+
+<file path=ppt/slides/slide3.xml><?xml version="1.0" encoding="utf-8"?>
+<p:sld xmlns:a="http://schemas.openxmlformats.org/drawingml/2006/main" xmlns:r="http://schemas.openxmlformats.org/officeDocument/2006/relationships" xmlns:p="http://schemas.openxmlformats.org/presentationml/2006/main">
+  <p:cSld>
+    <p:spTree>
+      <p:nvGrpSpPr>
+        <p:cNvPr id="1" name=""/>
+        <p:cNvGrpSpPr/>
+        <p:nvPr/>
+      </p:nvGrpSpPr>
+      <p:grpSpPr>
+        <a:xfrm>
+          <a:off x="0" y="0"/>
+          <a:ext cx="0" cy="0"/>
+          <a:chOff x="0" y="0"/>
+          <a:chExt cx="0" cy="0"/>
+        </a:xfrm>
+      </p:grpSpPr>
+      <p:sp>
+        <p:nvSpPr>
+          <p:cNvPr id="2" name="タイトル 1">
+            <a:extLst>
+              <a:ext uri="{FF2B5EF4-FFF2-40B4-BE49-F238E27FC236}">
+                <a16:creationId xmlns:a16="http://schemas.microsoft.com/office/drawing/2014/main" id="{6E77DB93-8CC2-4374-8072-03F06ADA13E6}"/>
+              </a:ext>
+            </a:extLst>
+          </p:cNvPr>
+          <p:cNvSpPr>
+            <a:spLocks noGrp="1"/>
+          </p:cNvSpPr>
+          <p:nvPr>
+            <p:ph type="title"/>
+          </p:nvPr>
+        </p:nvSpPr>
+        <p:spPr/>
+        <p:txBody>
+          <a:bodyPr>
+            <a:normAutofit fontScale="90000"/>
+          </a:bodyPr>
+          <a:lstStyle/>
+          <a:p>
+            <a:r>
+              <a:rPr kumimoji="1" lang="ja-JP" altLang="en-US" dirty="0"/>
+              <a:t>実験</a:t>
+            </a:r>
+            <a:r>
+              <a:rPr kumimoji="1" lang="ja-JP" altLang="en-US" dirty="0" smtClean="0"/>
+              <a:t>結果</a:t>
+            </a:r>
+            <a:r>
+              <a:rPr kumimoji="1" lang="en-US" altLang="ja-JP" dirty="0" smtClean="0"/>
+              <a:t>(cross)</a:t>
+            </a:r>
+            <a:endParaRPr kumimoji="1" lang="ja-JP" altLang="en-US" dirty="0"/>
+          </a:p>
+        </p:txBody>
+      </p:sp>
+      <p:graphicFrame>
+        <p:nvGraphicFramePr>
+          <p:cNvPr id="11" name="コンテンツ プレースホルダー 4">
+            <a:extLst>
+              <a:ext uri="{FF2B5EF4-FFF2-40B4-BE49-F238E27FC236}">
+                <a16:creationId xmlns:a16="http://schemas.microsoft.com/office/drawing/2014/main" id="{B6C615EF-9CEE-472B-85AD-FC76E8D92178}"/>
+              </a:ext>
+            </a:extLst>
+          </p:cNvPr>
+          <p:cNvGraphicFramePr>
+            <a:graphicFrameLocks/>
+          </p:cNvGraphicFramePr>
+          <p:nvPr>
+            <p:extLst>
+              <p:ext uri="{D42A27DB-BD31-4B8C-83A1-F6EECF244321}">
+                <p14:modId xmlns:p14="http://schemas.microsoft.com/office/powerpoint/2010/main" val="489164724"/>
+              </p:ext>
+            </p:extLst>
+          </p:nvPr>
+        </p:nvGraphicFramePr>
+        <p:xfrm>
+          <a:off x="125639" y="2447350"/>
+          <a:ext cx="8892721" cy="1828800"/>
+        </p:xfrm>
+        <a:graphic>
+          <a:graphicData uri="http://schemas.openxmlformats.org/drawingml/2006/table">
+            <a:tbl>
+              <a:tblPr firstRow="1" bandRow="1">
+                <a:tableStyleId>{5940675A-B579-460E-94D1-54222C63F5DA}</a:tableStyleId>
+              </a:tblPr>
+              <a:tblGrid>
+                <a:gridCol w="416002">
+                  <a:extLst>
+                    <a:ext uri="{9D8B030D-6E8A-4147-A177-3AD203B41FA5}">
+                      <a16:colId xmlns:a16="http://schemas.microsoft.com/office/drawing/2014/main" val="1923610548"/>
+                    </a:ext>
+                  </a:extLst>
+                </a:gridCol>
+                <a:gridCol w="1190750">
+                  <a:extLst>
+                    <a:ext uri="{9D8B030D-6E8A-4147-A177-3AD203B41FA5}">
+                      <a16:colId xmlns:a16="http://schemas.microsoft.com/office/drawing/2014/main" val="1484246165"/>
+                    </a:ext>
+                  </a:extLst>
+                </a:gridCol>
+                <a:gridCol w="1104679">
+                  <a:extLst>
+                    <a:ext uri="{9D8B030D-6E8A-4147-A177-3AD203B41FA5}">
+                      <a16:colId xmlns:a16="http://schemas.microsoft.com/office/drawing/2014/main" val="1784955739"/>
+                    </a:ext>
+                  </a:extLst>
+                </a:gridCol>
+                <a:gridCol w="1104679">
+                  <a:extLst>
+                    <a:ext uri="{9D8B030D-6E8A-4147-A177-3AD203B41FA5}">
+                      <a16:colId xmlns:a16="http://schemas.microsoft.com/office/drawing/2014/main" val="2815321614"/>
+                    </a:ext>
+                  </a:extLst>
+                </a:gridCol>
+                <a:gridCol w="1104679">
+                  <a:extLst>
+                    <a:ext uri="{9D8B030D-6E8A-4147-A177-3AD203B41FA5}">
+                      <a16:colId xmlns:a16="http://schemas.microsoft.com/office/drawing/2014/main" val="2073608608"/>
+                    </a:ext>
+                  </a:extLst>
+                </a:gridCol>
+                <a:gridCol w="992983">
+                  <a:extLst>
+                    <a:ext uri="{9D8B030D-6E8A-4147-A177-3AD203B41FA5}">
+                      <a16:colId xmlns:a16="http://schemas.microsoft.com/office/drawing/2014/main" val="3636356136"/>
+                    </a:ext>
+                  </a:extLst>
+                </a:gridCol>
+                <a:gridCol w="992983">
+                  <a:extLst>
+                    <a:ext uri="{9D8B030D-6E8A-4147-A177-3AD203B41FA5}">
+                      <a16:colId xmlns:a16="http://schemas.microsoft.com/office/drawing/2014/main" val="1161361597"/>
+                    </a:ext>
+                  </a:extLst>
+                </a:gridCol>
+                <a:gridCol w="992983">
+                  <a:extLst>
+                    <a:ext uri="{9D8B030D-6E8A-4147-A177-3AD203B41FA5}">
+                      <a16:colId xmlns:a16="http://schemas.microsoft.com/office/drawing/2014/main" val="1162311465"/>
+                    </a:ext>
+                  </a:extLst>
+                </a:gridCol>
+                <a:gridCol w="992983">
+                  <a:extLst>
+                    <a:ext uri="{9D8B030D-6E8A-4147-A177-3AD203B41FA5}">
+                      <a16:colId xmlns:a16="http://schemas.microsoft.com/office/drawing/2014/main" val="3168335535"/>
+                    </a:ext>
+                  </a:extLst>
+                </a:gridCol>
+              </a:tblGrid>
+              <a:tr h="360485">
+                <a:tc rowSpan="2" gridSpan="2">
+                  <a:txBody>
+                    <a:bodyPr/>
+                    <a:lstStyle/>
+                    <a:p>
+                      <a:pPr algn="ctr"/>
+                      <a:r>
+                        <a:rPr kumimoji="1" lang="ja-JP" altLang="en-US" sz="1800" b="1" dirty="0">
+                          <a:solidFill>
+                            <a:schemeClr val="tx1">
+                              <a:lumMod val="75000"/>
+                              <a:lumOff val="25000"/>
+                            </a:schemeClr>
+                          </a:solidFill>
+                        </a:rPr>
+                        <a:t>提案手法</a:t>
+                      </a:r>
+                      <a:endParaRPr kumimoji="1" lang="en-US" altLang="ja-JP" sz="1800" b="1" dirty="0">
+                        <a:solidFill>
+                          <a:schemeClr val="tx1">
+                            <a:lumMod val="75000"/>
+                            <a:lumOff val="25000"/>
+                          </a:schemeClr>
+                        </a:solidFill>
+                      </a:endParaRPr>
+                    </a:p>
+                    <a:p>
+                      <a:pPr marL="0" marR="0" lvl="0" indent="0" algn="ctr" defTabSz="685800" rtl="0" eaLnBrk="1" fontAlgn="auto" latinLnBrk="0" hangingPunct="1">
+                        <a:lnSpc>
+                          <a:spcPct val="100000"/>
+                        </a:lnSpc>
+                        <a:spcBef>
+                          <a:spcPts val="0"/>
+                        </a:spcBef>
+                        <a:spcAft>
+                          <a:spcPts val="0"/>
+                        </a:spcAft>
+                        <a:buClrTx/>
+                        <a:buSzTx/>
+                        <a:buFontTx/>
+                        <a:buNone/>
+                        <a:tabLst/>
+                        <a:defRPr/>
+                      </a:pPr>
+                      <a:r>
+                        <a:rPr kumimoji="1" lang="en-US" altLang="ja-JP" sz="1400" b="0" i="0" u="none" strike="noStrike" kern="1200" cap="none" spc="0" normalizeH="0" baseline="0" noProof="0" dirty="0">
+                          <a:ln>
+                            <a:noFill/>
+                          </a:ln>
+                          <a:solidFill>
+                            <a:prstClr val="black">
+                              <a:lumMod val="75000"/>
+                              <a:lumOff val="25000"/>
+                            </a:prstClr>
+                          </a:solidFill>
+                          <a:effectLst/>
+                          <a:uLnTx/>
+                          <a:uFillTx/>
+                          <a:latin typeface="+mn-lt"/>
+                          <a:ea typeface="+mn-ea"/>
+                          <a:cs typeface="+mn-cs"/>
+                        </a:rPr>
+                        <a:t>forum-review</a:t>
+                      </a:r>
+                      <a:endParaRPr kumimoji="1" lang="ja-JP" altLang="en-US" sz="2000" b="0" i="0" u="none" strike="noStrike" kern="1200" cap="none" spc="0" normalizeH="0" baseline="0" noProof="0" dirty="0">
+                        <a:ln>
+                          <a:noFill/>
+                        </a:ln>
+                        <a:solidFill>
+                          <a:prstClr val="black">
+                            <a:lumMod val="75000"/>
+                            <a:lumOff val="25000"/>
+                          </a:prstClr>
+                        </a:solidFill>
+                        <a:effectLst/>
+                        <a:uLnTx/>
+                        <a:uFillTx/>
+                        <a:latin typeface="+mn-lt"/>
+                        <a:ea typeface="+mn-ea"/>
+                        <a:cs typeface="+mn-cs"/>
+                      </a:endParaRPr>
+                    </a:p>
+                  </a:txBody>
+                  <a:tcPr anchor="ctr">
+                    <a:lnTlToBr w="12700" cap="flat" cmpd="sng" algn="ctr">
+                      <a:noFill/>
+                      <a:prstDash val="solid"/>
+                      <a:round/>
+                      <a:headEnd type="none" w="med" len="med"/>
+                      <a:tailEnd type="none" w="med" len="med"/>
+                    </a:lnTlToBr>
+                  </a:tcPr>
+                </a:tc>
+                <a:tc rowSpan="2" hMerge="1">
+                  <a:txBody>
+                    <a:bodyPr/>
+                    <a:lstStyle/>
+                    <a:p>
+                      <a:pPr algn="ctr"/>
+                      <a:endParaRPr kumimoji="1" lang="ja-JP" altLang="en-US" sz="1400" b="1" dirty="0">
+                        <a:solidFill>
+                          <a:schemeClr val="tx1">
+                            <a:lumMod val="75000"/>
+                            <a:lumOff val="25000"/>
+                          </a:schemeClr>
+                        </a:solidFill>
+                      </a:endParaRPr>
+                    </a:p>
+                  </a:txBody>
+                  <a:tcPr anchor="ctr">
+                    <a:lnTlToBr w="12700" cap="flat" cmpd="sng" algn="ctr">
+                      <a:solidFill>
+                        <a:schemeClr val="tx1"/>
+                      </a:solidFill>
+                      <a:prstDash val="solid"/>
+                      <a:round/>
+                      <a:headEnd type="none" w="med" len="med"/>
+                      <a:tailEnd type="none" w="med" len="med"/>
+                    </a:lnTlToBr>
+                  </a:tcPr>
+                </a:tc>
+                <a:tc gridSpan="3">
+                  <a:txBody>
+                    <a:bodyPr/>
+                    <a:lstStyle/>
+                    <a:p>
+                      <a:pPr algn="ctr"/>
+                      <a:r>
+                        <a:rPr kumimoji="1" lang="ja-JP" altLang="en-US" sz="1800" b="1" dirty="0">
+                          <a:solidFill>
+                            <a:schemeClr val="tx1">
+                              <a:lumMod val="75000"/>
+                              <a:lumOff val="25000"/>
+                            </a:schemeClr>
+                          </a:solidFill>
+                        </a:rPr>
+                        <a:t>予測した分類</a:t>
+                      </a:r>
+                    </a:p>
+                  </a:txBody>
+                  <a:tcPr anchor="ctr">
+                    <a:solidFill>
+                      <a:srgbClr val="FFCCFF"/>
+                    </a:solidFill>
+                  </a:tcPr>
+                </a:tc>
+                <a:tc hMerge="1">
+                  <a:txBody>
+                    <a:bodyPr/>
+                    <a:lstStyle/>
+                    <a:p>
+                      <a:pPr algn="ctr"/>
+                      <a:endParaRPr kumimoji="1" lang="ja-JP" altLang="en-US" sz="1400" b="1" dirty="0">
+                        <a:solidFill>
+                          <a:schemeClr val="tx1">
+                            <a:lumMod val="75000"/>
+                            <a:lumOff val="25000"/>
+                          </a:schemeClr>
+                        </a:solidFill>
+                      </a:endParaRPr>
+                    </a:p>
+                  </a:txBody>
+                  <a:tcPr anchor="ctr">
+                    <a:solidFill>
+                      <a:srgbClr val="FFCCFF"/>
+                    </a:solidFill>
+                  </a:tcPr>
+                </a:tc>
+                <a:tc hMerge="1">
+                  <a:txBody>
+                    <a:bodyPr/>
+                    <a:lstStyle/>
+                    <a:p>
+                      <a:pPr algn="ctr"/>
+                      <a:endParaRPr kumimoji="1" lang="ja-JP" altLang="en-US" sz="1400" b="1" dirty="0">
+                        <a:solidFill>
+                          <a:schemeClr val="tx1">
+                            <a:lumMod val="75000"/>
+                            <a:lumOff val="25000"/>
+                          </a:schemeClr>
+                        </a:solidFill>
+                      </a:endParaRPr>
+                    </a:p>
+                  </a:txBody>
+                  <a:tcPr anchor="ctr">
+                    <a:solidFill>
+                      <a:srgbClr val="FFCCFF"/>
+                    </a:solidFill>
+                  </a:tcPr>
+                </a:tc>
+                <a:tc rowSpan="2">
+                  <a:txBody>
+                    <a:bodyPr/>
+                    <a:lstStyle/>
+                    <a:p>
+                      <a:pPr algn="ctr"/>
+                      <a:r>
+                        <a:rPr kumimoji="1" lang="ja-JP" altLang="en-US" sz="1800" b="1" dirty="0">
+                          <a:solidFill>
+                            <a:schemeClr val="tx1">
+                              <a:lumMod val="75000"/>
+                              <a:lumOff val="25000"/>
+                            </a:schemeClr>
+                          </a:solidFill>
+                        </a:rPr>
+                        <a:t>適合率</a:t>
+                      </a:r>
+                      <a:endParaRPr kumimoji="1" lang="en-US" altLang="ja-JP" sz="1800" b="1" dirty="0">
+                        <a:solidFill>
+                          <a:schemeClr val="tx1">
+                            <a:lumMod val="75000"/>
+                            <a:lumOff val="25000"/>
+                          </a:schemeClr>
+                        </a:solidFill>
+                      </a:endParaRPr>
+                    </a:p>
+                    <a:p>
+                      <a:pPr marL="0" marR="0" lvl="0" indent="0" algn="ctr" defTabSz="685800" rtl="0" eaLnBrk="1" fontAlgn="auto" latinLnBrk="0" hangingPunct="1">
+                        <a:lnSpc>
+                          <a:spcPct val="100000"/>
+                        </a:lnSpc>
+                        <a:spcBef>
+                          <a:spcPts val="0"/>
+                        </a:spcBef>
+                        <a:spcAft>
+                          <a:spcPts val="0"/>
+                        </a:spcAft>
+                        <a:buClrTx/>
+                        <a:buSzTx/>
+                        <a:buFontTx/>
+                        <a:buNone/>
+                        <a:tabLst/>
+                        <a:defRPr/>
+                      </a:pPr>
+                      <a:r>
+                        <a:rPr kumimoji="1" lang="en-US" altLang="ja-JP" sz="1400" b="0" dirty="0">
+                          <a:solidFill>
+                            <a:schemeClr val="tx1">
+                              <a:lumMod val="75000"/>
+                              <a:lumOff val="25000"/>
+                            </a:schemeClr>
+                          </a:solidFill>
+                        </a:rPr>
+                        <a:t>precision</a:t>
+                      </a:r>
+                      <a:endParaRPr kumimoji="1" lang="en-US" altLang="ja-JP" sz="2400" b="0" dirty="0">
+                        <a:solidFill>
+                          <a:schemeClr val="tx1">
+                            <a:lumMod val="75000"/>
+                            <a:lumOff val="25000"/>
+                          </a:schemeClr>
+                        </a:solidFill>
+                      </a:endParaRPr>
+                    </a:p>
+                  </a:txBody>
+                  <a:tcPr anchor="ctr">
+                    <a:noFill/>
+                  </a:tcPr>
+                </a:tc>
+                <a:tc rowSpan="2">
+                  <a:txBody>
+                    <a:bodyPr/>
+                    <a:lstStyle/>
+                    <a:p>
+                      <a:pPr algn="ctr"/>
+                      <a:r>
+                        <a:rPr kumimoji="1" lang="ja-JP" altLang="en-US" sz="1800" b="1" dirty="0">
+                          <a:solidFill>
+                            <a:schemeClr val="tx1">
+                              <a:lumMod val="75000"/>
+                              <a:lumOff val="25000"/>
+                            </a:schemeClr>
+                          </a:solidFill>
+                        </a:rPr>
+                        <a:t>再現率</a:t>
+                      </a:r>
+                      <a:endParaRPr kumimoji="1" lang="en-US" altLang="ja-JP" sz="1800" b="1" dirty="0">
+                        <a:solidFill>
+                          <a:schemeClr val="tx1">
+                            <a:lumMod val="75000"/>
+                            <a:lumOff val="25000"/>
+                          </a:schemeClr>
+                        </a:solidFill>
+                      </a:endParaRPr>
+                    </a:p>
+                    <a:p>
+                      <a:pPr algn="ctr"/>
+                      <a:r>
+                        <a:rPr kumimoji="1" lang="en-US" altLang="ja-JP" sz="1400" b="0" dirty="0">
+                          <a:solidFill>
+                            <a:schemeClr val="tx1">
+                              <a:lumMod val="75000"/>
+                              <a:lumOff val="25000"/>
+                            </a:schemeClr>
+                          </a:solidFill>
+                        </a:rPr>
+                        <a:t>recall</a:t>
+                      </a:r>
+                      <a:endParaRPr kumimoji="1" lang="ja-JP" altLang="en-US" sz="1800" b="0" dirty="0">
+                        <a:solidFill>
+                          <a:schemeClr val="tx1">
+                            <a:lumMod val="75000"/>
+                            <a:lumOff val="25000"/>
+                          </a:schemeClr>
+                        </a:solidFill>
+                      </a:endParaRPr>
+                    </a:p>
+                  </a:txBody>
+                  <a:tcPr anchor="ctr">
+                    <a:noFill/>
+                  </a:tcPr>
+                </a:tc>
+                <a:tc rowSpan="2">
+                  <a:txBody>
+                    <a:bodyPr/>
+                    <a:lstStyle/>
+                    <a:p>
+                      <a:pPr algn="ctr"/>
+                      <a:r>
+                        <a:rPr kumimoji="1" lang="en-US" altLang="ja-JP" sz="1800" b="1" dirty="0">
+                          <a:solidFill>
+                            <a:schemeClr val="tx1">
+                              <a:lumMod val="75000"/>
+                              <a:lumOff val="25000"/>
+                            </a:schemeClr>
+                          </a:solidFill>
+                        </a:rPr>
+                        <a:t>F</a:t>
+                      </a:r>
+                      <a:r>
+                        <a:rPr kumimoji="1" lang="ja-JP" altLang="en-US" sz="1800" b="1" dirty="0">
+                          <a:solidFill>
+                            <a:schemeClr val="tx1">
+                              <a:lumMod val="75000"/>
+                              <a:lumOff val="25000"/>
+                            </a:schemeClr>
+                          </a:solidFill>
+                        </a:rPr>
+                        <a:t>値</a:t>
+                      </a:r>
+                      <a:endParaRPr kumimoji="1" lang="en-US" altLang="ja-JP" sz="1800" b="1" dirty="0">
+                        <a:solidFill>
+                          <a:schemeClr val="tx1">
+                            <a:lumMod val="75000"/>
+                            <a:lumOff val="25000"/>
+                          </a:schemeClr>
+                        </a:solidFill>
+                      </a:endParaRPr>
+                    </a:p>
+                    <a:p>
+                      <a:pPr algn="ctr"/>
+                      <a:r>
+                        <a:rPr kumimoji="1" lang="en-US" altLang="ja-JP" sz="1400" b="0" dirty="0">
+                          <a:solidFill>
+                            <a:schemeClr val="tx1">
+                              <a:lumMod val="75000"/>
+                              <a:lumOff val="25000"/>
+                            </a:schemeClr>
+                          </a:solidFill>
+                        </a:rPr>
+                        <a:t>F1-score</a:t>
+                      </a:r>
+                      <a:endParaRPr kumimoji="1" lang="ja-JP" altLang="en-US" sz="1400" b="0" dirty="0">
+                        <a:solidFill>
+                          <a:schemeClr val="tx1">
+                            <a:lumMod val="75000"/>
+                            <a:lumOff val="25000"/>
+                          </a:schemeClr>
+                        </a:solidFill>
+                      </a:endParaRPr>
+                    </a:p>
+                  </a:txBody>
+                  <a:tcPr anchor="ctr">
+                    <a:noFill/>
+                  </a:tcPr>
+                </a:tc>
+                <a:tc rowSpan="2">
+                  <a:txBody>
+                    <a:bodyPr/>
+                    <a:lstStyle/>
+                    <a:p>
+                      <a:pPr algn="ctr"/>
+                      <a:r>
+                        <a:rPr kumimoji="1" lang="ja-JP" altLang="en-US" sz="1800" b="1" dirty="0">
+                          <a:solidFill>
+                            <a:schemeClr val="tx1">
+                              <a:lumMod val="75000"/>
+                              <a:lumOff val="25000"/>
+                            </a:schemeClr>
+                          </a:solidFill>
+                        </a:rPr>
+                        <a:t>正解率</a:t>
+                      </a:r>
+                      <a:endParaRPr kumimoji="1" lang="en-US" altLang="ja-JP" sz="1800" b="1" dirty="0">
+                        <a:solidFill>
+                          <a:schemeClr val="tx1">
+                            <a:lumMod val="75000"/>
+                            <a:lumOff val="25000"/>
+                          </a:schemeClr>
+                        </a:solidFill>
+                      </a:endParaRPr>
+                    </a:p>
+                    <a:p>
+                      <a:pPr algn="ctr"/>
+                      <a:r>
+                        <a:rPr kumimoji="1" lang="en-US" altLang="ja-JP" sz="1400" b="0" dirty="0">
+                          <a:solidFill>
+                            <a:schemeClr val="tx1">
+                              <a:lumMod val="75000"/>
+                              <a:lumOff val="25000"/>
+                            </a:schemeClr>
+                          </a:solidFill>
+                        </a:rPr>
+                        <a:t>accuracy</a:t>
+                      </a:r>
+                      <a:endParaRPr kumimoji="1" lang="ja-JP" altLang="en-US" sz="1400" b="0" dirty="0">
+                        <a:solidFill>
+                          <a:schemeClr val="tx1">
+                            <a:lumMod val="75000"/>
+                            <a:lumOff val="25000"/>
+                          </a:schemeClr>
+                        </a:solidFill>
+                      </a:endParaRPr>
+                    </a:p>
+                  </a:txBody>
+                  <a:tcPr anchor="ctr">
+                    <a:noFill/>
+                  </a:tcPr>
+                </a:tc>
+                <a:extLst>
+                  <a:ext uri="{0D108BD9-81ED-4DB2-BD59-A6C34878D82A}">
+                    <a16:rowId xmlns:a16="http://schemas.microsoft.com/office/drawing/2014/main" val="53369686"/>
+                  </a:ext>
+                </a:extLst>
+              </a:tr>
+              <a:tr h="360485">
+                <a:tc gridSpan="2" vMerge="1">
+                  <a:txBody>
+                    <a:bodyPr/>
+                    <a:lstStyle/>
+                    <a:p>
+                      <a:pPr algn="ctr"/>
+                      <a:endParaRPr kumimoji="1" lang="ja-JP" altLang="en-US" sz="1400" b="1" dirty="0">
+                        <a:solidFill>
+                          <a:schemeClr val="tx1">
+                            <a:lumMod val="75000"/>
+                            <a:lumOff val="25000"/>
+                          </a:schemeClr>
+                        </a:solidFill>
+                      </a:endParaRPr>
+                    </a:p>
+                  </a:txBody>
+                  <a:tcPr anchor="ctr">
+                    <a:lnTlToBr w="12700" cap="flat" cmpd="sng" algn="ctr">
+                      <a:solidFill>
+                        <a:schemeClr val="tx1"/>
+                      </a:solidFill>
+                      <a:prstDash val="solid"/>
+                      <a:round/>
+                      <a:headEnd type="none" w="med" len="med"/>
+                      <a:tailEnd type="none" w="med" len="med"/>
+                    </a:lnTlToBr>
+                  </a:tcPr>
+                </a:tc>
+                <a:tc hMerge="1" vMerge="1">
+                  <a:txBody>
+                    <a:bodyPr/>
+                    <a:lstStyle/>
+                    <a:p>
+                      <a:pPr algn="ctr"/>
+                      <a:endParaRPr kumimoji="1" lang="ja-JP" altLang="en-US" sz="1400" b="1" dirty="0">
+                        <a:solidFill>
+                          <a:schemeClr val="tx1">
+                            <a:lumMod val="75000"/>
+                            <a:lumOff val="25000"/>
+                          </a:schemeClr>
+                        </a:solidFill>
+                      </a:endParaRPr>
+                    </a:p>
+                  </a:txBody>
+                  <a:tcPr anchor="ctr">
+                    <a:lnTlToBr w="12700" cap="flat" cmpd="sng" algn="ctr">
+                      <a:solidFill>
+                        <a:schemeClr val="tx1"/>
+                      </a:solidFill>
+                      <a:prstDash val="solid"/>
+                      <a:round/>
+                      <a:headEnd type="none" w="med" len="med"/>
+                      <a:tailEnd type="none" w="med" len="med"/>
+                    </a:lnTlToBr>
+                  </a:tcPr>
+                </a:tc>
+                <a:tc>
+                  <a:txBody>
+                    <a:bodyPr/>
+                    <a:lstStyle/>
+                    <a:p>
+                      <a:pPr algn="ctr"/>
+                      <a:r>
+                        <a:rPr kumimoji="1" lang="ja-JP" altLang="en-US" sz="1800" b="1" dirty="0">
+                          <a:solidFill>
+                            <a:schemeClr val="tx1">
+                              <a:lumMod val="75000"/>
+                              <a:lumOff val="25000"/>
+                            </a:schemeClr>
+                          </a:solidFill>
+                        </a:rPr>
+                        <a:t>バグ報告</a:t>
+                      </a:r>
+                    </a:p>
+                  </a:txBody>
+                  <a:tcPr anchor="ctr">
+                    <a:solidFill>
+                      <a:srgbClr val="FFCCFF"/>
+                    </a:solidFill>
+                  </a:tcPr>
+                </a:tc>
+                <a:tc>
+                  <a:txBody>
+                    <a:bodyPr/>
+                    <a:lstStyle/>
+                    <a:p>
+                      <a:pPr algn="ctr"/>
+                      <a:r>
+                        <a:rPr kumimoji="1" lang="ja-JP" altLang="en-US" sz="1800" b="1" dirty="0">
+                          <a:solidFill>
+                            <a:schemeClr val="tx1">
+                              <a:lumMod val="75000"/>
+                              <a:lumOff val="25000"/>
+                            </a:schemeClr>
+                          </a:solidFill>
+                        </a:rPr>
+                        <a:t>機能要求</a:t>
+                      </a:r>
+                    </a:p>
+                  </a:txBody>
+                  <a:tcPr anchor="ctr">
+                    <a:solidFill>
+                      <a:srgbClr val="FFCCFF"/>
+                    </a:solidFill>
+                  </a:tcPr>
+                </a:tc>
+                <a:tc>
+                  <a:txBody>
+                    <a:bodyPr/>
+                    <a:lstStyle/>
+                    <a:p>
+                      <a:pPr algn="ctr"/>
+                      <a:r>
+                        <a:rPr kumimoji="1" lang="ja-JP" altLang="en-US" sz="1800" b="1" dirty="0">
+                          <a:solidFill>
+                            <a:schemeClr val="tx1">
+                              <a:lumMod val="75000"/>
+                              <a:lumOff val="25000"/>
+                            </a:schemeClr>
+                          </a:solidFill>
+                        </a:rPr>
+                        <a:t>その他</a:t>
+                      </a:r>
+                    </a:p>
+                  </a:txBody>
+                  <a:tcPr anchor="ctr">
+                    <a:solidFill>
+                      <a:srgbClr val="FFCCFF"/>
+                    </a:solidFill>
+                  </a:tcPr>
+                </a:tc>
+                <a:tc vMerge="1">
+                  <a:txBody>
+                    <a:bodyPr/>
+                    <a:lstStyle/>
+                    <a:p>
+                      <a:pPr algn="ctr"/>
+                      <a:endParaRPr kumimoji="1" lang="ja-JP" altLang="en-US" sz="1800" b="1" dirty="0">
+                        <a:solidFill>
+                          <a:schemeClr val="tx1">
+                            <a:lumMod val="75000"/>
+                            <a:lumOff val="25000"/>
+                          </a:schemeClr>
+                        </a:solidFill>
+                      </a:endParaRPr>
+                    </a:p>
+                  </a:txBody>
+                  <a:tcPr anchor="ctr">
+                    <a:solidFill>
+                      <a:srgbClr val="FFCCFF"/>
+                    </a:solidFill>
+                  </a:tcPr>
+                </a:tc>
+                <a:tc vMerge="1">
+                  <a:txBody>
+                    <a:bodyPr/>
+                    <a:lstStyle/>
+                    <a:p>
+                      <a:endParaRPr kumimoji="1" lang="ja-JP" altLang="en-US"/>
+                    </a:p>
+                  </a:txBody>
+                  <a:tcPr/>
+                </a:tc>
+                <a:tc vMerge="1">
+                  <a:txBody>
+                    <a:bodyPr/>
+                    <a:lstStyle/>
+                    <a:p>
+                      <a:endParaRPr kumimoji="1" lang="ja-JP" altLang="en-US"/>
+                    </a:p>
+                  </a:txBody>
+                  <a:tcPr/>
+                </a:tc>
+                <a:tc vMerge="1">
+                  <a:txBody>
+                    <a:bodyPr/>
+                    <a:lstStyle/>
+                    <a:p>
+                      <a:endParaRPr kumimoji="1" lang="ja-JP" altLang="en-US"/>
+                    </a:p>
+                  </a:txBody>
+                  <a:tcPr/>
+                </a:tc>
+                <a:extLst>
+                  <a:ext uri="{0D108BD9-81ED-4DB2-BD59-A6C34878D82A}">
+                    <a16:rowId xmlns:a16="http://schemas.microsoft.com/office/drawing/2014/main" val="290926368"/>
+                  </a:ext>
+                </a:extLst>
+              </a:tr>
+              <a:tr h="360485">
+                <a:tc rowSpan="3">
+                  <a:txBody>
+                    <a:bodyPr/>
+                    <a:lstStyle/>
+                    <a:p>
+                      <a:pPr marL="0" marR="0" lvl="0" indent="0" algn="ctr" defTabSz="685800" rtl="0" eaLnBrk="1" fontAlgn="auto" latinLnBrk="0" hangingPunct="1">
+                        <a:lnSpc>
+                          <a:spcPct val="100000"/>
+                        </a:lnSpc>
+                        <a:spcBef>
+                          <a:spcPts val="0"/>
+                        </a:spcBef>
+                        <a:spcAft>
+                          <a:spcPts val="0"/>
+                        </a:spcAft>
+                        <a:buClrTx/>
+                        <a:buSzTx/>
+                        <a:buFontTx/>
+                        <a:buNone/>
+                        <a:tabLst/>
+                        <a:defRPr/>
+                      </a:pPr>
+                      <a:r>
+                        <a:rPr kumimoji="1" lang="ja-JP" altLang="en-US" sz="1800" b="1" dirty="0">
+                          <a:solidFill>
+                            <a:schemeClr val="tx1">
+                              <a:lumMod val="75000"/>
+                              <a:lumOff val="25000"/>
+                            </a:schemeClr>
+                          </a:solidFill>
+                        </a:rPr>
+                        <a:t>真の分類</a:t>
+                      </a:r>
+                    </a:p>
+                  </a:txBody>
+                  <a:tcPr vert="eaVert" anchor="ctr">
+                    <a:solidFill>
+                      <a:schemeClr val="tx2">
+                        <a:lumMod val="20000"/>
+                        <a:lumOff val="80000"/>
+                      </a:schemeClr>
+                    </a:solidFill>
+                  </a:tcPr>
+                </a:tc>
+                <a:tc>
+                  <a:txBody>
+                    <a:bodyPr/>
+                    <a:lstStyle/>
+                    <a:p>
+                      <a:pPr marL="0" marR="0" lvl="0" indent="0" algn="ctr" defTabSz="685800" rtl="0" eaLnBrk="1" fontAlgn="auto" latinLnBrk="0" hangingPunct="1">
+                        <a:lnSpc>
+                          <a:spcPct val="100000"/>
+                        </a:lnSpc>
+                        <a:spcBef>
+                          <a:spcPts val="0"/>
+                        </a:spcBef>
+                        <a:spcAft>
+                          <a:spcPts val="0"/>
+                        </a:spcAft>
+                        <a:buClrTx/>
+                        <a:buSzTx/>
+                        <a:buFontTx/>
+                        <a:buNone/>
+                        <a:tabLst/>
+                        <a:defRPr/>
+                      </a:pPr>
+                      <a:r>
+                        <a:rPr kumimoji="1" lang="ja-JP" altLang="en-US" sz="1800" b="1" dirty="0">
+                          <a:solidFill>
+                            <a:schemeClr val="tx1">
+                              <a:lumMod val="75000"/>
+                              <a:lumOff val="25000"/>
+                            </a:schemeClr>
+                          </a:solidFill>
+                        </a:rPr>
+                        <a:t>バグ報告</a:t>
+                      </a:r>
+                    </a:p>
+                  </a:txBody>
+                  <a:tcPr anchor="ctr">
+                    <a:solidFill>
+                      <a:schemeClr val="tx2">
+                        <a:lumMod val="20000"/>
+                        <a:lumOff val="80000"/>
+                      </a:schemeClr>
+                    </a:solidFill>
+                  </a:tcPr>
+                </a:tc>
+                <a:tc>
+                  <a:txBody>
+                    <a:bodyPr/>
+                    <a:lstStyle/>
+                    <a:p>
+                      <a:pPr algn="ctr"/>
+                      <a:r>
+                        <a:rPr kumimoji="1" lang="en-US" altLang="ja-JP" sz="1800" b="1" dirty="0" smtClean="0">
+                          <a:solidFill>
+                            <a:schemeClr val="tx1">
+                              <a:lumMod val="75000"/>
+                              <a:lumOff val="25000"/>
+                            </a:schemeClr>
+                          </a:solidFill>
+                        </a:rPr>
+                        <a:t>13</a:t>
+                      </a:r>
+                      <a:endParaRPr kumimoji="1" lang="ja-JP" altLang="en-US" sz="1800" b="1" dirty="0">
+                        <a:solidFill>
+                          <a:schemeClr val="tx1">
+                            <a:lumMod val="75000"/>
+                            <a:lumOff val="25000"/>
+                          </a:schemeClr>
+                        </a:solidFill>
+                      </a:endParaRPr>
+                    </a:p>
+                  </a:txBody>
+                  <a:tcPr anchor="ctr">
+                    <a:solidFill>
+                      <a:srgbClr val="FFFF99"/>
+                    </a:solidFill>
+                  </a:tcPr>
+                </a:tc>
+                <a:tc>
+                  <a:txBody>
+                    <a:bodyPr/>
+                    <a:lstStyle/>
+                    <a:p>
+                      <a:pPr algn="ctr"/>
+                      <a:r>
+                        <a:rPr kumimoji="1" lang="en-US" altLang="ja-JP" sz="1800" b="1" dirty="0" smtClean="0">
+                          <a:solidFill>
+                            <a:schemeClr val="tx1">
+                              <a:lumMod val="75000"/>
+                              <a:lumOff val="25000"/>
+                            </a:schemeClr>
+                          </a:solidFill>
+                        </a:rPr>
+                        <a:t>1</a:t>
+                      </a:r>
+                      <a:endParaRPr kumimoji="1" lang="ja-JP" altLang="en-US" sz="1800" b="1" dirty="0">
+                        <a:solidFill>
+                          <a:schemeClr val="tx1">
+                            <a:lumMod val="75000"/>
+                            <a:lumOff val="25000"/>
+                          </a:schemeClr>
+                        </a:solidFill>
+                      </a:endParaRPr>
+                    </a:p>
+                  </a:txBody>
+                  <a:tcPr anchor="ctr"/>
+                </a:tc>
+                <a:tc>
+                  <a:txBody>
+                    <a:bodyPr/>
+                    <a:lstStyle/>
+                    <a:p>
+                      <a:pPr algn="ctr"/>
+                      <a:r>
+                        <a:rPr kumimoji="1" lang="en-US" altLang="ja-JP" sz="1800" b="1" dirty="0" smtClean="0">
+                          <a:solidFill>
+                            <a:schemeClr val="tx1">
+                              <a:lumMod val="75000"/>
+                              <a:lumOff val="25000"/>
+                            </a:schemeClr>
+                          </a:solidFill>
+                        </a:rPr>
+                        <a:t>7</a:t>
+                      </a:r>
+                      <a:endParaRPr kumimoji="1" lang="ja-JP" altLang="en-US" sz="1800" b="1" dirty="0">
+                        <a:solidFill>
+                          <a:schemeClr val="tx1">
+                            <a:lumMod val="75000"/>
+                            <a:lumOff val="25000"/>
+                          </a:schemeClr>
+                        </a:solidFill>
+                      </a:endParaRPr>
+                    </a:p>
+                  </a:txBody>
+                  <a:tcPr anchor="ctr"/>
+                </a:tc>
+                <a:tc>
+                  <a:txBody>
+                    <a:bodyPr/>
+                    <a:lstStyle/>
+                    <a:p>
+                      <a:pPr algn="ctr"/>
+                      <a:r>
+                        <a:rPr kumimoji="1" lang="en-US" altLang="ja-JP" sz="1800" b="1" dirty="0" smtClean="0">
+                          <a:solidFill>
+                            <a:schemeClr val="tx1">
+                              <a:lumMod val="75000"/>
+                              <a:lumOff val="25000"/>
+                            </a:schemeClr>
+                          </a:solidFill>
+                        </a:rPr>
+                        <a:t>0.62</a:t>
+                      </a:r>
+                      <a:endParaRPr kumimoji="1" lang="ja-JP" altLang="en-US" sz="1800" b="1" dirty="0">
+                        <a:solidFill>
+                          <a:schemeClr val="tx1">
+                            <a:lumMod val="75000"/>
+                            <a:lumOff val="25000"/>
+                          </a:schemeClr>
+                        </a:solidFill>
+                      </a:endParaRPr>
+                    </a:p>
+                  </a:txBody>
+                  <a:tcPr anchor="ctr"/>
+                </a:tc>
+                <a:tc>
+                  <a:txBody>
+                    <a:bodyPr/>
+                    <a:lstStyle/>
+                    <a:p>
+                      <a:pPr algn="ctr"/>
+                      <a:r>
+                        <a:rPr kumimoji="1" lang="en-US" altLang="ja-JP" sz="1800" b="1" dirty="0" smtClean="0">
+                          <a:solidFill>
+                            <a:schemeClr val="tx1">
+                              <a:lumMod val="75000"/>
+                              <a:lumOff val="25000"/>
+                            </a:schemeClr>
+                          </a:solidFill>
+                        </a:rPr>
+                        <a:t>0.62</a:t>
+                      </a:r>
+                      <a:endParaRPr kumimoji="1" lang="ja-JP" altLang="en-US" sz="1800" b="1" dirty="0">
+                        <a:solidFill>
+                          <a:schemeClr val="tx1">
+                            <a:lumMod val="75000"/>
+                            <a:lumOff val="25000"/>
+                          </a:schemeClr>
+                        </a:solidFill>
+                      </a:endParaRPr>
+                    </a:p>
+                  </a:txBody>
+                  <a:tcPr anchor="ctr"/>
+                </a:tc>
+                <a:tc>
+                  <a:txBody>
+                    <a:bodyPr/>
+                    <a:lstStyle/>
+                    <a:p>
+                      <a:pPr algn="ctr"/>
+                      <a:r>
+                        <a:rPr kumimoji="1" lang="en-US" altLang="ja-JP" sz="1800" b="1" dirty="0" smtClean="0">
+                          <a:solidFill>
+                            <a:schemeClr val="tx1">
+                              <a:lumMod val="75000"/>
+                              <a:lumOff val="25000"/>
+                            </a:schemeClr>
+                          </a:solidFill>
+                        </a:rPr>
+                        <a:t>0.62</a:t>
+                      </a:r>
+                      <a:endParaRPr kumimoji="1" lang="ja-JP" altLang="en-US" sz="1800" b="1" dirty="0">
+                        <a:solidFill>
+                          <a:schemeClr val="tx1">
+                            <a:lumMod val="75000"/>
+                            <a:lumOff val="25000"/>
+                          </a:schemeClr>
+                        </a:solidFill>
+                      </a:endParaRPr>
+                    </a:p>
+                  </a:txBody>
+                  <a:tcPr anchor="ctr"/>
+                </a:tc>
+                <a:tc rowSpan="3">
+                  <a:txBody>
+                    <a:bodyPr/>
+                    <a:lstStyle/>
+                    <a:p>
+                      <a:pPr algn="ctr"/>
+                      <a:r>
+                        <a:rPr kumimoji="1" lang="en-US" altLang="ja-JP" sz="1800" b="1" dirty="0" smtClean="0">
+                          <a:solidFill>
+                            <a:schemeClr val="tx1">
+                              <a:lumMod val="75000"/>
+                              <a:lumOff val="25000"/>
+                            </a:schemeClr>
+                          </a:solidFill>
+                        </a:rPr>
+                        <a:t>0.85</a:t>
+                      </a:r>
+                      <a:endParaRPr kumimoji="1" lang="ja-JP" altLang="en-US" sz="1800" b="1" dirty="0">
+                        <a:solidFill>
+                          <a:schemeClr val="tx1">
+                            <a:lumMod val="75000"/>
+                            <a:lumOff val="25000"/>
+                          </a:schemeClr>
+                        </a:solidFill>
+                      </a:endParaRPr>
+                    </a:p>
+                  </a:txBody>
+                  <a:tcPr anchor="ctr"/>
+                </a:tc>
+                <a:extLst>
+                  <a:ext uri="{0D108BD9-81ED-4DB2-BD59-A6C34878D82A}">
+                    <a16:rowId xmlns:a16="http://schemas.microsoft.com/office/drawing/2014/main" val="3098006258"/>
+                  </a:ext>
+                </a:extLst>
+              </a:tr>
+              <a:tr h="360485">
+                <a:tc vMerge="1">
+                  <a:txBody>
+                    <a:bodyPr/>
+                    <a:lstStyle/>
+                    <a:p>
+                      <a:pPr algn="ctr"/>
+                      <a:endParaRPr kumimoji="1" lang="ja-JP" altLang="en-US" sz="1400" b="1" dirty="0">
+                        <a:solidFill>
+                          <a:schemeClr val="tx1">
+                            <a:lumMod val="75000"/>
+                            <a:lumOff val="25000"/>
+                          </a:schemeClr>
+                        </a:solidFill>
+                      </a:endParaRPr>
+                    </a:p>
+                  </a:txBody>
+                  <a:tcPr anchor="ctr">
+                    <a:solidFill>
+                      <a:schemeClr val="tx2">
+                        <a:lumMod val="20000"/>
+                        <a:lumOff val="80000"/>
+                      </a:schemeClr>
+                    </a:solidFill>
+                  </a:tcPr>
+                </a:tc>
+                <a:tc>
+                  <a:txBody>
+                    <a:bodyPr/>
+                    <a:lstStyle/>
+                    <a:p>
+                      <a:pPr algn="ctr"/>
+                      <a:r>
+                        <a:rPr kumimoji="1" lang="ja-JP" altLang="en-US" sz="1800" b="1" dirty="0">
+                          <a:solidFill>
+                            <a:schemeClr val="tx1">
+                              <a:lumMod val="75000"/>
+                              <a:lumOff val="25000"/>
+                            </a:schemeClr>
+                          </a:solidFill>
+                        </a:rPr>
+                        <a:t>機能要求</a:t>
+                      </a:r>
+                    </a:p>
+                  </a:txBody>
+                  <a:tcPr anchor="ctr">
+                    <a:solidFill>
+                      <a:schemeClr val="tx2">
+                        <a:lumMod val="20000"/>
+                        <a:lumOff val="80000"/>
+                      </a:schemeClr>
+                    </a:solidFill>
+                  </a:tcPr>
+                </a:tc>
+                <a:tc>
+                  <a:txBody>
+                    <a:bodyPr/>
+                    <a:lstStyle/>
+                    <a:p>
+                      <a:pPr algn="ctr"/>
+                      <a:r>
+                        <a:rPr kumimoji="1" lang="en-US" altLang="ja-JP" sz="1800" b="1" dirty="0" smtClean="0">
+                          <a:solidFill>
+                            <a:schemeClr val="tx1">
+                              <a:lumMod val="75000"/>
+                              <a:lumOff val="25000"/>
+                            </a:schemeClr>
+                          </a:solidFill>
+                        </a:rPr>
+                        <a:t>0</a:t>
+                      </a:r>
+                      <a:endParaRPr kumimoji="1" lang="ja-JP" altLang="en-US" sz="1800" b="1" dirty="0">
+                        <a:solidFill>
+                          <a:schemeClr val="tx1">
+                            <a:lumMod val="75000"/>
+                            <a:lumOff val="25000"/>
+                          </a:schemeClr>
+                        </a:solidFill>
+                      </a:endParaRPr>
+                    </a:p>
+                  </a:txBody>
+                  <a:tcPr anchor="ctr"/>
+                </a:tc>
+                <a:tc>
+                  <a:txBody>
+                    <a:bodyPr/>
+                    <a:lstStyle/>
+                    <a:p>
+                      <a:pPr algn="ctr"/>
+                      <a:r>
+                        <a:rPr kumimoji="1" lang="en-US" altLang="ja-JP" sz="1800" b="1" dirty="0" smtClean="0">
+                          <a:solidFill>
+                            <a:schemeClr val="tx1">
+                              <a:lumMod val="75000"/>
+                              <a:lumOff val="25000"/>
+                            </a:schemeClr>
+                          </a:solidFill>
+                        </a:rPr>
+                        <a:t>11</a:t>
+                      </a:r>
+                      <a:endParaRPr kumimoji="1" lang="ja-JP" altLang="en-US" sz="1800" b="1" dirty="0">
+                        <a:solidFill>
+                          <a:schemeClr val="tx1">
+                            <a:lumMod val="75000"/>
+                            <a:lumOff val="25000"/>
+                          </a:schemeClr>
+                        </a:solidFill>
+                      </a:endParaRPr>
+                    </a:p>
+                  </a:txBody>
+                  <a:tcPr anchor="ctr">
+                    <a:solidFill>
+                      <a:srgbClr val="FFFF99"/>
+                    </a:solidFill>
+                  </a:tcPr>
+                </a:tc>
+                <a:tc>
+                  <a:txBody>
+                    <a:bodyPr/>
+                    <a:lstStyle/>
+                    <a:p>
+                      <a:pPr algn="ctr"/>
+                      <a:r>
+                        <a:rPr kumimoji="1" lang="en-US" altLang="ja-JP" sz="1800" b="1" dirty="0" smtClean="0">
+                          <a:solidFill>
+                            <a:schemeClr val="tx1">
+                              <a:lumMod val="75000"/>
+                              <a:lumOff val="25000"/>
+                            </a:schemeClr>
+                          </a:solidFill>
+                        </a:rPr>
+                        <a:t>13</a:t>
+                      </a:r>
+                      <a:endParaRPr kumimoji="1" lang="ja-JP" altLang="en-US" sz="1800" b="1" dirty="0">
+                        <a:solidFill>
+                          <a:schemeClr val="tx1">
+                            <a:lumMod val="75000"/>
+                            <a:lumOff val="25000"/>
+                          </a:schemeClr>
+                        </a:solidFill>
+                      </a:endParaRPr>
+                    </a:p>
+                  </a:txBody>
+                  <a:tcPr anchor="ctr"/>
+                </a:tc>
+                <a:tc>
+                  <a:txBody>
+                    <a:bodyPr/>
+                    <a:lstStyle/>
+                    <a:p>
+                      <a:pPr algn="ctr"/>
+                      <a:r>
+                        <a:rPr kumimoji="1" lang="en-US" altLang="ja-JP" sz="1800" b="1" dirty="0" smtClean="0">
+                          <a:solidFill>
+                            <a:schemeClr val="tx1">
+                              <a:lumMod val="75000"/>
+                              <a:lumOff val="25000"/>
+                            </a:schemeClr>
+                          </a:solidFill>
+                        </a:rPr>
+                        <a:t>0.33</a:t>
+                      </a:r>
+                      <a:endParaRPr kumimoji="1" lang="ja-JP" altLang="en-US" sz="1800" b="1" dirty="0">
+                        <a:solidFill>
+                          <a:schemeClr val="tx1">
+                            <a:lumMod val="75000"/>
+                            <a:lumOff val="25000"/>
+                          </a:schemeClr>
+                        </a:solidFill>
+                      </a:endParaRPr>
+                    </a:p>
+                  </a:txBody>
+                  <a:tcPr anchor="ctr"/>
+                </a:tc>
+                <a:tc>
+                  <a:txBody>
+                    <a:bodyPr/>
+                    <a:lstStyle/>
+                    <a:p>
+                      <a:pPr algn="ctr"/>
+                      <a:r>
+                        <a:rPr kumimoji="1" lang="en-US" altLang="ja-JP" sz="1800" b="1" dirty="0" smtClean="0">
+                          <a:solidFill>
+                            <a:schemeClr val="tx1">
+                              <a:lumMod val="75000"/>
+                              <a:lumOff val="25000"/>
+                            </a:schemeClr>
+                          </a:solidFill>
+                        </a:rPr>
+                        <a:t>0.46</a:t>
+                      </a:r>
+                      <a:endParaRPr kumimoji="1" lang="ja-JP" altLang="en-US" sz="1800" b="1" dirty="0">
+                        <a:solidFill>
+                          <a:schemeClr val="tx1">
+                            <a:lumMod val="75000"/>
+                            <a:lumOff val="25000"/>
+                          </a:schemeClr>
+                        </a:solidFill>
+                      </a:endParaRPr>
+                    </a:p>
+                  </a:txBody>
+                  <a:tcPr anchor="ctr"/>
+                </a:tc>
+                <a:tc>
+                  <a:txBody>
+                    <a:bodyPr/>
+                    <a:lstStyle/>
+                    <a:p>
+                      <a:pPr algn="ctr"/>
+                      <a:r>
+                        <a:rPr kumimoji="1" lang="en-US" altLang="ja-JP" sz="1800" b="1" dirty="0" smtClean="0">
+                          <a:solidFill>
+                            <a:schemeClr val="tx1">
+                              <a:lumMod val="75000"/>
+                              <a:lumOff val="25000"/>
+                            </a:schemeClr>
+                          </a:solidFill>
+                        </a:rPr>
+                        <a:t>0.39</a:t>
+                      </a:r>
+                      <a:endParaRPr kumimoji="1" lang="ja-JP" altLang="en-US" sz="1800" b="1" dirty="0">
+                        <a:solidFill>
+                          <a:schemeClr val="tx1">
+                            <a:lumMod val="75000"/>
+                            <a:lumOff val="25000"/>
+                          </a:schemeClr>
+                        </a:solidFill>
+                      </a:endParaRPr>
+                    </a:p>
+                  </a:txBody>
+                  <a:tcPr anchor="ctr"/>
+                </a:tc>
+                <a:tc vMerge="1">
+                  <a:txBody>
+                    <a:bodyPr/>
+                    <a:lstStyle/>
+                    <a:p>
+                      <a:pPr algn="ctr"/>
+                      <a:endParaRPr kumimoji="1" lang="ja-JP" altLang="en-US" sz="1800" b="1" dirty="0">
+                        <a:solidFill>
+                          <a:schemeClr val="tx1">
+                            <a:lumMod val="75000"/>
+                            <a:lumOff val="25000"/>
+                          </a:schemeClr>
+                        </a:solidFill>
+                      </a:endParaRPr>
+                    </a:p>
+                  </a:txBody>
+                  <a:tcPr anchor="ctr"/>
+                </a:tc>
+                <a:extLst>
+                  <a:ext uri="{0D108BD9-81ED-4DB2-BD59-A6C34878D82A}">
+                    <a16:rowId xmlns:a16="http://schemas.microsoft.com/office/drawing/2014/main" val="2471616886"/>
+                  </a:ext>
+                </a:extLst>
+              </a:tr>
+              <a:tr h="360485">
+                <a:tc vMerge="1">
+                  <a:txBody>
+                    <a:bodyPr/>
+                    <a:lstStyle/>
+                    <a:p>
+                      <a:pPr algn="ctr"/>
+                      <a:endParaRPr kumimoji="1" lang="ja-JP" altLang="en-US" sz="1400" b="1" dirty="0">
+                        <a:solidFill>
+                          <a:schemeClr val="tx1">
+                            <a:lumMod val="75000"/>
+                            <a:lumOff val="25000"/>
+                          </a:schemeClr>
+                        </a:solidFill>
+                      </a:endParaRPr>
+                    </a:p>
+                  </a:txBody>
+                  <a:tcPr anchor="ctr">
+                    <a:solidFill>
+                      <a:schemeClr val="tx2">
+                        <a:lumMod val="20000"/>
+                        <a:lumOff val="80000"/>
+                      </a:schemeClr>
+                    </a:solidFill>
+                  </a:tcPr>
+                </a:tc>
+                <a:tc>
+                  <a:txBody>
+                    <a:bodyPr/>
+                    <a:lstStyle/>
+                    <a:p>
+                      <a:pPr algn="ctr"/>
+                      <a:r>
+                        <a:rPr kumimoji="1" lang="ja-JP" altLang="en-US" sz="1800" b="1" dirty="0">
+                          <a:solidFill>
+                            <a:schemeClr val="tx1">
+                              <a:lumMod val="75000"/>
+                              <a:lumOff val="25000"/>
+                            </a:schemeClr>
+                          </a:solidFill>
+                        </a:rPr>
+                        <a:t>その他</a:t>
+                      </a:r>
+                    </a:p>
+                  </a:txBody>
+                  <a:tcPr anchor="ctr">
+                    <a:solidFill>
+                      <a:schemeClr val="tx2">
+                        <a:lumMod val="20000"/>
+                        <a:lumOff val="80000"/>
+                      </a:schemeClr>
+                    </a:solidFill>
+                  </a:tcPr>
+                </a:tc>
+                <a:tc>
+                  <a:txBody>
+                    <a:bodyPr/>
+                    <a:lstStyle/>
+                    <a:p>
+                      <a:pPr algn="ctr"/>
+                      <a:r>
+                        <a:rPr kumimoji="1" lang="en-US" altLang="ja-JP" sz="1800" b="1" dirty="0" smtClean="0">
+                          <a:solidFill>
+                            <a:schemeClr val="tx1">
+                              <a:lumMod val="75000"/>
+                              <a:lumOff val="25000"/>
+                            </a:schemeClr>
+                          </a:solidFill>
+                        </a:rPr>
+                        <a:t>8</a:t>
+                      </a:r>
+                      <a:endParaRPr kumimoji="1" lang="ja-JP" altLang="en-US" sz="1800" b="1" dirty="0">
+                        <a:solidFill>
+                          <a:schemeClr val="tx1">
+                            <a:lumMod val="75000"/>
+                            <a:lumOff val="25000"/>
+                          </a:schemeClr>
+                        </a:solidFill>
+                      </a:endParaRPr>
+                    </a:p>
+                  </a:txBody>
+                  <a:tcPr anchor="ctr"/>
+                </a:tc>
+                <a:tc>
+                  <a:txBody>
+                    <a:bodyPr/>
+                    <a:lstStyle/>
+                    <a:p>
+                      <a:pPr algn="ctr"/>
+                      <a:r>
+                        <a:rPr kumimoji="1" lang="en-US" altLang="ja-JP" sz="1800" b="1" dirty="0" smtClean="0">
+                          <a:solidFill>
+                            <a:schemeClr val="tx1">
+                              <a:lumMod val="75000"/>
+                              <a:lumOff val="25000"/>
+                            </a:schemeClr>
+                          </a:solidFill>
+                        </a:rPr>
+                        <a:t>21</a:t>
+                      </a:r>
+                      <a:endParaRPr kumimoji="1" lang="ja-JP" altLang="en-US" sz="1800" b="1" dirty="0">
+                        <a:solidFill>
+                          <a:schemeClr val="tx1">
+                            <a:lumMod val="75000"/>
+                            <a:lumOff val="25000"/>
+                          </a:schemeClr>
+                        </a:solidFill>
+                      </a:endParaRPr>
+                    </a:p>
+                  </a:txBody>
+                  <a:tcPr anchor="ctr"/>
+                </a:tc>
+                <a:tc>
+                  <a:txBody>
+                    <a:bodyPr/>
+                    <a:lstStyle/>
+                    <a:p>
+                      <a:pPr algn="ctr"/>
+                      <a:r>
+                        <a:rPr kumimoji="1" lang="en-US" altLang="ja-JP" sz="1800" b="1" dirty="0" smtClean="0">
+                          <a:solidFill>
+                            <a:schemeClr val="tx1">
+                              <a:lumMod val="75000"/>
+                              <a:lumOff val="25000"/>
+                            </a:schemeClr>
+                          </a:solidFill>
+                        </a:rPr>
+                        <a:t>258</a:t>
+                      </a:r>
+                      <a:endParaRPr kumimoji="1" lang="ja-JP" altLang="en-US" sz="1800" b="1" dirty="0">
+                        <a:solidFill>
+                          <a:schemeClr val="tx1">
+                            <a:lumMod val="75000"/>
+                            <a:lumOff val="25000"/>
+                          </a:schemeClr>
+                        </a:solidFill>
+                      </a:endParaRPr>
+                    </a:p>
+                  </a:txBody>
+                  <a:tcPr anchor="ctr">
+                    <a:solidFill>
+                      <a:srgbClr val="FFFF99"/>
+                    </a:solidFill>
+                  </a:tcPr>
+                </a:tc>
+                <a:tc>
+                  <a:txBody>
+                    <a:bodyPr/>
+                    <a:lstStyle/>
+                    <a:p>
+                      <a:pPr algn="ctr"/>
+                      <a:r>
+                        <a:rPr kumimoji="1" lang="en-US" altLang="ja-JP" sz="1800" b="1" dirty="0" smtClean="0">
+                          <a:solidFill>
+                            <a:schemeClr val="tx1">
+                              <a:lumMod val="75000"/>
+                              <a:lumOff val="25000"/>
+                            </a:schemeClr>
+                          </a:solidFill>
+                        </a:rPr>
+                        <a:t>0.93</a:t>
+                      </a:r>
+                      <a:endParaRPr kumimoji="1" lang="ja-JP" altLang="en-US" sz="1800" b="1" dirty="0">
+                        <a:solidFill>
+                          <a:schemeClr val="tx1">
+                            <a:lumMod val="75000"/>
+                            <a:lumOff val="25000"/>
+                          </a:schemeClr>
+                        </a:solidFill>
+                      </a:endParaRPr>
+                    </a:p>
+                  </a:txBody>
+                  <a:tcPr anchor="ctr">
+                    <a:noFill/>
+                  </a:tcPr>
+                </a:tc>
+                <a:tc>
+                  <a:txBody>
+                    <a:bodyPr/>
+                    <a:lstStyle/>
+                    <a:p>
+                      <a:pPr algn="ctr"/>
+                      <a:r>
+                        <a:rPr kumimoji="1" lang="en-US" altLang="ja-JP" sz="1800" b="1" dirty="0" smtClean="0">
+                          <a:solidFill>
+                            <a:schemeClr val="tx1">
+                              <a:lumMod val="75000"/>
+                              <a:lumOff val="25000"/>
+                            </a:schemeClr>
+                          </a:solidFill>
+                        </a:rPr>
+                        <a:t>0.90</a:t>
+                      </a:r>
+                      <a:endParaRPr kumimoji="1" lang="ja-JP" altLang="en-US" sz="1800" b="1" dirty="0">
+                        <a:solidFill>
+                          <a:schemeClr val="tx1">
+                            <a:lumMod val="75000"/>
+                            <a:lumOff val="25000"/>
+                          </a:schemeClr>
+                        </a:solidFill>
+                      </a:endParaRPr>
+                    </a:p>
+                  </a:txBody>
+                  <a:tcPr anchor="ctr">
+                    <a:noFill/>
+                  </a:tcPr>
+                </a:tc>
+                <a:tc>
+                  <a:txBody>
+                    <a:bodyPr/>
+                    <a:lstStyle/>
+                    <a:p>
+                      <a:pPr algn="ctr"/>
+                      <a:r>
+                        <a:rPr kumimoji="1" lang="en-US" altLang="ja-JP" sz="1800" b="1" dirty="0" smtClean="0">
+                          <a:solidFill>
+                            <a:schemeClr val="tx1">
+                              <a:lumMod val="75000"/>
+                              <a:lumOff val="25000"/>
+                            </a:schemeClr>
+                          </a:solidFill>
+                        </a:rPr>
+                        <a:t>0.91</a:t>
+                      </a:r>
+                      <a:endParaRPr kumimoji="1" lang="ja-JP" altLang="en-US" sz="1800" b="1" dirty="0">
+                        <a:solidFill>
+                          <a:schemeClr val="tx1">
+                            <a:lumMod val="75000"/>
+                            <a:lumOff val="25000"/>
+                          </a:schemeClr>
+                        </a:solidFill>
+                      </a:endParaRPr>
+                    </a:p>
+                  </a:txBody>
+                  <a:tcPr anchor="ctr">
+                    <a:noFill/>
+                  </a:tcPr>
+                </a:tc>
+                <a:tc vMerge="1">
+                  <a:txBody>
+                    <a:bodyPr/>
+                    <a:lstStyle/>
+                    <a:p>
+                      <a:pPr algn="ctr"/>
+                      <a:endParaRPr kumimoji="1" lang="ja-JP" altLang="en-US" sz="1800" b="1" dirty="0">
+                        <a:solidFill>
+                          <a:schemeClr val="tx1">
+                            <a:lumMod val="75000"/>
+                            <a:lumOff val="25000"/>
+                          </a:schemeClr>
+                        </a:solidFill>
+                      </a:endParaRPr>
+                    </a:p>
+                  </a:txBody>
+                  <a:tcPr anchor="ctr">
+                    <a:noFill/>
+                  </a:tcPr>
+                </a:tc>
+                <a:extLst>
+                  <a:ext uri="{0D108BD9-81ED-4DB2-BD59-A6C34878D82A}">
+                    <a16:rowId xmlns:a16="http://schemas.microsoft.com/office/drawing/2014/main" val="1654385434"/>
+                  </a:ext>
+                </a:extLst>
+              </a:tr>
+            </a:tbl>
+          </a:graphicData>
+        </a:graphic>
+      </p:graphicFrame>
+      <p:cxnSp>
+        <p:nvCxnSpPr>
+          <p:cNvPr id="15" name="直線コネクタ 14">
+            <a:extLst>
+              <a:ext uri="{FF2B5EF4-FFF2-40B4-BE49-F238E27FC236}">
+                <a16:creationId xmlns:a16="http://schemas.microsoft.com/office/drawing/2014/main" id="{0B22DF8F-9DC9-4E57-B6B4-5C0B3E3CB7C5}"/>
+              </a:ext>
+            </a:extLst>
+          </p:cNvPr>
+          <p:cNvCxnSpPr>
+            <a:cxnSpLocks/>
+          </p:cNvCxnSpPr>
+          <p:nvPr/>
+        </p:nvCxnSpPr>
+        <p:spPr>
+          <a:xfrm>
+            <a:off x="5086563" y="2447350"/>
+            <a:ext cx="0" cy="1828800"/>
+          </a:xfrm>
+          <a:prstGeom prst="line">
+            <a:avLst/>
+          </a:prstGeom>
+          <a:ln w="19050">
+            <a:solidFill>
+              <a:schemeClr val="tx1">
+                <a:lumMod val="75000"/>
+                <a:lumOff val="25000"/>
+              </a:schemeClr>
+            </a:solidFill>
+          </a:ln>
+        </p:spPr>
+        <p:style>
+          <a:lnRef idx="1">
+            <a:schemeClr val="accent1"/>
+          </a:lnRef>
+          <a:fillRef idx="0">
+            <a:schemeClr val="accent1"/>
+          </a:fillRef>
+          <a:effectRef idx="0">
+            <a:schemeClr val="accent1"/>
+          </a:effectRef>
+          <a:fontRef idx="minor">
+            <a:schemeClr val="tx1"/>
+          </a:fontRef>
+        </p:style>
+      </p:cxnSp>
+      <p:graphicFrame>
+        <p:nvGraphicFramePr>
+          <p:cNvPr id="5" name="表 4">
+            <a:extLst>
+              <a:ext uri="{FF2B5EF4-FFF2-40B4-BE49-F238E27FC236}">
+                <a16:creationId xmlns:a16="http://schemas.microsoft.com/office/drawing/2014/main" id="{8AC64D62-57EC-4B8C-864D-8DA29F26C0B2}"/>
+              </a:ext>
+            </a:extLst>
+          </p:cNvPr>
+          <p:cNvGraphicFramePr>
+            <a:graphicFrameLocks noGrp="1"/>
+          </p:cNvGraphicFramePr>
+          <p:nvPr>
+            <p:extLst>
+              <p:ext uri="{D42A27DB-BD31-4B8C-83A1-F6EECF244321}">
+                <p14:modId xmlns:p14="http://schemas.microsoft.com/office/powerpoint/2010/main" val="935480975"/>
+              </p:ext>
+            </p:extLst>
+          </p:nvPr>
+        </p:nvGraphicFramePr>
+        <p:xfrm>
+          <a:off x="125638" y="970300"/>
+          <a:ext cx="4960924" cy="1112520"/>
+        </p:xfrm>
+        <a:graphic>
+          <a:graphicData uri="http://schemas.openxmlformats.org/drawingml/2006/table">
+            <a:tbl>
+              <a:tblPr firstRow="1" bandRow="1">
+                <a:tableStyleId>{5940675A-B579-460E-94D1-54222C63F5DA}</a:tableStyleId>
+              </a:tblPr>
+              <a:tblGrid>
+                <a:gridCol w="1630591">
+                  <a:extLst>
+                    <a:ext uri="{9D8B030D-6E8A-4147-A177-3AD203B41FA5}">
+                      <a16:colId xmlns:a16="http://schemas.microsoft.com/office/drawing/2014/main" val="1177785589"/>
+                    </a:ext>
+                  </a:extLst>
+                </a:gridCol>
+                <a:gridCol w="1110111">
+                  <a:extLst>
+                    <a:ext uri="{9D8B030D-6E8A-4147-A177-3AD203B41FA5}">
+                      <a16:colId xmlns:a16="http://schemas.microsoft.com/office/drawing/2014/main" val="3458905210"/>
+                    </a:ext>
+                  </a:extLst>
+                </a:gridCol>
+                <a:gridCol w="1110111">
+                  <a:extLst>
+                    <a:ext uri="{9D8B030D-6E8A-4147-A177-3AD203B41FA5}">
+                      <a16:colId xmlns:a16="http://schemas.microsoft.com/office/drawing/2014/main" val="683119308"/>
+                    </a:ext>
+                  </a:extLst>
+                </a:gridCol>
+                <a:gridCol w="1110111">
+                  <a:extLst>
+                    <a:ext uri="{9D8B030D-6E8A-4147-A177-3AD203B41FA5}">
+                      <a16:colId xmlns:a16="http://schemas.microsoft.com/office/drawing/2014/main" val="3813063030"/>
+                    </a:ext>
+                  </a:extLst>
+                </a:gridCol>
+              </a:tblGrid>
+              <a:tr h="370840">
+                <a:tc>
+                  <a:txBody>
+                    <a:bodyPr/>
+                    <a:lstStyle/>
+                    <a:p>
+                      <a:pPr algn="ctr"/>
+                      <a:endParaRPr kumimoji="1" lang="ja-JP" altLang="en-US" sz="1800" b="1" dirty="0">
+                        <a:solidFill>
+                          <a:schemeClr val="tx1">
+                            <a:lumMod val="75000"/>
+                            <a:lumOff val="25000"/>
+                          </a:schemeClr>
+                        </a:solidFill>
+                      </a:endParaRPr>
+                    </a:p>
+                  </a:txBody>
+                  <a:tcPr/>
+                </a:tc>
+                <a:tc>
+                  <a:txBody>
+                    <a:bodyPr/>
+                    <a:lstStyle/>
+                    <a:p>
+                      <a:pPr algn="ctr"/>
+                      <a:r>
+                        <a:rPr kumimoji="1" lang="ja-JP" altLang="en-US" sz="1800" b="1" dirty="0">
+                          <a:solidFill>
+                            <a:schemeClr val="tx1">
+                              <a:lumMod val="75000"/>
+                              <a:lumOff val="25000"/>
+                            </a:schemeClr>
+                          </a:solidFill>
+                        </a:rPr>
+                        <a:t>バグ報告</a:t>
+                      </a:r>
+                    </a:p>
+                  </a:txBody>
+                  <a:tcPr anchor="ctr"/>
+                </a:tc>
+                <a:tc>
+                  <a:txBody>
+                    <a:bodyPr/>
+                    <a:lstStyle/>
+                    <a:p>
+                      <a:pPr algn="ctr"/>
+                      <a:r>
+                        <a:rPr kumimoji="1" lang="ja-JP" altLang="en-US" sz="1800" b="1" dirty="0">
+                          <a:solidFill>
+                            <a:schemeClr val="tx1">
+                              <a:lumMod val="75000"/>
+                              <a:lumOff val="25000"/>
+                            </a:schemeClr>
+                          </a:solidFill>
+                        </a:rPr>
+                        <a:t>機能要求</a:t>
+                      </a:r>
+                    </a:p>
+                  </a:txBody>
+                  <a:tcPr anchor="ctr"/>
+                </a:tc>
+                <a:tc>
+                  <a:txBody>
+                    <a:bodyPr/>
+                    <a:lstStyle/>
+                    <a:p>
+                      <a:pPr algn="ctr"/>
+                      <a:r>
+                        <a:rPr kumimoji="1" lang="ja-JP" altLang="en-US" sz="1800" b="1" dirty="0">
+                          <a:solidFill>
+                            <a:schemeClr val="tx1">
+                              <a:lumMod val="75000"/>
+                              <a:lumOff val="25000"/>
+                            </a:schemeClr>
+                          </a:solidFill>
+                        </a:rPr>
+                        <a:t>その他</a:t>
+                      </a:r>
+                    </a:p>
+                  </a:txBody>
+                  <a:tcPr anchor="ctr"/>
+                </a:tc>
+                <a:extLst>
+                  <a:ext uri="{0D108BD9-81ED-4DB2-BD59-A6C34878D82A}">
+                    <a16:rowId xmlns:a16="http://schemas.microsoft.com/office/drawing/2014/main" val="13191471"/>
+                  </a:ext>
+                </a:extLst>
+              </a:tr>
+              <a:tr h="370840">
+                <a:tc>
+                  <a:txBody>
+                    <a:bodyPr/>
+                    <a:lstStyle/>
+                    <a:p>
+                      <a:pPr algn="ctr"/>
+                      <a:r>
+                        <a:rPr kumimoji="1" lang="ja-JP" altLang="en-US" sz="1800" b="1" dirty="0">
+                          <a:solidFill>
+                            <a:schemeClr val="tx1">
+                              <a:lumMod val="75000"/>
+                              <a:lumOff val="25000"/>
+                            </a:schemeClr>
+                          </a:solidFill>
+                        </a:rPr>
+                        <a:t>教師データ</a:t>
+                      </a:r>
+                    </a:p>
+                  </a:txBody>
+                  <a:tcPr/>
+                </a:tc>
+                <a:tc>
+                  <a:txBody>
+                    <a:bodyPr/>
+                    <a:lstStyle/>
+                    <a:p>
+                      <a:endParaRPr lang="ja-JP" altLang="en-US" dirty="0"/>
+                    </a:p>
+                  </a:txBody>
+                  <a:tcPr/>
+                </a:tc>
+                <a:tc>
+                  <a:txBody>
+                    <a:bodyPr/>
+                    <a:lstStyle/>
+                    <a:p>
+                      <a:endParaRPr lang="ja-JP" altLang="en-US"/>
+                    </a:p>
+                  </a:txBody>
+                  <a:tcPr/>
+                </a:tc>
+                <a:tc>
+                  <a:txBody>
+                    <a:bodyPr/>
+                    <a:lstStyle/>
+                    <a:p>
+                      <a:endParaRPr lang="ja-JP" altLang="en-US"/>
+                    </a:p>
+                  </a:txBody>
+                  <a:tcPr/>
+                </a:tc>
+                <a:extLst>
+                  <a:ext uri="{0D108BD9-81ED-4DB2-BD59-A6C34878D82A}">
+                    <a16:rowId xmlns:a16="http://schemas.microsoft.com/office/drawing/2014/main" val="2961215049"/>
+                  </a:ext>
+                </a:extLst>
+              </a:tr>
+              <a:tr h="370840">
+                <a:tc>
+                  <a:txBody>
+                    <a:bodyPr/>
+                    <a:lstStyle/>
+                    <a:p>
+                      <a:pPr algn="ctr"/>
+                      <a:r>
+                        <a:rPr kumimoji="1" lang="ja-JP" altLang="en-US" sz="1800" b="1" dirty="0">
+                          <a:solidFill>
+                            <a:schemeClr val="tx1">
+                              <a:lumMod val="75000"/>
+                              <a:lumOff val="25000"/>
+                            </a:schemeClr>
+                          </a:solidFill>
+                        </a:rPr>
+                        <a:t>テストデータ</a:t>
+                      </a:r>
+                    </a:p>
+                  </a:txBody>
+                  <a:tcPr/>
+                </a:tc>
+                <a:tc>
+                  <a:txBody>
+                    <a:bodyPr/>
+                    <a:lstStyle/>
+                    <a:p>
+                      <a:endParaRPr lang="ja-JP" altLang="en-US"/>
+                    </a:p>
+                  </a:txBody>
+                  <a:tcPr/>
+                </a:tc>
+                <a:tc>
+                  <a:txBody>
+                    <a:bodyPr/>
+                    <a:lstStyle/>
+                    <a:p>
+                      <a:endParaRPr lang="ja-JP" altLang="en-US"/>
+                    </a:p>
+                  </a:txBody>
+                  <a:tcPr/>
+                </a:tc>
+                <a:tc>
+                  <a:txBody>
+                    <a:bodyPr/>
+                    <a:lstStyle/>
+                    <a:p>
+                      <a:endParaRPr lang="ja-JP" altLang="en-US" dirty="0"/>
+                    </a:p>
+                  </a:txBody>
+                  <a:tcPr/>
+                </a:tc>
+                <a:extLst>
+                  <a:ext uri="{0D108BD9-81ED-4DB2-BD59-A6C34878D82A}">
+                    <a16:rowId xmlns:a16="http://schemas.microsoft.com/office/drawing/2014/main" val="2279886790"/>
+                  </a:ext>
+                </a:extLst>
+              </a:tr>
+            </a:tbl>
+          </a:graphicData>
+        </a:graphic>
+      </p:graphicFrame>
+      <p:graphicFrame>
+        <p:nvGraphicFramePr>
+          <p:cNvPr id="20" name="コンテンツ プレースホルダー 4">
+            <a:extLst>
+              <a:ext uri="{FF2B5EF4-FFF2-40B4-BE49-F238E27FC236}">
+                <a16:creationId xmlns:a16="http://schemas.microsoft.com/office/drawing/2014/main" id="{94AA94F2-2491-4730-BA26-88F2D248DE99}"/>
+              </a:ext>
+            </a:extLst>
+          </p:cNvPr>
+          <p:cNvGraphicFramePr>
+            <a:graphicFrameLocks/>
+          </p:cNvGraphicFramePr>
+          <p:nvPr>
+            <p:extLst>
+              <p:ext uri="{D42A27DB-BD31-4B8C-83A1-F6EECF244321}">
+                <p14:modId xmlns:p14="http://schemas.microsoft.com/office/powerpoint/2010/main" val="129377042"/>
+              </p:ext>
+            </p:extLst>
+          </p:nvPr>
+        </p:nvGraphicFramePr>
+        <p:xfrm>
+          <a:off x="125639" y="4526014"/>
+          <a:ext cx="8892721" cy="1828800"/>
+        </p:xfrm>
+        <a:graphic>
+          <a:graphicData uri="http://schemas.openxmlformats.org/drawingml/2006/table">
+            <a:tbl>
+              <a:tblPr firstRow="1" bandRow="1">
+                <a:tableStyleId>{5940675A-B579-460E-94D1-54222C63F5DA}</a:tableStyleId>
+              </a:tblPr>
+              <a:tblGrid>
+                <a:gridCol w="416002">
+                  <a:extLst>
+                    <a:ext uri="{9D8B030D-6E8A-4147-A177-3AD203B41FA5}">
+                      <a16:colId xmlns:a16="http://schemas.microsoft.com/office/drawing/2014/main" val="1923610548"/>
+                    </a:ext>
+                  </a:extLst>
+                </a:gridCol>
+                <a:gridCol w="1190750">
+                  <a:extLst>
+                    <a:ext uri="{9D8B030D-6E8A-4147-A177-3AD203B41FA5}">
+                      <a16:colId xmlns:a16="http://schemas.microsoft.com/office/drawing/2014/main" val="1484246165"/>
+                    </a:ext>
+                  </a:extLst>
+                </a:gridCol>
+                <a:gridCol w="1104679">
+                  <a:extLst>
+                    <a:ext uri="{9D8B030D-6E8A-4147-A177-3AD203B41FA5}">
+                      <a16:colId xmlns:a16="http://schemas.microsoft.com/office/drawing/2014/main" val="1784955739"/>
+                    </a:ext>
+                  </a:extLst>
+                </a:gridCol>
+                <a:gridCol w="1104679">
+                  <a:extLst>
+                    <a:ext uri="{9D8B030D-6E8A-4147-A177-3AD203B41FA5}">
+                      <a16:colId xmlns:a16="http://schemas.microsoft.com/office/drawing/2014/main" val="2815321614"/>
+                    </a:ext>
+                  </a:extLst>
+                </a:gridCol>
+                <a:gridCol w="1104679">
+                  <a:extLst>
+                    <a:ext uri="{9D8B030D-6E8A-4147-A177-3AD203B41FA5}">
+                      <a16:colId xmlns:a16="http://schemas.microsoft.com/office/drawing/2014/main" val="2073608608"/>
+                    </a:ext>
+                  </a:extLst>
+                </a:gridCol>
+                <a:gridCol w="992983">
+                  <a:extLst>
+                    <a:ext uri="{9D8B030D-6E8A-4147-A177-3AD203B41FA5}">
+                      <a16:colId xmlns:a16="http://schemas.microsoft.com/office/drawing/2014/main" val="3636356136"/>
+                    </a:ext>
+                  </a:extLst>
+                </a:gridCol>
+                <a:gridCol w="992983">
+                  <a:extLst>
+                    <a:ext uri="{9D8B030D-6E8A-4147-A177-3AD203B41FA5}">
+                      <a16:colId xmlns:a16="http://schemas.microsoft.com/office/drawing/2014/main" val="1161361597"/>
+                    </a:ext>
+                  </a:extLst>
+                </a:gridCol>
+                <a:gridCol w="992983">
+                  <a:extLst>
+                    <a:ext uri="{9D8B030D-6E8A-4147-A177-3AD203B41FA5}">
+                      <a16:colId xmlns:a16="http://schemas.microsoft.com/office/drawing/2014/main" val="1162311465"/>
+                    </a:ext>
+                  </a:extLst>
+                </a:gridCol>
+                <a:gridCol w="992983">
+                  <a:extLst>
+                    <a:ext uri="{9D8B030D-6E8A-4147-A177-3AD203B41FA5}">
+                      <a16:colId xmlns:a16="http://schemas.microsoft.com/office/drawing/2014/main" val="3168335535"/>
+                    </a:ext>
+                  </a:extLst>
+                </a:gridCol>
+              </a:tblGrid>
+              <a:tr h="360485">
+                <a:tc rowSpan="2" gridSpan="2">
+                  <a:txBody>
+                    <a:bodyPr/>
+                    <a:lstStyle/>
+                    <a:p>
+                      <a:pPr algn="ctr"/>
+                      <a:r>
+                        <a:rPr kumimoji="1" lang="ja-JP" altLang="en-US" sz="1800" b="1" dirty="0">
+                          <a:solidFill>
+                            <a:schemeClr val="tx1">
+                              <a:lumMod val="75000"/>
+                              <a:lumOff val="25000"/>
+                            </a:schemeClr>
+                          </a:solidFill>
+                        </a:rPr>
+                        <a:t>提案手法</a:t>
+                      </a:r>
+                      <a:endParaRPr kumimoji="1" lang="en-US" altLang="ja-JP" sz="1800" b="1" dirty="0">
+                        <a:solidFill>
+                          <a:schemeClr val="tx1">
+                            <a:lumMod val="75000"/>
+                            <a:lumOff val="25000"/>
+                          </a:schemeClr>
+                        </a:solidFill>
+                      </a:endParaRPr>
+                    </a:p>
+                    <a:p>
+                      <a:pPr marL="0" marR="0" lvl="0" indent="0" algn="ctr" defTabSz="685800" rtl="0" eaLnBrk="1" fontAlgn="auto" latinLnBrk="0" hangingPunct="1">
+                        <a:lnSpc>
+                          <a:spcPct val="100000"/>
+                        </a:lnSpc>
+                        <a:spcBef>
+                          <a:spcPts val="0"/>
+                        </a:spcBef>
+                        <a:spcAft>
+                          <a:spcPts val="0"/>
+                        </a:spcAft>
+                        <a:buClrTx/>
+                        <a:buSzTx/>
+                        <a:buFontTx/>
+                        <a:buNone/>
+                        <a:tabLst/>
+                        <a:defRPr/>
+                      </a:pPr>
+                      <a:r>
+                        <a:rPr kumimoji="1" lang="en-US" altLang="ja-JP" sz="1400" b="0" i="0" u="none" strike="noStrike" kern="1200" cap="none" spc="0" normalizeH="0" baseline="0" noProof="0" dirty="0">
+                          <a:ln>
+                            <a:noFill/>
+                          </a:ln>
+                          <a:solidFill>
+                            <a:prstClr val="black">
+                              <a:lumMod val="75000"/>
+                              <a:lumOff val="25000"/>
+                            </a:prstClr>
+                          </a:solidFill>
+                          <a:effectLst/>
+                          <a:uLnTx/>
+                          <a:uFillTx/>
+                          <a:latin typeface="+mn-lt"/>
+                          <a:ea typeface="+mn-ea"/>
+                          <a:cs typeface="+mn-cs"/>
+                        </a:rPr>
+                        <a:t>forum-review</a:t>
+                      </a:r>
+                      <a:endParaRPr kumimoji="1" lang="ja-JP" altLang="en-US" sz="2000" b="0" i="0" u="none" strike="noStrike" kern="1200" cap="none" spc="0" normalizeH="0" baseline="0" noProof="0" dirty="0">
+                        <a:ln>
+                          <a:noFill/>
+                        </a:ln>
+                        <a:solidFill>
+                          <a:prstClr val="black">
+                            <a:lumMod val="75000"/>
+                            <a:lumOff val="25000"/>
+                          </a:prstClr>
+                        </a:solidFill>
+                        <a:effectLst/>
+                        <a:uLnTx/>
+                        <a:uFillTx/>
+                        <a:latin typeface="+mn-lt"/>
+                        <a:ea typeface="+mn-ea"/>
+                        <a:cs typeface="+mn-cs"/>
+                      </a:endParaRPr>
+                    </a:p>
+                  </a:txBody>
+                  <a:tcPr anchor="ctr">
+                    <a:lnTlToBr w="12700" cap="flat" cmpd="sng" algn="ctr">
+                      <a:noFill/>
+                      <a:prstDash val="solid"/>
+                      <a:round/>
+                      <a:headEnd type="none" w="med" len="med"/>
+                      <a:tailEnd type="none" w="med" len="med"/>
+                    </a:lnTlToBr>
+                  </a:tcPr>
+                </a:tc>
+                <a:tc rowSpan="2" hMerge="1">
+                  <a:txBody>
+                    <a:bodyPr/>
+                    <a:lstStyle/>
+                    <a:p>
+                      <a:pPr algn="ctr"/>
+                      <a:endParaRPr kumimoji="1" lang="ja-JP" altLang="en-US" sz="1400" b="1" dirty="0">
+                        <a:solidFill>
+                          <a:schemeClr val="tx1">
+                            <a:lumMod val="75000"/>
+                            <a:lumOff val="25000"/>
+                          </a:schemeClr>
+                        </a:solidFill>
+                      </a:endParaRPr>
+                    </a:p>
+                  </a:txBody>
+                  <a:tcPr anchor="ctr">
+                    <a:lnTlToBr w="12700" cap="flat" cmpd="sng" algn="ctr">
+                      <a:solidFill>
+                        <a:schemeClr val="tx1"/>
+                      </a:solidFill>
+                      <a:prstDash val="solid"/>
+                      <a:round/>
+                      <a:headEnd type="none" w="med" len="med"/>
+                      <a:tailEnd type="none" w="med" len="med"/>
+                    </a:lnTlToBr>
+                  </a:tcPr>
+                </a:tc>
+                <a:tc gridSpan="3">
+                  <a:txBody>
+                    <a:bodyPr/>
+                    <a:lstStyle/>
+                    <a:p>
+                      <a:pPr algn="ctr"/>
+                      <a:r>
+                        <a:rPr kumimoji="1" lang="ja-JP" altLang="en-US" sz="1800" b="1" dirty="0">
+                          <a:solidFill>
+                            <a:schemeClr val="tx1">
+                              <a:lumMod val="75000"/>
+                              <a:lumOff val="25000"/>
+                            </a:schemeClr>
+                          </a:solidFill>
+                        </a:rPr>
+                        <a:t>予測した分類</a:t>
+                      </a:r>
+                    </a:p>
+                  </a:txBody>
+                  <a:tcPr anchor="ctr">
+                    <a:solidFill>
+                      <a:srgbClr val="FFCCFF"/>
+                    </a:solidFill>
+                  </a:tcPr>
+                </a:tc>
+                <a:tc hMerge="1">
+                  <a:txBody>
+                    <a:bodyPr/>
+                    <a:lstStyle/>
+                    <a:p>
+                      <a:pPr algn="ctr"/>
+                      <a:endParaRPr kumimoji="1" lang="ja-JP" altLang="en-US" sz="1400" b="1" dirty="0">
+                        <a:solidFill>
+                          <a:schemeClr val="tx1">
+                            <a:lumMod val="75000"/>
+                            <a:lumOff val="25000"/>
+                          </a:schemeClr>
+                        </a:solidFill>
+                      </a:endParaRPr>
+                    </a:p>
+                  </a:txBody>
+                  <a:tcPr anchor="ctr">
+                    <a:solidFill>
+                      <a:srgbClr val="FFCCFF"/>
+                    </a:solidFill>
+                  </a:tcPr>
+                </a:tc>
+                <a:tc hMerge="1">
+                  <a:txBody>
+                    <a:bodyPr/>
+                    <a:lstStyle/>
+                    <a:p>
+                      <a:pPr algn="ctr"/>
+                      <a:endParaRPr kumimoji="1" lang="ja-JP" altLang="en-US" sz="1400" b="1" dirty="0">
+                        <a:solidFill>
+                          <a:schemeClr val="tx1">
+                            <a:lumMod val="75000"/>
+                            <a:lumOff val="25000"/>
+                          </a:schemeClr>
+                        </a:solidFill>
+                      </a:endParaRPr>
+                    </a:p>
+                  </a:txBody>
+                  <a:tcPr anchor="ctr">
+                    <a:solidFill>
+                      <a:srgbClr val="FFCCFF"/>
+                    </a:solidFill>
+                  </a:tcPr>
+                </a:tc>
+                <a:tc rowSpan="2">
+                  <a:txBody>
+                    <a:bodyPr/>
+                    <a:lstStyle/>
+                    <a:p>
+                      <a:pPr algn="ctr"/>
+                      <a:r>
+                        <a:rPr kumimoji="1" lang="ja-JP" altLang="en-US" sz="1800" b="1" dirty="0">
+                          <a:solidFill>
+                            <a:schemeClr val="tx1">
+                              <a:lumMod val="75000"/>
+                              <a:lumOff val="25000"/>
+                            </a:schemeClr>
+                          </a:solidFill>
+                        </a:rPr>
+                        <a:t>適合率</a:t>
+                      </a:r>
+                      <a:endParaRPr kumimoji="1" lang="en-US" altLang="ja-JP" sz="1800" b="1" dirty="0">
+                        <a:solidFill>
+                          <a:schemeClr val="tx1">
+                            <a:lumMod val="75000"/>
+                            <a:lumOff val="25000"/>
+                          </a:schemeClr>
+                        </a:solidFill>
+                      </a:endParaRPr>
+                    </a:p>
+                    <a:p>
+                      <a:pPr marL="0" marR="0" lvl="0" indent="0" algn="ctr" defTabSz="685800" rtl="0" eaLnBrk="1" fontAlgn="auto" latinLnBrk="0" hangingPunct="1">
+                        <a:lnSpc>
+                          <a:spcPct val="100000"/>
+                        </a:lnSpc>
+                        <a:spcBef>
+                          <a:spcPts val="0"/>
+                        </a:spcBef>
+                        <a:spcAft>
+                          <a:spcPts val="0"/>
+                        </a:spcAft>
+                        <a:buClrTx/>
+                        <a:buSzTx/>
+                        <a:buFontTx/>
+                        <a:buNone/>
+                        <a:tabLst/>
+                        <a:defRPr/>
+                      </a:pPr>
+                      <a:r>
+                        <a:rPr kumimoji="1" lang="en-US" altLang="ja-JP" sz="1400" b="0" dirty="0">
+                          <a:solidFill>
+                            <a:schemeClr val="tx1">
+                              <a:lumMod val="75000"/>
+                              <a:lumOff val="25000"/>
+                            </a:schemeClr>
+                          </a:solidFill>
+                        </a:rPr>
+                        <a:t>precision</a:t>
+                      </a:r>
+                      <a:endParaRPr kumimoji="1" lang="en-US" altLang="ja-JP" sz="2400" b="0" dirty="0">
+                        <a:solidFill>
+                          <a:schemeClr val="tx1">
+                            <a:lumMod val="75000"/>
+                            <a:lumOff val="25000"/>
+                          </a:schemeClr>
+                        </a:solidFill>
+                      </a:endParaRPr>
+                    </a:p>
+                  </a:txBody>
+                  <a:tcPr anchor="ctr">
+                    <a:noFill/>
+                  </a:tcPr>
+                </a:tc>
+                <a:tc rowSpan="2">
+                  <a:txBody>
+                    <a:bodyPr/>
+                    <a:lstStyle/>
+                    <a:p>
+                      <a:pPr algn="ctr"/>
+                      <a:r>
+                        <a:rPr kumimoji="1" lang="ja-JP" altLang="en-US" sz="1800" b="1" dirty="0">
+                          <a:solidFill>
+                            <a:schemeClr val="tx1">
+                              <a:lumMod val="75000"/>
+                              <a:lumOff val="25000"/>
+                            </a:schemeClr>
+                          </a:solidFill>
+                        </a:rPr>
+                        <a:t>再現率</a:t>
+                      </a:r>
+                      <a:endParaRPr kumimoji="1" lang="en-US" altLang="ja-JP" sz="1800" b="1" dirty="0">
+                        <a:solidFill>
+                          <a:schemeClr val="tx1">
+                            <a:lumMod val="75000"/>
+                            <a:lumOff val="25000"/>
+                          </a:schemeClr>
+                        </a:solidFill>
+                      </a:endParaRPr>
+                    </a:p>
+                    <a:p>
+                      <a:pPr algn="ctr"/>
+                      <a:r>
+                        <a:rPr kumimoji="1" lang="en-US" altLang="ja-JP" sz="1400" b="0" dirty="0">
+                          <a:solidFill>
+                            <a:schemeClr val="tx1">
+                              <a:lumMod val="75000"/>
+                              <a:lumOff val="25000"/>
+                            </a:schemeClr>
+                          </a:solidFill>
+                        </a:rPr>
+                        <a:t>recall</a:t>
+                      </a:r>
+                      <a:endParaRPr kumimoji="1" lang="ja-JP" altLang="en-US" sz="1800" b="0" dirty="0">
+                        <a:solidFill>
+                          <a:schemeClr val="tx1">
+                            <a:lumMod val="75000"/>
+                            <a:lumOff val="25000"/>
+                          </a:schemeClr>
+                        </a:solidFill>
+                      </a:endParaRPr>
+                    </a:p>
+                  </a:txBody>
+                  <a:tcPr anchor="ctr">
+                    <a:noFill/>
+                  </a:tcPr>
+                </a:tc>
+                <a:tc rowSpan="2">
+                  <a:txBody>
+                    <a:bodyPr/>
+                    <a:lstStyle/>
+                    <a:p>
+                      <a:pPr algn="ctr"/>
+                      <a:r>
+                        <a:rPr kumimoji="1" lang="en-US" altLang="ja-JP" sz="1800" b="1" dirty="0">
+                          <a:solidFill>
+                            <a:schemeClr val="tx1">
+                              <a:lumMod val="75000"/>
+                              <a:lumOff val="25000"/>
+                            </a:schemeClr>
+                          </a:solidFill>
+                        </a:rPr>
+                        <a:t>F</a:t>
+                      </a:r>
+                      <a:r>
+                        <a:rPr kumimoji="1" lang="ja-JP" altLang="en-US" sz="1800" b="1" dirty="0">
+                          <a:solidFill>
+                            <a:schemeClr val="tx1">
+                              <a:lumMod val="75000"/>
+                              <a:lumOff val="25000"/>
+                            </a:schemeClr>
+                          </a:solidFill>
+                        </a:rPr>
+                        <a:t>値</a:t>
+                      </a:r>
+                      <a:endParaRPr kumimoji="1" lang="en-US" altLang="ja-JP" sz="1800" b="1" dirty="0">
+                        <a:solidFill>
+                          <a:schemeClr val="tx1">
+                            <a:lumMod val="75000"/>
+                            <a:lumOff val="25000"/>
+                          </a:schemeClr>
+                        </a:solidFill>
+                      </a:endParaRPr>
+                    </a:p>
+                    <a:p>
+                      <a:pPr algn="ctr"/>
+                      <a:r>
+                        <a:rPr kumimoji="1" lang="en-US" altLang="ja-JP" sz="1400" b="0" dirty="0">
+                          <a:solidFill>
+                            <a:schemeClr val="tx1">
+                              <a:lumMod val="75000"/>
+                              <a:lumOff val="25000"/>
+                            </a:schemeClr>
+                          </a:solidFill>
+                        </a:rPr>
+                        <a:t>F1-score</a:t>
+                      </a:r>
+                      <a:endParaRPr kumimoji="1" lang="ja-JP" altLang="en-US" sz="1400" b="0" dirty="0">
+                        <a:solidFill>
+                          <a:schemeClr val="tx1">
+                            <a:lumMod val="75000"/>
+                            <a:lumOff val="25000"/>
+                          </a:schemeClr>
+                        </a:solidFill>
+                      </a:endParaRPr>
+                    </a:p>
+                  </a:txBody>
+                  <a:tcPr anchor="ctr">
+                    <a:noFill/>
+                  </a:tcPr>
+                </a:tc>
+                <a:tc rowSpan="2">
+                  <a:txBody>
+                    <a:bodyPr/>
+                    <a:lstStyle/>
+                    <a:p>
+                      <a:pPr algn="ctr"/>
+                      <a:r>
+                        <a:rPr kumimoji="1" lang="ja-JP" altLang="en-US" sz="1800" b="1" dirty="0">
+                          <a:solidFill>
+                            <a:schemeClr val="tx1">
+                              <a:lumMod val="75000"/>
+                              <a:lumOff val="25000"/>
+                            </a:schemeClr>
+                          </a:solidFill>
+                        </a:rPr>
+                        <a:t>正解率</a:t>
+                      </a:r>
+                      <a:endParaRPr kumimoji="1" lang="en-US" altLang="ja-JP" sz="1800" b="1" dirty="0">
+                        <a:solidFill>
+                          <a:schemeClr val="tx1">
+                            <a:lumMod val="75000"/>
+                            <a:lumOff val="25000"/>
+                          </a:schemeClr>
+                        </a:solidFill>
+                      </a:endParaRPr>
+                    </a:p>
+                    <a:p>
+                      <a:pPr algn="ctr"/>
+                      <a:r>
+                        <a:rPr kumimoji="1" lang="en-US" altLang="ja-JP" sz="1400" b="0" dirty="0">
+                          <a:solidFill>
+                            <a:schemeClr val="tx1">
+                              <a:lumMod val="75000"/>
+                              <a:lumOff val="25000"/>
+                            </a:schemeClr>
+                          </a:solidFill>
+                        </a:rPr>
+                        <a:t>accuracy</a:t>
+                      </a:r>
+                      <a:endParaRPr kumimoji="1" lang="ja-JP" altLang="en-US" sz="1400" b="0" dirty="0">
+                        <a:solidFill>
+                          <a:schemeClr val="tx1">
+                            <a:lumMod val="75000"/>
+                            <a:lumOff val="25000"/>
+                          </a:schemeClr>
+                        </a:solidFill>
+                      </a:endParaRPr>
+                    </a:p>
+                  </a:txBody>
+                  <a:tcPr anchor="ctr">
+                    <a:noFill/>
+                  </a:tcPr>
+                </a:tc>
+                <a:extLst>
+                  <a:ext uri="{0D108BD9-81ED-4DB2-BD59-A6C34878D82A}">
+                    <a16:rowId xmlns:a16="http://schemas.microsoft.com/office/drawing/2014/main" val="53369686"/>
+                  </a:ext>
+                </a:extLst>
+              </a:tr>
+              <a:tr h="360485">
+                <a:tc gridSpan="2" vMerge="1">
+                  <a:txBody>
+                    <a:bodyPr/>
+                    <a:lstStyle/>
+                    <a:p>
+                      <a:pPr algn="ctr"/>
+                      <a:endParaRPr kumimoji="1" lang="ja-JP" altLang="en-US" sz="1400" b="1" dirty="0">
+                        <a:solidFill>
+                          <a:schemeClr val="tx1">
+                            <a:lumMod val="75000"/>
+                            <a:lumOff val="25000"/>
+                          </a:schemeClr>
+                        </a:solidFill>
+                      </a:endParaRPr>
+                    </a:p>
+                  </a:txBody>
+                  <a:tcPr anchor="ctr">
+                    <a:lnTlToBr w="12700" cap="flat" cmpd="sng" algn="ctr">
+                      <a:solidFill>
+                        <a:schemeClr val="tx1"/>
+                      </a:solidFill>
+                      <a:prstDash val="solid"/>
+                      <a:round/>
+                      <a:headEnd type="none" w="med" len="med"/>
+                      <a:tailEnd type="none" w="med" len="med"/>
+                    </a:lnTlToBr>
+                  </a:tcPr>
+                </a:tc>
+                <a:tc hMerge="1" vMerge="1">
+                  <a:txBody>
+                    <a:bodyPr/>
+                    <a:lstStyle/>
+                    <a:p>
+                      <a:pPr algn="ctr"/>
+                      <a:endParaRPr kumimoji="1" lang="ja-JP" altLang="en-US" sz="1400" b="1" dirty="0">
+                        <a:solidFill>
+                          <a:schemeClr val="tx1">
+                            <a:lumMod val="75000"/>
+                            <a:lumOff val="25000"/>
+                          </a:schemeClr>
+                        </a:solidFill>
+                      </a:endParaRPr>
+                    </a:p>
+                  </a:txBody>
+                  <a:tcPr anchor="ctr">
+                    <a:lnTlToBr w="12700" cap="flat" cmpd="sng" algn="ctr">
+                      <a:solidFill>
+                        <a:schemeClr val="tx1"/>
+                      </a:solidFill>
+                      <a:prstDash val="solid"/>
+                      <a:round/>
+                      <a:headEnd type="none" w="med" len="med"/>
+                      <a:tailEnd type="none" w="med" len="med"/>
+                    </a:lnTlToBr>
+                  </a:tcPr>
+                </a:tc>
+                <a:tc>
+                  <a:txBody>
+                    <a:bodyPr/>
+                    <a:lstStyle/>
+                    <a:p>
+                      <a:pPr algn="ctr"/>
+                      <a:r>
+                        <a:rPr kumimoji="1" lang="ja-JP" altLang="en-US" sz="1800" b="1" dirty="0">
+                          <a:solidFill>
+                            <a:schemeClr val="tx1">
+                              <a:lumMod val="75000"/>
+                              <a:lumOff val="25000"/>
+                            </a:schemeClr>
+                          </a:solidFill>
+                        </a:rPr>
+                        <a:t>バグ報告</a:t>
+                      </a:r>
+                    </a:p>
+                  </a:txBody>
+                  <a:tcPr anchor="ctr">
+                    <a:solidFill>
+                      <a:srgbClr val="FFCCFF"/>
+                    </a:solidFill>
+                  </a:tcPr>
+                </a:tc>
+                <a:tc>
+                  <a:txBody>
+                    <a:bodyPr/>
+                    <a:lstStyle/>
+                    <a:p>
+                      <a:pPr algn="ctr"/>
+                      <a:r>
+                        <a:rPr kumimoji="1" lang="ja-JP" altLang="en-US" sz="1800" b="1" dirty="0">
+                          <a:solidFill>
+                            <a:schemeClr val="tx1">
+                              <a:lumMod val="75000"/>
+                              <a:lumOff val="25000"/>
+                            </a:schemeClr>
+                          </a:solidFill>
+                        </a:rPr>
+                        <a:t>機能要求</a:t>
+                      </a:r>
+                    </a:p>
+                  </a:txBody>
+                  <a:tcPr anchor="ctr">
+                    <a:solidFill>
+                      <a:srgbClr val="FFCCFF"/>
+                    </a:solidFill>
+                  </a:tcPr>
+                </a:tc>
+                <a:tc>
+                  <a:txBody>
+                    <a:bodyPr/>
+                    <a:lstStyle/>
+                    <a:p>
+                      <a:pPr algn="ctr"/>
+                      <a:r>
+                        <a:rPr kumimoji="1" lang="ja-JP" altLang="en-US" sz="1800" b="1" dirty="0">
+                          <a:solidFill>
+                            <a:schemeClr val="tx1">
+                              <a:lumMod val="75000"/>
+                              <a:lumOff val="25000"/>
+                            </a:schemeClr>
+                          </a:solidFill>
+                        </a:rPr>
+                        <a:t>その他</a:t>
+                      </a:r>
+                    </a:p>
+                  </a:txBody>
+                  <a:tcPr anchor="ctr">
+                    <a:solidFill>
+                      <a:srgbClr val="FFCCFF"/>
+                    </a:solidFill>
+                  </a:tcPr>
+                </a:tc>
+                <a:tc vMerge="1">
+                  <a:txBody>
+                    <a:bodyPr/>
+                    <a:lstStyle/>
+                    <a:p>
+                      <a:pPr algn="ctr"/>
+                      <a:endParaRPr kumimoji="1" lang="ja-JP" altLang="en-US" sz="1800" b="1" dirty="0">
+                        <a:solidFill>
+                          <a:schemeClr val="tx1">
+                            <a:lumMod val="75000"/>
+                            <a:lumOff val="25000"/>
+                          </a:schemeClr>
+                        </a:solidFill>
+                      </a:endParaRPr>
+                    </a:p>
+                  </a:txBody>
+                  <a:tcPr anchor="ctr">
+                    <a:solidFill>
+                      <a:srgbClr val="FFCCFF"/>
+                    </a:solidFill>
+                  </a:tcPr>
+                </a:tc>
+                <a:tc vMerge="1">
+                  <a:txBody>
+                    <a:bodyPr/>
+                    <a:lstStyle/>
+                    <a:p>
+                      <a:endParaRPr kumimoji="1" lang="ja-JP" altLang="en-US"/>
+                    </a:p>
+                  </a:txBody>
+                  <a:tcPr/>
+                </a:tc>
+                <a:tc vMerge="1">
+                  <a:txBody>
+                    <a:bodyPr/>
+                    <a:lstStyle/>
+                    <a:p>
+                      <a:endParaRPr kumimoji="1" lang="ja-JP" altLang="en-US"/>
+                    </a:p>
+                  </a:txBody>
+                  <a:tcPr/>
+                </a:tc>
+                <a:tc vMerge="1">
+                  <a:txBody>
+                    <a:bodyPr/>
+                    <a:lstStyle/>
+                    <a:p>
+                      <a:endParaRPr kumimoji="1" lang="ja-JP" altLang="en-US"/>
+                    </a:p>
+                  </a:txBody>
+                  <a:tcPr/>
+                </a:tc>
+                <a:extLst>
+                  <a:ext uri="{0D108BD9-81ED-4DB2-BD59-A6C34878D82A}">
+                    <a16:rowId xmlns:a16="http://schemas.microsoft.com/office/drawing/2014/main" val="290926368"/>
+                  </a:ext>
+                </a:extLst>
+              </a:tr>
+              <a:tr h="360485">
+                <a:tc rowSpan="3">
+                  <a:txBody>
+                    <a:bodyPr/>
+                    <a:lstStyle/>
+                    <a:p>
+                      <a:pPr marL="0" marR="0" lvl="0" indent="0" algn="ctr" defTabSz="685800" rtl="0" eaLnBrk="1" fontAlgn="auto" latinLnBrk="0" hangingPunct="1">
+                        <a:lnSpc>
+                          <a:spcPct val="100000"/>
+                        </a:lnSpc>
+                        <a:spcBef>
+                          <a:spcPts val="0"/>
+                        </a:spcBef>
+                        <a:spcAft>
+                          <a:spcPts val="0"/>
+                        </a:spcAft>
+                        <a:buClrTx/>
+                        <a:buSzTx/>
+                        <a:buFontTx/>
+                        <a:buNone/>
+                        <a:tabLst/>
+                        <a:defRPr/>
+                      </a:pPr>
+                      <a:r>
+                        <a:rPr kumimoji="1" lang="ja-JP" altLang="en-US" sz="1800" b="1" dirty="0">
+                          <a:solidFill>
+                            <a:schemeClr val="tx1">
+                              <a:lumMod val="75000"/>
+                              <a:lumOff val="25000"/>
+                            </a:schemeClr>
+                          </a:solidFill>
+                        </a:rPr>
+                        <a:t>真の分類</a:t>
+                      </a:r>
+                    </a:p>
+                  </a:txBody>
+                  <a:tcPr vert="eaVert" anchor="ctr">
+                    <a:solidFill>
+                      <a:schemeClr val="tx2">
+                        <a:lumMod val="20000"/>
+                        <a:lumOff val="80000"/>
+                      </a:schemeClr>
+                    </a:solidFill>
+                  </a:tcPr>
+                </a:tc>
+                <a:tc>
+                  <a:txBody>
+                    <a:bodyPr/>
+                    <a:lstStyle/>
+                    <a:p>
+                      <a:pPr marL="0" marR="0" lvl="0" indent="0" algn="ctr" defTabSz="685800" rtl="0" eaLnBrk="1" fontAlgn="auto" latinLnBrk="0" hangingPunct="1">
+                        <a:lnSpc>
+                          <a:spcPct val="100000"/>
+                        </a:lnSpc>
+                        <a:spcBef>
+                          <a:spcPts val="0"/>
+                        </a:spcBef>
+                        <a:spcAft>
+                          <a:spcPts val="0"/>
+                        </a:spcAft>
+                        <a:buClrTx/>
+                        <a:buSzTx/>
+                        <a:buFontTx/>
+                        <a:buNone/>
+                        <a:tabLst/>
+                        <a:defRPr/>
+                      </a:pPr>
+                      <a:r>
+                        <a:rPr kumimoji="1" lang="ja-JP" altLang="en-US" sz="1800" b="1" dirty="0">
+                          <a:solidFill>
+                            <a:schemeClr val="tx1">
+                              <a:lumMod val="75000"/>
+                              <a:lumOff val="25000"/>
+                            </a:schemeClr>
+                          </a:solidFill>
+                        </a:rPr>
+                        <a:t>バグ報告</a:t>
+                      </a:r>
+                    </a:p>
+                  </a:txBody>
+                  <a:tcPr anchor="ctr">
+                    <a:solidFill>
+                      <a:schemeClr val="tx2">
+                        <a:lumMod val="20000"/>
+                        <a:lumOff val="80000"/>
+                      </a:schemeClr>
+                    </a:solidFill>
+                  </a:tcPr>
+                </a:tc>
+                <a:tc>
+                  <a:txBody>
+                    <a:bodyPr/>
+                    <a:lstStyle/>
+                    <a:p>
+                      <a:pPr algn="ctr"/>
+                      <a:r>
+                        <a:rPr kumimoji="1" lang="en-US" altLang="ja-JP" sz="1800" b="1" dirty="0" smtClean="0">
+                          <a:solidFill>
+                            <a:schemeClr val="tx1">
+                              <a:lumMod val="75000"/>
+                              <a:lumOff val="25000"/>
+                            </a:schemeClr>
+                          </a:solidFill>
+                        </a:rPr>
+                        <a:t>5</a:t>
+                      </a:r>
+                      <a:endParaRPr kumimoji="1" lang="ja-JP" altLang="en-US" sz="1800" b="1" dirty="0">
+                        <a:solidFill>
+                          <a:schemeClr val="tx1">
+                            <a:lumMod val="75000"/>
+                            <a:lumOff val="25000"/>
+                          </a:schemeClr>
+                        </a:solidFill>
+                      </a:endParaRPr>
+                    </a:p>
+                  </a:txBody>
+                  <a:tcPr anchor="ctr">
+                    <a:solidFill>
+                      <a:srgbClr val="FFFF99"/>
+                    </a:solidFill>
+                  </a:tcPr>
+                </a:tc>
+                <a:tc>
+                  <a:txBody>
+                    <a:bodyPr/>
+                    <a:lstStyle/>
+                    <a:p>
+                      <a:pPr algn="ctr"/>
+                      <a:r>
+                        <a:rPr kumimoji="1" lang="en-US" altLang="ja-JP" sz="1800" b="1" dirty="0" smtClean="0">
+                          <a:solidFill>
+                            <a:schemeClr val="tx1">
+                              <a:lumMod val="75000"/>
+                              <a:lumOff val="25000"/>
+                            </a:schemeClr>
+                          </a:solidFill>
+                        </a:rPr>
+                        <a:t>2</a:t>
+                      </a:r>
+                      <a:endParaRPr kumimoji="1" lang="ja-JP" altLang="en-US" sz="1800" b="1" dirty="0">
+                        <a:solidFill>
+                          <a:schemeClr val="tx1">
+                            <a:lumMod val="75000"/>
+                            <a:lumOff val="25000"/>
+                          </a:schemeClr>
+                        </a:solidFill>
+                      </a:endParaRPr>
+                    </a:p>
+                  </a:txBody>
+                  <a:tcPr anchor="ctr"/>
+                </a:tc>
+                <a:tc>
+                  <a:txBody>
+                    <a:bodyPr/>
+                    <a:lstStyle/>
+                    <a:p>
+                      <a:pPr algn="ctr"/>
+                      <a:r>
+                        <a:rPr kumimoji="1" lang="en-US" altLang="ja-JP" sz="1800" b="1" dirty="0" smtClean="0">
+                          <a:solidFill>
+                            <a:schemeClr val="tx1">
+                              <a:lumMod val="75000"/>
+                              <a:lumOff val="25000"/>
+                            </a:schemeClr>
+                          </a:solidFill>
+                        </a:rPr>
+                        <a:t>21</a:t>
+                      </a:r>
+                      <a:endParaRPr kumimoji="1" lang="ja-JP" altLang="en-US" sz="1800" b="1" dirty="0">
+                        <a:solidFill>
+                          <a:schemeClr val="tx1">
+                            <a:lumMod val="75000"/>
+                            <a:lumOff val="25000"/>
+                          </a:schemeClr>
+                        </a:solidFill>
+                      </a:endParaRPr>
+                    </a:p>
+                  </a:txBody>
+                  <a:tcPr anchor="ctr"/>
+                </a:tc>
+                <a:tc>
+                  <a:txBody>
+                    <a:bodyPr/>
+                    <a:lstStyle/>
+                    <a:p>
+                      <a:pPr algn="ctr"/>
+                      <a:r>
+                        <a:rPr kumimoji="1" lang="en-US" altLang="ja-JP" sz="1800" b="1" dirty="0" smtClean="0">
+                          <a:solidFill>
+                            <a:schemeClr val="tx1">
+                              <a:lumMod val="75000"/>
+                              <a:lumOff val="25000"/>
+                            </a:schemeClr>
+                          </a:solidFill>
+                        </a:rPr>
+                        <a:t>0.31</a:t>
+                      </a:r>
+                      <a:endParaRPr kumimoji="1" lang="ja-JP" altLang="en-US" sz="1800" b="1" dirty="0">
+                        <a:solidFill>
+                          <a:schemeClr val="tx1">
+                            <a:lumMod val="75000"/>
+                            <a:lumOff val="25000"/>
+                          </a:schemeClr>
+                        </a:solidFill>
+                      </a:endParaRPr>
+                    </a:p>
+                  </a:txBody>
+                  <a:tcPr anchor="ctr"/>
+                </a:tc>
+                <a:tc>
+                  <a:txBody>
+                    <a:bodyPr/>
+                    <a:lstStyle/>
+                    <a:p>
+                      <a:pPr algn="ctr"/>
+                      <a:r>
+                        <a:rPr kumimoji="1" lang="en-US" altLang="ja-JP" sz="1800" b="1" dirty="0" smtClean="0">
+                          <a:solidFill>
+                            <a:schemeClr val="tx1">
+                              <a:lumMod val="75000"/>
+                              <a:lumOff val="25000"/>
+                            </a:schemeClr>
+                          </a:solidFill>
+                        </a:rPr>
+                        <a:t>0.18</a:t>
+                      </a:r>
+                      <a:endParaRPr kumimoji="1" lang="ja-JP" altLang="en-US" sz="1800" b="1" dirty="0">
+                        <a:solidFill>
+                          <a:schemeClr val="tx1">
+                            <a:lumMod val="75000"/>
+                            <a:lumOff val="25000"/>
+                          </a:schemeClr>
+                        </a:solidFill>
+                      </a:endParaRPr>
+                    </a:p>
+                  </a:txBody>
+                  <a:tcPr anchor="ctr"/>
+                </a:tc>
+                <a:tc>
+                  <a:txBody>
+                    <a:bodyPr/>
+                    <a:lstStyle/>
+                    <a:p>
+                      <a:pPr algn="ctr"/>
+                      <a:r>
+                        <a:rPr kumimoji="1" lang="en-US" altLang="ja-JP" sz="1800" b="1" dirty="0" smtClean="0">
+                          <a:solidFill>
+                            <a:schemeClr val="tx1">
+                              <a:lumMod val="75000"/>
+                              <a:lumOff val="25000"/>
+                            </a:schemeClr>
+                          </a:solidFill>
+                        </a:rPr>
+                        <a:t>0.23</a:t>
+                      </a:r>
+                      <a:endParaRPr kumimoji="1" lang="ja-JP" altLang="en-US" sz="1800" b="1" dirty="0">
+                        <a:solidFill>
+                          <a:schemeClr val="tx1">
+                            <a:lumMod val="75000"/>
+                            <a:lumOff val="25000"/>
+                          </a:schemeClr>
+                        </a:solidFill>
+                      </a:endParaRPr>
+                    </a:p>
+                  </a:txBody>
+                  <a:tcPr anchor="ctr"/>
+                </a:tc>
+                <a:tc rowSpan="3">
+                  <a:txBody>
+                    <a:bodyPr/>
+                    <a:lstStyle/>
+                    <a:p>
+                      <a:pPr algn="ctr"/>
+                      <a:r>
+                        <a:rPr kumimoji="1" lang="en-US" altLang="ja-JP" sz="1800" b="1" dirty="0" smtClean="0">
+                          <a:solidFill>
+                            <a:schemeClr val="tx1">
+                              <a:lumMod val="75000"/>
+                              <a:lumOff val="25000"/>
+                            </a:schemeClr>
+                          </a:solidFill>
+                        </a:rPr>
+                        <a:t>0.76</a:t>
+                      </a:r>
+                      <a:endParaRPr kumimoji="1" lang="ja-JP" altLang="en-US" sz="1800" b="1" dirty="0">
+                        <a:solidFill>
+                          <a:schemeClr val="tx1">
+                            <a:lumMod val="75000"/>
+                            <a:lumOff val="25000"/>
+                          </a:schemeClr>
+                        </a:solidFill>
+                      </a:endParaRPr>
+                    </a:p>
+                  </a:txBody>
+                  <a:tcPr anchor="ctr"/>
+                </a:tc>
+                <a:extLst>
+                  <a:ext uri="{0D108BD9-81ED-4DB2-BD59-A6C34878D82A}">
+                    <a16:rowId xmlns:a16="http://schemas.microsoft.com/office/drawing/2014/main" val="3098006258"/>
+                  </a:ext>
+                </a:extLst>
+              </a:tr>
+              <a:tr h="360485">
+                <a:tc vMerge="1">
+                  <a:txBody>
+                    <a:bodyPr/>
+                    <a:lstStyle/>
+                    <a:p>
+                      <a:pPr algn="ctr"/>
+                      <a:endParaRPr kumimoji="1" lang="ja-JP" altLang="en-US" sz="1400" b="1" dirty="0">
+                        <a:solidFill>
+                          <a:schemeClr val="tx1">
+                            <a:lumMod val="75000"/>
+                            <a:lumOff val="25000"/>
+                          </a:schemeClr>
+                        </a:solidFill>
+                      </a:endParaRPr>
+                    </a:p>
+                  </a:txBody>
+                  <a:tcPr anchor="ctr">
+                    <a:solidFill>
+                      <a:schemeClr val="tx2">
+                        <a:lumMod val="20000"/>
+                        <a:lumOff val="80000"/>
+                      </a:schemeClr>
+                    </a:solidFill>
+                  </a:tcPr>
+                </a:tc>
+                <a:tc>
+                  <a:txBody>
+                    <a:bodyPr/>
+                    <a:lstStyle/>
+                    <a:p>
+                      <a:pPr algn="ctr"/>
+                      <a:r>
+                        <a:rPr kumimoji="1" lang="ja-JP" altLang="en-US" sz="1800" b="1" dirty="0">
+                          <a:solidFill>
+                            <a:schemeClr val="tx1">
+                              <a:lumMod val="75000"/>
+                              <a:lumOff val="25000"/>
+                            </a:schemeClr>
+                          </a:solidFill>
+                        </a:rPr>
+                        <a:t>機能要求</a:t>
+                      </a:r>
+                    </a:p>
+                  </a:txBody>
+                  <a:tcPr anchor="ctr">
+                    <a:solidFill>
+                      <a:schemeClr val="tx2">
+                        <a:lumMod val="20000"/>
+                        <a:lumOff val="80000"/>
+                      </a:schemeClr>
+                    </a:solidFill>
+                  </a:tcPr>
+                </a:tc>
+                <a:tc>
+                  <a:txBody>
+                    <a:bodyPr/>
+                    <a:lstStyle/>
+                    <a:p>
+                      <a:pPr algn="ctr"/>
+                      <a:r>
+                        <a:rPr kumimoji="1" lang="en-US" altLang="ja-JP" sz="1800" b="1" dirty="0" smtClean="0">
+                          <a:solidFill>
+                            <a:schemeClr val="tx1">
+                              <a:lumMod val="75000"/>
+                              <a:lumOff val="25000"/>
+                            </a:schemeClr>
+                          </a:solidFill>
+                        </a:rPr>
+                        <a:t>0</a:t>
+                      </a:r>
+                      <a:endParaRPr kumimoji="1" lang="ja-JP" altLang="en-US" sz="1800" b="1" dirty="0">
+                        <a:solidFill>
+                          <a:schemeClr val="tx1">
+                            <a:lumMod val="75000"/>
+                            <a:lumOff val="25000"/>
+                          </a:schemeClr>
+                        </a:solidFill>
+                      </a:endParaRPr>
+                    </a:p>
+                  </a:txBody>
+                  <a:tcPr anchor="ctr"/>
+                </a:tc>
+                <a:tc>
+                  <a:txBody>
+                    <a:bodyPr/>
+                    <a:lstStyle/>
+                    <a:p>
+                      <a:pPr algn="ctr"/>
+                      <a:r>
+                        <a:rPr kumimoji="1" lang="en-US" altLang="ja-JP" sz="1800" b="1" dirty="0" smtClean="0">
+                          <a:solidFill>
+                            <a:schemeClr val="tx1">
+                              <a:lumMod val="75000"/>
+                              <a:lumOff val="25000"/>
+                            </a:schemeClr>
+                          </a:solidFill>
+                        </a:rPr>
+                        <a:t>8</a:t>
+                      </a:r>
+                      <a:endParaRPr kumimoji="1" lang="ja-JP" altLang="en-US" sz="1800" b="1" dirty="0">
+                        <a:solidFill>
+                          <a:schemeClr val="tx1">
+                            <a:lumMod val="75000"/>
+                            <a:lumOff val="25000"/>
+                          </a:schemeClr>
+                        </a:solidFill>
+                      </a:endParaRPr>
+                    </a:p>
+                  </a:txBody>
+                  <a:tcPr anchor="ctr">
+                    <a:solidFill>
+                      <a:srgbClr val="FFFF99"/>
+                    </a:solidFill>
+                  </a:tcPr>
+                </a:tc>
+                <a:tc>
+                  <a:txBody>
+                    <a:bodyPr/>
+                    <a:lstStyle/>
+                    <a:p>
+                      <a:pPr algn="ctr"/>
+                      <a:r>
+                        <a:rPr kumimoji="1" lang="en-US" altLang="ja-JP" sz="1800" b="1" dirty="0" smtClean="0">
+                          <a:solidFill>
+                            <a:schemeClr val="tx1">
+                              <a:lumMod val="75000"/>
+                              <a:lumOff val="25000"/>
+                            </a:schemeClr>
+                          </a:solidFill>
+                        </a:rPr>
+                        <a:t>12</a:t>
+                      </a:r>
+                      <a:endParaRPr kumimoji="1" lang="ja-JP" altLang="en-US" sz="1800" b="1" dirty="0">
+                        <a:solidFill>
+                          <a:schemeClr val="tx1">
+                            <a:lumMod val="75000"/>
+                            <a:lumOff val="25000"/>
+                          </a:schemeClr>
+                        </a:solidFill>
+                      </a:endParaRPr>
+                    </a:p>
+                  </a:txBody>
+                  <a:tcPr anchor="ctr"/>
+                </a:tc>
+                <a:tc>
+                  <a:txBody>
+                    <a:bodyPr/>
+                    <a:lstStyle/>
+                    <a:p>
+                      <a:pPr algn="ctr"/>
+                      <a:r>
+                        <a:rPr kumimoji="1" lang="en-US" altLang="ja-JP" sz="1800" b="1" dirty="0" smtClean="0">
+                          <a:solidFill>
+                            <a:schemeClr val="tx1">
+                              <a:lumMod val="75000"/>
+                              <a:lumOff val="25000"/>
+                            </a:schemeClr>
+                          </a:solidFill>
+                        </a:rPr>
+                        <a:t>0.29</a:t>
+                      </a:r>
+                      <a:endParaRPr kumimoji="1" lang="ja-JP" altLang="en-US" sz="1800" b="1" dirty="0">
+                        <a:solidFill>
+                          <a:schemeClr val="tx1">
+                            <a:lumMod val="75000"/>
+                            <a:lumOff val="25000"/>
+                          </a:schemeClr>
+                        </a:solidFill>
+                      </a:endParaRPr>
+                    </a:p>
+                  </a:txBody>
+                  <a:tcPr anchor="ctr"/>
+                </a:tc>
+                <a:tc>
+                  <a:txBody>
+                    <a:bodyPr/>
+                    <a:lstStyle/>
+                    <a:p>
+                      <a:pPr algn="ctr"/>
+                      <a:r>
+                        <a:rPr kumimoji="1" lang="en-US" altLang="ja-JP" sz="1800" b="1" dirty="0" smtClean="0">
+                          <a:solidFill>
+                            <a:schemeClr val="tx1">
+                              <a:lumMod val="75000"/>
+                              <a:lumOff val="25000"/>
+                            </a:schemeClr>
+                          </a:solidFill>
+                        </a:rPr>
+                        <a:t>0.40</a:t>
+                      </a:r>
+                      <a:endParaRPr kumimoji="1" lang="ja-JP" altLang="en-US" sz="1800" b="1" dirty="0">
+                        <a:solidFill>
+                          <a:schemeClr val="tx1">
+                            <a:lumMod val="75000"/>
+                            <a:lumOff val="25000"/>
+                          </a:schemeClr>
+                        </a:solidFill>
+                      </a:endParaRPr>
+                    </a:p>
+                  </a:txBody>
+                  <a:tcPr anchor="ctr"/>
+                </a:tc>
+                <a:tc>
+                  <a:txBody>
+                    <a:bodyPr/>
+                    <a:lstStyle/>
+                    <a:p>
+                      <a:pPr algn="ctr"/>
+                      <a:r>
+                        <a:rPr kumimoji="1" lang="en-US" altLang="ja-JP" sz="1800" b="1" dirty="0" smtClean="0">
+                          <a:solidFill>
+                            <a:schemeClr val="tx1">
+                              <a:lumMod val="75000"/>
+                              <a:lumOff val="25000"/>
+                            </a:schemeClr>
+                          </a:solidFill>
+                        </a:rPr>
+                        <a:t>0.33</a:t>
+                      </a:r>
+                      <a:endParaRPr kumimoji="1" lang="ja-JP" altLang="en-US" sz="1800" b="1" dirty="0">
+                        <a:solidFill>
+                          <a:schemeClr val="tx1">
+                            <a:lumMod val="75000"/>
+                            <a:lumOff val="25000"/>
+                          </a:schemeClr>
+                        </a:solidFill>
+                      </a:endParaRPr>
+                    </a:p>
+                  </a:txBody>
+                  <a:tcPr anchor="ctr"/>
+                </a:tc>
+                <a:tc vMerge="1">
+                  <a:txBody>
+                    <a:bodyPr/>
+                    <a:lstStyle/>
+                    <a:p>
+                      <a:pPr algn="ctr"/>
+                      <a:endParaRPr kumimoji="1" lang="ja-JP" altLang="en-US" sz="1800" b="1" dirty="0">
+                        <a:solidFill>
+                          <a:schemeClr val="tx1">
+                            <a:lumMod val="75000"/>
+                            <a:lumOff val="25000"/>
+                          </a:schemeClr>
+                        </a:solidFill>
+                      </a:endParaRPr>
+                    </a:p>
+                  </a:txBody>
+                  <a:tcPr anchor="ctr"/>
+                </a:tc>
+                <a:extLst>
+                  <a:ext uri="{0D108BD9-81ED-4DB2-BD59-A6C34878D82A}">
+                    <a16:rowId xmlns:a16="http://schemas.microsoft.com/office/drawing/2014/main" val="2471616886"/>
+                  </a:ext>
+                </a:extLst>
+              </a:tr>
+              <a:tr h="360485">
+                <a:tc vMerge="1">
+                  <a:txBody>
+                    <a:bodyPr/>
+                    <a:lstStyle/>
+                    <a:p>
+                      <a:pPr algn="ctr"/>
+                      <a:endParaRPr kumimoji="1" lang="ja-JP" altLang="en-US" sz="1400" b="1" dirty="0">
+                        <a:solidFill>
+                          <a:schemeClr val="tx1">
+                            <a:lumMod val="75000"/>
+                            <a:lumOff val="25000"/>
+                          </a:schemeClr>
+                        </a:solidFill>
+                      </a:endParaRPr>
+                    </a:p>
+                  </a:txBody>
+                  <a:tcPr anchor="ctr">
+                    <a:solidFill>
+                      <a:schemeClr val="tx2">
+                        <a:lumMod val="20000"/>
+                        <a:lumOff val="80000"/>
+                      </a:schemeClr>
+                    </a:solidFill>
+                  </a:tcPr>
+                </a:tc>
+                <a:tc>
+                  <a:txBody>
+                    <a:bodyPr/>
+                    <a:lstStyle/>
+                    <a:p>
+                      <a:pPr algn="ctr"/>
+                      <a:r>
+                        <a:rPr kumimoji="1" lang="ja-JP" altLang="en-US" sz="1800" b="1" dirty="0">
+                          <a:solidFill>
+                            <a:schemeClr val="tx1">
+                              <a:lumMod val="75000"/>
+                              <a:lumOff val="25000"/>
+                            </a:schemeClr>
+                          </a:solidFill>
+                        </a:rPr>
+                        <a:t>その他</a:t>
+                      </a:r>
+                    </a:p>
+                  </a:txBody>
+                  <a:tcPr anchor="ctr">
+                    <a:solidFill>
+                      <a:schemeClr val="tx2">
+                        <a:lumMod val="20000"/>
+                        <a:lumOff val="80000"/>
+                      </a:schemeClr>
+                    </a:solidFill>
+                  </a:tcPr>
+                </a:tc>
+                <a:tc>
+                  <a:txBody>
+                    <a:bodyPr/>
+                    <a:lstStyle/>
+                    <a:p>
+                      <a:pPr algn="ctr"/>
+                      <a:r>
+                        <a:rPr kumimoji="1" lang="en-US" altLang="ja-JP" sz="1800" b="1" dirty="0" smtClean="0">
+                          <a:solidFill>
+                            <a:schemeClr val="tx1">
+                              <a:lumMod val="75000"/>
+                              <a:lumOff val="25000"/>
+                            </a:schemeClr>
+                          </a:solidFill>
+                        </a:rPr>
+                        <a:t>11</a:t>
+                      </a:r>
+                      <a:endParaRPr kumimoji="1" lang="ja-JP" altLang="en-US" sz="1800" b="1" dirty="0">
+                        <a:solidFill>
+                          <a:schemeClr val="tx1">
+                            <a:lumMod val="75000"/>
+                            <a:lumOff val="25000"/>
+                          </a:schemeClr>
+                        </a:solidFill>
+                      </a:endParaRPr>
+                    </a:p>
+                  </a:txBody>
+                  <a:tcPr anchor="ctr"/>
+                </a:tc>
+                <a:tc>
+                  <a:txBody>
+                    <a:bodyPr/>
+                    <a:lstStyle/>
+                    <a:p>
+                      <a:pPr algn="ctr"/>
+                      <a:r>
+                        <a:rPr kumimoji="1" lang="en-US" altLang="ja-JP" sz="1800" b="1" dirty="0" smtClean="0">
+                          <a:solidFill>
+                            <a:schemeClr val="tx1">
+                              <a:lumMod val="75000"/>
+                              <a:lumOff val="25000"/>
+                            </a:schemeClr>
+                          </a:solidFill>
+                        </a:rPr>
+                        <a:t>18</a:t>
+                      </a:r>
+                      <a:endParaRPr kumimoji="1" lang="ja-JP" altLang="en-US" sz="1800" b="1" dirty="0">
+                        <a:solidFill>
+                          <a:schemeClr val="tx1">
+                            <a:lumMod val="75000"/>
+                            <a:lumOff val="25000"/>
+                          </a:schemeClr>
+                        </a:solidFill>
+                      </a:endParaRPr>
+                    </a:p>
+                  </a:txBody>
+                  <a:tcPr anchor="ctr"/>
+                </a:tc>
+                <a:tc>
+                  <a:txBody>
+                    <a:bodyPr/>
+                    <a:lstStyle/>
+                    <a:p>
+                      <a:pPr algn="ctr"/>
+                      <a:r>
+                        <a:rPr kumimoji="1" lang="en-US" altLang="ja-JP" sz="1800" b="1" dirty="0" smtClean="0">
+                          <a:solidFill>
+                            <a:schemeClr val="tx1">
+                              <a:lumMod val="75000"/>
+                              <a:lumOff val="25000"/>
+                            </a:schemeClr>
+                          </a:solidFill>
+                        </a:rPr>
+                        <a:t>276</a:t>
+                      </a:r>
+                      <a:endParaRPr kumimoji="1" lang="ja-JP" altLang="en-US" sz="1800" b="1" dirty="0">
+                        <a:solidFill>
+                          <a:schemeClr val="tx1">
+                            <a:lumMod val="75000"/>
+                            <a:lumOff val="25000"/>
+                          </a:schemeClr>
+                        </a:solidFill>
+                      </a:endParaRPr>
+                    </a:p>
+                  </a:txBody>
+                  <a:tcPr anchor="ctr">
+                    <a:solidFill>
+                      <a:srgbClr val="FFFF99"/>
+                    </a:solidFill>
+                  </a:tcPr>
+                </a:tc>
+                <a:tc>
+                  <a:txBody>
+                    <a:bodyPr/>
+                    <a:lstStyle/>
+                    <a:p>
+                      <a:pPr algn="ctr"/>
+                      <a:r>
+                        <a:rPr kumimoji="1" lang="en-US" altLang="ja-JP" sz="1800" b="1" dirty="0" smtClean="0">
+                          <a:solidFill>
+                            <a:schemeClr val="tx1">
+                              <a:lumMod val="75000"/>
+                              <a:lumOff val="25000"/>
+                            </a:schemeClr>
+                          </a:solidFill>
+                        </a:rPr>
+                        <a:t>0.89</a:t>
+                      </a:r>
+                      <a:endParaRPr kumimoji="1" lang="ja-JP" altLang="en-US" sz="1800" b="1" dirty="0">
+                        <a:solidFill>
+                          <a:schemeClr val="tx1">
+                            <a:lumMod val="75000"/>
+                            <a:lumOff val="25000"/>
+                          </a:schemeClr>
+                        </a:solidFill>
+                      </a:endParaRPr>
+                    </a:p>
+                  </a:txBody>
+                  <a:tcPr anchor="ctr">
+                    <a:noFill/>
+                  </a:tcPr>
+                </a:tc>
+                <a:tc>
+                  <a:txBody>
+                    <a:bodyPr/>
+                    <a:lstStyle/>
+                    <a:p>
+                      <a:pPr algn="ctr"/>
+                      <a:r>
+                        <a:rPr kumimoji="1" lang="en-US" altLang="ja-JP" sz="1800" b="1" dirty="0" smtClean="0">
+                          <a:solidFill>
+                            <a:schemeClr val="tx1">
+                              <a:lumMod val="75000"/>
+                              <a:lumOff val="25000"/>
+                            </a:schemeClr>
+                          </a:solidFill>
+                        </a:rPr>
+                        <a:t>0.90</a:t>
+                      </a:r>
+                      <a:endParaRPr kumimoji="1" lang="ja-JP" altLang="en-US" sz="1800" b="1" dirty="0">
+                        <a:solidFill>
+                          <a:schemeClr val="tx1">
+                            <a:lumMod val="75000"/>
+                            <a:lumOff val="25000"/>
+                          </a:schemeClr>
+                        </a:solidFill>
+                      </a:endParaRPr>
+                    </a:p>
+                  </a:txBody>
+                  <a:tcPr anchor="ctr">
+                    <a:noFill/>
+                  </a:tcPr>
+                </a:tc>
+                <a:tc>
+                  <a:txBody>
+                    <a:bodyPr/>
+                    <a:lstStyle/>
+                    <a:p>
+                      <a:pPr algn="ctr"/>
+                      <a:r>
+                        <a:rPr kumimoji="1" lang="en-US" altLang="ja-JP" sz="1800" b="1" dirty="0" smtClean="0">
+                          <a:solidFill>
+                            <a:schemeClr val="tx1">
+                              <a:lumMod val="75000"/>
+                              <a:lumOff val="25000"/>
+                            </a:schemeClr>
+                          </a:solidFill>
+                        </a:rPr>
+                        <a:t>0.90</a:t>
+                      </a:r>
+                      <a:endParaRPr kumimoji="1" lang="ja-JP" altLang="en-US" sz="1800" b="1" dirty="0">
+                        <a:solidFill>
+                          <a:schemeClr val="tx1">
+                            <a:lumMod val="75000"/>
+                            <a:lumOff val="25000"/>
+                          </a:schemeClr>
+                        </a:solidFill>
+                      </a:endParaRPr>
+                    </a:p>
+                  </a:txBody>
+                  <a:tcPr anchor="ctr">
+                    <a:noFill/>
+                  </a:tcPr>
+                </a:tc>
+                <a:tc vMerge="1">
+                  <a:txBody>
+                    <a:bodyPr/>
+                    <a:lstStyle/>
+                    <a:p>
+                      <a:pPr algn="ctr"/>
+                      <a:endParaRPr kumimoji="1" lang="ja-JP" altLang="en-US" sz="1800" b="1" dirty="0">
+                        <a:solidFill>
+                          <a:schemeClr val="tx1">
+                            <a:lumMod val="75000"/>
+                            <a:lumOff val="25000"/>
+                          </a:schemeClr>
+                        </a:solidFill>
+                      </a:endParaRPr>
+                    </a:p>
+                  </a:txBody>
+                  <a:tcPr anchor="ctr">
+                    <a:noFill/>
+                  </a:tcPr>
+                </a:tc>
+                <a:extLst>
+                  <a:ext uri="{0D108BD9-81ED-4DB2-BD59-A6C34878D82A}">
+                    <a16:rowId xmlns:a16="http://schemas.microsoft.com/office/drawing/2014/main" val="1654385434"/>
+                  </a:ext>
+                </a:extLst>
+              </a:tr>
+            </a:tbl>
+          </a:graphicData>
+        </a:graphic>
+      </p:graphicFrame>
+      <p:cxnSp>
+        <p:nvCxnSpPr>
+          <p:cNvPr id="7" name="直線コネクタ 6">
+            <a:extLst>
+              <a:ext uri="{FF2B5EF4-FFF2-40B4-BE49-F238E27FC236}">
+                <a16:creationId xmlns:a16="http://schemas.microsoft.com/office/drawing/2014/main" id="{0B22DF8F-9DC9-4E57-B6B4-5C0B3E3CB7C5}"/>
+              </a:ext>
+            </a:extLst>
+          </p:cNvPr>
+          <p:cNvCxnSpPr>
+            <a:cxnSpLocks/>
+          </p:cNvCxnSpPr>
+          <p:nvPr/>
+        </p:nvCxnSpPr>
+        <p:spPr>
+          <a:xfrm>
+            <a:off x="5086562" y="4526014"/>
+            <a:ext cx="0" cy="1828800"/>
+          </a:xfrm>
+          <a:prstGeom prst="line">
+            <a:avLst/>
+          </a:prstGeom>
+          <a:ln w="19050">
+            <a:solidFill>
+              <a:schemeClr val="tx1">
+                <a:lumMod val="75000"/>
+                <a:lumOff val="25000"/>
+              </a:schemeClr>
+            </a:solidFill>
+          </a:ln>
+        </p:spPr>
+        <p:style>
+          <a:lnRef idx="1">
+            <a:schemeClr val="accent1"/>
+          </a:lnRef>
+          <a:fillRef idx="0">
+            <a:schemeClr val="accent1"/>
+          </a:fillRef>
+          <a:effectRef idx="0">
+            <a:schemeClr val="accent1"/>
+          </a:effectRef>
+          <a:fontRef idx="minor">
+            <a:schemeClr val="tx1"/>
+          </a:fontRef>
+        </p:style>
+      </p:cxnSp>
+    </p:spTree>
+    <p:extLst>
+      <p:ext uri="{BB962C8B-B14F-4D97-AF65-F5344CB8AC3E}">
+        <p14:creationId xmlns:p14="http://schemas.microsoft.com/office/powerpoint/2010/main" val="1416933865"/>
+      </p:ext>
+    </p:extLst>
+  </p:cSld>
+  <p:clrMapOvr>
+    <a:masterClrMapping/>
+  </p:clrMapOvr>
+</p:sld>
+</file>
+
+<file path=ppt/slides/slide4.xml><?xml version="1.0" encoding="utf-8"?>
+<p:sld xmlns:a="http://schemas.openxmlformats.org/drawingml/2006/main" xmlns:r="http://schemas.openxmlformats.org/officeDocument/2006/relationships" xmlns:p="http://schemas.openxmlformats.org/presentationml/2006/main">
+  <p:cSld>
+    <p:spTree>
+      <p:nvGrpSpPr>
+        <p:cNvPr id="1" name=""/>
+        <p:cNvGrpSpPr/>
+        <p:nvPr/>
+      </p:nvGrpSpPr>
+      <p:grpSpPr>
+        <a:xfrm>
+          <a:off x="0" y="0"/>
+          <a:ext cx="0" cy="0"/>
+          <a:chOff x="0" y="0"/>
+          <a:chExt cx="0" cy="0"/>
+        </a:xfrm>
+      </p:grpSpPr>
+      <p:sp>
+        <p:nvSpPr>
+          <p:cNvPr id="2" name="タイトル 1"/>
+          <p:cNvSpPr>
+            <a:spLocks noGrp="1"/>
+          </p:cNvSpPr>
+          <p:nvPr>
+            <p:ph type="title"/>
+          </p:nvPr>
+        </p:nvSpPr>
+        <p:spPr/>
+        <p:txBody>
+          <a:bodyPr>
+            <a:normAutofit fontScale="90000"/>
+          </a:bodyPr>
+          <a:lstStyle/>
+          <a:p>
+            <a:r>
+              <a:rPr kumimoji="1" lang="ja-JP" altLang="en-US" dirty="0" smtClean="0"/>
+              <a:t>語彙</a:t>
+            </a:r>
+            <a:endParaRPr kumimoji="1" lang="ja-JP" altLang="en-US" dirty="0"/>
+          </a:p>
+        </p:txBody>
+      </p:sp>
+      <p:sp>
+        <p:nvSpPr>
+          <p:cNvPr id="4" name="スライド番号プレースホルダー 3"/>
+          <p:cNvSpPr>
+            <a:spLocks noGrp="1"/>
+          </p:cNvSpPr>
+          <p:nvPr>
+            <p:ph type="sldNum" sz="quarter" idx="12"/>
+          </p:nvPr>
+        </p:nvSpPr>
+        <p:spPr/>
+        <p:txBody>
+          <a:bodyPr/>
+          <a:lstStyle/>
+          <a:p>
+            <a:fld id="{310E90F2-0F65-4717-A352-08170F7BDCAA}" type="slidenum">
+              <a:rPr kumimoji="1" lang="ja-JP" altLang="en-US" smtClean="0"/>
+              <a:t>3</a:t>
+            </a:fld>
+            <a:endParaRPr kumimoji="1" lang="ja-JP" altLang="en-US" dirty="0"/>
+          </a:p>
+        </p:txBody>
+      </p:sp>
+      <p:pic>
+        <p:nvPicPr>
+          <p:cNvPr id="5" name="図 4"/>
+          <p:cNvPicPr>
+            <a:picLocks noChangeAspect="1"/>
+          </p:cNvPicPr>
+          <p:nvPr/>
+        </p:nvPicPr>
+        <p:blipFill>
+          <a:blip r:embed="rId2" cstate="print">
+            <a:extLst>
+              <a:ext uri="{28A0092B-C50C-407E-A947-70E740481C1C}">
+                <a14:useLocalDpi xmlns:a14="http://schemas.microsoft.com/office/drawing/2010/main" val="0"/>
+              </a:ext>
+            </a:extLst>
+          </a:blip>
+          <a:stretch>
+            <a:fillRect/>
+          </a:stretch>
+        </p:blipFill>
+        <p:spPr>
+          <a:xfrm>
+            <a:off x="0" y="904494"/>
+            <a:ext cx="9144000" cy="5049011"/>
+          </a:xfrm>
+          <a:prstGeom prst="rect">
+            <a:avLst/>
+          </a:prstGeom>
+        </p:spPr>
+      </p:pic>
+      <p:sp>
+        <p:nvSpPr>
+          <p:cNvPr id="17" name="正方形/長方形 16"/>
+          <p:cNvSpPr/>
+          <p:nvPr/>
+        </p:nvSpPr>
+        <p:spPr>
+          <a:xfrm>
+            <a:off x="236912" y="1313411"/>
+            <a:ext cx="87283" cy="108066"/>
+          </a:xfrm>
+          <a:prstGeom prst="rect">
+            <a:avLst/>
+          </a:prstGeom>
+          <a:solidFill>
+            <a:srgbClr val="FF0000">
+              <a:alpha val="35000"/>
+            </a:srgbClr>
+          </a:solidFill>
+          <a:ln w="12700">
+            <a:noFill/>
+          </a:ln>
+        </p:spPr>
+        <p:style>
+          <a:lnRef idx="2">
+            <a:schemeClr val="accent1">
+              <a:shade val="50000"/>
+            </a:schemeClr>
+          </a:lnRef>
+          <a:fillRef idx="1">
+            <a:schemeClr val="accent1"/>
+          </a:fillRef>
+          <a:effectRef idx="0">
+            <a:schemeClr val="accent1"/>
+          </a:effectRef>
+          <a:fontRef idx="minor">
+            <a:schemeClr val="lt1"/>
+          </a:fontRef>
+        </p:style>
+        <p:txBody>
+          <a:bodyPr rtlCol="0" anchor="ctr"/>
+          <a:lstStyle/>
+          <a:p>
+            <a:pPr algn="ctr"/>
+            <a:endParaRPr kumimoji="1" lang="ja-JP" altLang="en-US"/>
+          </a:p>
+        </p:txBody>
+      </p:sp>
+      <p:sp>
+        <p:nvSpPr>
+          <p:cNvPr id="18" name="正方形/長方形 17"/>
+          <p:cNvSpPr/>
+          <p:nvPr/>
+        </p:nvSpPr>
+        <p:spPr>
+          <a:xfrm>
+            <a:off x="3332017" y="1798320"/>
+            <a:ext cx="87283" cy="108066"/>
+          </a:xfrm>
+          <a:prstGeom prst="rect">
+            <a:avLst/>
+          </a:prstGeom>
+          <a:solidFill>
+            <a:srgbClr val="FF0000">
+              <a:alpha val="35000"/>
+            </a:srgbClr>
+          </a:solidFill>
+          <a:ln w="12700">
+            <a:noFill/>
+          </a:ln>
+        </p:spPr>
+        <p:style>
+          <a:lnRef idx="2">
+            <a:schemeClr val="accent1">
+              <a:shade val="50000"/>
+            </a:schemeClr>
+          </a:lnRef>
+          <a:fillRef idx="1">
+            <a:schemeClr val="accent1"/>
+          </a:fillRef>
+          <a:effectRef idx="0">
+            <a:schemeClr val="accent1"/>
+          </a:effectRef>
+          <a:fontRef idx="minor">
+            <a:schemeClr val="lt1"/>
+          </a:fontRef>
+        </p:style>
+        <p:txBody>
+          <a:bodyPr rtlCol="0" anchor="ctr"/>
+          <a:lstStyle/>
+          <a:p>
+            <a:pPr algn="ctr"/>
+            <a:endParaRPr kumimoji="1" lang="ja-JP" altLang="en-US"/>
+          </a:p>
+        </p:txBody>
+      </p:sp>
+      <p:sp>
+        <p:nvSpPr>
+          <p:cNvPr id="19" name="正方形/長方形 18"/>
+          <p:cNvSpPr/>
+          <p:nvPr/>
+        </p:nvSpPr>
+        <p:spPr>
+          <a:xfrm>
+            <a:off x="6435435" y="2000596"/>
+            <a:ext cx="87283" cy="108066"/>
+          </a:xfrm>
+          <a:prstGeom prst="rect">
+            <a:avLst/>
+          </a:prstGeom>
+          <a:solidFill>
+            <a:srgbClr val="FF0000">
+              <a:alpha val="35000"/>
+            </a:srgbClr>
+          </a:solidFill>
+          <a:ln w="12700">
+            <a:noFill/>
+          </a:ln>
+        </p:spPr>
+        <p:style>
+          <a:lnRef idx="2">
+            <a:schemeClr val="accent1">
+              <a:shade val="50000"/>
+            </a:schemeClr>
+          </a:lnRef>
+          <a:fillRef idx="1">
+            <a:schemeClr val="accent1"/>
+          </a:fillRef>
+          <a:effectRef idx="0">
+            <a:schemeClr val="accent1"/>
+          </a:effectRef>
+          <a:fontRef idx="minor">
+            <a:schemeClr val="lt1"/>
+          </a:fontRef>
+        </p:style>
+        <p:txBody>
+          <a:bodyPr rtlCol="0" anchor="ctr"/>
+          <a:lstStyle/>
+          <a:p>
+            <a:pPr algn="ctr"/>
+            <a:endParaRPr kumimoji="1" lang="ja-JP" altLang="en-US"/>
+          </a:p>
+        </p:txBody>
+      </p:sp>
+      <p:sp>
+        <p:nvSpPr>
+          <p:cNvPr id="20" name="正方形/長方形 19"/>
+          <p:cNvSpPr/>
+          <p:nvPr/>
+        </p:nvSpPr>
+        <p:spPr>
+          <a:xfrm>
+            <a:off x="236912" y="4268585"/>
+            <a:ext cx="87283" cy="103910"/>
+          </a:xfrm>
+          <a:prstGeom prst="rect">
+            <a:avLst/>
+          </a:prstGeom>
+          <a:solidFill>
+            <a:srgbClr val="00B050">
+              <a:alpha val="35000"/>
+            </a:srgbClr>
+          </a:solidFill>
+          <a:ln w="12700">
+            <a:noFill/>
+          </a:ln>
+        </p:spPr>
+        <p:style>
+          <a:lnRef idx="2">
+            <a:schemeClr val="accent1">
+              <a:shade val="50000"/>
+            </a:schemeClr>
+          </a:lnRef>
+          <a:fillRef idx="1">
+            <a:schemeClr val="accent1"/>
+          </a:fillRef>
+          <a:effectRef idx="0">
+            <a:schemeClr val="accent1"/>
+          </a:effectRef>
+          <a:fontRef idx="minor">
+            <a:schemeClr val="lt1"/>
+          </a:fontRef>
+        </p:style>
+        <p:txBody>
+          <a:bodyPr rtlCol="0" anchor="ctr"/>
+          <a:lstStyle/>
+          <a:p>
+            <a:pPr algn="ctr"/>
+            <a:endParaRPr kumimoji="1" lang="ja-JP" altLang="en-US"/>
+          </a:p>
+        </p:txBody>
+      </p:sp>
+      <p:sp>
+        <p:nvSpPr>
+          <p:cNvPr id="21" name="正方形/長方形 20"/>
+          <p:cNvSpPr/>
+          <p:nvPr/>
+        </p:nvSpPr>
+        <p:spPr>
+          <a:xfrm>
+            <a:off x="3332017" y="3969327"/>
+            <a:ext cx="87283" cy="108066"/>
+          </a:xfrm>
+          <a:prstGeom prst="rect">
+            <a:avLst/>
+          </a:prstGeom>
+          <a:solidFill>
+            <a:srgbClr val="00B050">
+              <a:alpha val="35000"/>
+            </a:srgbClr>
+          </a:solidFill>
+          <a:ln w="12700">
+            <a:noFill/>
+          </a:ln>
+        </p:spPr>
+        <p:style>
+          <a:lnRef idx="2">
+            <a:schemeClr val="accent1">
+              <a:shade val="50000"/>
+            </a:schemeClr>
+          </a:lnRef>
+          <a:fillRef idx="1">
+            <a:schemeClr val="accent1"/>
+          </a:fillRef>
+          <a:effectRef idx="0">
+            <a:schemeClr val="accent1"/>
+          </a:effectRef>
+          <a:fontRef idx="minor">
+            <a:schemeClr val="lt1"/>
+          </a:fontRef>
+        </p:style>
+        <p:txBody>
+          <a:bodyPr rtlCol="0" anchor="ctr"/>
+          <a:lstStyle/>
+          <a:p>
+            <a:pPr algn="ctr"/>
+            <a:endParaRPr kumimoji="1" lang="ja-JP" altLang="en-US"/>
+          </a:p>
+        </p:txBody>
+      </p:sp>
+      <p:sp>
+        <p:nvSpPr>
+          <p:cNvPr id="22" name="正方形/長方形 21"/>
+          <p:cNvSpPr/>
+          <p:nvPr/>
+        </p:nvSpPr>
+        <p:spPr>
+          <a:xfrm>
+            <a:off x="6435434" y="4160519"/>
+            <a:ext cx="87283" cy="108066"/>
+          </a:xfrm>
+          <a:prstGeom prst="rect">
+            <a:avLst/>
+          </a:prstGeom>
+          <a:solidFill>
+            <a:srgbClr val="00B050">
+              <a:alpha val="35000"/>
+            </a:srgbClr>
+          </a:solidFill>
+          <a:ln w="12700">
+            <a:noFill/>
+          </a:ln>
+        </p:spPr>
+        <p:style>
+          <a:lnRef idx="2">
+            <a:schemeClr val="accent1">
+              <a:shade val="50000"/>
+            </a:schemeClr>
+          </a:lnRef>
+          <a:fillRef idx="1">
+            <a:schemeClr val="accent1"/>
+          </a:fillRef>
+          <a:effectRef idx="0">
+            <a:schemeClr val="accent1"/>
+          </a:effectRef>
+          <a:fontRef idx="minor">
+            <a:schemeClr val="lt1"/>
+          </a:fontRef>
+        </p:style>
+        <p:txBody>
+          <a:bodyPr rtlCol="0" anchor="ctr"/>
+          <a:lstStyle/>
+          <a:p>
+            <a:pPr algn="ctr"/>
+            <a:endParaRPr kumimoji="1" lang="ja-JP" altLang="en-US"/>
+          </a:p>
+        </p:txBody>
+      </p:sp>
+      <p:sp>
+        <p:nvSpPr>
+          <p:cNvPr id="23" name="正方形/長方形 22"/>
+          <p:cNvSpPr/>
+          <p:nvPr/>
+        </p:nvSpPr>
+        <p:spPr>
+          <a:xfrm>
+            <a:off x="3117273" y="4268585"/>
+            <a:ext cx="302027" cy="117148"/>
+          </a:xfrm>
+          <a:prstGeom prst="rect">
+            <a:avLst/>
+          </a:prstGeom>
+          <a:solidFill>
+            <a:srgbClr val="00B050">
+              <a:alpha val="35000"/>
+            </a:srgbClr>
+          </a:solidFill>
+          <a:ln w="12700">
+            <a:noFill/>
+          </a:ln>
+        </p:spPr>
+        <p:style>
+          <a:lnRef idx="2">
+            <a:schemeClr val="accent1">
+              <a:shade val="50000"/>
+            </a:schemeClr>
+          </a:lnRef>
+          <a:fillRef idx="1">
+            <a:schemeClr val="accent1"/>
+          </a:fillRef>
+          <a:effectRef idx="0">
+            <a:schemeClr val="accent1"/>
+          </a:effectRef>
+          <a:fontRef idx="minor">
+            <a:schemeClr val="lt1"/>
+          </a:fontRef>
+        </p:style>
+        <p:txBody>
+          <a:bodyPr rtlCol="0" anchor="ctr"/>
+          <a:lstStyle/>
+          <a:p>
+            <a:pPr algn="ctr"/>
+            <a:endParaRPr kumimoji="1" lang="ja-JP" altLang="en-US"/>
+          </a:p>
+        </p:txBody>
+      </p:sp>
+      <p:sp>
+        <p:nvSpPr>
+          <p:cNvPr id="24" name="正方形/長方形 23"/>
+          <p:cNvSpPr/>
+          <p:nvPr/>
+        </p:nvSpPr>
+        <p:spPr>
+          <a:xfrm>
+            <a:off x="3199376" y="5343698"/>
+            <a:ext cx="219924" cy="96135"/>
+          </a:xfrm>
+          <a:prstGeom prst="rect">
+            <a:avLst/>
+          </a:prstGeom>
+          <a:solidFill>
+            <a:srgbClr val="00B050">
+              <a:alpha val="35000"/>
+            </a:srgbClr>
+          </a:solidFill>
+          <a:ln w="12700">
+            <a:noFill/>
+          </a:ln>
+        </p:spPr>
+        <p:style>
+          <a:lnRef idx="2">
+            <a:schemeClr val="accent1">
+              <a:shade val="50000"/>
+            </a:schemeClr>
+          </a:lnRef>
+          <a:fillRef idx="1">
+            <a:schemeClr val="accent1"/>
+          </a:fillRef>
+          <a:effectRef idx="0">
+            <a:schemeClr val="accent1"/>
+          </a:effectRef>
+          <a:fontRef idx="minor">
+            <a:schemeClr val="lt1"/>
+          </a:fontRef>
+        </p:style>
+        <p:txBody>
+          <a:bodyPr rtlCol="0" anchor="ctr"/>
+          <a:lstStyle/>
+          <a:p>
+            <a:pPr algn="ctr"/>
+            <a:endParaRPr kumimoji="1" lang="ja-JP" altLang="en-US"/>
+          </a:p>
+        </p:txBody>
+      </p:sp>
+      <p:sp>
+        <p:nvSpPr>
+          <p:cNvPr id="25" name="正方形/長方形 24"/>
+          <p:cNvSpPr/>
+          <p:nvPr/>
+        </p:nvSpPr>
+        <p:spPr>
+          <a:xfrm>
+            <a:off x="22168" y="4755418"/>
+            <a:ext cx="302027" cy="117148"/>
+          </a:xfrm>
+          <a:prstGeom prst="rect">
+            <a:avLst/>
+          </a:prstGeom>
+          <a:solidFill>
+            <a:srgbClr val="00B050">
+              <a:alpha val="35000"/>
+            </a:srgbClr>
+          </a:solidFill>
+          <a:ln w="12700">
+            <a:noFill/>
+          </a:ln>
+        </p:spPr>
+        <p:style>
+          <a:lnRef idx="2">
+            <a:schemeClr val="accent1">
+              <a:shade val="50000"/>
+            </a:schemeClr>
+          </a:lnRef>
+          <a:fillRef idx="1">
+            <a:schemeClr val="accent1"/>
+          </a:fillRef>
+          <a:effectRef idx="0">
+            <a:schemeClr val="accent1"/>
+          </a:effectRef>
+          <a:fontRef idx="minor">
+            <a:schemeClr val="lt1"/>
+          </a:fontRef>
+        </p:style>
+        <p:txBody>
+          <a:bodyPr rtlCol="0" anchor="ctr"/>
+          <a:lstStyle/>
+          <a:p>
+            <a:pPr algn="ctr"/>
+            <a:endParaRPr kumimoji="1" lang="ja-JP" altLang="en-US"/>
+          </a:p>
+        </p:txBody>
+      </p:sp>
+      <p:sp>
+        <p:nvSpPr>
+          <p:cNvPr id="26" name="正方形/長方形 25"/>
+          <p:cNvSpPr/>
+          <p:nvPr/>
+        </p:nvSpPr>
+        <p:spPr>
+          <a:xfrm>
+            <a:off x="104271" y="5456767"/>
+            <a:ext cx="219924" cy="79201"/>
+          </a:xfrm>
+          <a:prstGeom prst="rect">
+            <a:avLst/>
+          </a:prstGeom>
+          <a:solidFill>
+            <a:srgbClr val="00B050">
+              <a:alpha val="35000"/>
+            </a:srgbClr>
+          </a:solidFill>
+          <a:ln w="12700">
+            <a:noFill/>
+          </a:ln>
+        </p:spPr>
+        <p:style>
+          <a:lnRef idx="2">
+            <a:schemeClr val="accent1">
+              <a:shade val="50000"/>
+            </a:schemeClr>
+          </a:lnRef>
+          <a:fillRef idx="1">
+            <a:schemeClr val="accent1"/>
+          </a:fillRef>
+          <a:effectRef idx="0">
+            <a:schemeClr val="accent1"/>
+          </a:effectRef>
+          <a:fontRef idx="minor">
+            <a:schemeClr val="lt1"/>
+          </a:fontRef>
+        </p:style>
+        <p:txBody>
+          <a:bodyPr rtlCol="0" anchor="ctr"/>
+          <a:lstStyle/>
+          <a:p>
+            <a:pPr algn="ctr"/>
+            <a:endParaRPr kumimoji="1" lang="ja-JP" altLang="en-US"/>
+          </a:p>
+        </p:txBody>
+      </p:sp>
+      <p:sp>
+        <p:nvSpPr>
+          <p:cNvPr id="27" name="正方形/長方形 26"/>
+          <p:cNvSpPr/>
+          <p:nvPr/>
+        </p:nvSpPr>
+        <p:spPr>
+          <a:xfrm>
+            <a:off x="22168" y="5355167"/>
+            <a:ext cx="302027" cy="101600"/>
+          </a:xfrm>
+          <a:prstGeom prst="rect">
+            <a:avLst/>
+          </a:prstGeom>
+          <a:solidFill>
+            <a:srgbClr val="00B050">
+              <a:alpha val="35000"/>
+            </a:srgbClr>
+          </a:solidFill>
+          <a:ln w="12700">
+            <a:noFill/>
+          </a:ln>
+        </p:spPr>
+        <p:style>
+          <a:lnRef idx="2">
+            <a:schemeClr val="accent1">
+              <a:shade val="50000"/>
+            </a:schemeClr>
+          </a:lnRef>
+          <a:fillRef idx="1">
+            <a:schemeClr val="accent1"/>
+          </a:fillRef>
+          <a:effectRef idx="0">
+            <a:schemeClr val="accent1"/>
+          </a:effectRef>
+          <a:fontRef idx="minor">
+            <a:schemeClr val="lt1"/>
+          </a:fontRef>
+        </p:style>
+        <p:txBody>
+          <a:bodyPr rtlCol="0" anchor="ctr"/>
+          <a:lstStyle/>
+          <a:p>
+            <a:pPr algn="ctr"/>
+            <a:endParaRPr kumimoji="1" lang="ja-JP" altLang="en-US"/>
+          </a:p>
+        </p:txBody>
+      </p:sp>
+      <p:sp>
+        <p:nvSpPr>
+          <p:cNvPr id="28" name="正方形/長方形 27"/>
+          <p:cNvSpPr/>
+          <p:nvPr/>
+        </p:nvSpPr>
+        <p:spPr>
+          <a:xfrm>
+            <a:off x="6220690" y="5644419"/>
+            <a:ext cx="302027" cy="117148"/>
+          </a:xfrm>
+          <a:prstGeom prst="rect">
+            <a:avLst/>
+          </a:prstGeom>
+          <a:solidFill>
+            <a:srgbClr val="00B050">
+              <a:alpha val="35000"/>
+            </a:srgbClr>
+          </a:solidFill>
+          <a:ln w="12700">
+            <a:noFill/>
+          </a:ln>
+        </p:spPr>
+        <p:style>
+          <a:lnRef idx="2">
+            <a:schemeClr val="accent1">
+              <a:shade val="50000"/>
+            </a:schemeClr>
+          </a:lnRef>
+          <a:fillRef idx="1">
+            <a:schemeClr val="accent1"/>
+          </a:fillRef>
+          <a:effectRef idx="0">
+            <a:schemeClr val="accent1"/>
+          </a:effectRef>
+          <a:fontRef idx="minor">
+            <a:schemeClr val="lt1"/>
+          </a:fontRef>
+        </p:style>
+        <p:txBody>
+          <a:bodyPr rtlCol="0" anchor="ctr"/>
+          <a:lstStyle/>
+          <a:p>
+            <a:pPr algn="ctr"/>
+            <a:endParaRPr kumimoji="1" lang="ja-JP" altLang="en-US"/>
+          </a:p>
+        </p:txBody>
+      </p:sp>
+    </p:spTree>
+    <p:extLst>
+      <p:ext uri="{BB962C8B-B14F-4D97-AF65-F5344CB8AC3E}">
+        <p14:creationId xmlns:p14="http://schemas.microsoft.com/office/powerpoint/2010/main" val="1630630443"/>
+      </p:ext>
+    </p:extLst>
+  </p:cSld>
+  <p:clrMapOvr>
+    <a:masterClrMapping/>
+  </p:clrMapOvr>
+  <p:timing>
+    <p:tnLst>
+      <p:par>
+        <p:cTn id="1" dur="indefinite" restart="never" nodeType="tmRoot"/>
+      </p:par>
+    </p:tnLst>
+  </p:timing>
 </p:sld>
 </file>
 

--- a/Presen/素材.pptx
+++ b/Presen/素材.pptx
@@ -5,16 +5,19 @@
     <p:sldMasterId id="2147483701" r:id="rId1"/>
   </p:sldMasterIdLst>
   <p:notesMasterIdLst>
-    <p:notesMasterId r:id="rId6"/>
+    <p:notesMasterId r:id="rId9"/>
   </p:notesMasterIdLst>
   <p:handoutMasterIdLst>
-    <p:handoutMasterId r:id="rId7"/>
+    <p:handoutMasterId r:id="rId10"/>
   </p:handoutMasterIdLst>
   <p:sldIdLst>
     <p:sldId id="283" r:id="rId2"/>
     <p:sldId id="284" r:id="rId3"/>
     <p:sldId id="285" r:id="rId4"/>
     <p:sldId id="286" r:id="rId5"/>
+    <p:sldId id="287" r:id="rId6"/>
+    <p:sldId id="289" r:id="rId7"/>
+    <p:sldId id="288" r:id="rId8"/>
   </p:sldIdLst>
   <p:sldSz cx="9144000" cy="6858000" type="screen4x3"/>
   <p:notesSz cx="6802438" cy="9934575"/>
@@ -218,7 +221,7 @@
           <a:p>
             <a:fld id="{1A135487-3B0B-4099-A9AF-A1DD3FB96830}" type="datetimeFigureOut">
               <a:rPr kumimoji="1" lang="ja-JP" altLang="en-US" smtClean="0"/>
-              <a:t>2021/11/2</a:t>
+              <a:t>2021/11/16</a:t>
             </a:fld>
             <a:endParaRPr kumimoji="1" lang="ja-JP" altLang="en-US"/>
           </a:p>
@@ -383,7 +386,7 @@
           <a:p>
             <a:fld id="{311F266F-543F-491F-AAE1-BD3B073CB50F}" type="datetimeFigureOut">
               <a:rPr kumimoji="1" lang="ja-JP" altLang="en-US" smtClean="0"/>
-              <a:t>2021/11/2</a:t>
+              <a:t>2021/11/16</a:t>
             </a:fld>
             <a:endParaRPr kumimoji="1" lang="ja-JP" altLang="en-US"/>
           </a:p>
@@ -1427,7 +1430,7 @@
           <a:p>
             <a:fld id="{6EF8C076-2BBF-4B38-83E1-4ECAE93235BF}" type="datetime1">
               <a:rPr kumimoji="1" lang="ja-JP" altLang="en-US" smtClean="0"/>
-              <a:t>2021/11/2</a:t>
+              <a:t>2021/11/16</a:t>
             </a:fld>
             <a:endParaRPr kumimoji="1" lang="ja-JP" altLang="en-US"/>
           </a:p>
@@ -1725,7 +1728,7 @@
           <a:p>
             <a:fld id="{D79729C8-6443-4713-958D-FB0AA1851F46}" type="datetime1">
               <a:rPr kumimoji="1" lang="ja-JP" altLang="en-US" smtClean="0"/>
-              <a:t>2021/11/2</a:t>
+              <a:t>2021/11/16</a:t>
             </a:fld>
             <a:endParaRPr kumimoji="1" lang="ja-JP" altLang="en-US"/>
           </a:p>
@@ -1935,7 +1938,7 @@
           <a:p>
             <a:fld id="{04765AF4-C7A1-429A-A652-B34B2E76344F}" type="datetime1">
               <a:rPr kumimoji="1" lang="ja-JP" altLang="en-US" smtClean="0"/>
-              <a:t>2021/11/2</a:t>
+              <a:t>2021/11/16</a:t>
             </a:fld>
             <a:endParaRPr kumimoji="1" lang="ja-JP" altLang="en-US"/>
           </a:p>
@@ -2298,7 +2301,7 @@
           <a:p>
             <a:fld id="{209CC299-5D92-41D8-9419-B5FAF20B7E17}" type="datetime1">
               <a:rPr kumimoji="1" lang="ja-JP" altLang="en-US" smtClean="0"/>
-              <a:t>2021/11/2</a:t>
+              <a:t>2021/11/16</a:t>
             </a:fld>
             <a:endParaRPr kumimoji="1" lang="ja-JP" altLang="en-US"/>
           </a:p>
@@ -2543,7 +2546,7 @@
           <a:p>
             <a:fld id="{4BAC7283-620A-4653-9F1E-039F3D362187}" type="datetime1">
               <a:rPr kumimoji="1" lang="ja-JP" altLang="en-US" smtClean="0"/>
-              <a:t>2021/11/2</a:t>
+              <a:t>2021/11/16</a:t>
             </a:fld>
             <a:endParaRPr kumimoji="1" lang="ja-JP" altLang="en-US"/>
           </a:p>
@@ -2836,7 +2839,7 @@
           <a:p>
             <a:fld id="{4A4EE016-2822-4458-8F57-5398A5932203}" type="datetime1">
               <a:rPr kumimoji="1" lang="ja-JP" altLang="en-US" smtClean="0"/>
-              <a:t>2021/11/2</a:t>
+              <a:t>2021/11/16</a:t>
             </a:fld>
             <a:endParaRPr kumimoji="1" lang="ja-JP" altLang="en-US"/>
           </a:p>
@@ -3264,7 +3267,7 @@
           <a:p>
             <a:fld id="{207670B6-8429-442F-B6A6-B12A4387D506}" type="datetime1">
               <a:rPr kumimoji="1" lang="ja-JP" altLang="en-US" smtClean="0"/>
-              <a:t>2021/11/2</a:t>
+              <a:t>2021/11/16</a:t>
             </a:fld>
             <a:endParaRPr kumimoji="1" lang="ja-JP" altLang="en-US"/>
           </a:p>
@@ -3381,7 +3384,7 @@
           <a:p>
             <a:fld id="{F95E6910-53D1-4B71-85DF-BB7B54297707}" type="datetime1">
               <a:rPr kumimoji="1" lang="ja-JP" altLang="en-US" smtClean="0"/>
-              <a:t>2021/11/2</a:t>
+              <a:t>2021/11/16</a:t>
             </a:fld>
             <a:endParaRPr kumimoji="1" lang="ja-JP" altLang="en-US"/>
           </a:p>
@@ -3476,7 +3479,7 @@
           <a:p>
             <a:fld id="{0AE48976-5A13-4B17-B57A-22956F6F3A86}" type="datetime1">
               <a:rPr kumimoji="1" lang="ja-JP" altLang="en-US" smtClean="0"/>
-              <a:t>2021/11/2</a:t>
+              <a:t>2021/11/16</a:t>
             </a:fld>
             <a:endParaRPr kumimoji="1" lang="ja-JP" altLang="en-US"/>
           </a:p>
@@ -3783,7 +3786,7 @@
           <a:p>
             <a:fld id="{902C1540-8895-4E63-AC78-3D7ADA2A0F06}" type="datetime1">
               <a:rPr kumimoji="1" lang="ja-JP" altLang="en-US" smtClean="0"/>
-              <a:t>2021/11/2</a:t>
+              <a:t>2021/11/16</a:t>
             </a:fld>
             <a:endParaRPr kumimoji="1" lang="ja-JP" altLang="en-US"/>
           </a:p>
@@ -4035,7 +4038,7 @@
           <a:p>
             <a:fld id="{D6464D58-E288-4AF7-9E7F-3530E4C812DB}" type="datetime1">
               <a:rPr kumimoji="1" lang="ja-JP" altLang="en-US" smtClean="0"/>
-              <a:t>2021/11/2</a:t>
+              <a:t>2021/11/16</a:t>
             </a:fld>
             <a:endParaRPr kumimoji="1" lang="ja-JP" altLang="en-US"/>
           </a:p>
@@ -4285,7 +4288,7 @@
             <a:fld id="{3B819935-A763-4BCA-8969-272AE3AC709B}" type="datetime1">
               <a:rPr lang="ja-JP" altLang="en-US" smtClean="0"/>
               <a:pPr/>
-              <a:t>2021/11/2</a:t>
+              <a:t>2021/11/16</a:t>
             </a:fld>
             <a:endParaRPr lang="ja-JP" altLang="en-US"/>
           </a:p>
@@ -17705,6 +17708,719 @@
       </p:par>
     </p:tnLst>
   </p:timing>
+</p:sld>
+</file>
+
+<file path=ppt/slides/slide5.xml><?xml version="1.0" encoding="utf-8"?>
+<p:sld xmlns:a="http://schemas.openxmlformats.org/drawingml/2006/main" xmlns:r="http://schemas.openxmlformats.org/officeDocument/2006/relationships" xmlns:p="http://schemas.openxmlformats.org/presentationml/2006/main">
+  <p:cSld>
+    <p:spTree>
+      <p:nvGrpSpPr>
+        <p:cNvPr id="1" name=""/>
+        <p:cNvGrpSpPr/>
+        <p:nvPr/>
+      </p:nvGrpSpPr>
+      <p:grpSpPr>
+        <a:xfrm>
+          <a:off x="0" y="0"/>
+          <a:ext cx="0" cy="0"/>
+          <a:chOff x="0" y="0"/>
+          <a:chExt cx="0" cy="0"/>
+        </a:xfrm>
+      </p:grpSpPr>
+      <p:sp>
+        <p:nvSpPr>
+          <p:cNvPr id="2" name="タイトル 1"/>
+          <p:cNvSpPr>
+            <a:spLocks noGrp="1"/>
+          </p:cNvSpPr>
+          <p:nvPr>
+            <p:ph type="title"/>
+          </p:nvPr>
+        </p:nvSpPr>
+        <p:spPr/>
+        <p:txBody>
+          <a:bodyPr>
+            <a:normAutofit fontScale="90000"/>
+          </a:bodyPr>
+          <a:lstStyle/>
+          <a:p>
+            <a:r>
+              <a:rPr kumimoji="1" lang="en-US" altLang="ja-JP" dirty="0" smtClean="0"/>
+              <a:t>ROC</a:t>
+            </a:r>
+            <a:r>
+              <a:rPr kumimoji="1" lang="ja-JP" altLang="en-US" dirty="0" smtClean="0"/>
+              <a:t>曲線</a:t>
+            </a:r>
+            <a:r>
+              <a:rPr kumimoji="1" lang="en-US" altLang="ja-JP" dirty="0" smtClean="0"/>
+              <a:t>(</a:t>
+            </a:r>
+            <a:r>
+              <a:rPr lang="en-US" altLang="ja-JP" dirty="0"/>
+              <a:t>Cities: Skylines</a:t>
+            </a:r>
+            <a:r>
+              <a:rPr kumimoji="1" lang="en-US" altLang="ja-JP" dirty="0" smtClean="0"/>
+              <a:t>)</a:t>
+            </a:r>
+            <a:endParaRPr kumimoji="1" lang="ja-JP" altLang="en-US" dirty="0"/>
+          </a:p>
+        </p:txBody>
+      </p:sp>
+      <p:sp>
+        <p:nvSpPr>
+          <p:cNvPr id="4" name="スライド番号プレースホルダー 3"/>
+          <p:cNvSpPr>
+            <a:spLocks noGrp="1"/>
+          </p:cNvSpPr>
+          <p:nvPr>
+            <p:ph type="sldNum" sz="quarter" idx="12"/>
+          </p:nvPr>
+        </p:nvSpPr>
+        <p:spPr/>
+        <p:txBody>
+          <a:bodyPr/>
+          <a:lstStyle/>
+          <a:p>
+            <a:fld id="{310E90F2-0F65-4717-A352-08170F7BDCAA}" type="slidenum">
+              <a:rPr kumimoji="1" lang="ja-JP" altLang="en-US" smtClean="0"/>
+              <a:t>4</a:t>
+            </a:fld>
+            <a:endParaRPr kumimoji="1" lang="ja-JP" altLang="en-US" dirty="0"/>
+          </a:p>
+        </p:txBody>
+      </p:sp>
+      <p:pic>
+        <p:nvPicPr>
+          <p:cNvPr id="10" name="図 9"/>
+          <p:cNvPicPr>
+            <a:picLocks noChangeAspect="1"/>
+          </p:cNvPicPr>
+          <p:nvPr/>
+        </p:nvPicPr>
+        <p:blipFill>
+          <a:blip r:embed="rId2" cstate="print">
+            <a:extLst>
+              <a:ext uri="{28A0092B-C50C-407E-A947-70E740481C1C}">
+                <a14:useLocalDpi xmlns:a14="http://schemas.microsoft.com/office/drawing/2010/main" val="0"/>
+              </a:ext>
+            </a:extLst>
+          </a:blip>
+          <a:stretch>
+            <a:fillRect/>
+          </a:stretch>
+        </p:blipFill>
+        <p:spPr>
+          <a:xfrm>
+            <a:off x="4896269" y="1830407"/>
+            <a:ext cx="4125072" cy="3105054"/>
+          </a:xfrm>
+          <a:prstGeom prst="rect">
+            <a:avLst/>
+          </a:prstGeom>
+        </p:spPr>
+      </p:pic>
+      <p:pic>
+        <p:nvPicPr>
+          <p:cNvPr id="11" name="図 10"/>
+          <p:cNvPicPr>
+            <a:picLocks noChangeAspect="1"/>
+          </p:cNvPicPr>
+          <p:nvPr/>
+        </p:nvPicPr>
+        <p:blipFill>
+          <a:blip r:embed="rId3" cstate="print">
+            <a:extLst>
+              <a:ext uri="{28A0092B-C50C-407E-A947-70E740481C1C}">
+                <a14:useLocalDpi xmlns:a14="http://schemas.microsoft.com/office/drawing/2010/main" val="0"/>
+              </a:ext>
+            </a:extLst>
+          </a:blip>
+          <a:stretch>
+            <a:fillRect/>
+          </a:stretch>
+        </p:blipFill>
+        <p:spPr>
+          <a:xfrm>
+            <a:off x="154517" y="1830407"/>
+            <a:ext cx="4125072" cy="3105054"/>
+          </a:xfrm>
+          <a:prstGeom prst="rect">
+            <a:avLst/>
+          </a:prstGeom>
+        </p:spPr>
+      </p:pic>
+      <p:sp>
+        <p:nvSpPr>
+          <p:cNvPr id="14" name="テキスト ボックス 13"/>
+          <p:cNvSpPr txBox="1"/>
+          <p:nvPr/>
+        </p:nvSpPr>
+        <p:spPr>
+          <a:xfrm>
+            <a:off x="154517" y="1214854"/>
+            <a:ext cx="4116916" cy="615553"/>
+          </a:xfrm>
+          <a:prstGeom prst="rect">
+            <a:avLst/>
+          </a:prstGeom>
+          <a:noFill/>
+        </p:spPr>
+        <p:txBody>
+          <a:bodyPr wrap="square" rtlCol="0">
+            <a:spAutoFit/>
+          </a:bodyPr>
+          <a:lstStyle/>
+          <a:p>
+            <a:r>
+              <a:rPr kumimoji="1" lang="ja-JP" altLang="en-US" dirty="0" smtClean="0"/>
+              <a:t>既存手法</a:t>
+            </a:r>
+            <a:r>
+              <a:rPr kumimoji="1" lang="en-US" altLang="ja-JP" dirty="0" smtClean="0"/>
+              <a:t/>
+            </a:r>
+            <a:br>
+              <a:rPr kumimoji="1" lang="en-US" altLang="ja-JP" dirty="0" smtClean="0"/>
+            </a:br>
+            <a:r>
+              <a:rPr kumimoji="1" lang="en-US" altLang="ja-JP" sz="1600" dirty="0" smtClean="0"/>
+              <a:t>(</a:t>
+            </a:r>
+            <a:r>
+              <a:rPr kumimoji="1" lang="ja-JP" altLang="en-US" sz="1600" dirty="0" smtClean="0"/>
+              <a:t>教師データ</a:t>
+            </a:r>
+            <a:r>
+              <a:rPr kumimoji="1" lang="en-US" altLang="ja-JP" sz="1600" dirty="0" smtClean="0"/>
+              <a:t>:review</a:t>
+            </a:r>
+            <a:r>
+              <a:rPr kumimoji="1" lang="ja-JP" altLang="en-US" sz="1600" dirty="0" err="1" smtClean="0"/>
+              <a:t>，</a:t>
+            </a:r>
+            <a:r>
+              <a:rPr kumimoji="1" lang="ja-JP" altLang="en-US" sz="1600" dirty="0" smtClean="0"/>
+              <a:t>テストデータ</a:t>
+            </a:r>
+            <a:r>
+              <a:rPr kumimoji="1" lang="en-US" altLang="ja-JP" sz="1600" dirty="0" smtClean="0"/>
+              <a:t>:review)</a:t>
+            </a:r>
+            <a:endParaRPr kumimoji="1" lang="ja-JP" altLang="en-US" sz="1600" dirty="0"/>
+          </a:p>
+        </p:txBody>
+      </p:sp>
+      <p:sp>
+        <p:nvSpPr>
+          <p:cNvPr id="15" name="テキスト ボックス 14"/>
+          <p:cNvSpPr txBox="1"/>
+          <p:nvPr/>
+        </p:nvSpPr>
+        <p:spPr>
+          <a:xfrm>
+            <a:off x="4896269" y="1214854"/>
+            <a:ext cx="4116916" cy="615553"/>
+          </a:xfrm>
+          <a:prstGeom prst="rect">
+            <a:avLst/>
+          </a:prstGeom>
+          <a:noFill/>
+        </p:spPr>
+        <p:txBody>
+          <a:bodyPr wrap="square" rtlCol="0">
+            <a:spAutoFit/>
+          </a:bodyPr>
+          <a:lstStyle/>
+          <a:p>
+            <a:r>
+              <a:rPr lang="ja-JP" altLang="en-US" dirty="0"/>
+              <a:t>提案</a:t>
+            </a:r>
+            <a:r>
+              <a:rPr kumimoji="1" lang="ja-JP" altLang="en-US" dirty="0" smtClean="0"/>
+              <a:t>手法</a:t>
+            </a:r>
+            <a:r>
+              <a:rPr kumimoji="1" lang="en-US" altLang="ja-JP" dirty="0" smtClean="0"/>
+              <a:t/>
+            </a:r>
+            <a:br>
+              <a:rPr kumimoji="1" lang="en-US" altLang="ja-JP" dirty="0" smtClean="0"/>
+            </a:br>
+            <a:r>
+              <a:rPr kumimoji="1" lang="en-US" altLang="ja-JP" sz="1600" dirty="0" smtClean="0"/>
+              <a:t>(</a:t>
+            </a:r>
+            <a:r>
+              <a:rPr kumimoji="1" lang="ja-JP" altLang="en-US" sz="1600" dirty="0" smtClean="0"/>
+              <a:t>教師データ</a:t>
+            </a:r>
+            <a:r>
+              <a:rPr kumimoji="1" lang="en-US" altLang="ja-JP" sz="1600" dirty="0" smtClean="0"/>
+              <a:t>:forum</a:t>
+            </a:r>
+            <a:r>
+              <a:rPr kumimoji="1" lang="ja-JP" altLang="en-US" sz="1600" dirty="0" err="1" smtClean="0"/>
+              <a:t>，</a:t>
+            </a:r>
+            <a:r>
+              <a:rPr kumimoji="1" lang="ja-JP" altLang="en-US" sz="1600" dirty="0" smtClean="0"/>
+              <a:t>テストデータ</a:t>
+            </a:r>
+            <a:r>
+              <a:rPr kumimoji="1" lang="en-US" altLang="ja-JP" sz="1600" dirty="0" smtClean="0"/>
+              <a:t>:review)</a:t>
+            </a:r>
+            <a:endParaRPr kumimoji="1" lang="ja-JP" altLang="en-US" sz="1600" dirty="0"/>
+          </a:p>
+        </p:txBody>
+      </p:sp>
+    </p:spTree>
+    <p:extLst>
+      <p:ext uri="{BB962C8B-B14F-4D97-AF65-F5344CB8AC3E}">
+        <p14:creationId xmlns:p14="http://schemas.microsoft.com/office/powerpoint/2010/main" val="202649390"/>
+      </p:ext>
+    </p:extLst>
+  </p:cSld>
+  <p:clrMapOvr>
+    <a:masterClrMapping/>
+  </p:clrMapOvr>
+</p:sld>
+</file>
+
+<file path=ppt/slides/slide6.xml><?xml version="1.0" encoding="utf-8"?>
+<p:sld xmlns:a="http://schemas.openxmlformats.org/drawingml/2006/main" xmlns:r="http://schemas.openxmlformats.org/officeDocument/2006/relationships" xmlns:p="http://schemas.openxmlformats.org/presentationml/2006/main">
+  <p:cSld>
+    <p:spTree>
+      <p:nvGrpSpPr>
+        <p:cNvPr id="1" name=""/>
+        <p:cNvGrpSpPr/>
+        <p:nvPr/>
+      </p:nvGrpSpPr>
+      <p:grpSpPr>
+        <a:xfrm>
+          <a:off x="0" y="0"/>
+          <a:ext cx="0" cy="0"/>
+          <a:chOff x="0" y="0"/>
+          <a:chExt cx="0" cy="0"/>
+        </a:xfrm>
+      </p:grpSpPr>
+      <p:sp>
+        <p:nvSpPr>
+          <p:cNvPr id="2" name="タイトル 1"/>
+          <p:cNvSpPr>
+            <a:spLocks noGrp="1"/>
+          </p:cNvSpPr>
+          <p:nvPr>
+            <p:ph type="title"/>
+          </p:nvPr>
+        </p:nvSpPr>
+        <p:spPr/>
+        <p:txBody>
+          <a:bodyPr>
+            <a:normAutofit fontScale="90000"/>
+          </a:bodyPr>
+          <a:lstStyle/>
+          <a:p>
+            <a:r>
+              <a:rPr lang="en-US" altLang="ja-JP" dirty="0"/>
+              <a:t>ROC</a:t>
+            </a:r>
+            <a:r>
+              <a:rPr lang="ja-JP" altLang="en-US" dirty="0"/>
+              <a:t>曲線</a:t>
+            </a:r>
+            <a:r>
+              <a:rPr lang="en-US" altLang="ja-JP" dirty="0" smtClean="0"/>
+              <a:t>(</a:t>
+            </a:r>
+            <a:r>
+              <a:rPr lang="en-US" altLang="ja-JP" dirty="0"/>
+              <a:t>Euro truck sim</a:t>
+            </a:r>
+            <a:r>
+              <a:rPr lang="en-US" altLang="ja-JP" dirty="0" smtClean="0"/>
+              <a:t>)</a:t>
+            </a:r>
+            <a:endParaRPr kumimoji="1" lang="ja-JP" altLang="en-US" dirty="0"/>
+          </a:p>
+        </p:txBody>
+      </p:sp>
+      <p:sp>
+        <p:nvSpPr>
+          <p:cNvPr id="4" name="スライド番号プレースホルダー 3"/>
+          <p:cNvSpPr>
+            <a:spLocks noGrp="1"/>
+          </p:cNvSpPr>
+          <p:nvPr>
+            <p:ph type="sldNum" sz="quarter" idx="12"/>
+          </p:nvPr>
+        </p:nvSpPr>
+        <p:spPr/>
+        <p:txBody>
+          <a:bodyPr/>
+          <a:lstStyle/>
+          <a:p>
+            <a:fld id="{310E90F2-0F65-4717-A352-08170F7BDCAA}" type="slidenum">
+              <a:rPr kumimoji="1" lang="ja-JP" altLang="en-US" smtClean="0"/>
+              <a:t>5</a:t>
+            </a:fld>
+            <a:endParaRPr kumimoji="1" lang="ja-JP" altLang="en-US" dirty="0"/>
+          </a:p>
+        </p:txBody>
+      </p:sp>
+      <p:pic>
+        <p:nvPicPr>
+          <p:cNvPr id="11" name="図 10"/>
+          <p:cNvPicPr>
+            <a:picLocks noChangeAspect="1"/>
+          </p:cNvPicPr>
+          <p:nvPr/>
+        </p:nvPicPr>
+        <p:blipFill>
+          <a:blip r:embed="rId2" cstate="print">
+            <a:extLst>
+              <a:ext uri="{28A0092B-C50C-407E-A947-70E740481C1C}">
+                <a14:useLocalDpi xmlns:a14="http://schemas.microsoft.com/office/drawing/2010/main" val="0"/>
+              </a:ext>
+            </a:extLst>
+          </a:blip>
+          <a:stretch>
+            <a:fillRect/>
+          </a:stretch>
+        </p:blipFill>
+        <p:spPr>
+          <a:xfrm>
+            <a:off x="154517" y="1830407"/>
+            <a:ext cx="4125071" cy="3105054"/>
+          </a:xfrm>
+          <a:prstGeom prst="rect">
+            <a:avLst/>
+          </a:prstGeom>
+        </p:spPr>
+      </p:pic>
+      <p:sp>
+        <p:nvSpPr>
+          <p:cNvPr id="14" name="テキスト ボックス 13"/>
+          <p:cNvSpPr txBox="1"/>
+          <p:nvPr/>
+        </p:nvSpPr>
+        <p:spPr>
+          <a:xfrm>
+            <a:off x="154517" y="1214854"/>
+            <a:ext cx="4116916" cy="615553"/>
+          </a:xfrm>
+          <a:prstGeom prst="rect">
+            <a:avLst/>
+          </a:prstGeom>
+          <a:noFill/>
+        </p:spPr>
+        <p:txBody>
+          <a:bodyPr wrap="square" rtlCol="0">
+            <a:spAutoFit/>
+          </a:bodyPr>
+          <a:lstStyle/>
+          <a:p>
+            <a:r>
+              <a:rPr kumimoji="1" lang="ja-JP" altLang="en-US" dirty="0" smtClean="0"/>
+              <a:t>既存手法</a:t>
+            </a:r>
+            <a:r>
+              <a:rPr kumimoji="1" lang="en-US" altLang="ja-JP" dirty="0" smtClean="0"/>
+              <a:t/>
+            </a:r>
+            <a:br>
+              <a:rPr kumimoji="1" lang="en-US" altLang="ja-JP" dirty="0" smtClean="0"/>
+            </a:br>
+            <a:r>
+              <a:rPr kumimoji="1" lang="en-US" altLang="ja-JP" sz="1600" dirty="0" smtClean="0"/>
+              <a:t>(</a:t>
+            </a:r>
+            <a:r>
+              <a:rPr kumimoji="1" lang="ja-JP" altLang="en-US" sz="1600" dirty="0" smtClean="0"/>
+              <a:t>教師データ</a:t>
+            </a:r>
+            <a:r>
+              <a:rPr kumimoji="1" lang="en-US" altLang="ja-JP" sz="1600" dirty="0" smtClean="0"/>
+              <a:t>:review</a:t>
+            </a:r>
+            <a:r>
+              <a:rPr kumimoji="1" lang="ja-JP" altLang="en-US" sz="1600" dirty="0" err="1" smtClean="0"/>
+              <a:t>，</a:t>
+            </a:r>
+            <a:r>
+              <a:rPr kumimoji="1" lang="ja-JP" altLang="en-US" sz="1600" dirty="0" smtClean="0"/>
+              <a:t>テストデータ</a:t>
+            </a:r>
+            <a:r>
+              <a:rPr kumimoji="1" lang="en-US" altLang="ja-JP" sz="1600" dirty="0" smtClean="0"/>
+              <a:t>:review)</a:t>
+            </a:r>
+            <a:endParaRPr kumimoji="1" lang="ja-JP" altLang="en-US" sz="1600" dirty="0"/>
+          </a:p>
+        </p:txBody>
+      </p:sp>
+      <p:sp>
+        <p:nvSpPr>
+          <p:cNvPr id="15" name="テキスト ボックス 14"/>
+          <p:cNvSpPr txBox="1"/>
+          <p:nvPr/>
+        </p:nvSpPr>
+        <p:spPr>
+          <a:xfrm>
+            <a:off x="4896269" y="1214854"/>
+            <a:ext cx="4116916" cy="615553"/>
+          </a:xfrm>
+          <a:prstGeom prst="rect">
+            <a:avLst/>
+          </a:prstGeom>
+          <a:noFill/>
+        </p:spPr>
+        <p:txBody>
+          <a:bodyPr wrap="square" rtlCol="0">
+            <a:spAutoFit/>
+          </a:bodyPr>
+          <a:lstStyle/>
+          <a:p>
+            <a:r>
+              <a:rPr lang="ja-JP" altLang="en-US" dirty="0"/>
+              <a:t>提案</a:t>
+            </a:r>
+            <a:r>
+              <a:rPr kumimoji="1" lang="ja-JP" altLang="en-US" dirty="0" smtClean="0"/>
+              <a:t>手法</a:t>
+            </a:r>
+            <a:r>
+              <a:rPr kumimoji="1" lang="en-US" altLang="ja-JP" dirty="0" smtClean="0"/>
+              <a:t/>
+            </a:r>
+            <a:br>
+              <a:rPr kumimoji="1" lang="en-US" altLang="ja-JP" dirty="0" smtClean="0"/>
+            </a:br>
+            <a:r>
+              <a:rPr kumimoji="1" lang="en-US" altLang="ja-JP" sz="1600" dirty="0" smtClean="0"/>
+              <a:t>(</a:t>
+            </a:r>
+            <a:r>
+              <a:rPr kumimoji="1" lang="ja-JP" altLang="en-US" sz="1600" dirty="0" smtClean="0"/>
+              <a:t>教師データ</a:t>
+            </a:r>
+            <a:r>
+              <a:rPr kumimoji="1" lang="en-US" altLang="ja-JP" sz="1600" dirty="0" smtClean="0"/>
+              <a:t>:forum</a:t>
+            </a:r>
+            <a:r>
+              <a:rPr kumimoji="1" lang="ja-JP" altLang="en-US" sz="1600" dirty="0" err="1" smtClean="0"/>
+              <a:t>，</a:t>
+            </a:r>
+            <a:r>
+              <a:rPr kumimoji="1" lang="ja-JP" altLang="en-US" sz="1600" dirty="0" smtClean="0"/>
+              <a:t>テストデータ</a:t>
+            </a:r>
+            <a:r>
+              <a:rPr kumimoji="1" lang="en-US" altLang="ja-JP" sz="1600" dirty="0" smtClean="0"/>
+              <a:t>:review)</a:t>
+            </a:r>
+            <a:endParaRPr kumimoji="1" lang="ja-JP" altLang="en-US" sz="1600" dirty="0"/>
+          </a:p>
+        </p:txBody>
+      </p:sp>
+      <p:pic>
+        <p:nvPicPr>
+          <p:cNvPr id="12" name="図 11"/>
+          <p:cNvPicPr>
+            <a:picLocks noChangeAspect="1"/>
+          </p:cNvPicPr>
+          <p:nvPr/>
+        </p:nvPicPr>
+        <p:blipFill>
+          <a:blip r:embed="rId3" cstate="print">
+            <a:extLst>
+              <a:ext uri="{28A0092B-C50C-407E-A947-70E740481C1C}">
+                <a14:useLocalDpi xmlns:a14="http://schemas.microsoft.com/office/drawing/2010/main" val="0"/>
+              </a:ext>
+            </a:extLst>
+          </a:blip>
+          <a:stretch>
+            <a:fillRect/>
+          </a:stretch>
+        </p:blipFill>
+        <p:spPr>
+          <a:xfrm>
+            <a:off x="4896268" y="1830407"/>
+            <a:ext cx="4125071" cy="3105054"/>
+          </a:xfrm>
+          <a:prstGeom prst="rect">
+            <a:avLst/>
+          </a:prstGeom>
+        </p:spPr>
+      </p:pic>
+    </p:spTree>
+    <p:extLst>
+      <p:ext uri="{BB962C8B-B14F-4D97-AF65-F5344CB8AC3E}">
+        <p14:creationId xmlns:p14="http://schemas.microsoft.com/office/powerpoint/2010/main" val="897245755"/>
+      </p:ext>
+    </p:extLst>
+  </p:cSld>
+  <p:clrMapOvr>
+    <a:masterClrMapping/>
+  </p:clrMapOvr>
+</p:sld>
+</file>
+
+<file path=ppt/slides/slide7.xml><?xml version="1.0" encoding="utf-8"?>
+<p:sld xmlns:a="http://schemas.openxmlformats.org/drawingml/2006/main" xmlns:r="http://schemas.openxmlformats.org/officeDocument/2006/relationships" xmlns:p="http://schemas.openxmlformats.org/presentationml/2006/main">
+  <p:cSld>
+    <p:spTree>
+      <p:nvGrpSpPr>
+        <p:cNvPr id="1" name=""/>
+        <p:cNvGrpSpPr/>
+        <p:nvPr/>
+      </p:nvGrpSpPr>
+      <p:grpSpPr>
+        <a:xfrm>
+          <a:off x="0" y="0"/>
+          <a:ext cx="0" cy="0"/>
+          <a:chOff x="0" y="0"/>
+          <a:chExt cx="0" cy="0"/>
+        </a:xfrm>
+      </p:grpSpPr>
+      <p:sp>
+        <p:nvSpPr>
+          <p:cNvPr id="2" name="タイトル 1"/>
+          <p:cNvSpPr>
+            <a:spLocks noGrp="1"/>
+          </p:cNvSpPr>
+          <p:nvPr>
+            <p:ph type="title"/>
+          </p:nvPr>
+        </p:nvSpPr>
+        <p:spPr/>
+        <p:txBody>
+          <a:bodyPr>
+            <a:normAutofit fontScale="90000"/>
+          </a:bodyPr>
+          <a:lstStyle/>
+          <a:p>
+            <a:endParaRPr kumimoji="1" lang="ja-JP" altLang="en-US"/>
+          </a:p>
+        </p:txBody>
+      </p:sp>
+      <p:sp>
+        <p:nvSpPr>
+          <p:cNvPr id="3" name="コンテンツ プレースホルダー 2"/>
+          <p:cNvSpPr>
+            <a:spLocks noGrp="1"/>
+          </p:cNvSpPr>
+          <p:nvPr>
+            <p:ph idx="1"/>
+          </p:nvPr>
+        </p:nvSpPr>
+        <p:spPr/>
+        <p:txBody>
+          <a:bodyPr/>
+          <a:lstStyle/>
+          <a:p>
+            <a:endParaRPr kumimoji="1" lang="ja-JP" altLang="en-US"/>
+          </a:p>
+        </p:txBody>
+      </p:sp>
+      <p:sp>
+        <p:nvSpPr>
+          <p:cNvPr id="4" name="スライド番号プレースホルダー 3"/>
+          <p:cNvSpPr>
+            <a:spLocks noGrp="1"/>
+          </p:cNvSpPr>
+          <p:nvPr>
+            <p:ph type="sldNum" sz="quarter" idx="12"/>
+          </p:nvPr>
+        </p:nvSpPr>
+        <p:spPr/>
+        <p:txBody>
+          <a:bodyPr/>
+          <a:lstStyle/>
+          <a:p>
+            <a:fld id="{310E90F2-0F65-4717-A352-08170F7BDCAA}" type="slidenum">
+              <a:rPr kumimoji="1" lang="ja-JP" altLang="en-US" smtClean="0"/>
+              <a:t>6</a:t>
+            </a:fld>
+            <a:endParaRPr kumimoji="1" lang="ja-JP" altLang="en-US" dirty="0"/>
+          </a:p>
+        </p:txBody>
+      </p:sp>
+      <p:pic>
+        <p:nvPicPr>
+          <p:cNvPr id="5" name="図 4"/>
+          <p:cNvPicPr>
+            <a:picLocks noChangeAspect="1"/>
+          </p:cNvPicPr>
+          <p:nvPr/>
+        </p:nvPicPr>
+        <p:blipFill>
+          <a:blip r:embed="rId2" cstate="print">
+            <a:extLst>
+              <a:ext uri="{28A0092B-C50C-407E-A947-70E740481C1C}">
+                <a14:useLocalDpi xmlns:a14="http://schemas.microsoft.com/office/drawing/2010/main" val="0"/>
+              </a:ext>
+            </a:extLst>
+          </a:blip>
+          <a:stretch>
+            <a:fillRect/>
+          </a:stretch>
+        </p:blipFill>
+        <p:spPr>
+          <a:xfrm>
+            <a:off x="673329" y="1525385"/>
+            <a:ext cx="2876465" cy="2165194"/>
+          </a:xfrm>
+          <a:prstGeom prst="rect">
+            <a:avLst/>
+          </a:prstGeom>
+        </p:spPr>
+      </p:pic>
+      <p:pic>
+        <p:nvPicPr>
+          <p:cNvPr id="6" name="図 5"/>
+          <p:cNvPicPr>
+            <a:picLocks noChangeAspect="1"/>
+          </p:cNvPicPr>
+          <p:nvPr/>
+        </p:nvPicPr>
+        <p:blipFill>
+          <a:blip r:embed="rId3" cstate="print">
+            <a:extLst>
+              <a:ext uri="{28A0092B-C50C-407E-A947-70E740481C1C}">
+                <a14:useLocalDpi xmlns:a14="http://schemas.microsoft.com/office/drawing/2010/main" val="0"/>
+              </a:ext>
+            </a:extLst>
+          </a:blip>
+          <a:stretch>
+            <a:fillRect/>
+          </a:stretch>
+        </p:blipFill>
+        <p:spPr>
+          <a:xfrm>
+            <a:off x="5303519" y="1525385"/>
+            <a:ext cx="2876465" cy="2165194"/>
+          </a:xfrm>
+          <a:prstGeom prst="rect">
+            <a:avLst/>
+          </a:prstGeom>
+        </p:spPr>
+      </p:pic>
+    </p:spTree>
+    <p:extLst>
+      <p:ext uri="{BB962C8B-B14F-4D97-AF65-F5344CB8AC3E}">
+        <p14:creationId xmlns:p14="http://schemas.microsoft.com/office/powerpoint/2010/main" val="1247406251"/>
+      </p:ext>
+    </p:extLst>
+  </p:cSld>
+  <p:clrMapOvr>
+    <a:masterClrMapping/>
+  </p:clrMapOvr>
 </p:sld>
 </file>
 

--- a/Presen/素材.pptx
+++ b/Presen/素材.pptx
@@ -5,10 +5,10 @@
     <p:sldMasterId id="2147483701" r:id="rId1"/>
   </p:sldMasterIdLst>
   <p:notesMasterIdLst>
-    <p:notesMasterId r:id="rId9"/>
+    <p:notesMasterId r:id="rId14"/>
   </p:notesMasterIdLst>
   <p:handoutMasterIdLst>
-    <p:handoutMasterId r:id="rId10"/>
+    <p:handoutMasterId r:id="rId15"/>
   </p:handoutMasterIdLst>
   <p:sldIdLst>
     <p:sldId id="283" r:id="rId2"/>
@@ -17,7 +17,12 @@
     <p:sldId id="286" r:id="rId5"/>
     <p:sldId id="287" r:id="rId6"/>
     <p:sldId id="289" r:id="rId7"/>
-    <p:sldId id="288" r:id="rId8"/>
+    <p:sldId id="290" r:id="rId8"/>
+    <p:sldId id="294" r:id="rId9"/>
+    <p:sldId id="291" r:id="rId10"/>
+    <p:sldId id="292" r:id="rId11"/>
+    <p:sldId id="295" r:id="rId12"/>
+    <p:sldId id="296" r:id="rId13"/>
   </p:sldIdLst>
   <p:sldSz cx="9144000" cy="6858000" type="screen4x3"/>
   <p:notesSz cx="6802438" cy="9934575"/>
@@ -221,7 +226,7 @@
           <a:p>
             <a:fld id="{1A135487-3B0B-4099-A9AF-A1DD3FB96830}" type="datetimeFigureOut">
               <a:rPr kumimoji="1" lang="ja-JP" altLang="en-US" smtClean="0"/>
-              <a:t>2021/11/16</a:t>
+              <a:t>2021/11/23</a:t>
             </a:fld>
             <a:endParaRPr kumimoji="1" lang="ja-JP" altLang="en-US"/>
           </a:p>
@@ -386,7 +391,7 @@
           <a:p>
             <a:fld id="{311F266F-543F-491F-AAE1-BD3B073CB50F}" type="datetimeFigureOut">
               <a:rPr kumimoji="1" lang="ja-JP" altLang="en-US" smtClean="0"/>
-              <a:t>2021/11/16</a:t>
+              <a:t>2021/11/23</a:t>
             </a:fld>
             <a:endParaRPr kumimoji="1" lang="ja-JP" altLang="en-US"/>
           </a:p>
@@ -1430,7 +1435,7 @@
           <a:p>
             <a:fld id="{6EF8C076-2BBF-4B38-83E1-4ECAE93235BF}" type="datetime1">
               <a:rPr kumimoji="1" lang="ja-JP" altLang="en-US" smtClean="0"/>
-              <a:t>2021/11/16</a:t>
+              <a:t>2021/11/23</a:t>
             </a:fld>
             <a:endParaRPr kumimoji="1" lang="ja-JP" altLang="en-US"/>
           </a:p>
@@ -1728,7 +1733,7 @@
           <a:p>
             <a:fld id="{D79729C8-6443-4713-958D-FB0AA1851F46}" type="datetime1">
               <a:rPr kumimoji="1" lang="ja-JP" altLang="en-US" smtClean="0"/>
-              <a:t>2021/11/16</a:t>
+              <a:t>2021/11/23</a:t>
             </a:fld>
             <a:endParaRPr kumimoji="1" lang="ja-JP" altLang="en-US"/>
           </a:p>
@@ -1938,7 +1943,7 @@
           <a:p>
             <a:fld id="{04765AF4-C7A1-429A-A652-B34B2E76344F}" type="datetime1">
               <a:rPr kumimoji="1" lang="ja-JP" altLang="en-US" smtClean="0"/>
-              <a:t>2021/11/16</a:t>
+              <a:t>2021/11/23</a:t>
             </a:fld>
             <a:endParaRPr kumimoji="1" lang="ja-JP" altLang="en-US"/>
           </a:p>
@@ -2301,7 +2306,7 @@
           <a:p>
             <a:fld id="{209CC299-5D92-41D8-9419-B5FAF20B7E17}" type="datetime1">
               <a:rPr kumimoji="1" lang="ja-JP" altLang="en-US" smtClean="0"/>
-              <a:t>2021/11/16</a:t>
+              <a:t>2021/11/23</a:t>
             </a:fld>
             <a:endParaRPr kumimoji="1" lang="ja-JP" altLang="en-US"/>
           </a:p>
@@ -2546,7 +2551,7 @@
           <a:p>
             <a:fld id="{4BAC7283-620A-4653-9F1E-039F3D362187}" type="datetime1">
               <a:rPr kumimoji="1" lang="ja-JP" altLang="en-US" smtClean="0"/>
-              <a:t>2021/11/16</a:t>
+              <a:t>2021/11/23</a:t>
             </a:fld>
             <a:endParaRPr kumimoji="1" lang="ja-JP" altLang="en-US"/>
           </a:p>
@@ -2839,7 +2844,7 @@
           <a:p>
             <a:fld id="{4A4EE016-2822-4458-8F57-5398A5932203}" type="datetime1">
               <a:rPr kumimoji="1" lang="ja-JP" altLang="en-US" smtClean="0"/>
-              <a:t>2021/11/16</a:t>
+              <a:t>2021/11/23</a:t>
             </a:fld>
             <a:endParaRPr kumimoji="1" lang="ja-JP" altLang="en-US"/>
           </a:p>
@@ -3267,7 +3272,7 @@
           <a:p>
             <a:fld id="{207670B6-8429-442F-B6A6-B12A4387D506}" type="datetime1">
               <a:rPr kumimoji="1" lang="ja-JP" altLang="en-US" smtClean="0"/>
-              <a:t>2021/11/16</a:t>
+              <a:t>2021/11/23</a:t>
             </a:fld>
             <a:endParaRPr kumimoji="1" lang="ja-JP" altLang="en-US"/>
           </a:p>
@@ -3384,7 +3389,7 @@
           <a:p>
             <a:fld id="{F95E6910-53D1-4B71-85DF-BB7B54297707}" type="datetime1">
               <a:rPr kumimoji="1" lang="ja-JP" altLang="en-US" smtClean="0"/>
-              <a:t>2021/11/16</a:t>
+              <a:t>2021/11/23</a:t>
             </a:fld>
             <a:endParaRPr kumimoji="1" lang="ja-JP" altLang="en-US"/>
           </a:p>
@@ -3479,7 +3484,7 @@
           <a:p>
             <a:fld id="{0AE48976-5A13-4B17-B57A-22956F6F3A86}" type="datetime1">
               <a:rPr kumimoji="1" lang="ja-JP" altLang="en-US" smtClean="0"/>
-              <a:t>2021/11/16</a:t>
+              <a:t>2021/11/23</a:t>
             </a:fld>
             <a:endParaRPr kumimoji="1" lang="ja-JP" altLang="en-US"/>
           </a:p>
@@ -3786,7 +3791,7 @@
           <a:p>
             <a:fld id="{902C1540-8895-4E63-AC78-3D7ADA2A0F06}" type="datetime1">
               <a:rPr kumimoji="1" lang="ja-JP" altLang="en-US" smtClean="0"/>
-              <a:t>2021/11/16</a:t>
+              <a:t>2021/11/23</a:t>
             </a:fld>
             <a:endParaRPr kumimoji="1" lang="ja-JP" altLang="en-US"/>
           </a:p>
@@ -4038,7 +4043,7 @@
           <a:p>
             <a:fld id="{D6464D58-E288-4AF7-9E7F-3530E4C812DB}" type="datetime1">
               <a:rPr kumimoji="1" lang="ja-JP" altLang="en-US" smtClean="0"/>
-              <a:t>2021/11/16</a:t>
+              <a:t>2021/11/23</a:t>
             </a:fld>
             <a:endParaRPr kumimoji="1" lang="ja-JP" altLang="en-US"/>
           </a:p>
@@ -4288,7 +4293,7 @@
             <a:fld id="{3B819935-A763-4BCA-8969-272AE3AC709B}" type="datetime1">
               <a:rPr lang="ja-JP" altLang="en-US" smtClean="0"/>
               <a:pPr/>
-              <a:t>2021/11/16</a:t>
+              <a:t>2021/11/23</a:t>
             </a:fld>
             <a:endParaRPr lang="ja-JP" altLang="en-US"/>
           </a:p>
@@ -4740,14 +4745,10 @@
           <a:p>
             <a:r>
               <a:rPr kumimoji="1" lang="ja-JP" altLang="en-US" dirty="0"/>
-              <a:t>実験</a:t>
-            </a:r>
-            <a:r>
-              <a:rPr kumimoji="1" lang="ja-JP" altLang="en-US" dirty="0" smtClean="0"/>
-              <a:t>結果</a:t>
-            </a:r>
-            <a:r>
-              <a:rPr kumimoji="1" lang="en-US" altLang="ja-JP" dirty="0" smtClean="0"/>
+              <a:t>実験結果</a:t>
+            </a:r>
+            <a:r>
+              <a:rPr kumimoji="1" lang="en-US" altLang="ja-JP" dirty="0"/>
               <a:t>(Cities: Skylines)</a:t>
             </a:r>
             <a:endParaRPr kumimoji="1" lang="ja-JP" altLang="en-US" dirty="0"/>
@@ -8242,1553 +8243,6 @@
           </a:graphicData>
         </a:graphic>
       </p:graphicFrame>
-      <p:graphicFrame>
-        <p:nvGraphicFramePr>
-          <p:cNvPr id="21" name="コンテンツ プレースホルダー 4">
-            <a:extLst>
-              <a:ext uri="{FF2B5EF4-FFF2-40B4-BE49-F238E27FC236}">
-                <a16:creationId xmlns:a16="http://schemas.microsoft.com/office/drawing/2014/main" id="{C8D1EDC7-C426-407D-A8D6-3919C8F081BE}"/>
-              </a:ext>
-            </a:extLst>
-          </p:cNvPr>
-          <p:cNvGraphicFramePr>
-            <a:graphicFrameLocks/>
-          </p:cNvGraphicFramePr>
-          <p:nvPr>
-            <p:extLst>
-              <p:ext uri="{D42A27DB-BD31-4B8C-83A1-F6EECF244321}">
-                <p14:modId xmlns:p14="http://schemas.microsoft.com/office/powerpoint/2010/main" val="2228256453"/>
-              </p:ext>
-            </p:extLst>
-          </p:nvPr>
-        </p:nvGraphicFramePr>
-        <p:xfrm>
-          <a:off x="125638" y="6604678"/>
-          <a:ext cx="8892721" cy="1828800"/>
-        </p:xfrm>
-        <a:graphic>
-          <a:graphicData uri="http://schemas.openxmlformats.org/drawingml/2006/table">
-            <a:tbl>
-              <a:tblPr firstRow="1" bandRow="1">
-                <a:tableStyleId>{5940675A-B579-460E-94D1-54222C63F5DA}</a:tableStyleId>
-              </a:tblPr>
-              <a:tblGrid>
-                <a:gridCol w="416002">
-                  <a:extLst>
-                    <a:ext uri="{9D8B030D-6E8A-4147-A177-3AD203B41FA5}">
-                      <a16:colId xmlns:a16="http://schemas.microsoft.com/office/drawing/2014/main" val="1923610548"/>
-                    </a:ext>
-                  </a:extLst>
-                </a:gridCol>
-                <a:gridCol w="1190750">
-                  <a:extLst>
-                    <a:ext uri="{9D8B030D-6E8A-4147-A177-3AD203B41FA5}">
-                      <a16:colId xmlns:a16="http://schemas.microsoft.com/office/drawing/2014/main" val="1484246165"/>
-                    </a:ext>
-                  </a:extLst>
-                </a:gridCol>
-                <a:gridCol w="1104679">
-                  <a:extLst>
-                    <a:ext uri="{9D8B030D-6E8A-4147-A177-3AD203B41FA5}">
-                      <a16:colId xmlns:a16="http://schemas.microsoft.com/office/drawing/2014/main" val="1784955739"/>
-                    </a:ext>
-                  </a:extLst>
-                </a:gridCol>
-                <a:gridCol w="1104679">
-                  <a:extLst>
-                    <a:ext uri="{9D8B030D-6E8A-4147-A177-3AD203B41FA5}">
-                      <a16:colId xmlns:a16="http://schemas.microsoft.com/office/drawing/2014/main" val="2815321614"/>
-                    </a:ext>
-                  </a:extLst>
-                </a:gridCol>
-                <a:gridCol w="1104679">
-                  <a:extLst>
-                    <a:ext uri="{9D8B030D-6E8A-4147-A177-3AD203B41FA5}">
-                      <a16:colId xmlns:a16="http://schemas.microsoft.com/office/drawing/2014/main" val="2073608608"/>
-                    </a:ext>
-                  </a:extLst>
-                </a:gridCol>
-                <a:gridCol w="992983">
-                  <a:extLst>
-                    <a:ext uri="{9D8B030D-6E8A-4147-A177-3AD203B41FA5}">
-                      <a16:colId xmlns:a16="http://schemas.microsoft.com/office/drawing/2014/main" val="3636356136"/>
-                    </a:ext>
-                  </a:extLst>
-                </a:gridCol>
-                <a:gridCol w="992983">
-                  <a:extLst>
-                    <a:ext uri="{9D8B030D-6E8A-4147-A177-3AD203B41FA5}">
-                      <a16:colId xmlns:a16="http://schemas.microsoft.com/office/drawing/2014/main" val="1161361597"/>
-                    </a:ext>
-                  </a:extLst>
-                </a:gridCol>
-                <a:gridCol w="992983">
-                  <a:extLst>
-                    <a:ext uri="{9D8B030D-6E8A-4147-A177-3AD203B41FA5}">
-                      <a16:colId xmlns:a16="http://schemas.microsoft.com/office/drawing/2014/main" val="1162311465"/>
-                    </a:ext>
-                  </a:extLst>
-                </a:gridCol>
-                <a:gridCol w="992983">
-                  <a:extLst>
-                    <a:ext uri="{9D8B030D-6E8A-4147-A177-3AD203B41FA5}">
-                      <a16:colId xmlns:a16="http://schemas.microsoft.com/office/drawing/2014/main" val="3168335535"/>
-                    </a:ext>
-                  </a:extLst>
-                </a:gridCol>
-              </a:tblGrid>
-              <a:tr h="360485">
-                <a:tc rowSpan="2" gridSpan="2">
-                  <a:txBody>
-                    <a:bodyPr/>
-                    <a:lstStyle/>
-                    <a:p>
-                      <a:pPr algn="ctr"/>
-                      <a:r>
-                        <a:rPr kumimoji="1" lang="ja-JP" altLang="en-US" sz="1800" b="1" dirty="0">
-                          <a:solidFill>
-                            <a:schemeClr val="tx1">
-                              <a:lumMod val="75000"/>
-                              <a:lumOff val="25000"/>
-                            </a:schemeClr>
-                          </a:solidFill>
-                        </a:rPr>
-                        <a:t>提案手法</a:t>
-                      </a:r>
-                      <a:endParaRPr kumimoji="1" lang="en-US" altLang="ja-JP" sz="1800" b="1" dirty="0">
-                        <a:solidFill>
-                          <a:schemeClr val="tx1">
-                            <a:lumMod val="75000"/>
-                            <a:lumOff val="25000"/>
-                          </a:schemeClr>
-                        </a:solidFill>
-                      </a:endParaRPr>
-                    </a:p>
-                    <a:p>
-                      <a:pPr marL="0" marR="0" lvl="0" indent="0" algn="ctr" defTabSz="685800" rtl="0" eaLnBrk="1" fontAlgn="auto" latinLnBrk="0" hangingPunct="1">
-                        <a:lnSpc>
-                          <a:spcPct val="100000"/>
-                        </a:lnSpc>
-                        <a:spcBef>
-                          <a:spcPts val="0"/>
-                        </a:spcBef>
-                        <a:spcAft>
-                          <a:spcPts val="0"/>
-                        </a:spcAft>
-                        <a:buClrTx/>
-                        <a:buSzTx/>
-                        <a:buFontTx/>
-                        <a:buNone/>
-                        <a:tabLst/>
-                        <a:defRPr/>
-                      </a:pPr>
-                      <a:r>
-                        <a:rPr kumimoji="1" lang="en-US" altLang="ja-JP" sz="1400" b="0" i="0" u="none" strike="noStrike" kern="1200" cap="none" spc="0" normalizeH="0" baseline="0" noProof="0" dirty="0">
-                          <a:ln>
-                            <a:noFill/>
-                          </a:ln>
-                          <a:solidFill>
-                            <a:prstClr val="black">
-                              <a:lumMod val="75000"/>
-                              <a:lumOff val="25000"/>
-                            </a:prstClr>
-                          </a:solidFill>
-                          <a:effectLst/>
-                          <a:uLnTx/>
-                          <a:uFillTx/>
-                          <a:latin typeface="+mn-lt"/>
-                          <a:ea typeface="+mn-ea"/>
-                          <a:cs typeface="+mn-cs"/>
-                        </a:rPr>
-                        <a:t>forum-review</a:t>
-                      </a:r>
-                      <a:endParaRPr kumimoji="1" lang="ja-JP" altLang="en-US" sz="2000" b="0" i="0" u="none" strike="noStrike" kern="1200" cap="none" spc="0" normalizeH="0" baseline="0" noProof="0" dirty="0">
-                        <a:ln>
-                          <a:noFill/>
-                        </a:ln>
-                        <a:solidFill>
-                          <a:prstClr val="black">
-                            <a:lumMod val="75000"/>
-                            <a:lumOff val="25000"/>
-                          </a:prstClr>
-                        </a:solidFill>
-                        <a:effectLst/>
-                        <a:uLnTx/>
-                        <a:uFillTx/>
-                        <a:latin typeface="+mn-lt"/>
-                        <a:ea typeface="+mn-ea"/>
-                        <a:cs typeface="+mn-cs"/>
-                      </a:endParaRPr>
-                    </a:p>
-                  </a:txBody>
-                  <a:tcPr anchor="ctr">
-                    <a:lnTlToBr w="12700" cap="flat" cmpd="sng" algn="ctr">
-                      <a:noFill/>
-                      <a:prstDash val="solid"/>
-                      <a:round/>
-                      <a:headEnd type="none" w="med" len="med"/>
-                      <a:tailEnd type="none" w="med" len="med"/>
-                    </a:lnTlToBr>
-                  </a:tcPr>
-                </a:tc>
-                <a:tc rowSpan="2" hMerge="1">
-                  <a:txBody>
-                    <a:bodyPr/>
-                    <a:lstStyle/>
-                    <a:p>
-                      <a:pPr algn="ctr"/>
-                      <a:endParaRPr kumimoji="1" lang="ja-JP" altLang="en-US" sz="1400" b="1" dirty="0">
-                        <a:solidFill>
-                          <a:schemeClr val="tx1">
-                            <a:lumMod val="75000"/>
-                            <a:lumOff val="25000"/>
-                          </a:schemeClr>
-                        </a:solidFill>
-                      </a:endParaRPr>
-                    </a:p>
-                  </a:txBody>
-                  <a:tcPr anchor="ctr">
-                    <a:lnTlToBr w="12700" cap="flat" cmpd="sng" algn="ctr">
-                      <a:solidFill>
-                        <a:schemeClr val="tx1"/>
-                      </a:solidFill>
-                      <a:prstDash val="solid"/>
-                      <a:round/>
-                      <a:headEnd type="none" w="med" len="med"/>
-                      <a:tailEnd type="none" w="med" len="med"/>
-                    </a:lnTlToBr>
-                  </a:tcPr>
-                </a:tc>
-                <a:tc gridSpan="3">
-                  <a:txBody>
-                    <a:bodyPr/>
-                    <a:lstStyle/>
-                    <a:p>
-                      <a:pPr algn="ctr"/>
-                      <a:r>
-                        <a:rPr kumimoji="1" lang="ja-JP" altLang="en-US" sz="1800" b="1" dirty="0">
-                          <a:solidFill>
-                            <a:schemeClr val="tx1">
-                              <a:lumMod val="75000"/>
-                              <a:lumOff val="25000"/>
-                            </a:schemeClr>
-                          </a:solidFill>
-                        </a:rPr>
-                        <a:t>予測した分類</a:t>
-                      </a:r>
-                    </a:p>
-                  </a:txBody>
-                  <a:tcPr anchor="ctr">
-                    <a:solidFill>
-                      <a:srgbClr val="FFCCFF"/>
-                    </a:solidFill>
-                  </a:tcPr>
-                </a:tc>
-                <a:tc hMerge="1">
-                  <a:txBody>
-                    <a:bodyPr/>
-                    <a:lstStyle/>
-                    <a:p>
-                      <a:pPr algn="ctr"/>
-                      <a:endParaRPr kumimoji="1" lang="ja-JP" altLang="en-US" sz="1400" b="1" dirty="0">
-                        <a:solidFill>
-                          <a:schemeClr val="tx1">
-                            <a:lumMod val="75000"/>
-                            <a:lumOff val="25000"/>
-                          </a:schemeClr>
-                        </a:solidFill>
-                      </a:endParaRPr>
-                    </a:p>
-                  </a:txBody>
-                  <a:tcPr anchor="ctr">
-                    <a:solidFill>
-                      <a:srgbClr val="FFCCFF"/>
-                    </a:solidFill>
-                  </a:tcPr>
-                </a:tc>
-                <a:tc hMerge="1">
-                  <a:txBody>
-                    <a:bodyPr/>
-                    <a:lstStyle/>
-                    <a:p>
-                      <a:pPr algn="ctr"/>
-                      <a:endParaRPr kumimoji="1" lang="ja-JP" altLang="en-US" sz="1400" b="1" dirty="0">
-                        <a:solidFill>
-                          <a:schemeClr val="tx1">
-                            <a:lumMod val="75000"/>
-                            <a:lumOff val="25000"/>
-                          </a:schemeClr>
-                        </a:solidFill>
-                      </a:endParaRPr>
-                    </a:p>
-                  </a:txBody>
-                  <a:tcPr anchor="ctr">
-                    <a:solidFill>
-                      <a:srgbClr val="FFCCFF"/>
-                    </a:solidFill>
-                  </a:tcPr>
-                </a:tc>
-                <a:tc rowSpan="2">
-                  <a:txBody>
-                    <a:bodyPr/>
-                    <a:lstStyle/>
-                    <a:p>
-                      <a:pPr algn="ctr"/>
-                      <a:r>
-                        <a:rPr kumimoji="1" lang="ja-JP" altLang="en-US" sz="1800" b="1" dirty="0">
-                          <a:solidFill>
-                            <a:schemeClr val="tx1">
-                              <a:lumMod val="75000"/>
-                              <a:lumOff val="25000"/>
-                            </a:schemeClr>
-                          </a:solidFill>
-                        </a:rPr>
-                        <a:t>適合率</a:t>
-                      </a:r>
-                      <a:endParaRPr kumimoji="1" lang="en-US" altLang="ja-JP" sz="1800" b="1" dirty="0">
-                        <a:solidFill>
-                          <a:schemeClr val="tx1">
-                            <a:lumMod val="75000"/>
-                            <a:lumOff val="25000"/>
-                          </a:schemeClr>
-                        </a:solidFill>
-                      </a:endParaRPr>
-                    </a:p>
-                    <a:p>
-                      <a:pPr marL="0" marR="0" lvl="0" indent="0" algn="ctr" defTabSz="685800" rtl="0" eaLnBrk="1" fontAlgn="auto" latinLnBrk="0" hangingPunct="1">
-                        <a:lnSpc>
-                          <a:spcPct val="100000"/>
-                        </a:lnSpc>
-                        <a:spcBef>
-                          <a:spcPts val="0"/>
-                        </a:spcBef>
-                        <a:spcAft>
-                          <a:spcPts val="0"/>
-                        </a:spcAft>
-                        <a:buClrTx/>
-                        <a:buSzTx/>
-                        <a:buFontTx/>
-                        <a:buNone/>
-                        <a:tabLst/>
-                        <a:defRPr/>
-                      </a:pPr>
-                      <a:r>
-                        <a:rPr kumimoji="1" lang="en-US" altLang="ja-JP" sz="1400" b="0" dirty="0">
-                          <a:solidFill>
-                            <a:schemeClr val="tx1">
-                              <a:lumMod val="75000"/>
-                              <a:lumOff val="25000"/>
-                            </a:schemeClr>
-                          </a:solidFill>
-                        </a:rPr>
-                        <a:t>precision</a:t>
-                      </a:r>
-                      <a:endParaRPr kumimoji="1" lang="en-US" altLang="ja-JP" sz="2400" b="0" dirty="0">
-                        <a:solidFill>
-                          <a:schemeClr val="tx1">
-                            <a:lumMod val="75000"/>
-                            <a:lumOff val="25000"/>
-                          </a:schemeClr>
-                        </a:solidFill>
-                      </a:endParaRPr>
-                    </a:p>
-                  </a:txBody>
-                  <a:tcPr anchor="ctr">
-                    <a:noFill/>
-                  </a:tcPr>
-                </a:tc>
-                <a:tc rowSpan="2">
-                  <a:txBody>
-                    <a:bodyPr/>
-                    <a:lstStyle/>
-                    <a:p>
-                      <a:pPr algn="ctr"/>
-                      <a:r>
-                        <a:rPr kumimoji="1" lang="ja-JP" altLang="en-US" sz="1800" b="1" dirty="0">
-                          <a:solidFill>
-                            <a:schemeClr val="tx1">
-                              <a:lumMod val="75000"/>
-                              <a:lumOff val="25000"/>
-                            </a:schemeClr>
-                          </a:solidFill>
-                        </a:rPr>
-                        <a:t>再現率</a:t>
-                      </a:r>
-                      <a:endParaRPr kumimoji="1" lang="en-US" altLang="ja-JP" sz="1800" b="1" dirty="0">
-                        <a:solidFill>
-                          <a:schemeClr val="tx1">
-                            <a:lumMod val="75000"/>
-                            <a:lumOff val="25000"/>
-                          </a:schemeClr>
-                        </a:solidFill>
-                      </a:endParaRPr>
-                    </a:p>
-                    <a:p>
-                      <a:pPr algn="ctr"/>
-                      <a:r>
-                        <a:rPr kumimoji="1" lang="en-US" altLang="ja-JP" sz="1400" b="0" dirty="0">
-                          <a:solidFill>
-                            <a:schemeClr val="tx1">
-                              <a:lumMod val="75000"/>
-                              <a:lumOff val="25000"/>
-                            </a:schemeClr>
-                          </a:solidFill>
-                        </a:rPr>
-                        <a:t>recall</a:t>
-                      </a:r>
-                      <a:endParaRPr kumimoji="1" lang="ja-JP" altLang="en-US" sz="1800" b="0" dirty="0">
-                        <a:solidFill>
-                          <a:schemeClr val="tx1">
-                            <a:lumMod val="75000"/>
-                            <a:lumOff val="25000"/>
-                          </a:schemeClr>
-                        </a:solidFill>
-                      </a:endParaRPr>
-                    </a:p>
-                  </a:txBody>
-                  <a:tcPr anchor="ctr">
-                    <a:noFill/>
-                  </a:tcPr>
-                </a:tc>
-                <a:tc rowSpan="2">
-                  <a:txBody>
-                    <a:bodyPr/>
-                    <a:lstStyle/>
-                    <a:p>
-                      <a:pPr algn="ctr"/>
-                      <a:r>
-                        <a:rPr kumimoji="1" lang="en-US" altLang="ja-JP" sz="1800" b="1" dirty="0">
-                          <a:solidFill>
-                            <a:schemeClr val="tx1">
-                              <a:lumMod val="75000"/>
-                              <a:lumOff val="25000"/>
-                            </a:schemeClr>
-                          </a:solidFill>
-                        </a:rPr>
-                        <a:t>F</a:t>
-                      </a:r>
-                      <a:r>
-                        <a:rPr kumimoji="1" lang="ja-JP" altLang="en-US" sz="1800" b="1" dirty="0">
-                          <a:solidFill>
-                            <a:schemeClr val="tx1">
-                              <a:lumMod val="75000"/>
-                              <a:lumOff val="25000"/>
-                            </a:schemeClr>
-                          </a:solidFill>
-                        </a:rPr>
-                        <a:t>値</a:t>
-                      </a:r>
-                      <a:endParaRPr kumimoji="1" lang="en-US" altLang="ja-JP" sz="1800" b="1" dirty="0">
-                        <a:solidFill>
-                          <a:schemeClr val="tx1">
-                            <a:lumMod val="75000"/>
-                            <a:lumOff val="25000"/>
-                          </a:schemeClr>
-                        </a:solidFill>
-                      </a:endParaRPr>
-                    </a:p>
-                    <a:p>
-                      <a:pPr algn="ctr"/>
-                      <a:r>
-                        <a:rPr kumimoji="1" lang="en-US" altLang="ja-JP" sz="1400" b="0" dirty="0">
-                          <a:solidFill>
-                            <a:schemeClr val="tx1">
-                              <a:lumMod val="75000"/>
-                              <a:lumOff val="25000"/>
-                            </a:schemeClr>
-                          </a:solidFill>
-                        </a:rPr>
-                        <a:t>F1-score</a:t>
-                      </a:r>
-                      <a:endParaRPr kumimoji="1" lang="ja-JP" altLang="en-US" sz="1400" b="0" dirty="0">
-                        <a:solidFill>
-                          <a:schemeClr val="tx1">
-                            <a:lumMod val="75000"/>
-                            <a:lumOff val="25000"/>
-                          </a:schemeClr>
-                        </a:solidFill>
-                      </a:endParaRPr>
-                    </a:p>
-                  </a:txBody>
-                  <a:tcPr anchor="ctr">
-                    <a:noFill/>
-                  </a:tcPr>
-                </a:tc>
-                <a:tc rowSpan="2">
-                  <a:txBody>
-                    <a:bodyPr/>
-                    <a:lstStyle/>
-                    <a:p>
-                      <a:pPr algn="ctr"/>
-                      <a:r>
-                        <a:rPr kumimoji="1" lang="ja-JP" altLang="en-US" sz="1800" b="1" dirty="0">
-                          <a:solidFill>
-                            <a:schemeClr val="tx1">
-                              <a:lumMod val="75000"/>
-                              <a:lumOff val="25000"/>
-                            </a:schemeClr>
-                          </a:solidFill>
-                        </a:rPr>
-                        <a:t>正解率</a:t>
-                      </a:r>
-                      <a:endParaRPr kumimoji="1" lang="en-US" altLang="ja-JP" sz="1800" b="1" dirty="0">
-                        <a:solidFill>
-                          <a:schemeClr val="tx1">
-                            <a:lumMod val="75000"/>
-                            <a:lumOff val="25000"/>
-                          </a:schemeClr>
-                        </a:solidFill>
-                      </a:endParaRPr>
-                    </a:p>
-                    <a:p>
-                      <a:pPr algn="ctr"/>
-                      <a:r>
-                        <a:rPr kumimoji="1" lang="en-US" altLang="ja-JP" sz="1400" b="0" dirty="0">
-                          <a:solidFill>
-                            <a:schemeClr val="tx1">
-                              <a:lumMod val="75000"/>
-                              <a:lumOff val="25000"/>
-                            </a:schemeClr>
-                          </a:solidFill>
-                        </a:rPr>
-                        <a:t>accuracy</a:t>
-                      </a:r>
-                      <a:endParaRPr kumimoji="1" lang="ja-JP" altLang="en-US" sz="1400" b="0" dirty="0">
-                        <a:solidFill>
-                          <a:schemeClr val="tx1">
-                            <a:lumMod val="75000"/>
-                            <a:lumOff val="25000"/>
-                          </a:schemeClr>
-                        </a:solidFill>
-                      </a:endParaRPr>
-                    </a:p>
-                  </a:txBody>
-                  <a:tcPr anchor="ctr">
-                    <a:noFill/>
-                  </a:tcPr>
-                </a:tc>
-                <a:extLst>
-                  <a:ext uri="{0D108BD9-81ED-4DB2-BD59-A6C34878D82A}">
-                    <a16:rowId xmlns:a16="http://schemas.microsoft.com/office/drawing/2014/main" val="53369686"/>
-                  </a:ext>
-                </a:extLst>
-              </a:tr>
-              <a:tr h="360485">
-                <a:tc gridSpan="2" vMerge="1">
-                  <a:txBody>
-                    <a:bodyPr/>
-                    <a:lstStyle/>
-                    <a:p>
-                      <a:pPr algn="ctr"/>
-                      <a:endParaRPr kumimoji="1" lang="ja-JP" altLang="en-US" sz="1400" b="1" dirty="0">
-                        <a:solidFill>
-                          <a:schemeClr val="tx1">
-                            <a:lumMod val="75000"/>
-                            <a:lumOff val="25000"/>
-                          </a:schemeClr>
-                        </a:solidFill>
-                      </a:endParaRPr>
-                    </a:p>
-                  </a:txBody>
-                  <a:tcPr anchor="ctr">
-                    <a:lnTlToBr w="12700" cap="flat" cmpd="sng" algn="ctr">
-                      <a:solidFill>
-                        <a:schemeClr val="tx1"/>
-                      </a:solidFill>
-                      <a:prstDash val="solid"/>
-                      <a:round/>
-                      <a:headEnd type="none" w="med" len="med"/>
-                      <a:tailEnd type="none" w="med" len="med"/>
-                    </a:lnTlToBr>
-                  </a:tcPr>
-                </a:tc>
-                <a:tc hMerge="1" vMerge="1">
-                  <a:txBody>
-                    <a:bodyPr/>
-                    <a:lstStyle/>
-                    <a:p>
-                      <a:pPr algn="ctr"/>
-                      <a:endParaRPr kumimoji="1" lang="ja-JP" altLang="en-US" sz="1400" b="1" dirty="0">
-                        <a:solidFill>
-                          <a:schemeClr val="tx1">
-                            <a:lumMod val="75000"/>
-                            <a:lumOff val="25000"/>
-                          </a:schemeClr>
-                        </a:solidFill>
-                      </a:endParaRPr>
-                    </a:p>
-                  </a:txBody>
-                  <a:tcPr anchor="ctr">
-                    <a:lnTlToBr w="12700" cap="flat" cmpd="sng" algn="ctr">
-                      <a:solidFill>
-                        <a:schemeClr val="tx1"/>
-                      </a:solidFill>
-                      <a:prstDash val="solid"/>
-                      <a:round/>
-                      <a:headEnd type="none" w="med" len="med"/>
-                      <a:tailEnd type="none" w="med" len="med"/>
-                    </a:lnTlToBr>
-                  </a:tcPr>
-                </a:tc>
-                <a:tc>
-                  <a:txBody>
-                    <a:bodyPr/>
-                    <a:lstStyle/>
-                    <a:p>
-                      <a:pPr algn="ctr"/>
-                      <a:r>
-                        <a:rPr kumimoji="1" lang="ja-JP" altLang="en-US" sz="1800" b="1" dirty="0">
-                          <a:solidFill>
-                            <a:schemeClr val="tx1">
-                              <a:lumMod val="75000"/>
-                              <a:lumOff val="25000"/>
-                            </a:schemeClr>
-                          </a:solidFill>
-                        </a:rPr>
-                        <a:t>バグ報告</a:t>
-                      </a:r>
-                    </a:p>
-                  </a:txBody>
-                  <a:tcPr anchor="ctr">
-                    <a:solidFill>
-                      <a:srgbClr val="FFCCFF"/>
-                    </a:solidFill>
-                  </a:tcPr>
-                </a:tc>
-                <a:tc>
-                  <a:txBody>
-                    <a:bodyPr/>
-                    <a:lstStyle/>
-                    <a:p>
-                      <a:pPr algn="ctr"/>
-                      <a:r>
-                        <a:rPr kumimoji="1" lang="ja-JP" altLang="en-US" sz="1800" b="1" dirty="0">
-                          <a:solidFill>
-                            <a:schemeClr val="tx1">
-                              <a:lumMod val="75000"/>
-                              <a:lumOff val="25000"/>
-                            </a:schemeClr>
-                          </a:solidFill>
-                        </a:rPr>
-                        <a:t>機能要求</a:t>
-                      </a:r>
-                    </a:p>
-                  </a:txBody>
-                  <a:tcPr anchor="ctr">
-                    <a:solidFill>
-                      <a:srgbClr val="FFCCFF"/>
-                    </a:solidFill>
-                  </a:tcPr>
-                </a:tc>
-                <a:tc>
-                  <a:txBody>
-                    <a:bodyPr/>
-                    <a:lstStyle/>
-                    <a:p>
-                      <a:pPr algn="ctr"/>
-                      <a:r>
-                        <a:rPr kumimoji="1" lang="ja-JP" altLang="en-US" sz="1800" b="1" dirty="0">
-                          <a:solidFill>
-                            <a:schemeClr val="tx1">
-                              <a:lumMod val="75000"/>
-                              <a:lumOff val="25000"/>
-                            </a:schemeClr>
-                          </a:solidFill>
-                        </a:rPr>
-                        <a:t>その他</a:t>
-                      </a:r>
-                    </a:p>
-                  </a:txBody>
-                  <a:tcPr anchor="ctr">
-                    <a:solidFill>
-                      <a:srgbClr val="FFCCFF"/>
-                    </a:solidFill>
-                  </a:tcPr>
-                </a:tc>
-                <a:tc vMerge="1">
-                  <a:txBody>
-                    <a:bodyPr/>
-                    <a:lstStyle/>
-                    <a:p>
-                      <a:pPr algn="ctr"/>
-                      <a:endParaRPr kumimoji="1" lang="ja-JP" altLang="en-US" sz="1800" b="1" dirty="0">
-                        <a:solidFill>
-                          <a:schemeClr val="tx1">
-                            <a:lumMod val="75000"/>
-                            <a:lumOff val="25000"/>
-                          </a:schemeClr>
-                        </a:solidFill>
-                      </a:endParaRPr>
-                    </a:p>
-                  </a:txBody>
-                  <a:tcPr anchor="ctr">
-                    <a:solidFill>
-                      <a:srgbClr val="FFCCFF"/>
-                    </a:solidFill>
-                  </a:tcPr>
-                </a:tc>
-                <a:tc vMerge="1">
-                  <a:txBody>
-                    <a:bodyPr/>
-                    <a:lstStyle/>
-                    <a:p>
-                      <a:endParaRPr kumimoji="1" lang="ja-JP" altLang="en-US"/>
-                    </a:p>
-                  </a:txBody>
-                  <a:tcPr/>
-                </a:tc>
-                <a:tc vMerge="1">
-                  <a:txBody>
-                    <a:bodyPr/>
-                    <a:lstStyle/>
-                    <a:p>
-                      <a:endParaRPr kumimoji="1" lang="ja-JP" altLang="en-US"/>
-                    </a:p>
-                  </a:txBody>
-                  <a:tcPr/>
-                </a:tc>
-                <a:tc vMerge="1">
-                  <a:txBody>
-                    <a:bodyPr/>
-                    <a:lstStyle/>
-                    <a:p>
-                      <a:endParaRPr kumimoji="1" lang="ja-JP" altLang="en-US"/>
-                    </a:p>
-                  </a:txBody>
-                  <a:tcPr/>
-                </a:tc>
-                <a:extLst>
-                  <a:ext uri="{0D108BD9-81ED-4DB2-BD59-A6C34878D82A}">
-                    <a16:rowId xmlns:a16="http://schemas.microsoft.com/office/drawing/2014/main" val="290926368"/>
-                  </a:ext>
-                </a:extLst>
-              </a:tr>
-              <a:tr h="360485">
-                <a:tc rowSpan="3">
-                  <a:txBody>
-                    <a:bodyPr/>
-                    <a:lstStyle/>
-                    <a:p>
-                      <a:pPr marL="0" marR="0" lvl="0" indent="0" algn="ctr" defTabSz="685800" rtl="0" eaLnBrk="1" fontAlgn="auto" latinLnBrk="0" hangingPunct="1">
-                        <a:lnSpc>
-                          <a:spcPct val="100000"/>
-                        </a:lnSpc>
-                        <a:spcBef>
-                          <a:spcPts val="0"/>
-                        </a:spcBef>
-                        <a:spcAft>
-                          <a:spcPts val="0"/>
-                        </a:spcAft>
-                        <a:buClrTx/>
-                        <a:buSzTx/>
-                        <a:buFontTx/>
-                        <a:buNone/>
-                        <a:tabLst/>
-                        <a:defRPr/>
-                      </a:pPr>
-                      <a:r>
-                        <a:rPr kumimoji="1" lang="ja-JP" altLang="en-US" sz="1800" b="1" dirty="0">
-                          <a:solidFill>
-                            <a:schemeClr val="tx1">
-                              <a:lumMod val="75000"/>
-                              <a:lumOff val="25000"/>
-                            </a:schemeClr>
-                          </a:solidFill>
-                        </a:rPr>
-                        <a:t>真の分類</a:t>
-                      </a:r>
-                    </a:p>
-                  </a:txBody>
-                  <a:tcPr vert="eaVert" anchor="ctr">
-                    <a:solidFill>
-                      <a:schemeClr val="tx2">
-                        <a:lumMod val="20000"/>
-                        <a:lumOff val="80000"/>
-                      </a:schemeClr>
-                    </a:solidFill>
-                  </a:tcPr>
-                </a:tc>
-                <a:tc>
-                  <a:txBody>
-                    <a:bodyPr/>
-                    <a:lstStyle/>
-                    <a:p>
-                      <a:pPr marL="0" marR="0" lvl="0" indent="0" algn="ctr" defTabSz="685800" rtl="0" eaLnBrk="1" fontAlgn="auto" latinLnBrk="0" hangingPunct="1">
-                        <a:lnSpc>
-                          <a:spcPct val="100000"/>
-                        </a:lnSpc>
-                        <a:spcBef>
-                          <a:spcPts val="0"/>
-                        </a:spcBef>
-                        <a:spcAft>
-                          <a:spcPts val="0"/>
-                        </a:spcAft>
-                        <a:buClrTx/>
-                        <a:buSzTx/>
-                        <a:buFontTx/>
-                        <a:buNone/>
-                        <a:tabLst/>
-                        <a:defRPr/>
-                      </a:pPr>
-                      <a:r>
-                        <a:rPr kumimoji="1" lang="ja-JP" altLang="en-US" sz="1800" b="1" dirty="0">
-                          <a:solidFill>
-                            <a:schemeClr val="tx1">
-                              <a:lumMod val="75000"/>
-                              <a:lumOff val="25000"/>
-                            </a:schemeClr>
-                          </a:solidFill>
-                        </a:rPr>
-                        <a:t>バグ報告</a:t>
-                      </a:r>
-                    </a:p>
-                  </a:txBody>
-                  <a:tcPr anchor="ctr">
-                    <a:solidFill>
-                      <a:schemeClr val="tx2">
-                        <a:lumMod val="20000"/>
-                        <a:lumOff val="80000"/>
-                      </a:schemeClr>
-                    </a:solidFill>
-                  </a:tcPr>
-                </a:tc>
-                <a:tc>
-                  <a:txBody>
-                    <a:bodyPr/>
-                    <a:lstStyle/>
-                    <a:p>
-                      <a:pPr algn="ctr"/>
-                      <a:r>
-                        <a:rPr kumimoji="1" lang="en-US" altLang="ja-JP" sz="1800" b="1" dirty="0">
-                          <a:solidFill>
-                            <a:schemeClr val="tx1">
-                              <a:lumMod val="75000"/>
-                              <a:lumOff val="25000"/>
-                            </a:schemeClr>
-                          </a:solidFill>
-                        </a:rPr>
-                        <a:t>22</a:t>
-                      </a:r>
-                      <a:endParaRPr kumimoji="1" lang="ja-JP" altLang="en-US" sz="1800" b="1" dirty="0">
-                        <a:solidFill>
-                          <a:schemeClr val="tx1">
-                            <a:lumMod val="75000"/>
-                            <a:lumOff val="25000"/>
-                          </a:schemeClr>
-                        </a:solidFill>
-                      </a:endParaRPr>
-                    </a:p>
-                  </a:txBody>
-                  <a:tcPr anchor="ctr">
-                    <a:solidFill>
-                      <a:srgbClr val="FFFF99"/>
-                    </a:solidFill>
-                  </a:tcPr>
-                </a:tc>
-                <a:tc>
-                  <a:txBody>
-                    <a:bodyPr/>
-                    <a:lstStyle/>
-                    <a:p>
-                      <a:pPr algn="ctr"/>
-                      <a:r>
-                        <a:rPr kumimoji="1" lang="en-US" altLang="ja-JP" sz="1800" b="1" dirty="0">
-                          <a:solidFill>
-                            <a:schemeClr val="tx1">
-                              <a:lumMod val="75000"/>
-                              <a:lumOff val="25000"/>
-                            </a:schemeClr>
-                          </a:solidFill>
-                        </a:rPr>
-                        <a:t>0</a:t>
-                      </a:r>
-                      <a:endParaRPr kumimoji="1" lang="ja-JP" altLang="en-US" sz="1800" b="1" dirty="0">
-                        <a:solidFill>
-                          <a:schemeClr val="tx1">
-                            <a:lumMod val="75000"/>
-                            <a:lumOff val="25000"/>
-                          </a:schemeClr>
-                        </a:solidFill>
-                      </a:endParaRPr>
-                    </a:p>
-                  </a:txBody>
-                  <a:tcPr anchor="ctr"/>
-                </a:tc>
-                <a:tc>
-                  <a:txBody>
-                    <a:bodyPr/>
-                    <a:lstStyle/>
-                    <a:p>
-                      <a:pPr algn="ctr"/>
-                      <a:r>
-                        <a:rPr kumimoji="1" lang="en-US" altLang="ja-JP" sz="1800" b="1" dirty="0">
-                          <a:solidFill>
-                            <a:schemeClr val="tx1">
-                              <a:lumMod val="75000"/>
-                              <a:lumOff val="25000"/>
-                            </a:schemeClr>
-                          </a:solidFill>
-                        </a:rPr>
-                        <a:t>6</a:t>
-                      </a:r>
-                      <a:endParaRPr kumimoji="1" lang="ja-JP" altLang="en-US" sz="1800" b="1" dirty="0">
-                        <a:solidFill>
-                          <a:schemeClr val="tx1">
-                            <a:lumMod val="75000"/>
-                            <a:lumOff val="25000"/>
-                          </a:schemeClr>
-                        </a:solidFill>
-                      </a:endParaRPr>
-                    </a:p>
-                  </a:txBody>
-                  <a:tcPr anchor="ctr"/>
-                </a:tc>
-                <a:tc>
-                  <a:txBody>
-                    <a:bodyPr/>
-                    <a:lstStyle/>
-                    <a:p>
-                      <a:pPr algn="ctr"/>
-                      <a:r>
-                        <a:rPr kumimoji="1" lang="en-US" altLang="ja-JP" sz="1800" b="1" dirty="0">
-                          <a:solidFill>
-                            <a:schemeClr val="tx1">
-                              <a:lumMod val="75000"/>
-                              <a:lumOff val="25000"/>
-                            </a:schemeClr>
-                          </a:solidFill>
-                        </a:rPr>
-                        <a:t>0.79</a:t>
-                      </a:r>
-                      <a:endParaRPr kumimoji="1" lang="ja-JP" altLang="en-US" sz="1800" b="1" dirty="0">
-                        <a:solidFill>
-                          <a:schemeClr val="tx1">
-                            <a:lumMod val="75000"/>
-                            <a:lumOff val="25000"/>
-                          </a:schemeClr>
-                        </a:solidFill>
-                      </a:endParaRPr>
-                    </a:p>
-                  </a:txBody>
-                  <a:tcPr anchor="ctr"/>
-                </a:tc>
-                <a:tc>
-                  <a:txBody>
-                    <a:bodyPr/>
-                    <a:lstStyle/>
-                    <a:p>
-                      <a:pPr algn="ctr"/>
-                      <a:r>
-                        <a:rPr kumimoji="1" lang="en-US" altLang="ja-JP" sz="1800" b="1" dirty="0">
-                          <a:solidFill>
-                            <a:schemeClr val="tx1">
-                              <a:lumMod val="75000"/>
-                              <a:lumOff val="25000"/>
-                            </a:schemeClr>
-                          </a:solidFill>
-                        </a:rPr>
-                        <a:t>0.79</a:t>
-                      </a:r>
-                      <a:endParaRPr kumimoji="1" lang="ja-JP" altLang="en-US" sz="1800" b="1" dirty="0">
-                        <a:solidFill>
-                          <a:schemeClr val="tx1">
-                            <a:lumMod val="75000"/>
-                            <a:lumOff val="25000"/>
-                          </a:schemeClr>
-                        </a:solidFill>
-                      </a:endParaRPr>
-                    </a:p>
-                  </a:txBody>
-                  <a:tcPr anchor="ctr"/>
-                </a:tc>
-                <a:tc>
-                  <a:txBody>
-                    <a:bodyPr/>
-                    <a:lstStyle/>
-                    <a:p>
-                      <a:pPr algn="ctr"/>
-                      <a:r>
-                        <a:rPr kumimoji="1" lang="en-US" altLang="ja-JP" sz="1800" b="1" dirty="0">
-                          <a:solidFill>
-                            <a:schemeClr val="tx1">
-                              <a:lumMod val="75000"/>
-                              <a:lumOff val="25000"/>
-                            </a:schemeClr>
-                          </a:solidFill>
-                        </a:rPr>
-                        <a:t>0.79</a:t>
-                      </a:r>
-                      <a:endParaRPr kumimoji="1" lang="ja-JP" altLang="en-US" sz="1800" b="1" dirty="0">
-                        <a:solidFill>
-                          <a:schemeClr val="tx1">
-                            <a:lumMod val="75000"/>
-                            <a:lumOff val="25000"/>
-                          </a:schemeClr>
-                        </a:solidFill>
-                      </a:endParaRPr>
-                    </a:p>
-                  </a:txBody>
-                  <a:tcPr anchor="ctr"/>
-                </a:tc>
-                <a:tc rowSpan="3">
-                  <a:txBody>
-                    <a:bodyPr/>
-                    <a:lstStyle/>
-                    <a:p>
-                      <a:pPr algn="ctr"/>
-                      <a:r>
-                        <a:rPr kumimoji="1" lang="en-US" altLang="ja-JP" sz="1800" b="1" dirty="0">
-                          <a:solidFill>
-                            <a:schemeClr val="tx1">
-                              <a:lumMod val="75000"/>
-                              <a:lumOff val="25000"/>
-                            </a:schemeClr>
-                          </a:solidFill>
-                        </a:rPr>
-                        <a:t>0.91</a:t>
-                      </a:r>
-                      <a:endParaRPr kumimoji="1" lang="ja-JP" altLang="en-US" sz="1800" b="1" dirty="0">
-                        <a:solidFill>
-                          <a:schemeClr val="tx1">
-                            <a:lumMod val="75000"/>
-                            <a:lumOff val="25000"/>
-                          </a:schemeClr>
-                        </a:solidFill>
-                      </a:endParaRPr>
-                    </a:p>
-                  </a:txBody>
-                  <a:tcPr anchor="ctr"/>
-                </a:tc>
-                <a:extLst>
-                  <a:ext uri="{0D108BD9-81ED-4DB2-BD59-A6C34878D82A}">
-                    <a16:rowId xmlns:a16="http://schemas.microsoft.com/office/drawing/2014/main" val="3098006258"/>
-                  </a:ext>
-                </a:extLst>
-              </a:tr>
-              <a:tr h="360485">
-                <a:tc vMerge="1">
-                  <a:txBody>
-                    <a:bodyPr/>
-                    <a:lstStyle/>
-                    <a:p>
-                      <a:pPr algn="ctr"/>
-                      <a:endParaRPr kumimoji="1" lang="ja-JP" altLang="en-US" sz="1400" b="1" dirty="0">
-                        <a:solidFill>
-                          <a:schemeClr val="tx1">
-                            <a:lumMod val="75000"/>
-                            <a:lumOff val="25000"/>
-                          </a:schemeClr>
-                        </a:solidFill>
-                      </a:endParaRPr>
-                    </a:p>
-                  </a:txBody>
-                  <a:tcPr anchor="ctr">
-                    <a:solidFill>
-                      <a:schemeClr val="tx2">
-                        <a:lumMod val="20000"/>
-                        <a:lumOff val="80000"/>
-                      </a:schemeClr>
-                    </a:solidFill>
-                  </a:tcPr>
-                </a:tc>
-                <a:tc>
-                  <a:txBody>
-                    <a:bodyPr/>
-                    <a:lstStyle/>
-                    <a:p>
-                      <a:pPr algn="ctr"/>
-                      <a:r>
-                        <a:rPr kumimoji="1" lang="ja-JP" altLang="en-US" sz="1800" b="1" dirty="0">
-                          <a:solidFill>
-                            <a:schemeClr val="tx1">
-                              <a:lumMod val="75000"/>
-                              <a:lumOff val="25000"/>
-                            </a:schemeClr>
-                          </a:solidFill>
-                        </a:rPr>
-                        <a:t>機能要求</a:t>
-                      </a:r>
-                    </a:p>
-                  </a:txBody>
-                  <a:tcPr anchor="ctr">
-                    <a:solidFill>
-                      <a:schemeClr val="tx2">
-                        <a:lumMod val="20000"/>
-                        <a:lumOff val="80000"/>
-                      </a:schemeClr>
-                    </a:solidFill>
-                  </a:tcPr>
-                </a:tc>
-                <a:tc>
-                  <a:txBody>
-                    <a:bodyPr/>
-                    <a:lstStyle/>
-                    <a:p>
-                      <a:pPr algn="ctr"/>
-                      <a:r>
-                        <a:rPr kumimoji="1" lang="en-US" altLang="ja-JP" sz="1800" b="1" dirty="0">
-                          <a:solidFill>
-                            <a:schemeClr val="tx1">
-                              <a:lumMod val="75000"/>
-                              <a:lumOff val="25000"/>
-                            </a:schemeClr>
-                          </a:solidFill>
-                        </a:rPr>
-                        <a:t>2</a:t>
-                      </a:r>
-                      <a:endParaRPr kumimoji="1" lang="ja-JP" altLang="en-US" sz="1800" b="1" dirty="0">
-                        <a:solidFill>
-                          <a:schemeClr val="tx1">
-                            <a:lumMod val="75000"/>
-                            <a:lumOff val="25000"/>
-                          </a:schemeClr>
-                        </a:solidFill>
-                      </a:endParaRPr>
-                    </a:p>
-                  </a:txBody>
-                  <a:tcPr anchor="ctr"/>
-                </a:tc>
-                <a:tc>
-                  <a:txBody>
-                    <a:bodyPr/>
-                    <a:lstStyle/>
-                    <a:p>
-                      <a:pPr algn="ctr"/>
-                      <a:r>
-                        <a:rPr kumimoji="1" lang="en-US" altLang="ja-JP" sz="1800" b="1" dirty="0">
-                          <a:solidFill>
-                            <a:schemeClr val="tx1">
-                              <a:lumMod val="75000"/>
-                              <a:lumOff val="25000"/>
-                            </a:schemeClr>
-                          </a:solidFill>
-                        </a:rPr>
-                        <a:t>1</a:t>
-                      </a:r>
-                      <a:endParaRPr kumimoji="1" lang="ja-JP" altLang="en-US" sz="1800" b="1" dirty="0">
-                        <a:solidFill>
-                          <a:schemeClr val="tx1">
-                            <a:lumMod val="75000"/>
-                            <a:lumOff val="25000"/>
-                          </a:schemeClr>
-                        </a:solidFill>
-                      </a:endParaRPr>
-                    </a:p>
-                  </a:txBody>
-                  <a:tcPr anchor="ctr">
-                    <a:solidFill>
-                      <a:srgbClr val="FFFF99"/>
-                    </a:solidFill>
-                  </a:tcPr>
-                </a:tc>
-                <a:tc>
-                  <a:txBody>
-                    <a:bodyPr/>
-                    <a:lstStyle/>
-                    <a:p>
-                      <a:pPr algn="ctr"/>
-                      <a:r>
-                        <a:rPr kumimoji="1" lang="en-US" altLang="ja-JP" sz="1800" b="1" dirty="0">
-                          <a:solidFill>
-                            <a:schemeClr val="tx1">
-                              <a:lumMod val="75000"/>
-                              <a:lumOff val="25000"/>
-                            </a:schemeClr>
-                          </a:solidFill>
-                        </a:rPr>
-                        <a:t>17</a:t>
-                      </a:r>
-                      <a:endParaRPr kumimoji="1" lang="ja-JP" altLang="en-US" sz="1800" b="1" dirty="0">
-                        <a:solidFill>
-                          <a:schemeClr val="tx1">
-                            <a:lumMod val="75000"/>
-                            <a:lumOff val="25000"/>
-                          </a:schemeClr>
-                        </a:solidFill>
-                      </a:endParaRPr>
-                    </a:p>
-                  </a:txBody>
-                  <a:tcPr anchor="ctr"/>
-                </a:tc>
-                <a:tc>
-                  <a:txBody>
-                    <a:bodyPr/>
-                    <a:lstStyle/>
-                    <a:p>
-                      <a:pPr algn="ctr"/>
-                      <a:r>
-                        <a:rPr kumimoji="1" lang="en-US" altLang="ja-JP" sz="1800" b="1" dirty="0">
-                          <a:solidFill>
-                            <a:schemeClr val="tx1">
-                              <a:lumMod val="75000"/>
-                              <a:lumOff val="25000"/>
-                            </a:schemeClr>
-                          </a:solidFill>
-                        </a:rPr>
-                        <a:t>0.33</a:t>
-                      </a:r>
-                      <a:endParaRPr kumimoji="1" lang="ja-JP" altLang="en-US" sz="1800" b="1" dirty="0">
-                        <a:solidFill>
-                          <a:schemeClr val="tx1">
-                            <a:lumMod val="75000"/>
-                            <a:lumOff val="25000"/>
-                          </a:schemeClr>
-                        </a:solidFill>
-                      </a:endParaRPr>
-                    </a:p>
-                  </a:txBody>
-                  <a:tcPr anchor="ctr"/>
-                </a:tc>
-                <a:tc>
-                  <a:txBody>
-                    <a:bodyPr/>
-                    <a:lstStyle/>
-                    <a:p>
-                      <a:pPr algn="ctr"/>
-                      <a:r>
-                        <a:rPr kumimoji="1" lang="en-US" altLang="ja-JP" sz="1800" b="1" dirty="0">
-                          <a:solidFill>
-                            <a:schemeClr val="tx1">
-                              <a:lumMod val="75000"/>
-                              <a:lumOff val="25000"/>
-                            </a:schemeClr>
-                          </a:solidFill>
-                        </a:rPr>
-                        <a:t>0.05</a:t>
-                      </a:r>
-                      <a:endParaRPr kumimoji="1" lang="ja-JP" altLang="en-US" sz="1800" b="1" dirty="0">
-                        <a:solidFill>
-                          <a:schemeClr val="tx1">
-                            <a:lumMod val="75000"/>
-                            <a:lumOff val="25000"/>
-                          </a:schemeClr>
-                        </a:solidFill>
-                      </a:endParaRPr>
-                    </a:p>
-                  </a:txBody>
-                  <a:tcPr anchor="ctr"/>
-                </a:tc>
-                <a:tc>
-                  <a:txBody>
-                    <a:bodyPr/>
-                    <a:lstStyle/>
-                    <a:p>
-                      <a:pPr algn="ctr"/>
-                      <a:r>
-                        <a:rPr kumimoji="1" lang="en-US" altLang="ja-JP" sz="1800" b="1" dirty="0">
-                          <a:solidFill>
-                            <a:schemeClr val="tx1">
-                              <a:lumMod val="75000"/>
-                              <a:lumOff val="25000"/>
-                            </a:schemeClr>
-                          </a:solidFill>
-                        </a:rPr>
-                        <a:t>0.09</a:t>
-                      </a:r>
-                      <a:endParaRPr kumimoji="1" lang="ja-JP" altLang="en-US" sz="1800" b="1" dirty="0">
-                        <a:solidFill>
-                          <a:schemeClr val="tx1">
-                            <a:lumMod val="75000"/>
-                            <a:lumOff val="25000"/>
-                          </a:schemeClr>
-                        </a:solidFill>
-                      </a:endParaRPr>
-                    </a:p>
-                  </a:txBody>
-                  <a:tcPr anchor="ctr"/>
-                </a:tc>
-                <a:tc vMerge="1">
-                  <a:txBody>
-                    <a:bodyPr/>
-                    <a:lstStyle/>
-                    <a:p>
-                      <a:pPr algn="ctr"/>
-                      <a:endParaRPr kumimoji="1" lang="ja-JP" altLang="en-US" sz="1800" b="1" dirty="0">
-                        <a:solidFill>
-                          <a:schemeClr val="tx1">
-                            <a:lumMod val="75000"/>
-                            <a:lumOff val="25000"/>
-                          </a:schemeClr>
-                        </a:solidFill>
-                      </a:endParaRPr>
-                    </a:p>
-                  </a:txBody>
-                  <a:tcPr anchor="ctr"/>
-                </a:tc>
-                <a:extLst>
-                  <a:ext uri="{0D108BD9-81ED-4DB2-BD59-A6C34878D82A}">
-                    <a16:rowId xmlns:a16="http://schemas.microsoft.com/office/drawing/2014/main" val="2471616886"/>
-                  </a:ext>
-                </a:extLst>
-              </a:tr>
-              <a:tr h="360485">
-                <a:tc vMerge="1">
-                  <a:txBody>
-                    <a:bodyPr/>
-                    <a:lstStyle/>
-                    <a:p>
-                      <a:pPr algn="ctr"/>
-                      <a:endParaRPr kumimoji="1" lang="ja-JP" altLang="en-US" sz="1400" b="1" dirty="0">
-                        <a:solidFill>
-                          <a:schemeClr val="tx1">
-                            <a:lumMod val="75000"/>
-                            <a:lumOff val="25000"/>
-                          </a:schemeClr>
-                        </a:solidFill>
-                      </a:endParaRPr>
-                    </a:p>
-                  </a:txBody>
-                  <a:tcPr anchor="ctr">
-                    <a:solidFill>
-                      <a:schemeClr val="tx2">
-                        <a:lumMod val="20000"/>
-                        <a:lumOff val="80000"/>
-                      </a:schemeClr>
-                    </a:solidFill>
-                  </a:tcPr>
-                </a:tc>
-                <a:tc>
-                  <a:txBody>
-                    <a:bodyPr/>
-                    <a:lstStyle/>
-                    <a:p>
-                      <a:pPr algn="ctr"/>
-                      <a:r>
-                        <a:rPr kumimoji="1" lang="ja-JP" altLang="en-US" sz="1800" b="1" dirty="0">
-                          <a:solidFill>
-                            <a:schemeClr val="tx1">
-                              <a:lumMod val="75000"/>
-                              <a:lumOff val="25000"/>
-                            </a:schemeClr>
-                          </a:solidFill>
-                        </a:rPr>
-                        <a:t>その他</a:t>
-                      </a:r>
-                    </a:p>
-                  </a:txBody>
-                  <a:tcPr anchor="ctr">
-                    <a:solidFill>
-                      <a:schemeClr val="tx2">
-                        <a:lumMod val="20000"/>
-                        <a:lumOff val="80000"/>
-                      </a:schemeClr>
-                    </a:solidFill>
-                  </a:tcPr>
-                </a:tc>
-                <a:tc>
-                  <a:txBody>
-                    <a:bodyPr/>
-                    <a:lstStyle/>
-                    <a:p>
-                      <a:pPr algn="ctr"/>
-                      <a:r>
-                        <a:rPr kumimoji="1" lang="en-US" altLang="ja-JP" sz="1800" b="1" dirty="0">
-                          <a:solidFill>
-                            <a:schemeClr val="tx1">
-                              <a:lumMod val="75000"/>
-                              <a:lumOff val="25000"/>
-                            </a:schemeClr>
-                          </a:solidFill>
-                        </a:rPr>
-                        <a:t>4</a:t>
-                      </a:r>
-                      <a:endParaRPr kumimoji="1" lang="ja-JP" altLang="en-US" sz="1800" b="1" dirty="0">
-                        <a:solidFill>
-                          <a:schemeClr val="tx1">
-                            <a:lumMod val="75000"/>
-                            <a:lumOff val="25000"/>
-                          </a:schemeClr>
-                        </a:solidFill>
-                      </a:endParaRPr>
-                    </a:p>
-                  </a:txBody>
-                  <a:tcPr anchor="ctr"/>
-                </a:tc>
-                <a:tc>
-                  <a:txBody>
-                    <a:bodyPr/>
-                    <a:lstStyle/>
-                    <a:p>
-                      <a:pPr algn="ctr"/>
-                      <a:r>
-                        <a:rPr kumimoji="1" lang="en-US" altLang="ja-JP" sz="1800" b="1" dirty="0">
-                          <a:solidFill>
-                            <a:schemeClr val="tx1">
-                              <a:lumMod val="75000"/>
-                              <a:lumOff val="25000"/>
-                            </a:schemeClr>
-                          </a:solidFill>
-                        </a:rPr>
-                        <a:t>2</a:t>
-                      </a:r>
-                      <a:endParaRPr kumimoji="1" lang="ja-JP" altLang="en-US" sz="1800" b="1" dirty="0">
-                        <a:solidFill>
-                          <a:schemeClr val="tx1">
-                            <a:lumMod val="75000"/>
-                            <a:lumOff val="25000"/>
-                          </a:schemeClr>
-                        </a:solidFill>
-                      </a:endParaRPr>
-                    </a:p>
-                  </a:txBody>
-                  <a:tcPr anchor="ctr"/>
-                </a:tc>
-                <a:tc>
-                  <a:txBody>
-                    <a:bodyPr/>
-                    <a:lstStyle/>
-                    <a:p>
-                      <a:pPr algn="ctr"/>
-                      <a:r>
-                        <a:rPr kumimoji="1" lang="en-US" altLang="ja-JP" sz="1800" b="1" dirty="0">
-                          <a:solidFill>
-                            <a:schemeClr val="tx1">
-                              <a:lumMod val="75000"/>
-                              <a:lumOff val="25000"/>
-                            </a:schemeClr>
-                          </a:solidFill>
-                        </a:rPr>
-                        <a:t>299</a:t>
-                      </a:r>
-                      <a:endParaRPr kumimoji="1" lang="ja-JP" altLang="en-US" sz="1800" b="1" dirty="0">
-                        <a:solidFill>
-                          <a:schemeClr val="tx1">
-                            <a:lumMod val="75000"/>
-                            <a:lumOff val="25000"/>
-                          </a:schemeClr>
-                        </a:solidFill>
-                      </a:endParaRPr>
-                    </a:p>
-                  </a:txBody>
-                  <a:tcPr anchor="ctr">
-                    <a:solidFill>
-                      <a:srgbClr val="FFFF99"/>
-                    </a:solidFill>
-                  </a:tcPr>
-                </a:tc>
-                <a:tc>
-                  <a:txBody>
-                    <a:bodyPr/>
-                    <a:lstStyle/>
-                    <a:p>
-                      <a:pPr algn="ctr"/>
-                      <a:r>
-                        <a:rPr kumimoji="1" lang="en-US" altLang="ja-JP" sz="1800" b="1" dirty="0">
-                          <a:solidFill>
-                            <a:schemeClr val="tx1">
-                              <a:lumMod val="75000"/>
-                              <a:lumOff val="25000"/>
-                            </a:schemeClr>
-                          </a:solidFill>
-                        </a:rPr>
-                        <a:t>0.93</a:t>
-                      </a:r>
-                      <a:endParaRPr kumimoji="1" lang="ja-JP" altLang="en-US" sz="1800" b="1" dirty="0">
-                        <a:solidFill>
-                          <a:schemeClr val="tx1">
-                            <a:lumMod val="75000"/>
-                            <a:lumOff val="25000"/>
-                          </a:schemeClr>
-                        </a:solidFill>
-                      </a:endParaRPr>
-                    </a:p>
-                  </a:txBody>
-                  <a:tcPr anchor="ctr">
-                    <a:noFill/>
-                  </a:tcPr>
-                </a:tc>
-                <a:tc>
-                  <a:txBody>
-                    <a:bodyPr/>
-                    <a:lstStyle/>
-                    <a:p>
-                      <a:pPr algn="ctr"/>
-                      <a:r>
-                        <a:rPr kumimoji="1" lang="en-US" altLang="ja-JP" sz="1800" b="1" dirty="0">
-                          <a:solidFill>
-                            <a:schemeClr val="tx1">
-                              <a:lumMod val="75000"/>
-                              <a:lumOff val="25000"/>
-                            </a:schemeClr>
-                          </a:solidFill>
-                        </a:rPr>
-                        <a:t>0.98</a:t>
-                      </a:r>
-                      <a:endParaRPr kumimoji="1" lang="ja-JP" altLang="en-US" sz="1800" b="1" dirty="0">
-                        <a:solidFill>
-                          <a:schemeClr val="tx1">
-                            <a:lumMod val="75000"/>
-                            <a:lumOff val="25000"/>
-                          </a:schemeClr>
-                        </a:solidFill>
-                      </a:endParaRPr>
-                    </a:p>
-                  </a:txBody>
-                  <a:tcPr anchor="ctr">
-                    <a:noFill/>
-                  </a:tcPr>
-                </a:tc>
-                <a:tc>
-                  <a:txBody>
-                    <a:bodyPr/>
-                    <a:lstStyle/>
-                    <a:p>
-                      <a:pPr algn="ctr"/>
-                      <a:r>
-                        <a:rPr kumimoji="1" lang="en-US" altLang="ja-JP" sz="1800" b="1" dirty="0">
-                          <a:solidFill>
-                            <a:schemeClr val="tx1">
-                              <a:lumMod val="75000"/>
-                              <a:lumOff val="25000"/>
-                            </a:schemeClr>
-                          </a:solidFill>
-                        </a:rPr>
-                        <a:t>0.89</a:t>
-                      </a:r>
-                      <a:endParaRPr kumimoji="1" lang="ja-JP" altLang="en-US" sz="1800" b="1" dirty="0">
-                        <a:solidFill>
-                          <a:schemeClr val="tx1">
-                            <a:lumMod val="75000"/>
-                            <a:lumOff val="25000"/>
-                          </a:schemeClr>
-                        </a:solidFill>
-                      </a:endParaRPr>
-                    </a:p>
-                  </a:txBody>
-                  <a:tcPr anchor="ctr">
-                    <a:noFill/>
-                  </a:tcPr>
-                </a:tc>
-                <a:tc vMerge="1">
-                  <a:txBody>
-                    <a:bodyPr/>
-                    <a:lstStyle/>
-                    <a:p>
-                      <a:pPr algn="ctr"/>
-                      <a:endParaRPr kumimoji="1" lang="ja-JP" altLang="en-US" sz="1800" b="1" dirty="0">
-                        <a:solidFill>
-                          <a:schemeClr val="tx1">
-                            <a:lumMod val="75000"/>
-                            <a:lumOff val="25000"/>
-                          </a:schemeClr>
-                        </a:solidFill>
-                      </a:endParaRPr>
-                    </a:p>
-                  </a:txBody>
-                  <a:tcPr anchor="ctr">
-                    <a:noFill/>
-                  </a:tcPr>
-                </a:tc>
-                <a:extLst>
-                  <a:ext uri="{0D108BD9-81ED-4DB2-BD59-A6C34878D82A}">
-                    <a16:rowId xmlns:a16="http://schemas.microsoft.com/office/drawing/2014/main" val="1654385434"/>
-                  </a:ext>
-                </a:extLst>
-              </a:tr>
-            </a:tbl>
-          </a:graphicData>
-        </a:graphic>
-      </p:graphicFrame>
       <p:cxnSp>
         <p:nvCxnSpPr>
           <p:cNvPr id="8" name="直線コネクタ 7">
@@ -9835,56 +8289,934 @@
           </a:fontRef>
         </p:style>
       </p:cxnSp>
-      <p:cxnSp>
-        <p:nvCxnSpPr>
-          <p:cNvPr id="9" name="直線コネクタ 8">
+    </p:spTree>
+    <p:extLst>
+      <p:ext uri="{BB962C8B-B14F-4D97-AF65-F5344CB8AC3E}">
+        <p14:creationId xmlns:p14="http://schemas.microsoft.com/office/powerpoint/2010/main" val="466407853"/>
+      </p:ext>
+    </p:extLst>
+  </p:cSld>
+  <p:clrMapOvr>
+    <a:masterClrMapping/>
+  </p:clrMapOvr>
+</p:sld>
+</file>
+
+<file path=ppt/slides/slide10.xml><?xml version="1.0" encoding="utf-8"?>
+<p:sld xmlns:a="http://schemas.openxmlformats.org/drawingml/2006/main" xmlns:r="http://schemas.openxmlformats.org/officeDocument/2006/relationships" xmlns:p="http://schemas.openxmlformats.org/presentationml/2006/main">
+  <p:cSld>
+    <p:spTree>
+      <p:nvGrpSpPr>
+        <p:cNvPr id="1" name=""/>
+        <p:cNvGrpSpPr/>
+        <p:nvPr/>
+      </p:nvGrpSpPr>
+      <p:grpSpPr>
+        <a:xfrm>
+          <a:off x="0" y="0"/>
+          <a:ext cx="0" cy="0"/>
+          <a:chOff x="0" y="0"/>
+          <a:chExt cx="0" cy="0"/>
+        </a:xfrm>
+      </p:grpSpPr>
+      <p:sp>
+        <p:nvSpPr>
+          <p:cNvPr id="8" name="正方形/長方形 7">
             <a:extLst>
               <a:ext uri="{FF2B5EF4-FFF2-40B4-BE49-F238E27FC236}">
-                <a16:creationId xmlns:a16="http://schemas.microsoft.com/office/drawing/2014/main" id="{0B22DF8F-9DC9-4E57-B6B4-5C0B3E3CB7C5}"/>
+                <a16:creationId xmlns:a16="http://schemas.microsoft.com/office/drawing/2014/main" id="{B5A2879A-7480-4568-9425-279180539C41}"/>
               </a:ext>
             </a:extLst>
           </p:cNvPr>
-          <p:cNvCxnSpPr>
-            <a:cxnSpLocks/>
-          </p:cNvCxnSpPr>
+          <p:cNvSpPr/>
           <p:nvPr/>
-        </p:nvCxnSpPr>
+        </p:nvSpPr>
         <p:spPr>
           <a:xfrm>
-            <a:off x="5086562" y="6604678"/>
-            <a:ext cx="0" cy="1828800"/>
+            <a:off x="154518" y="1214854"/>
+            <a:ext cx="8858668" cy="3720607"/>
           </a:xfrm>
-          <a:prstGeom prst="line">
+          <a:prstGeom prst="rect">
             <a:avLst/>
           </a:prstGeom>
-          <a:ln w="19050">
-            <a:solidFill>
-              <a:schemeClr val="tx1">
-                <a:lumMod val="75000"/>
-                <a:lumOff val="25000"/>
-              </a:schemeClr>
-            </a:solidFill>
+          <a:solidFill>
+            <a:schemeClr val="bg1"/>
+          </a:solidFill>
+          <a:ln>
+            <a:noFill/>
           </a:ln>
         </p:spPr>
         <p:style>
-          <a:lnRef idx="1">
-            <a:schemeClr val="accent1"/>
+          <a:lnRef idx="2">
+            <a:schemeClr val="accent1">
+              <a:shade val="50000"/>
+            </a:schemeClr>
           </a:lnRef>
-          <a:fillRef idx="0">
+          <a:fillRef idx="1">
             <a:schemeClr val="accent1"/>
           </a:fillRef>
           <a:effectRef idx="0">
             <a:schemeClr val="accent1"/>
           </a:effectRef>
           <a:fontRef idx="minor">
-            <a:schemeClr val="tx1"/>
+            <a:schemeClr val="lt1"/>
           </a:fontRef>
         </p:style>
-      </p:cxnSp>
+        <p:txBody>
+          <a:bodyPr rtlCol="0" anchor="ctr"/>
+          <a:lstStyle/>
+          <a:p>
+            <a:pPr algn="ctr"/>
+            <a:endParaRPr kumimoji="1" lang="ja-JP" altLang="en-US"/>
+          </a:p>
+        </p:txBody>
+      </p:sp>
+      <p:sp>
+        <p:nvSpPr>
+          <p:cNvPr id="2" name="タイトル 1"/>
+          <p:cNvSpPr>
+            <a:spLocks noGrp="1"/>
+          </p:cNvSpPr>
+          <p:nvPr>
+            <p:ph type="title"/>
+          </p:nvPr>
+        </p:nvSpPr>
+        <p:spPr/>
+        <p:txBody>
+          <a:bodyPr>
+            <a:normAutofit fontScale="90000"/>
+          </a:bodyPr>
+          <a:lstStyle/>
+          <a:p>
+            <a:r>
+              <a:rPr lang="en-US" altLang="ja-JP" dirty="0"/>
+              <a:t>PR</a:t>
+            </a:r>
+            <a:r>
+              <a:rPr lang="ja-JP" altLang="en-US" dirty="0"/>
+              <a:t>曲線</a:t>
+            </a:r>
+            <a:r>
+              <a:rPr lang="en-US" altLang="ja-JP" dirty="0"/>
+              <a:t>(Euro truck sim)</a:t>
+            </a:r>
+            <a:endParaRPr kumimoji="1" lang="ja-JP" altLang="en-US" dirty="0"/>
+          </a:p>
+        </p:txBody>
+      </p:sp>
+      <p:sp>
+        <p:nvSpPr>
+          <p:cNvPr id="4" name="スライド番号プレースホルダー 3"/>
+          <p:cNvSpPr>
+            <a:spLocks noGrp="1"/>
+          </p:cNvSpPr>
+          <p:nvPr>
+            <p:ph type="sldNum" sz="quarter" idx="12"/>
+          </p:nvPr>
+        </p:nvSpPr>
+        <p:spPr/>
+        <p:txBody>
+          <a:bodyPr/>
+          <a:lstStyle/>
+          <a:p>
+            <a:fld id="{310E90F2-0F65-4717-A352-08170F7BDCAA}" type="slidenum">
+              <a:rPr kumimoji="1" lang="ja-JP" altLang="en-US" smtClean="0"/>
+              <a:t>9</a:t>
+            </a:fld>
+            <a:endParaRPr kumimoji="1" lang="ja-JP" altLang="en-US" dirty="0"/>
+          </a:p>
+        </p:txBody>
+      </p:sp>
+      <p:pic>
+        <p:nvPicPr>
+          <p:cNvPr id="11" name="図 10"/>
+          <p:cNvPicPr>
+            <a:picLocks noChangeAspect="1"/>
+          </p:cNvPicPr>
+          <p:nvPr/>
+        </p:nvPicPr>
+        <p:blipFill>
+          <a:blip r:embed="rId2">
+            <a:extLst>
+              <a:ext uri="{28A0092B-C50C-407E-A947-70E740481C1C}">
+                <a14:useLocalDpi xmlns:a14="http://schemas.microsoft.com/office/drawing/2010/main" val="0"/>
+              </a:ext>
+            </a:extLst>
+          </a:blip>
+          <a:stretch>
+            <a:fillRect/>
+          </a:stretch>
+        </p:blipFill>
+        <p:spPr>
+          <a:xfrm>
+            <a:off x="154517" y="1842275"/>
+            <a:ext cx="4125071" cy="3081318"/>
+          </a:xfrm>
+          <a:prstGeom prst="rect">
+            <a:avLst/>
+          </a:prstGeom>
+        </p:spPr>
+      </p:pic>
+      <p:sp>
+        <p:nvSpPr>
+          <p:cNvPr id="14" name="テキスト ボックス 13"/>
+          <p:cNvSpPr txBox="1"/>
+          <p:nvPr/>
+        </p:nvSpPr>
+        <p:spPr>
+          <a:xfrm>
+            <a:off x="154517" y="1214854"/>
+            <a:ext cx="4116916" cy="615553"/>
+          </a:xfrm>
+          <a:prstGeom prst="rect">
+            <a:avLst/>
+          </a:prstGeom>
+          <a:noFill/>
+        </p:spPr>
+        <p:txBody>
+          <a:bodyPr wrap="square" rtlCol="0">
+            <a:spAutoFit/>
+          </a:bodyPr>
+          <a:lstStyle/>
+          <a:p>
+            <a:r>
+              <a:rPr kumimoji="1" lang="ja-JP" altLang="en-US" dirty="0"/>
+              <a:t>既存手法</a:t>
+            </a:r>
+            <a:br>
+              <a:rPr kumimoji="1" lang="en-US" altLang="ja-JP" dirty="0"/>
+            </a:br>
+            <a:r>
+              <a:rPr kumimoji="1" lang="en-US" altLang="ja-JP" sz="1600" dirty="0"/>
+              <a:t>(</a:t>
+            </a:r>
+            <a:r>
+              <a:rPr kumimoji="1" lang="ja-JP" altLang="en-US" sz="1600" dirty="0"/>
+              <a:t>教師データ</a:t>
+            </a:r>
+            <a:r>
+              <a:rPr kumimoji="1" lang="en-US" altLang="ja-JP" sz="1600" dirty="0"/>
+              <a:t>:review</a:t>
+            </a:r>
+            <a:r>
+              <a:rPr kumimoji="1" lang="ja-JP" altLang="en-US" sz="1600" dirty="0" err="1"/>
+              <a:t>，</a:t>
+            </a:r>
+            <a:r>
+              <a:rPr kumimoji="1" lang="ja-JP" altLang="en-US" sz="1600" dirty="0"/>
+              <a:t>テストデータ</a:t>
+            </a:r>
+            <a:r>
+              <a:rPr kumimoji="1" lang="en-US" altLang="ja-JP" sz="1600" dirty="0"/>
+              <a:t>:review)</a:t>
+            </a:r>
+            <a:endParaRPr kumimoji="1" lang="ja-JP" altLang="en-US" sz="1600" dirty="0"/>
+          </a:p>
+        </p:txBody>
+      </p:sp>
+      <p:sp>
+        <p:nvSpPr>
+          <p:cNvPr id="15" name="テキスト ボックス 14"/>
+          <p:cNvSpPr txBox="1"/>
+          <p:nvPr/>
+        </p:nvSpPr>
+        <p:spPr>
+          <a:xfrm>
+            <a:off x="4896269" y="1214854"/>
+            <a:ext cx="4116916" cy="615553"/>
+          </a:xfrm>
+          <a:prstGeom prst="rect">
+            <a:avLst/>
+          </a:prstGeom>
+          <a:noFill/>
+        </p:spPr>
+        <p:txBody>
+          <a:bodyPr wrap="square" rtlCol="0">
+            <a:spAutoFit/>
+          </a:bodyPr>
+          <a:lstStyle/>
+          <a:p>
+            <a:r>
+              <a:rPr lang="ja-JP" altLang="en-US" dirty="0"/>
+              <a:t>提案</a:t>
+            </a:r>
+            <a:r>
+              <a:rPr kumimoji="1" lang="ja-JP" altLang="en-US" dirty="0"/>
+              <a:t>手法</a:t>
+            </a:r>
+            <a:br>
+              <a:rPr kumimoji="1" lang="en-US" altLang="ja-JP" dirty="0"/>
+            </a:br>
+            <a:r>
+              <a:rPr kumimoji="1" lang="en-US" altLang="ja-JP" sz="1600" dirty="0"/>
+              <a:t>(</a:t>
+            </a:r>
+            <a:r>
+              <a:rPr kumimoji="1" lang="ja-JP" altLang="en-US" sz="1600" dirty="0"/>
+              <a:t>教師データ</a:t>
+            </a:r>
+            <a:r>
+              <a:rPr kumimoji="1" lang="en-US" altLang="ja-JP" sz="1600" dirty="0"/>
+              <a:t>:forum</a:t>
+            </a:r>
+            <a:r>
+              <a:rPr kumimoji="1" lang="ja-JP" altLang="en-US" sz="1600" dirty="0" err="1"/>
+              <a:t>，</a:t>
+            </a:r>
+            <a:r>
+              <a:rPr kumimoji="1" lang="ja-JP" altLang="en-US" sz="1600" dirty="0"/>
+              <a:t>テストデータ</a:t>
+            </a:r>
+            <a:r>
+              <a:rPr kumimoji="1" lang="en-US" altLang="ja-JP" sz="1600" dirty="0"/>
+              <a:t>:review)</a:t>
+            </a:r>
+            <a:endParaRPr kumimoji="1" lang="ja-JP" altLang="en-US" sz="1600" dirty="0"/>
+          </a:p>
+        </p:txBody>
+      </p:sp>
+      <p:pic>
+        <p:nvPicPr>
+          <p:cNvPr id="12" name="図 11"/>
+          <p:cNvPicPr>
+            <a:picLocks noChangeAspect="1"/>
+          </p:cNvPicPr>
+          <p:nvPr/>
+        </p:nvPicPr>
+        <p:blipFill>
+          <a:blip r:embed="rId3">
+            <a:extLst>
+              <a:ext uri="{28A0092B-C50C-407E-A947-70E740481C1C}">
+                <a14:useLocalDpi xmlns:a14="http://schemas.microsoft.com/office/drawing/2010/main" val="0"/>
+              </a:ext>
+            </a:extLst>
+          </a:blip>
+          <a:stretch>
+            <a:fillRect/>
+          </a:stretch>
+        </p:blipFill>
+        <p:spPr>
+          <a:xfrm>
+            <a:off x="4896268" y="1842275"/>
+            <a:ext cx="4125071" cy="3081318"/>
+          </a:xfrm>
+          <a:prstGeom prst="rect">
+            <a:avLst/>
+          </a:prstGeom>
+        </p:spPr>
+      </p:pic>
     </p:spTree>
     <p:extLst>
       <p:ext uri="{BB962C8B-B14F-4D97-AF65-F5344CB8AC3E}">
-        <p14:creationId xmlns:p14="http://schemas.microsoft.com/office/powerpoint/2010/main" val="466407853"/>
+        <p14:creationId xmlns:p14="http://schemas.microsoft.com/office/powerpoint/2010/main" val="791203068"/>
+      </p:ext>
+    </p:extLst>
+  </p:cSld>
+  <p:clrMapOvr>
+    <a:masterClrMapping/>
+  </p:clrMapOvr>
+</p:sld>
+</file>
+
+<file path=ppt/slides/slide11.xml><?xml version="1.0" encoding="utf-8"?>
+<p:sld xmlns:a="http://schemas.openxmlformats.org/drawingml/2006/main" xmlns:r="http://schemas.openxmlformats.org/officeDocument/2006/relationships" xmlns:p="http://schemas.openxmlformats.org/presentationml/2006/main">
+  <p:cSld>
+    <p:spTree>
+      <p:nvGrpSpPr>
+        <p:cNvPr id="1" name=""/>
+        <p:cNvGrpSpPr/>
+        <p:nvPr/>
+      </p:nvGrpSpPr>
+      <p:grpSpPr>
+        <a:xfrm>
+          <a:off x="0" y="0"/>
+          <a:ext cx="0" cy="0"/>
+          <a:chOff x="0" y="0"/>
+          <a:chExt cx="0" cy="0"/>
+        </a:xfrm>
+      </p:grpSpPr>
+      <p:sp>
+        <p:nvSpPr>
+          <p:cNvPr id="3" name="正方形/長方形 2">
+            <a:extLst>
+              <a:ext uri="{FF2B5EF4-FFF2-40B4-BE49-F238E27FC236}">
+                <a16:creationId xmlns:a16="http://schemas.microsoft.com/office/drawing/2014/main" id="{C158D707-C31A-4138-AEA5-90A48966A753}"/>
+              </a:ext>
+            </a:extLst>
+          </p:cNvPr>
+          <p:cNvSpPr/>
+          <p:nvPr/>
+        </p:nvSpPr>
+        <p:spPr>
+          <a:xfrm>
+            <a:off x="154518" y="1214854"/>
+            <a:ext cx="8858668" cy="3720607"/>
+          </a:xfrm>
+          <a:prstGeom prst="rect">
+            <a:avLst/>
+          </a:prstGeom>
+          <a:solidFill>
+            <a:schemeClr val="bg1"/>
+          </a:solidFill>
+          <a:ln>
+            <a:noFill/>
+          </a:ln>
+        </p:spPr>
+        <p:style>
+          <a:lnRef idx="2">
+            <a:schemeClr val="accent1">
+              <a:shade val="50000"/>
+            </a:schemeClr>
+          </a:lnRef>
+          <a:fillRef idx="1">
+            <a:schemeClr val="accent1"/>
+          </a:fillRef>
+          <a:effectRef idx="0">
+            <a:schemeClr val="accent1"/>
+          </a:effectRef>
+          <a:fontRef idx="minor">
+            <a:schemeClr val="lt1"/>
+          </a:fontRef>
+        </p:style>
+        <p:txBody>
+          <a:bodyPr rtlCol="0" anchor="ctr"/>
+          <a:lstStyle/>
+          <a:p>
+            <a:pPr algn="ctr"/>
+            <a:endParaRPr kumimoji="1" lang="ja-JP" altLang="en-US"/>
+          </a:p>
+        </p:txBody>
+      </p:sp>
+      <p:sp>
+        <p:nvSpPr>
+          <p:cNvPr id="2" name="タイトル 1"/>
+          <p:cNvSpPr>
+            <a:spLocks noGrp="1"/>
+          </p:cNvSpPr>
+          <p:nvPr>
+            <p:ph type="title"/>
+          </p:nvPr>
+        </p:nvSpPr>
+        <p:spPr/>
+        <p:txBody>
+          <a:bodyPr>
+            <a:normAutofit fontScale="90000"/>
+          </a:bodyPr>
+          <a:lstStyle/>
+          <a:p>
+            <a:r>
+              <a:rPr lang="en-US" altLang="ja-JP" dirty="0"/>
+              <a:t>PR</a:t>
+            </a:r>
+            <a:r>
+              <a:rPr lang="ja-JP" altLang="en-US" dirty="0"/>
+              <a:t>曲線</a:t>
+            </a:r>
+            <a:r>
+              <a:rPr lang="en-US" altLang="ja-JP" dirty="0"/>
+              <a:t>(Cities: Skylines)-</a:t>
+            </a:r>
+            <a:r>
+              <a:rPr lang="en-US" altLang="ja-JP" sz="3600" dirty="0"/>
+              <a:t>cross</a:t>
+            </a:r>
+            <a:endParaRPr kumimoji="1" lang="ja-JP" altLang="en-US" dirty="0"/>
+          </a:p>
+        </p:txBody>
+      </p:sp>
+      <p:sp>
+        <p:nvSpPr>
+          <p:cNvPr id="4" name="スライド番号プレースホルダー 3"/>
+          <p:cNvSpPr>
+            <a:spLocks noGrp="1"/>
+          </p:cNvSpPr>
+          <p:nvPr>
+            <p:ph type="sldNum" sz="quarter" idx="12"/>
+          </p:nvPr>
+        </p:nvSpPr>
+        <p:spPr/>
+        <p:txBody>
+          <a:bodyPr/>
+          <a:lstStyle/>
+          <a:p>
+            <a:fld id="{310E90F2-0F65-4717-A352-08170F7BDCAA}" type="slidenum">
+              <a:rPr kumimoji="1" lang="ja-JP" altLang="en-US" smtClean="0"/>
+              <a:t>10</a:t>
+            </a:fld>
+            <a:endParaRPr kumimoji="1" lang="ja-JP" altLang="en-US" dirty="0"/>
+          </a:p>
+        </p:txBody>
+      </p:sp>
+      <p:sp>
+        <p:nvSpPr>
+          <p:cNvPr id="14" name="テキスト ボックス 13"/>
+          <p:cNvSpPr txBox="1"/>
+          <p:nvPr/>
+        </p:nvSpPr>
+        <p:spPr>
+          <a:xfrm>
+            <a:off x="154517" y="1214854"/>
+            <a:ext cx="4116916" cy="646331"/>
+          </a:xfrm>
+          <a:prstGeom prst="rect">
+            <a:avLst/>
+          </a:prstGeom>
+          <a:noFill/>
+        </p:spPr>
+        <p:txBody>
+          <a:bodyPr wrap="square" rtlCol="0">
+            <a:spAutoFit/>
+          </a:bodyPr>
+          <a:lstStyle/>
+          <a:p>
+            <a:r>
+              <a:rPr kumimoji="1" lang="ja-JP" altLang="en-US" dirty="0"/>
+              <a:t>教師データ</a:t>
+            </a:r>
+            <a:r>
+              <a:rPr kumimoji="1" lang="en-US" altLang="ja-JP" dirty="0"/>
+              <a:t>:	Cities: Skylines</a:t>
+            </a:r>
+            <a:br>
+              <a:rPr lang="en-US" altLang="ja-JP" dirty="0"/>
+            </a:br>
+            <a:r>
+              <a:rPr kumimoji="1" lang="ja-JP" altLang="en-US" dirty="0"/>
+              <a:t>テストデータ</a:t>
+            </a:r>
+            <a:r>
+              <a:rPr kumimoji="1" lang="en-US" altLang="ja-JP" dirty="0"/>
+              <a:t>:	</a:t>
+            </a:r>
+            <a:r>
+              <a:rPr lang="en-US" altLang="ja-JP" dirty="0"/>
+              <a:t>Cities: Skylines</a:t>
+            </a:r>
+            <a:endParaRPr kumimoji="1" lang="ja-JP" altLang="en-US" dirty="0"/>
+          </a:p>
+        </p:txBody>
+      </p:sp>
+      <p:sp>
+        <p:nvSpPr>
+          <p:cNvPr id="15" name="テキスト ボックス 14"/>
+          <p:cNvSpPr txBox="1"/>
+          <p:nvPr/>
+        </p:nvSpPr>
+        <p:spPr>
+          <a:xfrm>
+            <a:off x="4896269" y="1214854"/>
+            <a:ext cx="4116916" cy="646331"/>
+          </a:xfrm>
+          <a:prstGeom prst="rect">
+            <a:avLst/>
+          </a:prstGeom>
+          <a:noFill/>
+        </p:spPr>
+        <p:txBody>
+          <a:bodyPr wrap="square" rtlCol="0">
+            <a:spAutoFit/>
+          </a:bodyPr>
+          <a:lstStyle/>
+          <a:p>
+            <a:r>
+              <a:rPr lang="ja-JP" altLang="en-US" dirty="0"/>
+              <a:t>教師データ</a:t>
+            </a:r>
+            <a:r>
+              <a:rPr lang="en-US" altLang="ja-JP" dirty="0"/>
+              <a:t>:	Eur truck sim</a:t>
+            </a:r>
+            <a:br>
+              <a:rPr lang="en-US" altLang="ja-JP" dirty="0"/>
+            </a:br>
+            <a:r>
+              <a:rPr lang="ja-JP" altLang="en-US" dirty="0"/>
+              <a:t>テストデータ</a:t>
+            </a:r>
+            <a:r>
+              <a:rPr lang="en-US" altLang="ja-JP" dirty="0"/>
+              <a:t>:	Cities: Skylines</a:t>
+            </a:r>
+            <a:endParaRPr lang="ja-JP" altLang="en-US" dirty="0"/>
+          </a:p>
+        </p:txBody>
+      </p:sp>
+      <p:pic>
+        <p:nvPicPr>
+          <p:cNvPr id="12" name="図 11"/>
+          <p:cNvPicPr>
+            <a:picLocks noChangeAspect="1"/>
+          </p:cNvPicPr>
+          <p:nvPr/>
+        </p:nvPicPr>
+        <p:blipFill>
+          <a:blip r:embed="rId2">
+            <a:extLst>
+              <a:ext uri="{28A0092B-C50C-407E-A947-70E740481C1C}">
+                <a14:useLocalDpi xmlns:a14="http://schemas.microsoft.com/office/drawing/2010/main" val="0"/>
+              </a:ext>
+            </a:extLst>
+          </a:blip>
+          <a:stretch>
+            <a:fillRect/>
+          </a:stretch>
+        </p:blipFill>
+        <p:spPr>
+          <a:xfrm>
+            <a:off x="4896268" y="1842275"/>
+            <a:ext cx="4125071" cy="3081318"/>
+          </a:xfrm>
+          <a:prstGeom prst="rect">
+            <a:avLst/>
+          </a:prstGeom>
+        </p:spPr>
+      </p:pic>
+      <p:pic>
+        <p:nvPicPr>
+          <p:cNvPr id="16" name="図 15">
+            <a:extLst>
+              <a:ext uri="{FF2B5EF4-FFF2-40B4-BE49-F238E27FC236}">
+                <a16:creationId xmlns:a16="http://schemas.microsoft.com/office/drawing/2014/main" id="{6633E967-DAFD-45B2-9928-909541A92C69}"/>
+              </a:ext>
+            </a:extLst>
+          </p:cNvPr>
+          <p:cNvPicPr>
+            <a:picLocks noChangeAspect="1"/>
+          </p:cNvPicPr>
+          <p:nvPr/>
+        </p:nvPicPr>
+        <p:blipFill>
+          <a:blip r:embed="rId3">
+            <a:extLst>
+              <a:ext uri="{28A0092B-C50C-407E-A947-70E740481C1C}">
+                <a14:useLocalDpi xmlns:a14="http://schemas.microsoft.com/office/drawing/2010/main" val="0"/>
+              </a:ext>
+            </a:extLst>
+          </a:blip>
+          <a:stretch>
+            <a:fillRect/>
+          </a:stretch>
+        </p:blipFill>
+        <p:spPr>
+          <a:xfrm>
+            <a:off x="154516" y="1842274"/>
+            <a:ext cx="4125072" cy="3081319"/>
+          </a:xfrm>
+          <a:prstGeom prst="rect">
+            <a:avLst/>
+          </a:prstGeom>
+        </p:spPr>
+      </p:pic>
+    </p:spTree>
+    <p:extLst>
+      <p:ext uri="{BB962C8B-B14F-4D97-AF65-F5344CB8AC3E}">
+        <p14:creationId xmlns:p14="http://schemas.microsoft.com/office/powerpoint/2010/main" val="2542627037"/>
+      </p:ext>
+    </p:extLst>
+  </p:cSld>
+  <p:clrMapOvr>
+    <a:masterClrMapping/>
+  </p:clrMapOvr>
+</p:sld>
+</file>
+
+<file path=ppt/slides/slide12.xml><?xml version="1.0" encoding="utf-8"?>
+<p:sld xmlns:a="http://schemas.openxmlformats.org/drawingml/2006/main" xmlns:r="http://schemas.openxmlformats.org/officeDocument/2006/relationships" xmlns:p="http://schemas.openxmlformats.org/presentationml/2006/main">
+  <p:cSld>
+    <p:spTree>
+      <p:nvGrpSpPr>
+        <p:cNvPr id="1" name=""/>
+        <p:cNvGrpSpPr/>
+        <p:nvPr/>
+      </p:nvGrpSpPr>
+      <p:grpSpPr>
+        <a:xfrm>
+          <a:off x="0" y="0"/>
+          <a:ext cx="0" cy="0"/>
+          <a:chOff x="0" y="0"/>
+          <a:chExt cx="0" cy="0"/>
+        </a:xfrm>
+      </p:grpSpPr>
+      <p:sp>
+        <p:nvSpPr>
+          <p:cNvPr id="3" name="正方形/長方形 2">
+            <a:extLst>
+              <a:ext uri="{FF2B5EF4-FFF2-40B4-BE49-F238E27FC236}">
+                <a16:creationId xmlns:a16="http://schemas.microsoft.com/office/drawing/2014/main" id="{C158D707-C31A-4138-AEA5-90A48966A753}"/>
+              </a:ext>
+            </a:extLst>
+          </p:cNvPr>
+          <p:cNvSpPr/>
+          <p:nvPr/>
+        </p:nvSpPr>
+        <p:spPr>
+          <a:xfrm>
+            <a:off x="154518" y="1214854"/>
+            <a:ext cx="8858668" cy="3720607"/>
+          </a:xfrm>
+          <a:prstGeom prst="rect">
+            <a:avLst/>
+          </a:prstGeom>
+          <a:solidFill>
+            <a:schemeClr val="bg1"/>
+          </a:solidFill>
+          <a:ln>
+            <a:noFill/>
+          </a:ln>
+        </p:spPr>
+        <p:style>
+          <a:lnRef idx="2">
+            <a:schemeClr val="accent1">
+              <a:shade val="50000"/>
+            </a:schemeClr>
+          </a:lnRef>
+          <a:fillRef idx="1">
+            <a:schemeClr val="accent1"/>
+          </a:fillRef>
+          <a:effectRef idx="0">
+            <a:schemeClr val="accent1"/>
+          </a:effectRef>
+          <a:fontRef idx="minor">
+            <a:schemeClr val="lt1"/>
+          </a:fontRef>
+        </p:style>
+        <p:txBody>
+          <a:bodyPr rtlCol="0" anchor="ctr"/>
+          <a:lstStyle/>
+          <a:p>
+            <a:pPr algn="ctr"/>
+            <a:endParaRPr kumimoji="1" lang="ja-JP" altLang="en-US"/>
+          </a:p>
+        </p:txBody>
+      </p:sp>
+      <p:sp>
+        <p:nvSpPr>
+          <p:cNvPr id="2" name="タイトル 1"/>
+          <p:cNvSpPr>
+            <a:spLocks noGrp="1"/>
+          </p:cNvSpPr>
+          <p:nvPr>
+            <p:ph type="title"/>
+          </p:nvPr>
+        </p:nvSpPr>
+        <p:spPr/>
+        <p:txBody>
+          <a:bodyPr>
+            <a:normAutofit fontScale="90000"/>
+          </a:bodyPr>
+          <a:lstStyle/>
+          <a:p>
+            <a:r>
+              <a:rPr lang="en-US" altLang="ja-JP" dirty="0"/>
+              <a:t>PR</a:t>
+            </a:r>
+            <a:r>
+              <a:rPr lang="ja-JP" altLang="en-US" dirty="0"/>
+              <a:t>曲線</a:t>
+            </a:r>
+            <a:r>
+              <a:rPr lang="en-US" altLang="ja-JP" dirty="0"/>
+              <a:t>(Euro truck sim)-</a:t>
+            </a:r>
+            <a:r>
+              <a:rPr lang="en-US" altLang="ja-JP" sz="3600" dirty="0"/>
+              <a:t>cross</a:t>
+            </a:r>
+            <a:endParaRPr kumimoji="1" lang="ja-JP" altLang="en-US" dirty="0"/>
+          </a:p>
+        </p:txBody>
+      </p:sp>
+      <p:sp>
+        <p:nvSpPr>
+          <p:cNvPr id="4" name="スライド番号プレースホルダー 3"/>
+          <p:cNvSpPr>
+            <a:spLocks noGrp="1"/>
+          </p:cNvSpPr>
+          <p:nvPr>
+            <p:ph type="sldNum" sz="quarter" idx="12"/>
+          </p:nvPr>
+        </p:nvSpPr>
+        <p:spPr/>
+        <p:txBody>
+          <a:bodyPr/>
+          <a:lstStyle/>
+          <a:p>
+            <a:fld id="{310E90F2-0F65-4717-A352-08170F7BDCAA}" type="slidenum">
+              <a:rPr kumimoji="1" lang="ja-JP" altLang="en-US" smtClean="0"/>
+              <a:t>11</a:t>
+            </a:fld>
+            <a:endParaRPr kumimoji="1" lang="ja-JP" altLang="en-US" dirty="0"/>
+          </a:p>
+        </p:txBody>
+      </p:sp>
+      <p:pic>
+        <p:nvPicPr>
+          <p:cNvPr id="11" name="図 10"/>
+          <p:cNvPicPr>
+            <a:picLocks noChangeAspect="1"/>
+          </p:cNvPicPr>
+          <p:nvPr/>
+        </p:nvPicPr>
+        <p:blipFill>
+          <a:blip r:embed="rId2">
+            <a:extLst>
+              <a:ext uri="{28A0092B-C50C-407E-A947-70E740481C1C}">
+                <a14:useLocalDpi xmlns:a14="http://schemas.microsoft.com/office/drawing/2010/main" val="0"/>
+              </a:ext>
+            </a:extLst>
+          </a:blip>
+          <a:stretch>
+            <a:fillRect/>
+          </a:stretch>
+        </p:blipFill>
+        <p:spPr>
+          <a:xfrm>
+            <a:off x="154517" y="1842275"/>
+            <a:ext cx="4125070" cy="3081317"/>
+          </a:xfrm>
+          <a:prstGeom prst="rect">
+            <a:avLst/>
+          </a:prstGeom>
+        </p:spPr>
+      </p:pic>
+      <p:sp>
+        <p:nvSpPr>
+          <p:cNvPr id="14" name="テキスト ボックス 13"/>
+          <p:cNvSpPr txBox="1"/>
+          <p:nvPr/>
+        </p:nvSpPr>
+        <p:spPr>
+          <a:xfrm>
+            <a:off x="154517" y="1214854"/>
+            <a:ext cx="4116916" cy="646331"/>
+          </a:xfrm>
+          <a:prstGeom prst="rect">
+            <a:avLst/>
+          </a:prstGeom>
+          <a:noFill/>
+        </p:spPr>
+        <p:txBody>
+          <a:bodyPr wrap="square" rtlCol="0">
+            <a:spAutoFit/>
+          </a:bodyPr>
+          <a:lstStyle/>
+          <a:p>
+            <a:r>
+              <a:rPr kumimoji="1" lang="ja-JP" altLang="en-US" dirty="0"/>
+              <a:t>教師データ</a:t>
+            </a:r>
+            <a:r>
+              <a:rPr kumimoji="1" lang="en-US" altLang="ja-JP" dirty="0"/>
+              <a:t>:	</a:t>
+            </a:r>
+            <a:r>
+              <a:rPr lang="en-US" altLang="ja-JP" dirty="0"/>
+              <a:t>Eur truck sim</a:t>
+            </a:r>
+            <a:br>
+              <a:rPr lang="en-US" altLang="ja-JP" dirty="0"/>
+            </a:br>
+            <a:r>
+              <a:rPr kumimoji="1" lang="ja-JP" altLang="en-US" dirty="0"/>
+              <a:t>テストデータ</a:t>
+            </a:r>
+            <a:r>
+              <a:rPr kumimoji="1" lang="en-US" altLang="ja-JP" dirty="0"/>
+              <a:t>:	</a:t>
+            </a:r>
+            <a:r>
+              <a:rPr lang="en-US" altLang="ja-JP" dirty="0"/>
+              <a:t>Eur truck sim</a:t>
+            </a:r>
+            <a:endParaRPr kumimoji="1" lang="ja-JP" altLang="en-US" dirty="0"/>
+          </a:p>
+        </p:txBody>
+      </p:sp>
+      <p:sp>
+        <p:nvSpPr>
+          <p:cNvPr id="15" name="テキスト ボックス 14"/>
+          <p:cNvSpPr txBox="1"/>
+          <p:nvPr/>
+        </p:nvSpPr>
+        <p:spPr>
+          <a:xfrm>
+            <a:off x="4896269" y="1214854"/>
+            <a:ext cx="4116916" cy="646331"/>
+          </a:xfrm>
+          <a:prstGeom prst="rect">
+            <a:avLst/>
+          </a:prstGeom>
+          <a:noFill/>
+        </p:spPr>
+        <p:txBody>
+          <a:bodyPr wrap="square" rtlCol="0">
+            <a:spAutoFit/>
+          </a:bodyPr>
+          <a:lstStyle/>
+          <a:p>
+            <a:r>
+              <a:rPr lang="ja-JP" altLang="en-US" dirty="0"/>
+              <a:t>教師データ</a:t>
+            </a:r>
+            <a:r>
+              <a:rPr lang="en-US" altLang="ja-JP" dirty="0"/>
+              <a:t>:	Cities: Skylines</a:t>
+            </a:r>
+            <a:br>
+              <a:rPr lang="en-US" altLang="ja-JP" dirty="0"/>
+            </a:br>
+            <a:r>
+              <a:rPr lang="ja-JP" altLang="en-US" dirty="0"/>
+              <a:t>テストデータ</a:t>
+            </a:r>
+            <a:r>
+              <a:rPr lang="en-US" altLang="ja-JP" dirty="0"/>
+              <a:t>:	Eur truck sim</a:t>
+            </a:r>
+            <a:endParaRPr lang="ja-JP" altLang="en-US" dirty="0"/>
+          </a:p>
+        </p:txBody>
+      </p:sp>
+      <p:pic>
+        <p:nvPicPr>
+          <p:cNvPr id="13" name="図 12">
+            <a:extLst>
+              <a:ext uri="{FF2B5EF4-FFF2-40B4-BE49-F238E27FC236}">
+                <a16:creationId xmlns:a16="http://schemas.microsoft.com/office/drawing/2014/main" id="{599D702A-D3CA-4526-838B-774F55164691}"/>
+              </a:ext>
+            </a:extLst>
+          </p:cNvPr>
+          <p:cNvPicPr>
+            <a:picLocks noChangeAspect="1"/>
+          </p:cNvPicPr>
+          <p:nvPr/>
+        </p:nvPicPr>
+        <p:blipFill>
+          <a:blip r:embed="rId3">
+            <a:extLst>
+              <a:ext uri="{28A0092B-C50C-407E-A947-70E740481C1C}">
+                <a14:useLocalDpi xmlns:a14="http://schemas.microsoft.com/office/drawing/2010/main" val="0"/>
+              </a:ext>
+            </a:extLst>
+          </a:blip>
+          <a:stretch>
+            <a:fillRect/>
+          </a:stretch>
+        </p:blipFill>
+        <p:spPr>
+          <a:xfrm>
+            <a:off x="4896268" y="1842275"/>
+            <a:ext cx="4125071" cy="3081318"/>
+          </a:xfrm>
+          <a:prstGeom prst="rect">
+            <a:avLst/>
+          </a:prstGeom>
+        </p:spPr>
+      </p:pic>
+    </p:spTree>
+    <p:extLst>
+      <p:ext uri="{BB962C8B-B14F-4D97-AF65-F5344CB8AC3E}">
+        <p14:creationId xmlns:p14="http://schemas.microsoft.com/office/powerpoint/2010/main" val="4147933101"/>
       </p:ext>
     </p:extLst>
   </p:cSld>
@@ -9936,14 +9268,10 @@
           <a:p>
             <a:r>
               <a:rPr kumimoji="1" lang="ja-JP" altLang="en-US" dirty="0"/>
-              <a:t>実験</a:t>
-            </a:r>
-            <a:r>
-              <a:rPr kumimoji="1" lang="ja-JP" altLang="en-US" dirty="0" smtClean="0"/>
-              <a:t>結果</a:t>
-            </a:r>
-            <a:r>
-              <a:rPr kumimoji="1" lang="en-US" altLang="ja-JP" dirty="0" smtClean="0"/>
+              <a:t>実験結果</a:t>
+            </a:r>
+            <a:r>
+              <a:rPr kumimoji="1" lang="en-US" altLang="ja-JP" dirty="0"/>
               <a:t>(Euro truck sim)</a:t>
             </a:r>
             <a:endParaRPr kumimoji="1" lang="ja-JP" altLang="en-US" dirty="0"/>
@@ -10733,7 +10061,7 @@
                     <a:p>
                       <a:pPr algn="ctr"/>
                       <a:r>
-                        <a:rPr kumimoji="1" lang="en-US" altLang="ja-JP" sz="1800" b="1" dirty="0" smtClean="0">
+                        <a:rPr kumimoji="1" lang="en-US" altLang="ja-JP" sz="1800" b="1" dirty="0">
                           <a:solidFill>
                             <a:schemeClr val="tx1">
                               <a:lumMod val="75000"/>
@@ -10766,7 +10094,7 @@
                     <a:p>
                       <a:pPr algn="ctr"/>
                       <a:r>
-                        <a:rPr kumimoji="1" lang="en-US" altLang="ja-JP" sz="1800" b="1" dirty="0" smtClean="0">
+                        <a:rPr kumimoji="1" lang="en-US" altLang="ja-JP" sz="1800" b="1" dirty="0">
                           <a:solidFill>
                             <a:schemeClr val="tx1">
                               <a:lumMod val="75000"/>
@@ -10795,7 +10123,7 @@
                     <a:p>
                       <a:pPr algn="ctr"/>
                       <a:r>
-                        <a:rPr kumimoji="1" lang="en-US" altLang="ja-JP" sz="1800" b="1" dirty="0" smtClean="0">
+                        <a:rPr kumimoji="1" lang="en-US" altLang="ja-JP" sz="1800" b="1" dirty="0">
                           <a:solidFill>
                             <a:schemeClr val="tx1">
                               <a:lumMod val="75000"/>
@@ -10824,7 +10152,7 @@
                     <a:p>
                       <a:pPr algn="ctr"/>
                       <a:r>
-                        <a:rPr kumimoji="1" lang="en-US" altLang="ja-JP" sz="1800" b="1" smtClean="0">
+                        <a:rPr kumimoji="1" lang="en-US" altLang="ja-JP" sz="1800" b="1">
                           <a:solidFill>
                             <a:schemeClr val="tx1">
                               <a:lumMod val="75000"/>
@@ -10853,7 +10181,7 @@
                     <a:p>
                       <a:pPr algn="ctr"/>
                       <a:r>
-                        <a:rPr kumimoji="1" lang="en-US" altLang="ja-JP" sz="1800" b="1" smtClean="0">
+                        <a:rPr kumimoji="1" lang="en-US" altLang="ja-JP" sz="1800" b="1">
                           <a:solidFill>
                             <a:schemeClr val="tx1">
                               <a:lumMod val="75000"/>
@@ -10882,7 +10210,7 @@
                     <a:p>
                       <a:pPr algn="ctr"/>
                       <a:r>
-                        <a:rPr kumimoji="1" lang="en-US" altLang="ja-JP" sz="1800" b="1" smtClean="0">
+                        <a:rPr kumimoji="1" lang="en-US" altLang="ja-JP" sz="1800" b="1">
                           <a:solidFill>
                             <a:schemeClr val="tx1">
                               <a:lumMod val="75000"/>
@@ -10911,7 +10239,7 @@
                     <a:p>
                       <a:pPr algn="ctr"/>
                       <a:r>
-                        <a:rPr kumimoji="1" lang="en-US" altLang="ja-JP" sz="1800" b="1" dirty="0" smtClean="0">
+                        <a:rPr kumimoji="1" lang="en-US" altLang="ja-JP" sz="1800" b="1" dirty="0">
                           <a:solidFill>
                             <a:schemeClr val="tx1">
                               <a:lumMod val="75000"/>
@@ -11000,7 +10328,7 @@
                     <a:p>
                       <a:pPr algn="ctr"/>
                       <a:r>
-                        <a:rPr kumimoji="1" lang="en-US" altLang="ja-JP" sz="1800" b="1" dirty="0" smtClean="0">
+                        <a:rPr kumimoji="1" lang="en-US" altLang="ja-JP" sz="1800" b="1" dirty="0">
                           <a:solidFill>
                             <a:schemeClr val="tx1">
                               <a:lumMod val="75000"/>
@@ -11029,7 +10357,7 @@
                     <a:p>
                       <a:pPr algn="ctr"/>
                       <a:r>
-                        <a:rPr kumimoji="1" lang="en-US" altLang="ja-JP" sz="1800" b="1" dirty="0" smtClean="0">
+                        <a:rPr kumimoji="1" lang="en-US" altLang="ja-JP" sz="1800" b="1" dirty="0">
                           <a:solidFill>
                             <a:schemeClr val="tx1">
                               <a:lumMod val="75000"/>
@@ -11062,7 +10390,7 @@
                     <a:p>
                       <a:pPr algn="ctr"/>
                       <a:r>
-                        <a:rPr kumimoji="1" lang="en-US" altLang="ja-JP" sz="1800" b="1" dirty="0" smtClean="0">
+                        <a:rPr kumimoji="1" lang="en-US" altLang="ja-JP" sz="1800" b="1" dirty="0">
                           <a:solidFill>
                             <a:schemeClr val="tx1">
                               <a:lumMod val="75000"/>
@@ -11091,7 +10419,7 @@
                     <a:p>
                       <a:pPr algn="ctr"/>
                       <a:r>
-                        <a:rPr kumimoji="1" lang="en-US" altLang="ja-JP" sz="1800" b="1" dirty="0" smtClean="0">
+                        <a:rPr kumimoji="1" lang="en-US" altLang="ja-JP" sz="1800" b="1" dirty="0">
                           <a:solidFill>
                             <a:schemeClr val="tx1">
                               <a:lumMod val="75000"/>
@@ -11120,7 +10448,7 @@
                     <a:p>
                       <a:pPr algn="ctr"/>
                       <a:r>
-                        <a:rPr kumimoji="1" lang="en-US" altLang="ja-JP" sz="1800" b="1" dirty="0" smtClean="0">
+                        <a:rPr kumimoji="1" lang="en-US" altLang="ja-JP" sz="1800" b="1" dirty="0">
                           <a:solidFill>
                             <a:schemeClr val="tx1">
                               <a:lumMod val="75000"/>
@@ -11149,7 +10477,7 @@
                     <a:p>
                       <a:pPr algn="ctr"/>
                       <a:r>
-                        <a:rPr kumimoji="1" lang="en-US" altLang="ja-JP" sz="1800" b="1" dirty="0" smtClean="0">
+                        <a:rPr kumimoji="1" lang="en-US" altLang="ja-JP" sz="1800" b="1" dirty="0">
                           <a:solidFill>
                             <a:schemeClr val="tx1">
                               <a:lumMod val="75000"/>
@@ -11285,7 +10613,7 @@
                     <a:p>
                       <a:pPr algn="ctr"/>
                       <a:r>
-                        <a:rPr kumimoji="1" lang="en-US" altLang="ja-JP" sz="1800" b="1" dirty="0" smtClean="0">
+                        <a:rPr kumimoji="1" lang="en-US" altLang="ja-JP" sz="1800" b="1" dirty="0">
                           <a:solidFill>
                             <a:schemeClr val="tx1">
                               <a:lumMod val="75000"/>
@@ -11314,7 +10642,7 @@
                     <a:p>
                       <a:pPr algn="ctr"/>
                       <a:r>
-                        <a:rPr kumimoji="1" lang="en-US" altLang="ja-JP" sz="1800" b="1" dirty="0" smtClean="0">
+                        <a:rPr kumimoji="1" lang="en-US" altLang="ja-JP" sz="1800" b="1" dirty="0">
                           <a:solidFill>
                             <a:schemeClr val="tx1">
                               <a:lumMod val="75000"/>
@@ -11347,7 +10675,7 @@
                     <a:p>
                       <a:pPr algn="ctr"/>
                       <a:r>
-                        <a:rPr kumimoji="1" lang="en-US" altLang="ja-JP" sz="1800" b="1" dirty="0" smtClean="0">
+                        <a:rPr kumimoji="1" lang="en-US" altLang="ja-JP" sz="1800" b="1" dirty="0">
                           <a:solidFill>
                             <a:schemeClr val="tx1">
                               <a:lumMod val="75000"/>
@@ -11378,7 +10706,7 @@
                     <a:p>
                       <a:pPr algn="ctr"/>
                       <a:r>
-                        <a:rPr kumimoji="1" lang="en-US" altLang="ja-JP" sz="1800" b="1" dirty="0" smtClean="0">
+                        <a:rPr kumimoji="1" lang="en-US" altLang="ja-JP" sz="1800" b="1" dirty="0">
                           <a:solidFill>
                             <a:schemeClr val="tx1">
                               <a:lumMod val="75000"/>
@@ -11409,7 +10737,7 @@
                     <a:p>
                       <a:pPr algn="ctr"/>
                       <a:r>
-                        <a:rPr kumimoji="1" lang="en-US" altLang="ja-JP" sz="1800" b="1" dirty="0" smtClean="0">
+                        <a:rPr kumimoji="1" lang="en-US" altLang="ja-JP" sz="1800" b="1" dirty="0">
                           <a:solidFill>
                             <a:schemeClr val="tx1">
                               <a:lumMod val="75000"/>
@@ -11686,7 +11014,7 @@
                     <a:p>
                       <a:pPr algn="ctr"/>
                       <a:r>
-                        <a:rPr kumimoji="1" lang="en-US" altLang="ja-JP" sz="1800" b="1" dirty="0" smtClean="0">
+                        <a:rPr kumimoji="1" lang="en-US" altLang="ja-JP" sz="1800" b="1" dirty="0">
                           <a:solidFill>
                             <a:schemeClr val="tx1">
                               <a:lumMod val="75000"/>
@@ -11715,7 +11043,7 @@
                     <a:p>
                       <a:pPr algn="ctr"/>
                       <a:r>
-                        <a:rPr kumimoji="1" lang="en-US" altLang="ja-JP" sz="1800" b="1" dirty="0" smtClean="0">
+                        <a:rPr kumimoji="1" lang="en-US" altLang="ja-JP" sz="1800" b="1" dirty="0">
                           <a:solidFill>
                             <a:schemeClr val="tx1">
                               <a:lumMod val="75000"/>
@@ -11744,7 +11072,7 @@
                     <a:p>
                       <a:pPr algn="ctr"/>
                       <a:r>
-                        <a:rPr kumimoji="1" lang="en-US" altLang="ja-JP" sz="1800" b="1" dirty="0" smtClean="0">
+                        <a:rPr kumimoji="1" lang="en-US" altLang="ja-JP" sz="1800" b="1" dirty="0">
                           <a:solidFill>
                             <a:schemeClr val="tx1">
                               <a:lumMod val="75000"/>
@@ -11801,7 +11129,7 @@
                     <a:p>
                       <a:pPr algn="ctr"/>
                       <a:r>
-                        <a:rPr kumimoji="1" lang="en-US" altLang="ja-JP" sz="1800" b="1" dirty="0" smtClean="0">
+                        <a:rPr kumimoji="1" lang="en-US" altLang="ja-JP" sz="1800" b="1" dirty="0">
                           <a:solidFill>
                             <a:schemeClr val="tx1">
                               <a:lumMod val="75000"/>
@@ -11830,7 +11158,7 @@
                     <a:p>
                       <a:pPr algn="ctr"/>
                       <a:r>
-                        <a:rPr kumimoji="1" lang="en-US" altLang="ja-JP" sz="1800" b="1" dirty="0" smtClean="0">
+                        <a:rPr kumimoji="1" lang="en-US" altLang="ja-JP" sz="1800" b="1" dirty="0">
                           <a:solidFill>
                             <a:schemeClr val="tx1">
                               <a:lumMod val="75000"/>
@@ -11859,7 +11187,7 @@
                     <a:p>
                       <a:pPr algn="ctr"/>
                       <a:r>
-                        <a:rPr kumimoji="1" lang="en-US" altLang="ja-JP" sz="1800" b="1" dirty="0" smtClean="0">
+                        <a:rPr kumimoji="1" lang="en-US" altLang="ja-JP" sz="1800" b="1" dirty="0">
                           <a:solidFill>
                             <a:schemeClr val="tx1">
                               <a:lumMod val="75000"/>
@@ -12708,7 +12036,7 @@
                     <a:p>
                       <a:pPr algn="ctr"/>
                       <a:r>
-                        <a:rPr kumimoji="1" lang="en-US" altLang="ja-JP" sz="1800" b="1" dirty="0" smtClean="0">
+                        <a:rPr kumimoji="1" lang="en-US" altLang="ja-JP" sz="1800" b="1" dirty="0">
                           <a:solidFill>
                             <a:schemeClr val="tx1">
                               <a:lumMod val="75000"/>
@@ -12741,7 +12069,7 @@
                     <a:p>
                       <a:pPr algn="ctr"/>
                       <a:r>
-                        <a:rPr kumimoji="1" lang="en-US" altLang="ja-JP" sz="1800" b="1" dirty="0" smtClean="0">
+                        <a:rPr kumimoji="1" lang="en-US" altLang="ja-JP" sz="1800" b="1" dirty="0">
                           <a:solidFill>
                             <a:schemeClr val="tx1">
                               <a:lumMod val="75000"/>
@@ -12770,7 +12098,7 @@
                     <a:p>
                       <a:pPr algn="ctr"/>
                       <a:r>
-                        <a:rPr kumimoji="1" lang="en-US" altLang="ja-JP" sz="1800" b="1" dirty="0" smtClean="0">
+                        <a:rPr kumimoji="1" lang="en-US" altLang="ja-JP" sz="1800" b="1" dirty="0">
                           <a:solidFill>
                             <a:schemeClr val="tx1">
                               <a:lumMod val="75000"/>
@@ -12799,7 +12127,7 @@
                     <a:p>
                       <a:pPr algn="ctr"/>
                       <a:r>
-                        <a:rPr kumimoji="1" lang="en-US" altLang="ja-JP" sz="1800" b="1" dirty="0" smtClean="0">
+                        <a:rPr kumimoji="1" lang="en-US" altLang="ja-JP" sz="1800" b="1" dirty="0">
                           <a:solidFill>
                             <a:schemeClr val="tx1">
                               <a:lumMod val="75000"/>
@@ -12828,7 +12156,7 @@
                     <a:p>
                       <a:pPr algn="ctr"/>
                       <a:r>
-                        <a:rPr kumimoji="1" lang="en-US" altLang="ja-JP" sz="1800" b="1" dirty="0" smtClean="0">
+                        <a:rPr kumimoji="1" lang="en-US" altLang="ja-JP" sz="1800" b="1" dirty="0">
                           <a:solidFill>
                             <a:schemeClr val="tx1">
                               <a:lumMod val="75000"/>
@@ -12857,7 +12185,7 @@
                     <a:p>
                       <a:pPr algn="ctr"/>
                       <a:r>
-                        <a:rPr kumimoji="1" lang="en-US" altLang="ja-JP" sz="1800" b="1" dirty="0" smtClean="0">
+                        <a:rPr kumimoji="1" lang="en-US" altLang="ja-JP" sz="1800" b="1" dirty="0">
                           <a:solidFill>
                             <a:schemeClr val="tx1">
                               <a:lumMod val="75000"/>
@@ -12886,7 +12214,7 @@
                     <a:p>
                       <a:pPr algn="ctr"/>
                       <a:r>
-                        <a:rPr kumimoji="1" lang="en-US" altLang="ja-JP" sz="1800" b="1" dirty="0" smtClean="0">
+                        <a:rPr kumimoji="1" lang="en-US" altLang="ja-JP" sz="1800" b="1" dirty="0">
                           <a:solidFill>
                             <a:schemeClr val="tx1">
                               <a:lumMod val="75000"/>
@@ -12975,7 +12303,7 @@
                     <a:p>
                       <a:pPr algn="ctr"/>
                       <a:r>
-                        <a:rPr kumimoji="1" lang="en-US" altLang="ja-JP" sz="1800" b="1" dirty="0" smtClean="0">
+                        <a:rPr kumimoji="1" lang="en-US" altLang="ja-JP" sz="1800" b="1" dirty="0">
                           <a:solidFill>
                             <a:schemeClr val="tx1">
                               <a:lumMod val="75000"/>
@@ -13004,7 +12332,7 @@
                     <a:p>
                       <a:pPr algn="ctr"/>
                       <a:r>
-                        <a:rPr kumimoji="1" lang="en-US" altLang="ja-JP" sz="1800" b="1" dirty="0" smtClean="0">
+                        <a:rPr kumimoji="1" lang="en-US" altLang="ja-JP" sz="1800" b="1" dirty="0">
                           <a:solidFill>
                             <a:schemeClr val="tx1">
                               <a:lumMod val="75000"/>
@@ -13037,7 +12365,7 @@
                     <a:p>
                       <a:pPr algn="ctr"/>
                       <a:r>
-                        <a:rPr kumimoji="1" lang="en-US" altLang="ja-JP" sz="1800" b="1" dirty="0" smtClean="0">
+                        <a:rPr kumimoji="1" lang="en-US" altLang="ja-JP" sz="1800" b="1" dirty="0">
                           <a:solidFill>
                             <a:schemeClr val="tx1">
                               <a:lumMod val="75000"/>
@@ -13066,7 +12394,7 @@
                     <a:p>
                       <a:pPr algn="ctr"/>
                       <a:r>
-                        <a:rPr kumimoji="1" lang="en-US" altLang="ja-JP" sz="1800" b="1" dirty="0" smtClean="0">
+                        <a:rPr kumimoji="1" lang="en-US" altLang="ja-JP" sz="1800" b="1" dirty="0">
                           <a:solidFill>
                             <a:schemeClr val="tx1">
                               <a:lumMod val="75000"/>
@@ -13095,7 +12423,7 @@
                     <a:p>
                       <a:pPr algn="ctr"/>
                       <a:r>
-                        <a:rPr kumimoji="1" lang="en-US" altLang="ja-JP" sz="1800" b="1" dirty="0" smtClean="0">
+                        <a:rPr kumimoji="1" lang="en-US" altLang="ja-JP" sz="1800" b="1" dirty="0">
                           <a:solidFill>
                             <a:schemeClr val="tx1">
                               <a:lumMod val="75000"/>
@@ -13124,7 +12452,7 @@
                     <a:p>
                       <a:pPr algn="ctr"/>
                       <a:r>
-                        <a:rPr kumimoji="1" lang="en-US" altLang="ja-JP" sz="1800" b="1" dirty="0" smtClean="0">
+                        <a:rPr kumimoji="1" lang="en-US" altLang="ja-JP" sz="1800" b="1" dirty="0">
                           <a:solidFill>
                             <a:schemeClr val="tx1">
                               <a:lumMod val="75000"/>
@@ -13231,7 +12559,7 @@
                     <a:p>
                       <a:pPr algn="ctr"/>
                       <a:r>
-                        <a:rPr kumimoji="1" lang="en-US" altLang="ja-JP" sz="1800" b="1" dirty="0" smtClean="0">
+                        <a:rPr kumimoji="1" lang="en-US" altLang="ja-JP" sz="1800" b="1" dirty="0">
                           <a:solidFill>
                             <a:schemeClr val="tx1">
                               <a:lumMod val="75000"/>
@@ -13260,7 +12588,7 @@
                     <a:p>
                       <a:pPr algn="ctr"/>
                       <a:r>
-                        <a:rPr kumimoji="1" lang="en-US" altLang="ja-JP" sz="1800" b="1" dirty="0" smtClean="0">
+                        <a:rPr kumimoji="1" lang="en-US" altLang="ja-JP" sz="1800" b="1" dirty="0">
                           <a:solidFill>
                             <a:schemeClr val="tx1">
                               <a:lumMod val="75000"/>
@@ -13289,7 +12617,7 @@
                     <a:p>
                       <a:pPr algn="ctr"/>
                       <a:r>
-                        <a:rPr kumimoji="1" lang="en-US" altLang="ja-JP" sz="1800" b="1" dirty="0" smtClean="0">
+                        <a:rPr kumimoji="1" lang="en-US" altLang="ja-JP" sz="1800" b="1" dirty="0">
                           <a:solidFill>
                             <a:schemeClr val="tx1">
                               <a:lumMod val="75000"/>
@@ -13322,7 +12650,7 @@
                     <a:p>
                       <a:pPr algn="ctr"/>
                       <a:r>
-                        <a:rPr kumimoji="1" lang="en-US" altLang="ja-JP" sz="1800" b="1" dirty="0" smtClean="0">
+                        <a:rPr kumimoji="1" lang="en-US" altLang="ja-JP" sz="1800" b="1" dirty="0">
                           <a:solidFill>
                             <a:schemeClr val="tx1">
                               <a:lumMod val="75000"/>
@@ -13353,7 +12681,7 @@
                     <a:p>
                       <a:pPr algn="ctr"/>
                       <a:r>
-                        <a:rPr kumimoji="1" lang="en-US" altLang="ja-JP" sz="1800" b="1" dirty="0" smtClean="0">
+                        <a:rPr kumimoji="1" lang="en-US" altLang="ja-JP" sz="1800" b="1" dirty="0">
                           <a:solidFill>
                             <a:schemeClr val="tx1">
                               <a:lumMod val="75000"/>
@@ -13384,7 +12712,7 @@
                     <a:p>
                       <a:pPr algn="ctr"/>
                       <a:r>
-                        <a:rPr kumimoji="1" lang="en-US" altLang="ja-JP" sz="1800" b="1" dirty="0" smtClean="0">
+                        <a:rPr kumimoji="1" lang="en-US" altLang="ja-JP" sz="1800" b="1" dirty="0">
                           <a:solidFill>
                             <a:schemeClr val="tx1">
                               <a:lumMod val="75000"/>
@@ -13539,14 +12867,10 @@
           <a:p>
             <a:r>
               <a:rPr kumimoji="1" lang="ja-JP" altLang="en-US" dirty="0"/>
-              <a:t>実験</a:t>
-            </a:r>
-            <a:r>
-              <a:rPr kumimoji="1" lang="ja-JP" altLang="en-US" dirty="0" smtClean="0"/>
-              <a:t>結果</a:t>
-            </a:r>
-            <a:r>
-              <a:rPr kumimoji="1" lang="en-US" altLang="ja-JP" dirty="0" smtClean="0"/>
+              <a:t>実験結果</a:t>
+            </a:r>
+            <a:r>
+              <a:rPr kumimoji="1" lang="en-US" altLang="ja-JP" dirty="0"/>
               <a:t>(cross)</a:t>
             </a:r>
             <a:endParaRPr kumimoji="1" lang="ja-JP" altLang="en-US" dirty="0"/>
@@ -14370,7 +13694,7 @@
                     <a:p>
                       <a:pPr algn="ctr"/>
                       <a:r>
-                        <a:rPr kumimoji="1" lang="en-US" altLang="ja-JP" sz="1800" b="1" dirty="0" smtClean="0">
+                        <a:rPr kumimoji="1" lang="en-US" altLang="ja-JP" sz="1800" b="1" dirty="0">
                           <a:solidFill>
                             <a:schemeClr val="tx1">
                               <a:lumMod val="75000"/>
@@ -14403,7 +13727,7 @@
                     <a:p>
                       <a:pPr algn="ctr"/>
                       <a:r>
-                        <a:rPr kumimoji="1" lang="en-US" altLang="ja-JP" sz="1800" b="1" dirty="0" smtClean="0">
+                        <a:rPr kumimoji="1" lang="en-US" altLang="ja-JP" sz="1800" b="1" dirty="0">
                           <a:solidFill>
                             <a:schemeClr val="tx1">
                               <a:lumMod val="75000"/>
@@ -14432,7 +13756,7 @@
                     <a:p>
                       <a:pPr algn="ctr"/>
                       <a:r>
-                        <a:rPr kumimoji="1" lang="en-US" altLang="ja-JP" sz="1800" b="1" dirty="0" smtClean="0">
+                        <a:rPr kumimoji="1" lang="en-US" altLang="ja-JP" sz="1800" b="1" dirty="0">
                           <a:solidFill>
                             <a:schemeClr val="tx1">
                               <a:lumMod val="75000"/>
@@ -14461,7 +13785,7 @@
                     <a:p>
                       <a:pPr algn="ctr"/>
                       <a:r>
-                        <a:rPr kumimoji="1" lang="en-US" altLang="ja-JP" sz="1800" b="1" dirty="0" smtClean="0">
+                        <a:rPr kumimoji="1" lang="en-US" altLang="ja-JP" sz="1800" b="1" dirty="0">
                           <a:solidFill>
                             <a:schemeClr val="tx1">
                               <a:lumMod val="75000"/>
@@ -14490,7 +13814,7 @@
                     <a:p>
                       <a:pPr algn="ctr"/>
                       <a:r>
-                        <a:rPr kumimoji="1" lang="en-US" altLang="ja-JP" sz="1800" b="1" dirty="0" smtClean="0">
+                        <a:rPr kumimoji="1" lang="en-US" altLang="ja-JP" sz="1800" b="1" dirty="0">
                           <a:solidFill>
                             <a:schemeClr val="tx1">
                               <a:lumMod val="75000"/>
@@ -14519,7 +13843,7 @@
                     <a:p>
                       <a:pPr algn="ctr"/>
                       <a:r>
-                        <a:rPr kumimoji="1" lang="en-US" altLang="ja-JP" sz="1800" b="1" dirty="0" smtClean="0">
+                        <a:rPr kumimoji="1" lang="en-US" altLang="ja-JP" sz="1800" b="1" dirty="0">
                           <a:solidFill>
                             <a:schemeClr val="tx1">
                               <a:lumMod val="75000"/>
@@ -14548,7 +13872,7 @@
                     <a:p>
                       <a:pPr algn="ctr"/>
                       <a:r>
-                        <a:rPr kumimoji="1" lang="en-US" altLang="ja-JP" sz="1800" b="1" dirty="0" smtClean="0">
+                        <a:rPr kumimoji="1" lang="en-US" altLang="ja-JP" sz="1800" b="1" dirty="0">
                           <a:solidFill>
                             <a:schemeClr val="tx1">
                               <a:lumMod val="75000"/>
@@ -14637,7 +13961,7 @@
                     <a:p>
                       <a:pPr algn="ctr"/>
                       <a:r>
-                        <a:rPr kumimoji="1" lang="en-US" altLang="ja-JP" sz="1800" b="1" dirty="0" smtClean="0">
+                        <a:rPr kumimoji="1" lang="en-US" altLang="ja-JP" sz="1800" b="1" dirty="0">
                           <a:solidFill>
                             <a:schemeClr val="tx1">
                               <a:lumMod val="75000"/>
@@ -14666,7 +13990,7 @@
                     <a:p>
                       <a:pPr algn="ctr"/>
                       <a:r>
-                        <a:rPr kumimoji="1" lang="en-US" altLang="ja-JP" sz="1800" b="1" dirty="0" smtClean="0">
+                        <a:rPr kumimoji="1" lang="en-US" altLang="ja-JP" sz="1800" b="1" dirty="0">
                           <a:solidFill>
                             <a:schemeClr val="tx1">
                               <a:lumMod val="75000"/>
@@ -14699,7 +14023,7 @@
                     <a:p>
                       <a:pPr algn="ctr"/>
                       <a:r>
-                        <a:rPr kumimoji="1" lang="en-US" altLang="ja-JP" sz="1800" b="1" dirty="0" smtClean="0">
+                        <a:rPr kumimoji="1" lang="en-US" altLang="ja-JP" sz="1800" b="1" dirty="0">
                           <a:solidFill>
                             <a:schemeClr val="tx1">
                               <a:lumMod val="75000"/>
@@ -14728,7 +14052,7 @@
                     <a:p>
                       <a:pPr algn="ctr"/>
                       <a:r>
-                        <a:rPr kumimoji="1" lang="en-US" altLang="ja-JP" sz="1800" b="1" dirty="0" smtClean="0">
+                        <a:rPr kumimoji="1" lang="en-US" altLang="ja-JP" sz="1800" b="1" dirty="0">
                           <a:solidFill>
                             <a:schemeClr val="tx1">
                               <a:lumMod val="75000"/>
@@ -14757,7 +14081,7 @@
                     <a:p>
                       <a:pPr algn="ctr"/>
                       <a:r>
-                        <a:rPr kumimoji="1" lang="en-US" altLang="ja-JP" sz="1800" b="1" dirty="0" smtClean="0">
+                        <a:rPr kumimoji="1" lang="en-US" altLang="ja-JP" sz="1800" b="1" dirty="0">
                           <a:solidFill>
                             <a:schemeClr val="tx1">
                               <a:lumMod val="75000"/>
@@ -14786,7 +14110,7 @@
                     <a:p>
                       <a:pPr algn="ctr"/>
                       <a:r>
-                        <a:rPr kumimoji="1" lang="en-US" altLang="ja-JP" sz="1800" b="1" dirty="0" smtClean="0">
+                        <a:rPr kumimoji="1" lang="en-US" altLang="ja-JP" sz="1800" b="1" dirty="0">
                           <a:solidFill>
                             <a:schemeClr val="tx1">
                               <a:lumMod val="75000"/>
@@ -14893,7 +14217,7 @@
                     <a:p>
                       <a:pPr algn="ctr"/>
                       <a:r>
-                        <a:rPr kumimoji="1" lang="en-US" altLang="ja-JP" sz="1800" b="1" dirty="0" smtClean="0">
+                        <a:rPr kumimoji="1" lang="en-US" altLang="ja-JP" sz="1800" b="1" dirty="0">
                           <a:solidFill>
                             <a:schemeClr val="tx1">
                               <a:lumMod val="75000"/>
@@ -14922,7 +14246,7 @@
                     <a:p>
                       <a:pPr algn="ctr"/>
                       <a:r>
-                        <a:rPr kumimoji="1" lang="en-US" altLang="ja-JP" sz="1800" b="1" dirty="0" smtClean="0">
+                        <a:rPr kumimoji="1" lang="en-US" altLang="ja-JP" sz="1800" b="1" dirty="0">
                           <a:solidFill>
                             <a:schemeClr val="tx1">
                               <a:lumMod val="75000"/>
@@ -14951,7 +14275,7 @@
                     <a:p>
                       <a:pPr algn="ctr"/>
                       <a:r>
-                        <a:rPr kumimoji="1" lang="en-US" altLang="ja-JP" sz="1800" b="1" dirty="0" smtClean="0">
+                        <a:rPr kumimoji="1" lang="en-US" altLang="ja-JP" sz="1800" b="1" dirty="0">
                           <a:solidFill>
                             <a:schemeClr val="tx1">
                               <a:lumMod val="75000"/>
@@ -14984,7 +14308,7 @@
                     <a:p>
                       <a:pPr algn="ctr"/>
                       <a:r>
-                        <a:rPr kumimoji="1" lang="en-US" altLang="ja-JP" sz="1800" b="1" dirty="0" smtClean="0">
+                        <a:rPr kumimoji="1" lang="en-US" altLang="ja-JP" sz="1800" b="1" dirty="0">
                           <a:solidFill>
                             <a:schemeClr val="tx1">
                               <a:lumMod val="75000"/>
@@ -15015,7 +14339,7 @@
                     <a:p>
                       <a:pPr algn="ctr"/>
                       <a:r>
-                        <a:rPr kumimoji="1" lang="en-US" altLang="ja-JP" sz="1800" b="1" dirty="0" smtClean="0">
+                        <a:rPr kumimoji="1" lang="en-US" altLang="ja-JP" sz="1800" b="1" dirty="0">
                           <a:solidFill>
                             <a:schemeClr val="tx1">
                               <a:lumMod val="75000"/>
@@ -15046,7 +14370,7 @@
                     <a:p>
                       <a:pPr algn="ctr"/>
                       <a:r>
-                        <a:rPr kumimoji="1" lang="en-US" altLang="ja-JP" sz="1800" b="1" dirty="0" smtClean="0">
+                        <a:rPr kumimoji="1" lang="en-US" altLang="ja-JP" sz="1800" b="1" dirty="0">
                           <a:solidFill>
                             <a:schemeClr val="tx1">
                               <a:lumMod val="75000"/>
@@ -16231,7 +15555,7 @@
                     <a:p>
                       <a:pPr algn="ctr"/>
                       <a:r>
-                        <a:rPr kumimoji="1" lang="en-US" altLang="ja-JP" sz="1800" b="1" dirty="0" smtClean="0">
+                        <a:rPr kumimoji="1" lang="en-US" altLang="ja-JP" sz="1800" b="1" dirty="0">
                           <a:solidFill>
                             <a:schemeClr val="tx1">
                               <a:lumMod val="75000"/>
@@ -16264,7 +15588,7 @@
                     <a:p>
                       <a:pPr algn="ctr"/>
                       <a:r>
-                        <a:rPr kumimoji="1" lang="en-US" altLang="ja-JP" sz="1800" b="1" dirty="0" smtClean="0">
+                        <a:rPr kumimoji="1" lang="en-US" altLang="ja-JP" sz="1800" b="1" dirty="0">
                           <a:solidFill>
                             <a:schemeClr val="tx1">
                               <a:lumMod val="75000"/>
@@ -16293,7 +15617,7 @@
                     <a:p>
                       <a:pPr algn="ctr"/>
                       <a:r>
-                        <a:rPr kumimoji="1" lang="en-US" altLang="ja-JP" sz="1800" b="1" dirty="0" smtClean="0">
+                        <a:rPr kumimoji="1" lang="en-US" altLang="ja-JP" sz="1800" b="1" dirty="0">
                           <a:solidFill>
                             <a:schemeClr val="tx1">
                               <a:lumMod val="75000"/>
@@ -16322,7 +15646,7 @@
                     <a:p>
                       <a:pPr algn="ctr"/>
                       <a:r>
-                        <a:rPr kumimoji="1" lang="en-US" altLang="ja-JP" sz="1800" b="1" dirty="0" smtClean="0">
+                        <a:rPr kumimoji="1" lang="en-US" altLang="ja-JP" sz="1800" b="1" dirty="0">
                           <a:solidFill>
                             <a:schemeClr val="tx1">
                               <a:lumMod val="75000"/>
@@ -16351,7 +15675,7 @@
                     <a:p>
                       <a:pPr algn="ctr"/>
                       <a:r>
-                        <a:rPr kumimoji="1" lang="en-US" altLang="ja-JP" sz="1800" b="1" dirty="0" smtClean="0">
+                        <a:rPr kumimoji="1" lang="en-US" altLang="ja-JP" sz="1800" b="1" dirty="0">
                           <a:solidFill>
                             <a:schemeClr val="tx1">
                               <a:lumMod val="75000"/>
@@ -16380,7 +15704,7 @@
                     <a:p>
                       <a:pPr algn="ctr"/>
                       <a:r>
-                        <a:rPr kumimoji="1" lang="en-US" altLang="ja-JP" sz="1800" b="1" dirty="0" smtClean="0">
+                        <a:rPr kumimoji="1" lang="en-US" altLang="ja-JP" sz="1800" b="1" dirty="0">
                           <a:solidFill>
                             <a:schemeClr val="tx1">
                               <a:lumMod val="75000"/>
@@ -16409,7 +15733,7 @@
                     <a:p>
                       <a:pPr algn="ctr"/>
                       <a:r>
-                        <a:rPr kumimoji="1" lang="en-US" altLang="ja-JP" sz="1800" b="1" dirty="0" smtClean="0">
+                        <a:rPr kumimoji="1" lang="en-US" altLang="ja-JP" sz="1800" b="1" dirty="0">
                           <a:solidFill>
                             <a:schemeClr val="tx1">
                               <a:lumMod val="75000"/>
@@ -16498,7 +15822,7 @@
                     <a:p>
                       <a:pPr algn="ctr"/>
                       <a:r>
-                        <a:rPr kumimoji="1" lang="en-US" altLang="ja-JP" sz="1800" b="1" dirty="0" smtClean="0">
+                        <a:rPr kumimoji="1" lang="en-US" altLang="ja-JP" sz="1800" b="1" dirty="0">
                           <a:solidFill>
                             <a:schemeClr val="tx1">
                               <a:lumMod val="75000"/>
@@ -16527,7 +15851,7 @@
                     <a:p>
                       <a:pPr algn="ctr"/>
                       <a:r>
-                        <a:rPr kumimoji="1" lang="en-US" altLang="ja-JP" sz="1800" b="1" dirty="0" smtClean="0">
+                        <a:rPr kumimoji="1" lang="en-US" altLang="ja-JP" sz="1800" b="1" dirty="0">
                           <a:solidFill>
                             <a:schemeClr val="tx1">
                               <a:lumMod val="75000"/>
@@ -16560,7 +15884,7 @@
                     <a:p>
                       <a:pPr algn="ctr"/>
                       <a:r>
-                        <a:rPr kumimoji="1" lang="en-US" altLang="ja-JP" sz="1800" b="1" dirty="0" smtClean="0">
+                        <a:rPr kumimoji="1" lang="en-US" altLang="ja-JP" sz="1800" b="1" dirty="0">
                           <a:solidFill>
                             <a:schemeClr val="tx1">
                               <a:lumMod val="75000"/>
@@ -16589,7 +15913,7 @@
                     <a:p>
                       <a:pPr algn="ctr"/>
                       <a:r>
-                        <a:rPr kumimoji="1" lang="en-US" altLang="ja-JP" sz="1800" b="1" dirty="0" smtClean="0">
+                        <a:rPr kumimoji="1" lang="en-US" altLang="ja-JP" sz="1800" b="1" dirty="0">
                           <a:solidFill>
                             <a:schemeClr val="tx1">
                               <a:lumMod val="75000"/>
@@ -16618,7 +15942,7 @@
                     <a:p>
                       <a:pPr algn="ctr"/>
                       <a:r>
-                        <a:rPr kumimoji="1" lang="en-US" altLang="ja-JP" sz="1800" b="1" dirty="0" smtClean="0">
+                        <a:rPr kumimoji="1" lang="en-US" altLang="ja-JP" sz="1800" b="1" dirty="0">
                           <a:solidFill>
                             <a:schemeClr val="tx1">
                               <a:lumMod val="75000"/>
@@ -16647,7 +15971,7 @@
                     <a:p>
                       <a:pPr algn="ctr"/>
                       <a:r>
-                        <a:rPr kumimoji="1" lang="en-US" altLang="ja-JP" sz="1800" b="1" dirty="0" smtClean="0">
+                        <a:rPr kumimoji="1" lang="en-US" altLang="ja-JP" sz="1800" b="1" dirty="0">
                           <a:solidFill>
                             <a:schemeClr val="tx1">
                               <a:lumMod val="75000"/>
@@ -16754,7 +16078,7 @@
                     <a:p>
                       <a:pPr algn="ctr"/>
                       <a:r>
-                        <a:rPr kumimoji="1" lang="en-US" altLang="ja-JP" sz="1800" b="1" dirty="0" smtClean="0">
+                        <a:rPr kumimoji="1" lang="en-US" altLang="ja-JP" sz="1800" b="1" dirty="0">
                           <a:solidFill>
                             <a:schemeClr val="tx1">
                               <a:lumMod val="75000"/>
@@ -16783,7 +16107,7 @@
                     <a:p>
                       <a:pPr algn="ctr"/>
                       <a:r>
-                        <a:rPr kumimoji="1" lang="en-US" altLang="ja-JP" sz="1800" b="1" dirty="0" smtClean="0">
+                        <a:rPr kumimoji="1" lang="en-US" altLang="ja-JP" sz="1800" b="1" dirty="0">
                           <a:solidFill>
                             <a:schemeClr val="tx1">
                               <a:lumMod val="75000"/>
@@ -16812,7 +16136,7 @@
                     <a:p>
                       <a:pPr algn="ctr"/>
                       <a:r>
-                        <a:rPr kumimoji="1" lang="en-US" altLang="ja-JP" sz="1800" b="1" dirty="0" smtClean="0">
+                        <a:rPr kumimoji="1" lang="en-US" altLang="ja-JP" sz="1800" b="1" dirty="0">
                           <a:solidFill>
                             <a:schemeClr val="tx1">
                               <a:lumMod val="75000"/>
@@ -16845,7 +16169,7 @@
                     <a:p>
                       <a:pPr algn="ctr"/>
                       <a:r>
-                        <a:rPr kumimoji="1" lang="en-US" altLang="ja-JP" sz="1800" b="1" dirty="0" smtClean="0">
+                        <a:rPr kumimoji="1" lang="en-US" altLang="ja-JP" sz="1800" b="1" dirty="0">
                           <a:solidFill>
                             <a:schemeClr val="tx1">
                               <a:lumMod val="75000"/>
@@ -16876,7 +16200,7 @@
                     <a:p>
                       <a:pPr algn="ctr"/>
                       <a:r>
-                        <a:rPr kumimoji="1" lang="en-US" altLang="ja-JP" sz="1800" b="1" dirty="0" smtClean="0">
+                        <a:rPr kumimoji="1" lang="en-US" altLang="ja-JP" sz="1800" b="1" dirty="0">
                           <a:solidFill>
                             <a:schemeClr val="tx1">
                               <a:lumMod val="75000"/>
@@ -16907,7 +16231,7 @@
                     <a:p>
                       <a:pPr algn="ctr"/>
                       <a:r>
-                        <a:rPr kumimoji="1" lang="en-US" altLang="ja-JP" sz="1800" b="1" dirty="0" smtClean="0">
+                        <a:rPr kumimoji="1" lang="en-US" altLang="ja-JP" sz="1800" b="1" dirty="0">
                           <a:solidFill>
                             <a:schemeClr val="tx1">
                               <a:lumMod val="75000"/>
@@ -17055,10 +16379,9 @@
           <a:lstStyle/>
           <a:p>
             <a:r>
-              <a:rPr kumimoji="1" lang="ja-JP" altLang="en-US" dirty="0" smtClean="0"/>
+              <a:rPr kumimoji="1" lang="ja-JP" altLang="en-US" dirty="0"/>
               <a:t>語彙</a:t>
             </a:r>
-            <a:endParaRPr kumimoji="1" lang="ja-JP" altLang="en-US" dirty="0"/>
           </a:p>
         </p:txBody>
       </p:sp>
@@ -17701,13 +17024,6 @@
   <p:clrMapOvr>
     <a:masterClrMapping/>
   </p:clrMapOvr>
-  <p:timing>
-    <p:tnLst>
-      <p:par>
-        <p:cTn id="1" dur="indefinite" restart="never" nodeType="tmRoot"/>
-      </p:par>
-    </p:tnLst>
-  </p:timing>
 </p:sld>
 </file>
 
@@ -17730,6 +17046,58 @@
       </p:grpSpPr>
       <p:sp>
         <p:nvSpPr>
+          <p:cNvPr id="8" name="正方形/長方形 7">
+            <a:extLst>
+              <a:ext uri="{FF2B5EF4-FFF2-40B4-BE49-F238E27FC236}">
+                <a16:creationId xmlns:a16="http://schemas.microsoft.com/office/drawing/2014/main" id="{EF0D8F33-2CF8-4EE8-BBC7-C0ED69F4FD3A}"/>
+              </a:ext>
+            </a:extLst>
+          </p:cNvPr>
+          <p:cNvSpPr/>
+          <p:nvPr/>
+        </p:nvSpPr>
+        <p:spPr>
+          <a:xfrm>
+            <a:off x="154518" y="1214854"/>
+            <a:ext cx="8858668" cy="3720607"/>
+          </a:xfrm>
+          <a:prstGeom prst="rect">
+            <a:avLst/>
+          </a:prstGeom>
+          <a:solidFill>
+            <a:schemeClr val="bg1"/>
+          </a:solidFill>
+          <a:ln>
+            <a:noFill/>
+          </a:ln>
+        </p:spPr>
+        <p:style>
+          <a:lnRef idx="2">
+            <a:schemeClr val="accent1">
+              <a:shade val="50000"/>
+            </a:schemeClr>
+          </a:lnRef>
+          <a:fillRef idx="1">
+            <a:schemeClr val="accent1"/>
+          </a:fillRef>
+          <a:effectRef idx="0">
+            <a:schemeClr val="accent1"/>
+          </a:effectRef>
+          <a:fontRef idx="minor">
+            <a:schemeClr val="lt1"/>
+          </a:fontRef>
+        </p:style>
+        <p:txBody>
+          <a:bodyPr rtlCol="0" anchor="ctr"/>
+          <a:lstStyle/>
+          <a:p>
+            <a:pPr algn="ctr"/>
+            <a:endParaRPr kumimoji="1" lang="ja-JP" altLang="en-US"/>
+          </a:p>
+        </p:txBody>
+      </p:sp>
+      <p:sp>
+        <p:nvSpPr>
           <p:cNvPr id="2" name="タイトル 1"/>
           <p:cNvSpPr>
             <a:spLocks noGrp="1"/>
@@ -17746,15 +17114,15 @@
           <a:lstStyle/>
           <a:p>
             <a:r>
-              <a:rPr kumimoji="1" lang="en-US" altLang="ja-JP" dirty="0" smtClean="0"/>
+              <a:rPr kumimoji="1" lang="en-US" altLang="ja-JP" dirty="0"/>
               <a:t>ROC</a:t>
             </a:r>
             <a:r>
-              <a:rPr kumimoji="1" lang="ja-JP" altLang="en-US" dirty="0" smtClean="0"/>
+              <a:rPr kumimoji="1" lang="ja-JP" altLang="en-US" dirty="0"/>
               <a:t>曲線</a:t>
             </a:r>
             <a:r>
-              <a:rPr kumimoji="1" lang="en-US" altLang="ja-JP" dirty="0" smtClean="0"/>
+              <a:rPr kumimoji="1" lang="en-US" altLang="ja-JP" dirty="0"/>
               <a:t>(</a:t>
             </a:r>
             <a:r>
@@ -17762,7 +17130,7 @@
               <a:t>Cities: Skylines</a:t>
             </a:r>
             <a:r>
-              <a:rPr kumimoji="1" lang="en-US" altLang="ja-JP" dirty="0" smtClean="0"/>
+              <a:rPr kumimoji="1" lang="en-US" altLang="ja-JP" dirty="0"/>
               <a:t>)</a:t>
             </a:r>
             <a:endParaRPr kumimoji="1" lang="ja-JP" altLang="en-US" dirty="0"/>
@@ -17801,7 +17169,7 @@
           <p:nvPr/>
         </p:nvPicPr>
         <p:blipFill>
-          <a:blip r:embed="rId2" cstate="print">
+          <a:blip r:embed="rId2">
             <a:extLst>
               <a:ext uri="{28A0092B-C50C-407E-A947-70E740481C1C}">
                 <a14:useLocalDpi xmlns:a14="http://schemas.microsoft.com/office/drawing/2010/main" val="0"/>
@@ -17814,8 +17182,8 @@
         </p:blipFill>
         <p:spPr>
           <a:xfrm>
-            <a:off x="4896269" y="1830407"/>
-            <a:ext cx="4125072" cy="3105054"/>
+            <a:off x="4896269" y="1832286"/>
+            <a:ext cx="4125072" cy="3101295"/>
           </a:xfrm>
           <a:prstGeom prst="rect">
             <a:avLst/>
@@ -17831,7 +17199,7 @@
           <p:nvPr/>
         </p:nvPicPr>
         <p:blipFill>
-          <a:blip r:embed="rId3" cstate="print">
+          <a:blip r:embed="rId3">
             <a:extLst>
               <a:ext uri="{28A0092B-C50C-407E-A947-70E740481C1C}">
                 <a14:useLocalDpi xmlns:a14="http://schemas.microsoft.com/office/drawing/2010/main" val="0"/>
@@ -17844,8 +17212,8 @@
         </p:blipFill>
         <p:spPr>
           <a:xfrm>
-            <a:off x="154517" y="1830407"/>
-            <a:ext cx="4125072" cy="3105054"/>
+            <a:off x="154517" y="1832286"/>
+            <a:ext cx="4125072" cy="3101295"/>
           </a:xfrm>
           <a:prstGeom prst="rect">
             <a:avLst/>
@@ -17875,38 +17243,34 @@
           <a:lstStyle/>
           <a:p>
             <a:r>
-              <a:rPr kumimoji="1" lang="ja-JP" altLang="en-US" dirty="0" smtClean="0"/>
+              <a:rPr kumimoji="1" lang="ja-JP" altLang="en-US" dirty="0"/>
               <a:t>既存手法</a:t>
             </a:r>
-            <a:r>
-              <a:rPr kumimoji="1" lang="en-US" altLang="ja-JP" dirty="0" smtClean="0"/>
-              <a:t/>
-            </a:r>
             <a:br>
-              <a:rPr kumimoji="1" lang="en-US" altLang="ja-JP" dirty="0" smtClean="0"/>
+              <a:rPr kumimoji="1" lang="en-US" altLang="ja-JP" dirty="0"/>
             </a:br>
             <a:r>
-              <a:rPr kumimoji="1" lang="en-US" altLang="ja-JP" sz="1600" dirty="0" smtClean="0"/>
+              <a:rPr kumimoji="1" lang="en-US" altLang="ja-JP" sz="1600" dirty="0"/>
               <a:t>(</a:t>
             </a:r>
             <a:r>
-              <a:rPr kumimoji="1" lang="ja-JP" altLang="en-US" sz="1600" dirty="0" smtClean="0"/>
+              <a:rPr kumimoji="1" lang="ja-JP" altLang="en-US" sz="1600" dirty="0"/>
               <a:t>教師データ</a:t>
             </a:r>
             <a:r>
-              <a:rPr kumimoji="1" lang="en-US" altLang="ja-JP" sz="1600" dirty="0" smtClean="0"/>
+              <a:rPr kumimoji="1" lang="en-US" altLang="ja-JP" sz="1600" dirty="0"/>
               <a:t>:review</a:t>
             </a:r>
             <a:r>
-              <a:rPr kumimoji="1" lang="ja-JP" altLang="en-US" sz="1600" dirty="0" err="1" smtClean="0"/>
+              <a:rPr kumimoji="1" lang="ja-JP" altLang="en-US" sz="1600" dirty="0" err="1"/>
               <a:t>，</a:t>
             </a:r>
             <a:r>
-              <a:rPr kumimoji="1" lang="ja-JP" altLang="en-US" sz="1600" dirty="0" smtClean="0"/>
+              <a:rPr kumimoji="1" lang="ja-JP" altLang="en-US" sz="1600" dirty="0"/>
               <a:t>テストデータ</a:t>
             </a:r>
             <a:r>
-              <a:rPr kumimoji="1" lang="en-US" altLang="ja-JP" sz="1600" dirty="0" smtClean="0"/>
+              <a:rPr kumimoji="1" lang="en-US" altLang="ja-JP" sz="1600" dirty="0"/>
               <a:t>:review)</a:t>
             </a:r>
             <a:endParaRPr kumimoji="1" lang="ja-JP" altLang="en-US" sz="1600" dirty="0"/>
@@ -17940,38 +17304,34 @@
               <a:t>提案</a:t>
             </a:r>
             <a:r>
-              <a:rPr kumimoji="1" lang="ja-JP" altLang="en-US" dirty="0" smtClean="0"/>
+              <a:rPr kumimoji="1" lang="ja-JP" altLang="en-US" dirty="0"/>
               <a:t>手法</a:t>
             </a:r>
-            <a:r>
-              <a:rPr kumimoji="1" lang="en-US" altLang="ja-JP" dirty="0" smtClean="0"/>
-              <a:t/>
-            </a:r>
             <a:br>
-              <a:rPr kumimoji="1" lang="en-US" altLang="ja-JP" dirty="0" smtClean="0"/>
+              <a:rPr kumimoji="1" lang="en-US" altLang="ja-JP" dirty="0"/>
             </a:br>
             <a:r>
-              <a:rPr kumimoji="1" lang="en-US" altLang="ja-JP" sz="1600" dirty="0" smtClean="0"/>
+              <a:rPr kumimoji="1" lang="en-US" altLang="ja-JP" sz="1600" dirty="0"/>
               <a:t>(</a:t>
             </a:r>
             <a:r>
-              <a:rPr kumimoji="1" lang="ja-JP" altLang="en-US" sz="1600" dirty="0" smtClean="0"/>
+              <a:rPr kumimoji="1" lang="ja-JP" altLang="en-US" sz="1600" dirty="0"/>
               <a:t>教師データ</a:t>
             </a:r>
             <a:r>
-              <a:rPr kumimoji="1" lang="en-US" altLang="ja-JP" sz="1600" dirty="0" smtClean="0"/>
+              <a:rPr kumimoji="1" lang="en-US" altLang="ja-JP" sz="1600" dirty="0"/>
               <a:t>:forum</a:t>
             </a:r>
             <a:r>
-              <a:rPr kumimoji="1" lang="ja-JP" altLang="en-US" sz="1600" dirty="0" err="1" smtClean="0"/>
+              <a:rPr kumimoji="1" lang="ja-JP" altLang="en-US" sz="1600" dirty="0" err="1"/>
               <a:t>，</a:t>
             </a:r>
             <a:r>
-              <a:rPr kumimoji="1" lang="ja-JP" altLang="en-US" sz="1600" dirty="0" smtClean="0"/>
+              <a:rPr kumimoji="1" lang="ja-JP" altLang="en-US" sz="1600" dirty="0"/>
               <a:t>テストデータ</a:t>
             </a:r>
             <a:r>
-              <a:rPr kumimoji="1" lang="en-US" altLang="ja-JP" sz="1600" dirty="0" smtClean="0"/>
+              <a:rPr kumimoji="1" lang="en-US" altLang="ja-JP" sz="1600" dirty="0"/>
               <a:t>:review)</a:t>
             </a:r>
             <a:endParaRPr kumimoji="1" lang="ja-JP" altLang="en-US" sz="1600" dirty="0"/>
@@ -18010,6 +17370,58 @@
       </p:grpSpPr>
       <p:sp>
         <p:nvSpPr>
+          <p:cNvPr id="8" name="正方形/長方形 7">
+            <a:extLst>
+              <a:ext uri="{FF2B5EF4-FFF2-40B4-BE49-F238E27FC236}">
+                <a16:creationId xmlns:a16="http://schemas.microsoft.com/office/drawing/2014/main" id="{B5A2879A-7480-4568-9425-279180539C41}"/>
+              </a:ext>
+            </a:extLst>
+          </p:cNvPr>
+          <p:cNvSpPr/>
+          <p:nvPr/>
+        </p:nvSpPr>
+        <p:spPr>
+          <a:xfrm>
+            <a:off x="154518" y="1214854"/>
+            <a:ext cx="8858668" cy="3720607"/>
+          </a:xfrm>
+          <a:prstGeom prst="rect">
+            <a:avLst/>
+          </a:prstGeom>
+          <a:solidFill>
+            <a:schemeClr val="bg1"/>
+          </a:solidFill>
+          <a:ln>
+            <a:noFill/>
+          </a:ln>
+        </p:spPr>
+        <p:style>
+          <a:lnRef idx="2">
+            <a:schemeClr val="accent1">
+              <a:shade val="50000"/>
+            </a:schemeClr>
+          </a:lnRef>
+          <a:fillRef idx="1">
+            <a:schemeClr val="accent1"/>
+          </a:fillRef>
+          <a:effectRef idx="0">
+            <a:schemeClr val="accent1"/>
+          </a:effectRef>
+          <a:fontRef idx="minor">
+            <a:schemeClr val="lt1"/>
+          </a:fontRef>
+        </p:style>
+        <p:txBody>
+          <a:bodyPr rtlCol="0" anchor="ctr"/>
+          <a:lstStyle/>
+          <a:p>
+            <a:pPr algn="ctr"/>
+            <a:endParaRPr kumimoji="1" lang="ja-JP" altLang="en-US"/>
+          </a:p>
+        </p:txBody>
+      </p:sp>
+      <p:sp>
+        <p:nvSpPr>
           <p:cNvPr id="2" name="タイトル 1"/>
           <p:cNvSpPr>
             <a:spLocks noGrp="1"/>
@@ -18034,16 +17446,8 @@
               <a:t>曲線</a:t>
             </a:r>
             <a:r>
-              <a:rPr lang="en-US" altLang="ja-JP" dirty="0" smtClean="0"/>
-              <a:t>(</a:t>
-            </a:r>
-            <a:r>
               <a:rPr lang="en-US" altLang="ja-JP" dirty="0"/>
-              <a:t>Euro truck sim</a:t>
-            </a:r>
-            <a:r>
-              <a:rPr lang="en-US" altLang="ja-JP" dirty="0" smtClean="0"/>
-              <a:t>)</a:t>
+              <a:t>(Euro truck sim)</a:t>
             </a:r>
             <a:endParaRPr kumimoji="1" lang="ja-JP" altLang="en-US" dirty="0"/>
           </a:p>
@@ -18081,7 +17485,7 @@
           <p:nvPr/>
         </p:nvPicPr>
         <p:blipFill>
-          <a:blip r:embed="rId2" cstate="print">
+          <a:blip r:embed="rId2">
             <a:extLst>
               <a:ext uri="{28A0092B-C50C-407E-A947-70E740481C1C}">
                 <a14:useLocalDpi xmlns:a14="http://schemas.microsoft.com/office/drawing/2010/main" val="0"/>
@@ -18094,8 +17498,8 @@
         </p:blipFill>
         <p:spPr>
           <a:xfrm>
-            <a:off x="154517" y="1830407"/>
-            <a:ext cx="4125071" cy="3105054"/>
+            <a:off x="154517" y="1832287"/>
+            <a:ext cx="4125071" cy="3101294"/>
           </a:xfrm>
           <a:prstGeom prst="rect">
             <a:avLst/>
@@ -18125,38 +17529,34 @@
           <a:lstStyle/>
           <a:p>
             <a:r>
-              <a:rPr kumimoji="1" lang="ja-JP" altLang="en-US" dirty="0" smtClean="0"/>
+              <a:rPr kumimoji="1" lang="ja-JP" altLang="en-US" dirty="0"/>
               <a:t>既存手法</a:t>
             </a:r>
-            <a:r>
-              <a:rPr kumimoji="1" lang="en-US" altLang="ja-JP" dirty="0" smtClean="0"/>
-              <a:t/>
-            </a:r>
             <a:br>
-              <a:rPr kumimoji="1" lang="en-US" altLang="ja-JP" dirty="0" smtClean="0"/>
+              <a:rPr kumimoji="1" lang="en-US" altLang="ja-JP" dirty="0"/>
             </a:br>
             <a:r>
-              <a:rPr kumimoji="1" lang="en-US" altLang="ja-JP" sz="1600" dirty="0" smtClean="0"/>
+              <a:rPr kumimoji="1" lang="en-US" altLang="ja-JP" sz="1600" dirty="0"/>
               <a:t>(</a:t>
             </a:r>
             <a:r>
-              <a:rPr kumimoji="1" lang="ja-JP" altLang="en-US" sz="1600" dirty="0" smtClean="0"/>
+              <a:rPr kumimoji="1" lang="ja-JP" altLang="en-US" sz="1600" dirty="0"/>
               <a:t>教師データ</a:t>
             </a:r>
             <a:r>
-              <a:rPr kumimoji="1" lang="en-US" altLang="ja-JP" sz="1600" dirty="0" smtClean="0"/>
+              <a:rPr kumimoji="1" lang="en-US" altLang="ja-JP" sz="1600" dirty="0"/>
               <a:t>:review</a:t>
             </a:r>
             <a:r>
-              <a:rPr kumimoji="1" lang="ja-JP" altLang="en-US" sz="1600" dirty="0" err="1" smtClean="0"/>
+              <a:rPr kumimoji="1" lang="ja-JP" altLang="en-US" sz="1600" dirty="0" err="1"/>
               <a:t>，</a:t>
             </a:r>
             <a:r>
-              <a:rPr kumimoji="1" lang="ja-JP" altLang="en-US" sz="1600" dirty="0" smtClean="0"/>
+              <a:rPr kumimoji="1" lang="ja-JP" altLang="en-US" sz="1600" dirty="0"/>
               <a:t>テストデータ</a:t>
             </a:r>
             <a:r>
-              <a:rPr kumimoji="1" lang="en-US" altLang="ja-JP" sz="1600" dirty="0" smtClean="0"/>
+              <a:rPr kumimoji="1" lang="en-US" altLang="ja-JP" sz="1600" dirty="0"/>
               <a:t>:review)</a:t>
             </a:r>
             <a:endParaRPr kumimoji="1" lang="ja-JP" altLang="en-US" sz="1600" dirty="0"/>
@@ -18190,38 +17590,34 @@
               <a:t>提案</a:t>
             </a:r>
             <a:r>
-              <a:rPr kumimoji="1" lang="ja-JP" altLang="en-US" dirty="0" smtClean="0"/>
+              <a:rPr kumimoji="1" lang="ja-JP" altLang="en-US" dirty="0"/>
               <a:t>手法</a:t>
             </a:r>
-            <a:r>
-              <a:rPr kumimoji="1" lang="en-US" altLang="ja-JP" dirty="0" smtClean="0"/>
-              <a:t/>
-            </a:r>
             <a:br>
-              <a:rPr kumimoji="1" lang="en-US" altLang="ja-JP" dirty="0" smtClean="0"/>
+              <a:rPr kumimoji="1" lang="en-US" altLang="ja-JP" dirty="0"/>
             </a:br>
             <a:r>
-              <a:rPr kumimoji="1" lang="en-US" altLang="ja-JP" sz="1600" dirty="0" smtClean="0"/>
+              <a:rPr kumimoji="1" lang="en-US" altLang="ja-JP" sz="1600" dirty="0"/>
               <a:t>(</a:t>
             </a:r>
             <a:r>
-              <a:rPr kumimoji="1" lang="ja-JP" altLang="en-US" sz="1600" dirty="0" smtClean="0"/>
+              <a:rPr kumimoji="1" lang="ja-JP" altLang="en-US" sz="1600" dirty="0"/>
               <a:t>教師データ</a:t>
             </a:r>
             <a:r>
-              <a:rPr kumimoji="1" lang="en-US" altLang="ja-JP" sz="1600" dirty="0" smtClean="0"/>
+              <a:rPr kumimoji="1" lang="en-US" altLang="ja-JP" sz="1600" dirty="0"/>
               <a:t>:forum</a:t>
             </a:r>
             <a:r>
-              <a:rPr kumimoji="1" lang="ja-JP" altLang="en-US" sz="1600" dirty="0" err="1" smtClean="0"/>
+              <a:rPr kumimoji="1" lang="ja-JP" altLang="en-US" sz="1600" dirty="0" err="1"/>
               <a:t>，</a:t>
             </a:r>
             <a:r>
-              <a:rPr kumimoji="1" lang="ja-JP" altLang="en-US" sz="1600" dirty="0" smtClean="0"/>
+              <a:rPr kumimoji="1" lang="ja-JP" altLang="en-US" sz="1600" dirty="0"/>
               <a:t>テストデータ</a:t>
             </a:r>
             <a:r>
-              <a:rPr kumimoji="1" lang="en-US" altLang="ja-JP" sz="1600" dirty="0" smtClean="0"/>
+              <a:rPr kumimoji="1" lang="en-US" altLang="ja-JP" sz="1600" dirty="0"/>
               <a:t>:review)</a:t>
             </a:r>
             <a:endParaRPr kumimoji="1" lang="ja-JP" altLang="en-US" sz="1600" dirty="0"/>
@@ -18237,7 +17633,7 @@
           <p:nvPr/>
         </p:nvPicPr>
         <p:blipFill>
-          <a:blip r:embed="rId3" cstate="print">
+          <a:blip r:embed="rId3">
             <a:extLst>
               <a:ext uri="{28A0092B-C50C-407E-A947-70E740481C1C}">
                 <a14:useLocalDpi xmlns:a14="http://schemas.microsoft.com/office/drawing/2010/main" val="0"/>
@@ -18250,8 +17646,8 @@
         </p:blipFill>
         <p:spPr>
           <a:xfrm>
-            <a:off x="4896268" y="1830407"/>
-            <a:ext cx="4125071" cy="3105054"/>
+            <a:off x="4896268" y="1832287"/>
+            <a:ext cx="4125071" cy="3101294"/>
           </a:xfrm>
           <a:prstGeom prst="rect">
             <a:avLst/>
@@ -18290,6 +17686,58 @@
       </p:grpSpPr>
       <p:sp>
         <p:nvSpPr>
+          <p:cNvPr id="3" name="正方形/長方形 2">
+            <a:extLst>
+              <a:ext uri="{FF2B5EF4-FFF2-40B4-BE49-F238E27FC236}">
+                <a16:creationId xmlns:a16="http://schemas.microsoft.com/office/drawing/2014/main" id="{C158D707-C31A-4138-AEA5-90A48966A753}"/>
+              </a:ext>
+            </a:extLst>
+          </p:cNvPr>
+          <p:cNvSpPr/>
+          <p:nvPr/>
+        </p:nvSpPr>
+        <p:spPr>
+          <a:xfrm>
+            <a:off x="154518" y="1214854"/>
+            <a:ext cx="8858668" cy="3720607"/>
+          </a:xfrm>
+          <a:prstGeom prst="rect">
+            <a:avLst/>
+          </a:prstGeom>
+          <a:solidFill>
+            <a:schemeClr val="bg1"/>
+          </a:solidFill>
+          <a:ln>
+            <a:noFill/>
+          </a:ln>
+        </p:spPr>
+        <p:style>
+          <a:lnRef idx="2">
+            <a:schemeClr val="accent1">
+              <a:shade val="50000"/>
+            </a:schemeClr>
+          </a:lnRef>
+          <a:fillRef idx="1">
+            <a:schemeClr val="accent1"/>
+          </a:fillRef>
+          <a:effectRef idx="0">
+            <a:schemeClr val="accent1"/>
+          </a:effectRef>
+          <a:fontRef idx="minor">
+            <a:schemeClr val="lt1"/>
+          </a:fontRef>
+        </p:style>
+        <p:txBody>
+          <a:bodyPr rtlCol="0" anchor="ctr"/>
+          <a:lstStyle/>
+          <a:p>
+            <a:pPr algn="ctr"/>
+            <a:endParaRPr kumimoji="1" lang="ja-JP" altLang="en-US"/>
+          </a:p>
+        </p:txBody>
+      </p:sp>
+      <p:sp>
+        <p:nvSpPr>
           <p:cNvPr id="2" name="タイトル 1"/>
           <p:cNvSpPr>
             <a:spLocks noGrp="1"/>
@@ -18305,26 +17753,23 @@
           </a:bodyPr>
           <a:lstStyle/>
           <a:p>
-            <a:endParaRPr kumimoji="1" lang="ja-JP" altLang="en-US"/>
-          </a:p>
-        </p:txBody>
-      </p:sp>
-      <p:sp>
-        <p:nvSpPr>
-          <p:cNvPr id="3" name="コンテンツ プレースホルダー 2"/>
-          <p:cNvSpPr>
-            <a:spLocks noGrp="1"/>
-          </p:cNvSpPr>
-          <p:nvPr>
-            <p:ph idx="1"/>
-          </p:nvPr>
-        </p:nvSpPr>
-        <p:spPr/>
-        <p:txBody>
-          <a:bodyPr/>
-          <a:lstStyle/>
-          <a:p>
-            <a:endParaRPr kumimoji="1" lang="ja-JP" altLang="en-US"/>
+            <a:r>
+              <a:rPr lang="en-US" altLang="ja-JP" dirty="0"/>
+              <a:t>ROC</a:t>
+            </a:r>
+            <a:r>
+              <a:rPr lang="ja-JP" altLang="en-US" dirty="0"/>
+              <a:t>曲線</a:t>
+            </a:r>
+            <a:r>
+              <a:rPr lang="en-US" altLang="ja-JP" dirty="0"/>
+              <a:t>(Cities: Skylines)-</a:t>
+            </a:r>
+            <a:r>
+              <a:rPr lang="en-US" altLang="ja-JP" sz="3600" dirty="0"/>
+              <a:t>cross</a:t>
+            </a:r>
+            <a:endParaRPr kumimoji="1" lang="ja-JP" altLang="en-US" dirty="0"/>
           </a:p>
         </p:txBody>
       </p:sp>
@@ -18351,16 +17796,110 @@
           </a:p>
         </p:txBody>
       </p:sp>
+      <p:sp>
+        <p:nvSpPr>
+          <p:cNvPr id="14" name="テキスト ボックス 13"/>
+          <p:cNvSpPr txBox="1"/>
+          <p:nvPr/>
+        </p:nvSpPr>
+        <p:spPr>
+          <a:xfrm>
+            <a:off x="154517" y="1214854"/>
+            <a:ext cx="4116916" cy="646331"/>
+          </a:xfrm>
+          <a:prstGeom prst="rect">
+            <a:avLst/>
+          </a:prstGeom>
+          <a:noFill/>
+        </p:spPr>
+        <p:txBody>
+          <a:bodyPr wrap="square" rtlCol="0">
+            <a:spAutoFit/>
+          </a:bodyPr>
+          <a:lstStyle/>
+          <a:p>
+            <a:r>
+              <a:rPr kumimoji="1" lang="ja-JP" altLang="en-US" dirty="0"/>
+              <a:t>教師データ</a:t>
+            </a:r>
+            <a:r>
+              <a:rPr kumimoji="1" lang="en-US" altLang="ja-JP" dirty="0"/>
+              <a:t>:	Cities: Skylines</a:t>
+            </a:r>
+            <a:br>
+              <a:rPr lang="en-US" altLang="ja-JP" dirty="0"/>
+            </a:br>
+            <a:r>
+              <a:rPr kumimoji="1" lang="ja-JP" altLang="en-US" dirty="0"/>
+              <a:t>テストデータ</a:t>
+            </a:r>
+            <a:r>
+              <a:rPr kumimoji="1" lang="en-US" altLang="ja-JP" dirty="0"/>
+              <a:t>:	</a:t>
+            </a:r>
+            <a:r>
+              <a:rPr lang="en-US" altLang="ja-JP" dirty="0"/>
+              <a:t>Cities: Skylines</a:t>
+            </a:r>
+            <a:endParaRPr kumimoji="1" lang="ja-JP" altLang="en-US" dirty="0"/>
+          </a:p>
+        </p:txBody>
+      </p:sp>
+      <p:sp>
+        <p:nvSpPr>
+          <p:cNvPr id="15" name="テキスト ボックス 14"/>
+          <p:cNvSpPr txBox="1"/>
+          <p:nvPr/>
+        </p:nvSpPr>
+        <p:spPr>
+          <a:xfrm>
+            <a:off x="4896269" y="1214854"/>
+            <a:ext cx="4116916" cy="646331"/>
+          </a:xfrm>
+          <a:prstGeom prst="rect">
+            <a:avLst/>
+          </a:prstGeom>
+          <a:noFill/>
+        </p:spPr>
+        <p:txBody>
+          <a:bodyPr wrap="square" rtlCol="0">
+            <a:spAutoFit/>
+          </a:bodyPr>
+          <a:lstStyle/>
+          <a:p>
+            <a:r>
+              <a:rPr lang="ja-JP" altLang="en-US" dirty="0"/>
+              <a:t>教師データ</a:t>
+            </a:r>
+            <a:r>
+              <a:rPr lang="en-US" altLang="ja-JP" dirty="0"/>
+              <a:t>:	Eur truck sim</a:t>
+            </a:r>
+            <a:br>
+              <a:rPr lang="en-US" altLang="ja-JP" dirty="0"/>
+            </a:br>
+            <a:r>
+              <a:rPr lang="ja-JP" altLang="en-US" dirty="0"/>
+              <a:t>テストデータ</a:t>
+            </a:r>
+            <a:r>
+              <a:rPr lang="en-US" altLang="ja-JP" dirty="0"/>
+              <a:t>:	Cities: Skylines</a:t>
+            </a:r>
+            <a:endParaRPr lang="ja-JP" altLang="en-US" dirty="0"/>
+          </a:p>
+        </p:txBody>
+      </p:sp>
       <p:pic>
         <p:nvPicPr>
-          <p:cNvPr id="5" name="図 4"/>
+          <p:cNvPr id="12" name="図 11"/>
           <p:cNvPicPr>
             <a:picLocks noChangeAspect="1"/>
           </p:cNvPicPr>
           <p:nvPr/>
         </p:nvPicPr>
         <p:blipFill>
-          <a:blip r:embed="rId2" cstate="print">
+          <a:blip r:embed="rId2">
             <a:extLst>
               <a:ext uri="{28A0092B-C50C-407E-A947-70E740481C1C}">
                 <a14:useLocalDpi xmlns:a14="http://schemas.microsoft.com/office/drawing/2010/main" val="0"/>
@@ -18373,8 +17912,8 @@
         </p:blipFill>
         <p:spPr>
           <a:xfrm>
-            <a:off x="673329" y="1525385"/>
-            <a:ext cx="2876465" cy="2165194"/>
+            <a:off x="4896268" y="1832287"/>
+            <a:ext cx="4125071" cy="3101294"/>
           </a:xfrm>
           <a:prstGeom prst="rect">
             <a:avLst/>
@@ -18383,14 +17922,20 @@
       </p:pic>
       <p:pic>
         <p:nvPicPr>
-          <p:cNvPr id="6" name="図 5"/>
+          <p:cNvPr id="16" name="図 15">
+            <a:extLst>
+              <a:ext uri="{FF2B5EF4-FFF2-40B4-BE49-F238E27FC236}">
+                <a16:creationId xmlns:a16="http://schemas.microsoft.com/office/drawing/2014/main" id="{6633E967-DAFD-45B2-9928-909541A92C69}"/>
+              </a:ext>
+            </a:extLst>
+          </p:cNvPr>
           <p:cNvPicPr>
             <a:picLocks noChangeAspect="1"/>
           </p:cNvPicPr>
           <p:nvPr/>
         </p:nvPicPr>
         <p:blipFill>
-          <a:blip r:embed="rId3" cstate="print">
+          <a:blip r:embed="rId3">
             <a:extLst>
               <a:ext uri="{28A0092B-C50C-407E-A947-70E740481C1C}">
                 <a14:useLocalDpi xmlns:a14="http://schemas.microsoft.com/office/drawing/2010/main" val="0"/>
@@ -18403,8 +17948,8 @@
         </p:blipFill>
         <p:spPr>
           <a:xfrm>
-            <a:off x="5303519" y="1525385"/>
-            <a:ext cx="2876465" cy="2165194"/>
+            <a:off x="154516" y="1832286"/>
+            <a:ext cx="4125072" cy="3101295"/>
           </a:xfrm>
           <a:prstGeom prst="rect">
             <a:avLst/>
@@ -18414,7 +17959,637 @@
     </p:spTree>
     <p:extLst>
       <p:ext uri="{BB962C8B-B14F-4D97-AF65-F5344CB8AC3E}">
-        <p14:creationId xmlns:p14="http://schemas.microsoft.com/office/powerpoint/2010/main" val="1247406251"/>
+        <p14:creationId xmlns:p14="http://schemas.microsoft.com/office/powerpoint/2010/main" val="1736502385"/>
+      </p:ext>
+    </p:extLst>
+  </p:cSld>
+  <p:clrMapOvr>
+    <a:masterClrMapping/>
+  </p:clrMapOvr>
+</p:sld>
+</file>
+
+<file path=ppt/slides/slide8.xml><?xml version="1.0" encoding="utf-8"?>
+<p:sld xmlns:a="http://schemas.openxmlformats.org/drawingml/2006/main" xmlns:r="http://schemas.openxmlformats.org/officeDocument/2006/relationships" xmlns:p="http://schemas.openxmlformats.org/presentationml/2006/main">
+  <p:cSld>
+    <p:spTree>
+      <p:nvGrpSpPr>
+        <p:cNvPr id="1" name=""/>
+        <p:cNvGrpSpPr/>
+        <p:nvPr/>
+      </p:nvGrpSpPr>
+      <p:grpSpPr>
+        <a:xfrm>
+          <a:off x="0" y="0"/>
+          <a:ext cx="0" cy="0"/>
+          <a:chOff x="0" y="0"/>
+          <a:chExt cx="0" cy="0"/>
+        </a:xfrm>
+      </p:grpSpPr>
+      <p:sp>
+        <p:nvSpPr>
+          <p:cNvPr id="3" name="正方形/長方形 2">
+            <a:extLst>
+              <a:ext uri="{FF2B5EF4-FFF2-40B4-BE49-F238E27FC236}">
+                <a16:creationId xmlns:a16="http://schemas.microsoft.com/office/drawing/2014/main" id="{C158D707-C31A-4138-AEA5-90A48966A753}"/>
+              </a:ext>
+            </a:extLst>
+          </p:cNvPr>
+          <p:cNvSpPr/>
+          <p:nvPr/>
+        </p:nvSpPr>
+        <p:spPr>
+          <a:xfrm>
+            <a:off x="154518" y="1214854"/>
+            <a:ext cx="8858668" cy="3720607"/>
+          </a:xfrm>
+          <a:prstGeom prst="rect">
+            <a:avLst/>
+          </a:prstGeom>
+          <a:solidFill>
+            <a:schemeClr val="bg1"/>
+          </a:solidFill>
+          <a:ln>
+            <a:noFill/>
+          </a:ln>
+        </p:spPr>
+        <p:style>
+          <a:lnRef idx="2">
+            <a:schemeClr val="accent1">
+              <a:shade val="50000"/>
+            </a:schemeClr>
+          </a:lnRef>
+          <a:fillRef idx="1">
+            <a:schemeClr val="accent1"/>
+          </a:fillRef>
+          <a:effectRef idx="0">
+            <a:schemeClr val="accent1"/>
+          </a:effectRef>
+          <a:fontRef idx="minor">
+            <a:schemeClr val="lt1"/>
+          </a:fontRef>
+        </p:style>
+        <p:txBody>
+          <a:bodyPr rtlCol="0" anchor="ctr"/>
+          <a:lstStyle/>
+          <a:p>
+            <a:pPr algn="ctr"/>
+            <a:endParaRPr kumimoji="1" lang="ja-JP" altLang="en-US"/>
+          </a:p>
+        </p:txBody>
+      </p:sp>
+      <p:sp>
+        <p:nvSpPr>
+          <p:cNvPr id="2" name="タイトル 1"/>
+          <p:cNvSpPr>
+            <a:spLocks noGrp="1"/>
+          </p:cNvSpPr>
+          <p:nvPr>
+            <p:ph type="title"/>
+          </p:nvPr>
+        </p:nvSpPr>
+        <p:spPr/>
+        <p:txBody>
+          <a:bodyPr>
+            <a:normAutofit fontScale="90000"/>
+          </a:bodyPr>
+          <a:lstStyle/>
+          <a:p>
+            <a:r>
+              <a:rPr lang="en-US" altLang="ja-JP" dirty="0"/>
+              <a:t>ROC</a:t>
+            </a:r>
+            <a:r>
+              <a:rPr lang="ja-JP" altLang="en-US" dirty="0"/>
+              <a:t>曲線</a:t>
+            </a:r>
+            <a:r>
+              <a:rPr lang="en-US" altLang="ja-JP" dirty="0"/>
+              <a:t>(Euro truck sim)-</a:t>
+            </a:r>
+            <a:r>
+              <a:rPr lang="en-US" altLang="ja-JP" sz="3600" dirty="0"/>
+              <a:t>cross</a:t>
+            </a:r>
+            <a:endParaRPr kumimoji="1" lang="ja-JP" altLang="en-US" dirty="0"/>
+          </a:p>
+        </p:txBody>
+      </p:sp>
+      <p:sp>
+        <p:nvSpPr>
+          <p:cNvPr id="4" name="スライド番号プレースホルダー 3"/>
+          <p:cNvSpPr>
+            <a:spLocks noGrp="1"/>
+          </p:cNvSpPr>
+          <p:nvPr>
+            <p:ph type="sldNum" sz="quarter" idx="12"/>
+          </p:nvPr>
+        </p:nvSpPr>
+        <p:spPr/>
+        <p:txBody>
+          <a:bodyPr/>
+          <a:lstStyle/>
+          <a:p>
+            <a:fld id="{310E90F2-0F65-4717-A352-08170F7BDCAA}" type="slidenum">
+              <a:rPr kumimoji="1" lang="ja-JP" altLang="en-US" smtClean="0"/>
+              <a:t>7</a:t>
+            </a:fld>
+            <a:endParaRPr kumimoji="1" lang="ja-JP" altLang="en-US" dirty="0"/>
+          </a:p>
+        </p:txBody>
+      </p:sp>
+      <p:pic>
+        <p:nvPicPr>
+          <p:cNvPr id="11" name="図 10"/>
+          <p:cNvPicPr>
+            <a:picLocks noChangeAspect="1"/>
+          </p:cNvPicPr>
+          <p:nvPr/>
+        </p:nvPicPr>
+        <p:blipFill>
+          <a:blip r:embed="rId2">
+            <a:extLst>
+              <a:ext uri="{28A0092B-C50C-407E-A947-70E740481C1C}">
+                <a14:useLocalDpi xmlns:a14="http://schemas.microsoft.com/office/drawing/2010/main" val="0"/>
+              </a:ext>
+            </a:extLst>
+          </a:blip>
+          <a:stretch>
+            <a:fillRect/>
+          </a:stretch>
+        </p:blipFill>
+        <p:spPr>
+          <a:xfrm>
+            <a:off x="154517" y="1832287"/>
+            <a:ext cx="4125070" cy="3101294"/>
+          </a:xfrm>
+          <a:prstGeom prst="rect">
+            <a:avLst/>
+          </a:prstGeom>
+        </p:spPr>
+      </p:pic>
+      <p:sp>
+        <p:nvSpPr>
+          <p:cNvPr id="14" name="テキスト ボックス 13"/>
+          <p:cNvSpPr txBox="1"/>
+          <p:nvPr/>
+        </p:nvSpPr>
+        <p:spPr>
+          <a:xfrm>
+            <a:off x="154517" y="1214854"/>
+            <a:ext cx="4116916" cy="646331"/>
+          </a:xfrm>
+          <a:prstGeom prst="rect">
+            <a:avLst/>
+          </a:prstGeom>
+          <a:noFill/>
+        </p:spPr>
+        <p:txBody>
+          <a:bodyPr wrap="square" rtlCol="0">
+            <a:spAutoFit/>
+          </a:bodyPr>
+          <a:lstStyle/>
+          <a:p>
+            <a:r>
+              <a:rPr kumimoji="1" lang="ja-JP" altLang="en-US" dirty="0"/>
+              <a:t>教師データ</a:t>
+            </a:r>
+            <a:r>
+              <a:rPr kumimoji="1" lang="en-US" altLang="ja-JP" dirty="0"/>
+              <a:t>:	</a:t>
+            </a:r>
+            <a:r>
+              <a:rPr lang="en-US" altLang="ja-JP" dirty="0"/>
+              <a:t>Eur truck sim</a:t>
+            </a:r>
+            <a:br>
+              <a:rPr lang="en-US" altLang="ja-JP" dirty="0"/>
+            </a:br>
+            <a:r>
+              <a:rPr kumimoji="1" lang="ja-JP" altLang="en-US" dirty="0"/>
+              <a:t>テストデータ</a:t>
+            </a:r>
+            <a:r>
+              <a:rPr kumimoji="1" lang="en-US" altLang="ja-JP" dirty="0"/>
+              <a:t>:	</a:t>
+            </a:r>
+            <a:r>
+              <a:rPr lang="en-US" altLang="ja-JP" dirty="0"/>
+              <a:t>Eur truck sim</a:t>
+            </a:r>
+            <a:endParaRPr kumimoji="1" lang="ja-JP" altLang="en-US" dirty="0"/>
+          </a:p>
+        </p:txBody>
+      </p:sp>
+      <p:sp>
+        <p:nvSpPr>
+          <p:cNvPr id="15" name="テキスト ボックス 14"/>
+          <p:cNvSpPr txBox="1"/>
+          <p:nvPr/>
+        </p:nvSpPr>
+        <p:spPr>
+          <a:xfrm>
+            <a:off x="4896269" y="1214854"/>
+            <a:ext cx="4116916" cy="646331"/>
+          </a:xfrm>
+          <a:prstGeom prst="rect">
+            <a:avLst/>
+          </a:prstGeom>
+          <a:noFill/>
+        </p:spPr>
+        <p:txBody>
+          <a:bodyPr wrap="square" rtlCol="0">
+            <a:spAutoFit/>
+          </a:bodyPr>
+          <a:lstStyle/>
+          <a:p>
+            <a:r>
+              <a:rPr lang="ja-JP" altLang="en-US" dirty="0"/>
+              <a:t>教師データ</a:t>
+            </a:r>
+            <a:r>
+              <a:rPr lang="en-US" altLang="ja-JP" dirty="0"/>
+              <a:t>:	Cities: Skylines</a:t>
+            </a:r>
+            <a:br>
+              <a:rPr lang="en-US" altLang="ja-JP" dirty="0"/>
+            </a:br>
+            <a:r>
+              <a:rPr lang="ja-JP" altLang="en-US" dirty="0"/>
+              <a:t>テストデータ</a:t>
+            </a:r>
+            <a:r>
+              <a:rPr lang="en-US" altLang="ja-JP" dirty="0"/>
+              <a:t>:	Eur truck sim</a:t>
+            </a:r>
+            <a:endParaRPr lang="ja-JP" altLang="en-US" dirty="0"/>
+          </a:p>
+        </p:txBody>
+      </p:sp>
+      <p:pic>
+        <p:nvPicPr>
+          <p:cNvPr id="13" name="図 12">
+            <a:extLst>
+              <a:ext uri="{FF2B5EF4-FFF2-40B4-BE49-F238E27FC236}">
+                <a16:creationId xmlns:a16="http://schemas.microsoft.com/office/drawing/2014/main" id="{599D702A-D3CA-4526-838B-774F55164691}"/>
+              </a:ext>
+            </a:extLst>
+          </p:cNvPr>
+          <p:cNvPicPr>
+            <a:picLocks noChangeAspect="1"/>
+          </p:cNvPicPr>
+          <p:nvPr/>
+        </p:nvPicPr>
+        <p:blipFill>
+          <a:blip r:embed="rId3">
+            <a:extLst>
+              <a:ext uri="{28A0092B-C50C-407E-A947-70E740481C1C}">
+                <a14:useLocalDpi xmlns:a14="http://schemas.microsoft.com/office/drawing/2010/main" val="0"/>
+              </a:ext>
+            </a:extLst>
+          </a:blip>
+          <a:stretch>
+            <a:fillRect/>
+          </a:stretch>
+        </p:blipFill>
+        <p:spPr>
+          <a:xfrm>
+            <a:off x="4896268" y="1832287"/>
+            <a:ext cx="4125071" cy="3101294"/>
+          </a:xfrm>
+          <a:prstGeom prst="rect">
+            <a:avLst/>
+          </a:prstGeom>
+        </p:spPr>
+      </p:pic>
+    </p:spTree>
+    <p:extLst>
+      <p:ext uri="{BB962C8B-B14F-4D97-AF65-F5344CB8AC3E}">
+        <p14:creationId xmlns:p14="http://schemas.microsoft.com/office/powerpoint/2010/main" val="852467766"/>
+      </p:ext>
+    </p:extLst>
+  </p:cSld>
+  <p:clrMapOvr>
+    <a:masterClrMapping/>
+  </p:clrMapOvr>
+</p:sld>
+</file>
+
+<file path=ppt/slides/slide9.xml><?xml version="1.0" encoding="utf-8"?>
+<p:sld xmlns:a="http://schemas.openxmlformats.org/drawingml/2006/main" xmlns:r="http://schemas.openxmlformats.org/officeDocument/2006/relationships" xmlns:p="http://schemas.openxmlformats.org/presentationml/2006/main">
+  <p:cSld>
+    <p:spTree>
+      <p:nvGrpSpPr>
+        <p:cNvPr id="1" name=""/>
+        <p:cNvGrpSpPr/>
+        <p:nvPr/>
+      </p:nvGrpSpPr>
+      <p:grpSpPr>
+        <a:xfrm>
+          <a:off x="0" y="0"/>
+          <a:ext cx="0" cy="0"/>
+          <a:chOff x="0" y="0"/>
+          <a:chExt cx="0" cy="0"/>
+        </a:xfrm>
+      </p:grpSpPr>
+      <p:sp>
+        <p:nvSpPr>
+          <p:cNvPr id="8" name="正方形/長方形 7">
+            <a:extLst>
+              <a:ext uri="{FF2B5EF4-FFF2-40B4-BE49-F238E27FC236}">
+                <a16:creationId xmlns:a16="http://schemas.microsoft.com/office/drawing/2014/main" id="{EF0D8F33-2CF8-4EE8-BBC7-C0ED69F4FD3A}"/>
+              </a:ext>
+            </a:extLst>
+          </p:cNvPr>
+          <p:cNvSpPr/>
+          <p:nvPr/>
+        </p:nvSpPr>
+        <p:spPr>
+          <a:xfrm>
+            <a:off x="154518" y="1214854"/>
+            <a:ext cx="8858668" cy="3720607"/>
+          </a:xfrm>
+          <a:prstGeom prst="rect">
+            <a:avLst/>
+          </a:prstGeom>
+          <a:solidFill>
+            <a:schemeClr val="bg1"/>
+          </a:solidFill>
+          <a:ln>
+            <a:noFill/>
+          </a:ln>
+        </p:spPr>
+        <p:style>
+          <a:lnRef idx="2">
+            <a:schemeClr val="accent1">
+              <a:shade val="50000"/>
+            </a:schemeClr>
+          </a:lnRef>
+          <a:fillRef idx="1">
+            <a:schemeClr val="accent1"/>
+          </a:fillRef>
+          <a:effectRef idx="0">
+            <a:schemeClr val="accent1"/>
+          </a:effectRef>
+          <a:fontRef idx="minor">
+            <a:schemeClr val="lt1"/>
+          </a:fontRef>
+        </p:style>
+        <p:txBody>
+          <a:bodyPr rtlCol="0" anchor="ctr"/>
+          <a:lstStyle/>
+          <a:p>
+            <a:pPr algn="ctr"/>
+            <a:endParaRPr kumimoji="1" lang="ja-JP" altLang="en-US"/>
+          </a:p>
+        </p:txBody>
+      </p:sp>
+      <p:sp>
+        <p:nvSpPr>
+          <p:cNvPr id="2" name="タイトル 1"/>
+          <p:cNvSpPr>
+            <a:spLocks noGrp="1"/>
+          </p:cNvSpPr>
+          <p:nvPr>
+            <p:ph type="title"/>
+          </p:nvPr>
+        </p:nvSpPr>
+        <p:spPr/>
+        <p:txBody>
+          <a:bodyPr>
+            <a:normAutofit fontScale="90000"/>
+          </a:bodyPr>
+          <a:lstStyle/>
+          <a:p>
+            <a:r>
+              <a:rPr lang="en-US" altLang="ja-JP" dirty="0"/>
+              <a:t>PR</a:t>
+            </a:r>
+            <a:r>
+              <a:rPr kumimoji="1" lang="ja-JP" altLang="en-US" dirty="0"/>
+              <a:t>曲線</a:t>
+            </a:r>
+            <a:r>
+              <a:rPr kumimoji="1" lang="en-US" altLang="ja-JP" dirty="0"/>
+              <a:t>(</a:t>
+            </a:r>
+            <a:r>
+              <a:rPr lang="en-US" altLang="ja-JP" dirty="0"/>
+              <a:t>Cities: Skylines</a:t>
+            </a:r>
+            <a:r>
+              <a:rPr kumimoji="1" lang="en-US" altLang="ja-JP" dirty="0"/>
+              <a:t>)</a:t>
+            </a:r>
+            <a:endParaRPr kumimoji="1" lang="ja-JP" altLang="en-US" dirty="0"/>
+          </a:p>
+        </p:txBody>
+      </p:sp>
+      <p:sp>
+        <p:nvSpPr>
+          <p:cNvPr id="4" name="スライド番号プレースホルダー 3"/>
+          <p:cNvSpPr>
+            <a:spLocks noGrp="1"/>
+          </p:cNvSpPr>
+          <p:nvPr>
+            <p:ph type="sldNum" sz="quarter" idx="12"/>
+          </p:nvPr>
+        </p:nvSpPr>
+        <p:spPr/>
+        <p:txBody>
+          <a:bodyPr/>
+          <a:lstStyle/>
+          <a:p>
+            <a:fld id="{310E90F2-0F65-4717-A352-08170F7BDCAA}" type="slidenum">
+              <a:rPr kumimoji="1" lang="ja-JP" altLang="en-US" smtClean="0"/>
+              <a:t>8</a:t>
+            </a:fld>
+            <a:endParaRPr kumimoji="1" lang="ja-JP" altLang="en-US" dirty="0"/>
+          </a:p>
+        </p:txBody>
+      </p:sp>
+      <p:pic>
+        <p:nvPicPr>
+          <p:cNvPr id="10" name="図 9"/>
+          <p:cNvPicPr>
+            <a:picLocks noChangeAspect="1"/>
+          </p:cNvPicPr>
+          <p:nvPr/>
+        </p:nvPicPr>
+        <p:blipFill>
+          <a:blip r:embed="rId2">
+            <a:extLst>
+              <a:ext uri="{28A0092B-C50C-407E-A947-70E740481C1C}">
+                <a14:useLocalDpi xmlns:a14="http://schemas.microsoft.com/office/drawing/2010/main" val="0"/>
+              </a:ext>
+            </a:extLst>
+          </a:blip>
+          <a:stretch>
+            <a:fillRect/>
+          </a:stretch>
+        </p:blipFill>
+        <p:spPr>
+          <a:xfrm>
+            <a:off x="4896269" y="1842274"/>
+            <a:ext cx="4125072" cy="3081319"/>
+          </a:xfrm>
+          <a:prstGeom prst="rect">
+            <a:avLst/>
+          </a:prstGeom>
+        </p:spPr>
+      </p:pic>
+      <p:pic>
+        <p:nvPicPr>
+          <p:cNvPr id="11" name="図 10"/>
+          <p:cNvPicPr>
+            <a:picLocks noChangeAspect="1"/>
+          </p:cNvPicPr>
+          <p:nvPr/>
+        </p:nvPicPr>
+        <p:blipFill>
+          <a:blip r:embed="rId3">
+            <a:extLst>
+              <a:ext uri="{28A0092B-C50C-407E-A947-70E740481C1C}">
+                <a14:useLocalDpi xmlns:a14="http://schemas.microsoft.com/office/drawing/2010/main" val="0"/>
+              </a:ext>
+            </a:extLst>
+          </a:blip>
+          <a:stretch>
+            <a:fillRect/>
+          </a:stretch>
+        </p:blipFill>
+        <p:spPr>
+          <a:xfrm>
+            <a:off x="154517" y="1842274"/>
+            <a:ext cx="4125072" cy="3081319"/>
+          </a:xfrm>
+          <a:prstGeom prst="rect">
+            <a:avLst/>
+          </a:prstGeom>
+        </p:spPr>
+      </p:pic>
+      <p:sp>
+        <p:nvSpPr>
+          <p:cNvPr id="14" name="テキスト ボックス 13"/>
+          <p:cNvSpPr txBox="1"/>
+          <p:nvPr/>
+        </p:nvSpPr>
+        <p:spPr>
+          <a:xfrm>
+            <a:off x="154517" y="1214854"/>
+            <a:ext cx="4116916" cy="615553"/>
+          </a:xfrm>
+          <a:prstGeom prst="rect">
+            <a:avLst/>
+          </a:prstGeom>
+          <a:noFill/>
+        </p:spPr>
+        <p:txBody>
+          <a:bodyPr wrap="square" rtlCol="0">
+            <a:spAutoFit/>
+          </a:bodyPr>
+          <a:lstStyle/>
+          <a:p>
+            <a:r>
+              <a:rPr kumimoji="1" lang="ja-JP" altLang="en-US" dirty="0"/>
+              <a:t>既存手法</a:t>
+            </a:r>
+            <a:br>
+              <a:rPr kumimoji="1" lang="en-US" altLang="ja-JP" dirty="0"/>
+            </a:br>
+            <a:r>
+              <a:rPr kumimoji="1" lang="en-US" altLang="ja-JP" sz="1600" dirty="0"/>
+              <a:t>(</a:t>
+            </a:r>
+            <a:r>
+              <a:rPr kumimoji="1" lang="ja-JP" altLang="en-US" sz="1600" dirty="0"/>
+              <a:t>教師データ</a:t>
+            </a:r>
+            <a:r>
+              <a:rPr kumimoji="1" lang="en-US" altLang="ja-JP" sz="1600" dirty="0"/>
+              <a:t>:review</a:t>
+            </a:r>
+            <a:r>
+              <a:rPr kumimoji="1" lang="ja-JP" altLang="en-US" sz="1600" dirty="0" err="1"/>
+              <a:t>，</a:t>
+            </a:r>
+            <a:r>
+              <a:rPr kumimoji="1" lang="ja-JP" altLang="en-US" sz="1600" dirty="0"/>
+              <a:t>テストデータ</a:t>
+            </a:r>
+            <a:r>
+              <a:rPr kumimoji="1" lang="en-US" altLang="ja-JP" sz="1600" dirty="0"/>
+              <a:t>:review)</a:t>
+            </a:r>
+            <a:endParaRPr kumimoji="1" lang="ja-JP" altLang="en-US" sz="1600" dirty="0"/>
+          </a:p>
+        </p:txBody>
+      </p:sp>
+      <p:sp>
+        <p:nvSpPr>
+          <p:cNvPr id="15" name="テキスト ボックス 14"/>
+          <p:cNvSpPr txBox="1"/>
+          <p:nvPr/>
+        </p:nvSpPr>
+        <p:spPr>
+          <a:xfrm>
+            <a:off x="4896269" y="1214854"/>
+            <a:ext cx="4116916" cy="615553"/>
+          </a:xfrm>
+          <a:prstGeom prst="rect">
+            <a:avLst/>
+          </a:prstGeom>
+          <a:noFill/>
+        </p:spPr>
+        <p:txBody>
+          <a:bodyPr wrap="square" rtlCol="0">
+            <a:spAutoFit/>
+          </a:bodyPr>
+          <a:lstStyle/>
+          <a:p>
+            <a:r>
+              <a:rPr lang="ja-JP" altLang="en-US" dirty="0"/>
+              <a:t>提案</a:t>
+            </a:r>
+            <a:r>
+              <a:rPr kumimoji="1" lang="ja-JP" altLang="en-US" dirty="0"/>
+              <a:t>手法</a:t>
+            </a:r>
+            <a:br>
+              <a:rPr kumimoji="1" lang="en-US" altLang="ja-JP" dirty="0"/>
+            </a:br>
+            <a:r>
+              <a:rPr kumimoji="1" lang="en-US" altLang="ja-JP" sz="1600" dirty="0"/>
+              <a:t>(</a:t>
+            </a:r>
+            <a:r>
+              <a:rPr kumimoji="1" lang="ja-JP" altLang="en-US" sz="1600" dirty="0"/>
+              <a:t>教師データ</a:t>
+            </a:r>
+            <a:r>
+              <a:rPr kumimoji="1" lang="en-US" altLang="ja-JP" sz="1600" dirty="0"/>
+              <a:t>:forum</a:t>
+            </a:r>
+            <a:r>
+              <a:rPr kumimoji="1" lang="ja-JP" altLang="en-US" sz="1600" dirty="0" err="1"/>
+              <a:t>，</a:t>
+            </a:r>
+            <a:r>
+              <a:rPr kumimoji="1" lang="ja-JP" altLang="en-US" sz="1600" dirty="0"/>
+              <a:t>テストデータ</a:t>
+            </a:r>
+            <a:r>
+              <a:rPr kumimoji="1" lang="en-US" altLang="ja-JP" sz="1600" dirty="0"/>
+              <a:t>:review)</a:t>
+            </a:r>
+            <a:endParaRPr kumimoji="1" lang="ja-JP" altLang="en-US" sz="1600" dirty="0"/>
+          </a:p>
+        </p:txBody>
+      </p:sp>
+    </p:spTree>
+    <p:extLst>
+      <p:ext uri="{BB962C8B-B14F-4D97-AF65-F5344CB8AC3E}">
+        <p14:creationId xmlns:p14="http://schemas.microsoft.com/office/powerpoint/2010/main" val="677371225"/>
       </p:ext>
     </p:extLst>
   </p:cSld>

--- a/Presen/素材.pptx
+++ b/Presen/素材.pptx
@@ -5,10 +5,10 @@
     <p:sldMasterId id="2147483701" r:id="rId1"/>
   </p:sldMasterIdLst>
   <p:notesMasterIdLst>
-    <p:notesMasterId r:id="rId15"/>
+    <p:notesMasterId r:id="rId16"/>
   </p:notesMasterIdLst>
   <p:handoutMasterIdLst>
-    <p:handoutMasterId r:id="rId16"/>
+    <p:handoutMasterId r:id="rId17"/>
   </p:handoutMasterIdLst>
   <p:sldIdLst>
     <p:sldId id="297" r:id="rId2"/>
@@ -24,6 +24,7 @@
     <p:sldId id="292" r:id="rId12"/>
     <p:sldId id="295" r:id="rId13"/>
     <p:sldId id="296" r:id="rId14"/>
+    <p:sldId id="298" r:id="rId15"/>
   </p:sldIdLst>
   <p:sldSz cx="9144000" cy="6858000" type="screen4x3"/>
   <p:notesSz cx="6802438" cy="9934575"/>
@@ -227,7 +228,7 @@
           <a:p>
             <a:fld id="{1A135487-3B0B-4099-A9AF-A1DD3FB96830}" type="datetimeFigureOut">
               <a:rPr kumimoji="1" lang="ja-JP" altLang="en-US" smtClean="0"/>
-              <a:t>2021/11/29</a:t>
+              <a:t>2022/1/25</a:t>
             </a:fld>
             <a:endParaRPr kumimoji="1" lang="ja-JP" altLang="en-US"/>
           </a:p>
@@ -392,7 +393,7 @@
           <a:p>
             <a:fld id="{311F266F-543F-491F-AAE1-BD3B073CB50F}" type="datetimeFigureOut">
               <a:rPr kumimoji="1" lang="ja-JP" altLang="en-US" smtClean="0"/>
-              <a:t>2021/11/29</a:t>
+              <a:t>2022/1/25</a:t>
             </a:fld>
             <a:endParaRPr kumimoji="1" lang="ja-JP" altLang="en-US"/>
           </a:p>
@@ -1147,6 +1148,158 @@
 </p:notes>
 </file>
 
+<file path=ppt/notesSlides/notesSlide4.xml><?xml version="1.0" encoding="utf-8"?>
+<p:notes xmlns:a="http://schemas.openxmlformats.org/drawingml/2006/main" xmlns:r="http://schemas.openxmlformats.org/officeDocument/2006/relationships" xmlns:p="http://schemas.openxmlformats.org/presentationml/2006/main">
+  <p:cSld>
+    <p:spTree>
+      <p:nvGrpSpPr>
+        <p:cNvPr id="1" name=""/>
+        <p:cNvGrpSpPr/>
+        <p:nvPr/>
+      </p:nvGrpSpPr>
+      <p:grpSpPr>
+        <a:xfrm>
+          <a:off x="0" y="0"/>
+          <a:ext cx="0" cy="0"/>
+          <a:chOff x="0" y="0"/>
+          <a:chExt cx="0" cy="0"/>
+        </a:xfrm>
+      </p:grpSpPr>
+      <p:sp>
+        <p:nvSpPr>
+          <p:cNvPr id="2" name="スライド イメージ プレースホルダー 1"/>
+          <p:cNvSpPr>
+            <a:spLocks noGrp="1" noRot="1" noChangeAspect="1"/>
+          </p:cNvSpPr>
+          <p:nvPr>
+            <p:ph type="sldImg"/>
+          </p:nvPr>
+        </p:nvSpPr>
+        <p:spPr/>
+      </p:sp>
+      <p:sp>
+        <p:nvSpPr>
+          <p:cNvPr id="3" name="ノート プレースホルダー 2"/>
+          <p:cNvSpPr>
+            <a:spLocks noGrp="1"/>
+          </p:cNvSpPr>
+          <p:nvPr>
+            <p:ph type="body" idx="1"/>
+          </p:nvPr>
+        </p:nvSpPr>
+        <p:spPr/>
+        <p:txBody>
+          <a:bodyPr/>
+          <a:lstStyle/>
+          <a:p>
+            <a:r>
+              <a:rPr kumimoji="1" lang="ja-JP" altLang="en-US" dirty="0"/>
+              <a:t>結果はこのようになります．</a:t>
+            </a:r>
+            <a:endParaRPr kumimoji="1" lang="en-US" altLang="ja-JP" dirty="0"/>
+          </a:p>
+          <a:p>
+            <a:r>
+              <a:rPr kumimoji="1" lang="ja-JP" altLang="en-US" dirty="0"/>
+              <a:t>黄色で強調された部分が正しく分類できたレビューの数になります．</a:t>
+            </a:r>
+            <a:endParaRPr kumimoji="1" lang="en-US" altLang="ja-JP" dirty="0"/>
+          </a:p>
+          <a:p>
+            <a:r>
+              <a:rPr kumimoji="1" lang="ja-JP" altLang="en-US" dirty="0"/>
+              <a:t>レビューを用いて学習した既存手法では，全体で</a:t>
+            </a:r>
+            <a:r>
+              <a:rPr kumimoji="1" lang="en-US" altLang="ja-JP" dirty="0"/>
+              <a:t>92%</a:t>
+            </a:r>
+            <a:r>
+              <a:rPr kumimoji="1" lang="ja-JP" altLang="en-US" dirty="0"/>
+              <a:t>の正解率となりました．対してフォーラムを用いて学習した提案手法では，</a:t>
+            </a:r>
+            <a:r>
+              <a:rPr kumimoji="1" lang="en-US" altLang="ja-JP" dirty="0"/>
+              <a:t>82%</a:t>
+            </a:r>
+            <a:r>
+              <a:rPr kumimoji="1" lang="ja-JP" altLang="en-US" dirty="0"/>
+              <a:t>と既存手法には劣りますが高い正解率になっています．また，機能要求の</a:t>
+            </a:r>
+            <a:r>
+              <a:rPr kumimoji="1" lang="en-US" altLang="ja-JP" dirty="0"/>
+              <a:t>recall</a:t>
+            </a:r>
+            <a:r>
+              <a:rPr kumimoji="1" lang="ja-JP" altLang="en-US" dirty="0"/>
+              <a:t>については既存手法を上回っています．</a:t>
+            </a:r>
+            <a:endParaRPr kumimoji="1" lang="en-US" altLang="ja-JP" dirty="0"/>
+          </a:p>
+          <a:p>
+            <a:r>
+              <a:rPr kumimoji="1" lang="ja-JP" altLang="en-US" dirty="0"/>
+              <a:t>この結果から，フォーラムを教師データとして用いると，分類精度は低下するもののある程度の精度で分類が可能であると言えます．</a:t>
+            </a:r>
+            <a:endParaRPr kumimoji="1" lang="en-US" altLang="ja-JP" dirty="0"/>
+          </a:p>
+          <a:p>
+            <a:r>
+              <a:rPr kumimoji="1" lang="ja-JP" altLang="en-US" dirty="0"/>
+              <a:t>現在は</a:t>
+            </a:r>
+            <a:r>
+              <a:rPr kumimoji="1" lang="en-US" altLang="ja-JP" dirty="0"/>
+              <a:t>1</a:t>
+            </a:r>
+            <a:r>
+              <a:rPr kumimoji="1" lang="ja-JP" altLang="en-US" dirty="0" err="1"/>
+              <a:t>つの</a:t>
+            </a:r>
+            <a:r>
+              <a:rPr kumimoji="1" lang="ja-JP" altLang="en-US" dirty="0"/>
+              <a:t>ゲームタイトルのデータしか集まっていませんが，今後は他のタイトルのレビューもラベル付けすることで，異なるゲームタイトルのフォーラムを教師データとした際の分類精度も確認するつもりです．</a:t>
+            </a:r>
+            <a:endParaRPr kumimoji="1" lang="en-US" altLang="ja-JP" dirty="0"/>
+          </a:p>
+        </p:txBody>
+      </p:sp>
+      <p:sp>
+        <p:nvSpPr>
+          <p:cNvPr id="4" name="スライド番号プレースホルダー 3"/>
+          <p:cNvSpPr>
+            <a:spLocks noGrp="1"/>
+          </p:cNvSpPr>
+          <p:nvPr>
+            <p:ph type="sldNum" sz="quarter" idx="5"/>
+          </p:nvPr>
+        </p:nvSpPr>
+        <p:spPr/>
+        <p:txBody>
+          <a:bodyPr/>
+          <a:lstStyle/>
+          <a:p>
+            <a:fld id="{95767C1C-10FB-4333-8A05-1CD5D2B47B53}" type="slidenum">
+              <a:rPr kumimoji="1" lang="ja-JP" altLang="en-US" smtClean="0"/>
+              <a:t>13</a:t>
+            </a:fld>
+            <a:endParaRPr kumimoji="1" lang="ja-JP" altLang="en-US"/>
+          </a:p>
+        </p:txBody>
+      </p:sp>
+    </p:spTree>
+    <p:extLst>
+      <p:ext uri="{BB962C8B-B14F-4D97-AF65-F5344CB8AC3E}">
+        <p14:creationId xmlns:p14="http://schemas.microsoft.com/office/powerpoint/2010/main" val="892806223"/>
+      </p:ext>
+    </p:extLst>
+  </p:cSld>
+  <p:clrMapOvr>
+    <a:masterClrMapping/>
+  </p:clrMapOvr>
+</p:notes>
+</file>
+
 <file path=ppt/slideLayouts/slideLayout1.xml><?xml version="1.0" encoding="utf-8"?>
 <p:sldLayout xmlns:a="http://schemas.openxmlformats.org/drawingml/2006/main" xmlns:r="http://schemas.openxmlformats.org/officeDocument/2006/relationships" xmlns:p="http://schemas.openxmlformats.org/presentationml/2006/main" preserve="1" userDrawn="1">
   <p:cSld name="タイトル スライド">
@@ -1436,7 +1589,7 @@
           <a:p>
             <a:fld id="{6EF8C076-2BBF-4B38-83E1-4ECAE93235BF}" type="datetime1">
               <a:rPr kumimoji="1" lang="ja-JP" altLang="en-US" smtClean="0"/>
-              <a:t>2021/11/29</a:t>
+              <a:t>2022/1/25</a:t>
             </a:fld>
             <a:endParaRPr kumimoji="1" lang="ja-JP" altLang="en-US"/>
           </a:p>
@@ -1734,7 +1887,7 @@
           <a:p>
             <a:fld id="{D79729C8-6443-4713-958D-FB0AA1851F46}" type="datetime1">
               <a:rPr kumimoji="1" lang="ja-JP" altLang="en-US" smtClean="0"/>
-              <a:t>2021/11/29</a:t>
+              <a:t>2022/1/25</a:t>
             </a:fld>
             <a:endParaRPr kumimoji="1" lang="ja-JP" altLang="en-US"/>
           </a:p>
@@ -1944,7 +2097,7 @@
           <a:p>
             <a:fld id="{04765AF4-C7A1-429A-A652-B34B2E76344F}" type="datetime1">
               <a:rPr kumimoji="1" lang="ja-JP" altLang="en-US" smtClean="0"/>
-              <a:t>2021/11/29</a:t>
+              <a:t>2022/1/25</a:t>
             </a:fld>
             <a:endParaRPr kumimoji="1" lang="ja-JP" altLang="en-US"/>
           </a:p>
@@ -2307,7 +2460,7 @@
           <a:p>
             <a:fld id="{209CC299-5D92-41D8-9419-B5FAF20B7E17}" type="datetime1">
               <a:rPr kumimoji="1" lang="ja-JP" altLang="en-US" smtClean="0"/>
-              <a:t>2021/11/29</a:t>
+              <a:t>2022/1/25</a:t>
             </a:fld>
             <a:endParaRPr kumimoji="1" lang="ja-JP" altLang="en-US"/>
           </a:p>
@@ -2552,7 +2705,7 @@
           <a:p>
             <a:fld id="{4BAC7283-620A-4653-9F1E-039F3D362187}" type="datetime1">
               <a:rPr kumimoji="1" lang="ja-JP" altLang="en-US" smtClean="0"/>
-              <a:t>2021/11/29</a:t>
+              <a:t>2022/1/25</a:t>
             </a:fld>
             <a:endParaRPr kumimoji="1" lang="ja-JP" altLang="en-US"/>
           </a:p>
@@ -2845,7 +2998,7 @@
           <a:p>
             <a:fld id="{4A4EE016-2822-4458-8F57-5398A5932203}" type="datetime1">
               <a:rPr kumimoji="1" lang="ja-JP" altLang="en-US" smtClean="0"/>
-              <a:t>2021/11/29</a:t>
+              <a:t>2022/1/25</a:t>
             </a:fld>
             <a:endParaRPr kumimoji="1" lang="ja-JP" altLang="en-US"/>
           </a:p>
@@ -3273,7 +3426,7 @@
           <a:p>
             <a:fld id="{207670B6-8429-442F-B6A6-B12A4387D506}" type="datetime1">
               <a:rPr kumimoji="1" lang="ja-JP" altLang="en-US" smtClean="0"/>
-              <a:t>2021/11/29</a:t>
+              <a:t>2022/1/25</a:t>
             </a:fld>
             <a:endParaRPr kumimoji="1" lang="ja-JP" altLang="en-US"/>
           </a:p>
@@ -3390,7 +3543,7 @@
           <a:p>
             <a:fld id="{F95E6910-53D1-4B71-85DF-BB7B54297707}" type="datetime1">
               <a:rPr kumimoji="1" lang="ja-JP" altLang="en-US" smtClean="0"/>
-              <a:t>2021/11/29</a:t>
+              <a:t>2022/1/25</a:t>
             </a:fld>
             <a:endParaRPr kumimoji="1" lang="ja-JP" altLang="en-US"/>
           </a:p>
@@ -3485,7 +3638,7 @@
           <a:p>
             <a:fld id="{0AE48976-5A13-4B17-B57A-22956F6F3A86}" type="datetime1">
               <a:rPr kumimoji="1" lang="ja-JP" altLang="en-US" smtClean="0"/>
-              <a:t>2021/11/29</a:t>
+              <a:t>2022/1/25</a:t>
             </a:fld>
             <a:endParaRPr kumimoji="1" lang="ja-JP" altLang="en-US"/>
           </a:p>
@@ -3792,7 +3945,7 @@
           <a:p>
             <a:fld id="{902C1540-8895-4E63-AC78-3D7ADA2A0F06}" type="datetime1">
               <a:rPr kumimoji="1" lang="ja-JP" altLang="en-US" smtClean="0"/>
-              <a:t>2021/11/29</a:t>
+              <a:t>2022/1/25</a:t>
             </a:fld>
             <a:endParaRPr kumimoji="1" lang="ja-JP" altLang="en-US"/>
           </a:p>
@@ -4044,7 +4197,7 @@
           <a:p>
             <a:fld id="{D6464D58-E288-4AF7-9E7F-3530E4C812DB}" type="datetime1">
               <a:rPr kumimoji="1" lang="ja-JP" altLang="en-US" smtClean="0"/>
-              <a:t>2021/11/29</a:t>
+              <a:t>2022/1/25</a:t>
             </a:fld>
             <a:endParaRPr kumimoji="1" lang="ja-JP" altLang="en-US"/>
           </a:p>
@@ -4294,7 +4447,7 @@
             <a:fld id="{3B819935-A763-4BCA-8969-272AE3AC709B}" type="datetime1">
               <a:rPr lang="ja-JP" altLang="en-US" smtClean="0"/>
               <a:pPr/>
-              <a:t>2021/11/29</a:t>
+              <a:t>2022/1/25</a:t>
             </a:fld>
             <a:endParaRPr lang="ja-JP" altLang="en-US"/>
           </a:p>
@@ -5648,6 +5801,14 @@
               </a:rPr>
               <a:t>分散表現</a:t>
             </a:r>
+            <a:r>
+              <a:rPr kumimoji="1" lang="en-US" altLang="ja-JP" b="1" dirty="0">
+                <a:solidFill>
+                  <a:srgbClr val="089CA3"/>
+                </a:solidFill>
+              </a:rPr>
+              <a:t/>
+            </a:r>
             <a:br>
               <a:rPr kumimoji="1" lang="en-US" altLang="ja-JP" b="1" dirty="0">
                 <a:solidFill>
@@ -5804,13 +5965,13 @@
           <p:nvPr/>
         </p:nvPicPr>
         <p:blipFill>
-          <a:blip r:embed="rId2">
+          <a:blip r:embed="rId2" cstate="print">
             <a:extLst>
               <a:ext uri="{28A0092B-C50C-407E-A947-70E740481C1C}">
                 <a14:useLocalDpi xmlns:a14="http://schemas.microsoft.com/office/drawing/2010/main" val="0"/>
               </a:ext>
               <a:ext uri="{96DAC541-7B7A-43D3-8B79-37D633B846F1}">
-                <asvg:svgBlip xmlns:asvg="http://schemas.microsoft.com/office/drawing/2016/SVG/main" r:embed="rId3"/>
+                <asvg:svgBlip xmlns:asvg="http://schemas.microsoft.com/office/drawing/2016/SVG/main" xmlns="" r:embed="rId3"/>
               </a:ext>
             </a:extLst>
           </a:blip>
@@ -14923,6 +15084,14 @@
               </a:rPr>
               <a:t>分類したい</a:t>
             </a:r>
+            <a:r>
+              <a:rPr kumimoji="1" lang="en-US" altLang="ja-JP" b="1" dirty="0">
+                <a:solidFill>
+                  <a:srgbClr val="089CA3"/>
+                </a:solidFill>
+              </a:rPr>
+              <a:t/>
+            </a:r>
             <a:br>
               <a:rPr kumimoji="1" lang="en-US" altLang="ja-JP" b="1" dirty="0">
                 <a:solidFill>
@@ -18186,6 +18355,10 @@
               <a:rPr kumimoji="1" lang="ja-JP" altLang="en-US" dirty="0"/>
               <a:t>既存手法</a:t>
             </a:r>
+            <a:r>
+              <a:rPr kumimoji="1" lang="en-US" altLang="ja-JP" dirty="0"/>
+              <a:t/>
+            </a:r>
             <a:br>
               <a:rPr kumimoji="1" lang="en-US" altLang="ja-JP" dirty="0"/>
             </a:br>
@@ -18246,6 +18419,10 @@
             <a:r>
               <a:rPr kumimoji="1" lang="ja-JP" altLang="en-US" dirty="0"/>
               <a:t>手法</a:t>
+            </a:r>
+            <a:r>
+              <a:rPr kumimoji="1" lang="en-US" altLang="ja-JP" dirty="0"/>
+              <a:t/>
             </a:r>
             <a:br>
               <a:rPr kumimoji="1" lang="en-US" altLang="ja-JP" dirty="0"/>
@@ -18472,6 +18649,10 @@
               <a:rPr kumimoji="1" lang="ja-JP" altLang="en-US" dirty="0"/>
               <a:t>既存手法</a:t>
             </a:r>
+            <a:r>
+              <a:rPr kumimoji="1" lang="en-US" altLang="ja-JP" dirty="0"/>
+              <a:t/>
+            </a:r>
             <a:br>
               <a:rPr kumimoji="1" lang="en-US" altLang="ja-JP" dirty="0"/>
             </a:br>
@@ -18532,6 +18713,10 @@
             <a:r>
               <a:rPr kumimoji="1" lang="ja-JP" altLang="en-US" dirty="0"/>
               <a:t>手法</a:t>
+            </a:r>
+            <a:r>
+              <a:rPr kumimoji="1" lang="en-US" altLang="ja-JP" dirty="0"/>
+              <a:t/>
             </a:r>
             <a:br>
               <a:rPr kumimoji="1" lang="en-US" altLang="ja-JP" dirty="0"/>
@@ -18765,6 +18950,10 @@
             <a:r>
               <a:rPr kumimoji="1" lang="en-US" altLang="ja-JP" dirty="0"/>
               <a:t>:	Cities: Skylines</a:t>
+            </a:r>
+            <a:r>
+              <a:rPr lang="en-US" altLang="ja-JP" dirty="0"/>
+              <a:t/>
             </a:r>
             <a:br>
               <a:rPr lang="en-US" altLang="ja-JP" dirty="0"/>
@@ -19206,6 +19395,3246 @@
     <p:extLst>
       <p:ext uri="{BB962C8B-B14F-4D97-AF65-F5344CB8AC3E}">
         <p14:creationId xmlns:p14="http://schemas.microsoft.com/office/powerpoint/2010/main" val="4147933101"/>
+      </p:ext>
+    </p:extLst>
+  </p:cSld>
+  <p:clrMapOvr>
+    <a:masterClrMapping/>
+  </p:clrMapOvr>
+</p:sld>
+</file>
+
+<file path=ppt/slides/slide14.xml><?xml version="1.0" encoding="utf-8"?>
+<p:sld xmlns:a="http://schemas.openxmlformats.org/drawingml/2006/main" xmlns:r="http://schemas.openxmlformats.org/officeDocument/2006/relationships" xmlns:p="http://schemas.openxmlformats.org/presentationml/2006/main">
+  <p:cSld>
+    <p:spTree>
+      <p:nvGrpSpPr>
+        <p:cNvPr id="1" name=""/>
+        <p:cNvGrpSpPr/>
+        <p:nvPr/>
+      </p:nvGrpSpPr>
+      <p:grpSpPr>
+        <a:xfrm>
+          <a:off x="0" y="0"/>
+          <a:ext cx="0" cy="0"/>
+          <a:chOff x="0" y="0"/>
+          <a:chExt cx="0" cy="0"/>
+        </a:xfrm>
+      </p:grpSpPr>
+      <p:sp>
+        <p:nvSpPr>
+          <p:cNvPr id="6" name="正方形/長方形 5"/>
+          <p:cNvSpPr/>
+          <p:nvPr/>
+        </p:nvSpPr>
+        <p:spPr>
+          <a:xfrm>
+            <a:off x="0" y="1105593"/>
+            <a:ext cx="9144000" cy="4825538"/>
+          </a:xfrm>
+          <a:prstGeom prst="rect">
+            <a:avLst/>
+          </a:prstGeom>
+          <a:solidFill>
+            <a:srgbClr val="F2F2F2"/>
+          </a:solidFill>
+          <a:ln>
+            <a:noFill/>
+          </a:ln>
+        </p:spPr>
+        <p:style>
+          <a:lnRef idx="2">
+            <a:schemeClr val="accent1">
+              <a:shade val="50000"/>
+            </a:schemeClr>
+          </a:lnRef>
+          <a:fillRef idx="1">
+            <a:schemeClr val="accent1"/>
+          </a:fillRef>
+          <a:effectRef idx="0">
+            <a:schemeClr val="accent1"/>
+          </a:effectRef>
+          <a:fontRef idx="minor">
+            <a:schemeClr val="lt1"/>
+          </a:fontRef>
+        </p:style>
+        <p:txBody>
+          <a:bodyPr rtlCol="0" anchor="ctr"/>
+          <a:lstStyle/>
+          <a:p>
+            <a:pPr algn="ctr"/>
+            <a:endParaRPr kumimoji="1" lang="ja-JP" altLang="en-US"/>
+          </a:p>
+        </p:txBody>
+      </p:sp>
+      <p:sp>
+        <p:nvSpPr>
+          <p:cNvPr id="2" name="タイトル 1">
+            <a:extLst>
+              <a:ext uri="{FF2B5EF4-FFF2-40B4-BE49-F238E27FC236}">
+                <a16:creationId xmlns:a16="http://schemas.microsoft.com/office/drawing/2014/main" id="{6E77DB93-8CC2-4374-8072-03F06ADA13E6}"/>
+              </a:ext>
+            </a:extLst>
+          </p:cNvPr>
+          <p:cNvSpPr>
+            <a:spLocks noGrp="1"/>
+          </p:cNvSpPr>
+          <p:nvPr>
+            <p:ph type="title"/>
+          </p:nvPr>
+        </p:nvSpPr>
+        <p:spPr/>
+        <p:txBody>
+          <a:bodyPr>
+            <a:normAutofit fontScale="90000"/>
+          </a:bodyPr>
+          <a:lstStyle/>
+          <a:p>
+            <a:r>
+              <a:rPr kumimoji="1" lang="ja-JP" altLang="en-US" dirty="0"/>
+              <a:t>実験</a:t>
+            </a:r>
+            <a:r>
+              <a:rPr kumimoji="1" lang="ja-JP" altLang="en-US" dirty="0" smtClean="0"/>
+              <a:t>結果 </a:t>
+            </a:r>
+            <a:r>
+              <a:rPr kumimoji="1" lang="en-US" altLang="ja-JP" smtClean="0"/>
+              <a:t>27300</a:t>
+            </a:r>
+            <a:endParaRPr kumimoji="1" lang="ja-JP" altLang="en-US" dirty="0"/>
+          </a:p>
+        </p:txBody>
+      </p:sp>
+      <p:sp>
+        <p:nvSpPr>
+          <p:cNvPr id="8" name="下矢印 7"/>
+          <p:cNvSpPr/>
+          <p:nvPr/>
+        </p:nvSpPr>
+        <p:spPr>
+          <a:xfrm>
+            <a:off x="4200003" y="3286296"/>
+            <a:ext cx="743989" cy="502920"/>
+          </a:xfrm>
+          <a:prstGeom prst="downArrow">
+            <a:avLst/>
+          </a:prstGeom>
+          <a:solidFill>
+            <a:schemeClr val="accent5">
+              <a:lumMod val="75000"/>
+            </a:schemeClr>
+          </a:solidFill>
+          <a:ln>
+            <a:noFill/>
+          </a:ln>
+        </p:spPr>
+        <p:style>
+          <a:lnRef idx="2">
+            <a:schemeClr val="accent1">
+              <a:shade val="50000"/>
+            </a:schemeClr>
+          </a:lnRef>
+          <a:fillRef idx="1">
+            <a:schemeClr val="accent1"/>
+          </a:fillRef>
+          <a:effectRef idx="0">
+            <a:schemeClr val="accent1"/>
+          </a:effectRef>
+          <a:fontRef idx="minor">
+            <a:schemeClr val="lt1"/>
+          </a:fontRef>
+        </p:style>
+        <p:txBody>
+          <a:bodyPr rtlCol="0" anchor="ctr"/>
+          <a:lstStyle/>
+          <a:p>
+            <a:pPr algn="ctr"/>
+            <a:endParaRPr kumimoji="1" lang="ja-JP" altLang="en-US"/>
+          </a:p>
+        </p:txBody>
+      </p:sp>
+      <p:graphicFrame>
+        <p:nvGraphicFramePr>
+          <p:cNvPr id="14" name="コンテンツ プレースホルダー 4">
+            <a:extLst>
+              <a:ext uri="{FF2B5EF4-FFF2-40B4-BE49-F238E27FC236}">
+                <a16:creationId xmlns:a16="http://schemas.microsoft.com/office/drawing/2014/main" id="{94AA94F2-2491-4730-BA26-88F2D248DE99}"/>
+              </a:ext>
+            </a:extLst>
+          </p:cNvPr>
+          <p:cNvGraphicFramePr>
+            <a:graphicFrameLocks/>
+          </p:cNvGraphicFramePr>
+          <p:nvPr>
+            <p:extLst>
+              <p:ext uri="{D42A27DB-BD31-4B8C-83A1-F6EECF244321}">
+                <p14:modId xmlns:p14="http://schemas.microsoft.com/office/powerpoint/2010/main" val="56207778"/>
+              </p:ext>
+            </p:extLst>
+          </p:nvPr>
+        </p:nvGraphicFramePr>
+        <p:xfrm>
+          <a:off x="125636" y="4027513"/>
+          <a:ext cx="8892721" cy="1828800"/>
+        </p:xfrm>
+        <a:graphic>
+          <a:graphicData uri="http://schemas.openxmlformats.org/drawingml/2006/table">
+            <a:tbl>
+              <a:tblPr firstRow="1" bandRow="1">
+                <a:tableStyleId>{5940675A-B579-460E-94D1-54222C63F5DA}</a:tableStyleId>
+              </a:tblPr>
+              <a:tblGrid>
+                <a:gridCol w="416002">
+                  <a:extLst>
+                    <a:ext uri="{9D8B030D-6E8A-4147-A177-3AD203B41FA5}">
+                      <a16:colId xmlns:a16="http://schemas.microsoft.com/office/drawing/2014/main" val="1923610548"/>
+                    </a:ext>
+                  </a:extLst>
+                </a:gridCol>
+                <a:gridCol w="1190750">
+                  <a:extLst>
+                    <a:ext uri="{9D8B030D-6E8A-4147-A177-3AD203B41FA5}">
+                      <a16:colId xmlns:a16="http://schemas.microsoft.com/office/drawing/2014/main" val="1484246165"/>
+                    </a:ext>
+                  </a:extLst>
+                </a:gridCol>
+                <a:gridCol w="1104679">
+                  <a:extLst>
+                    <a:ext uri="{9D8B030D-6E8A-4147-A177-3AD203B41FA5}">
+                      <a16:colId xmlns:a16="http://schemas.microsoft.com/office/drawing/2014/main" val="1784955739"/>
+                    </a:ext>
+                  </a:extLst>
+                </a:gridCol>
+                <a:gridCol w="1104679">
+                  <a:extLst>
+                    <a:ext uri="{9D8B030D-6E8A-4147-A177-3AD203B41FA5}">
+                      <a16:colId xmlns:a16="http://schemas.microsoft.com/office/drawing/2014/main" val="2815321614"/>
+                    </a:ext>
+                  </a:extLst>
+                </a:gridCol>
+                <a:gridCol w="1104679">
+                  <a:extLst>
+                    <a:ext uri="{9D8B030D-6E8A-4147-A177-3AD203B41FA5}">
+                      <a16:colId xmlns:a16="http://schemas.microsoft.com/office/drawing/2014/main" val="2073608608"/>
+                    </a:ext>
+                  </a:extLst>
+                </a:gridCol>
+                <a:gridCol w="992983">
+                  <a:extLst>
+                    <a:ext uri="{9D8B030D-6E8A-4147-A177-3AD203B41FA5}">
+                      <a16:colId xmlns:a16="http://schemas.microsoft.com/office/drawing/2014/main" val="3636356136"/>
+                    </a:ext>
+                  </a:extLst>
+                </a:gridCol>
+                <a:gridCol w="992983">
+                  <a:extLst>
+                    <a:ext uri="{9D8B030D-6E8A-4147-A177-3AD203B41FA5}">
+                      <a16:colId xmlns:a16="http://schemas.microsoft.com/office/drawing/2014/main" val="1161361597"/>
+                    </a:ext>
+                  </a:extLst>
+                </a:gridCol>
+                <a:gridCol w="992983">
+                  <a:extLst>
+                    <a:ext uri="{9D8B030D-6E8A-4147-A177-3AD203B41FA5}">
+                      <a16:colId xmlns:a16="http://schemas.microsoft.com/office/drawing/2014/main" val="1162311465"/>
+                    </a:ext>
+                  </a:extLst>
+                </a:gridCol>
+                <a:gridCol w="992983">
+                  <a:extLst>
+                    <a:ext uri="{9D8B030D-6E8A-4147-A177-3AD203B41FA5}">
+                      <a16:colId xmlns:a16="http://schemas.microsoft.com/office/drawing/2014/main" val="3168335535"/>
+                    </a:ext>
+                  </a:extLst>
+                </a:gridCol>
+              </a:tblGrid>
+              <a:tr h="360485">
+                <a:tc rowSpan="2" gridSpan="2">
+                  <a:txBody>
+                    <a:bodyPr/>
+                    <a:lstStyle/>
+                    <a:p>
+                      <a:pPr algn="ctr"/>
+                      <a:r>
+                        <a:rPr kumimoji="1" lang="ja-JP" altLang="en-US" sz="1800" b="1" dirty="0">
+                          <a:solidFill>
+                            <a:schemeClr val="tx1">
+                              <a:lumMod val="75000"/>
+                              <a:lumOff val="25000"/>
+                            </a:schemeClr>
+                          </a:solidFill>
+                        </a:rPr>
+                        <a:t>提案</a:t>
+                      </a:r>
+                      <a:r>
+                        <a:rPr kumimoji="1" lang="ja-JP" altLang="en-US" sz="1800" b="1" dirty="0" smtClean="0">
+                          <a:solidFill>
+                            <a:schemeClr val="tx1">
+                              <a:lumMod val="75000"/>
+                              <a:lumOff val="25000"/>
+                            </a:schemeClr>
+                          </a:solidFill>
+                        </a:rPr>
+                        <a:t>手法</a:t>
+                      </a:r>
+                      <a:r>
+                        <a:rPr kumimoji="1" lang="en-US" altLang="ja-JP" sz="1800" b="1" dirty="0" smtClean="0">
+                          <a:solidFill>
+                            <a:schemeClr val="tx1">
+                              <a:lumMod val="75000"/>
+                              <a:lumOff val="25000"/>
+                            </a:schemeClr>
+                          </a:solidFill>
+                        </a:rPr>
+                        <a:t/>
+                      </a:r>
+                      <a:br>
+                        <a:rPr kumimoji="1" lang="en-US" altLang="ja-JP" sz="1800" b="1" dirty="0" smtClean="0">
+                          <a:solidFill>
+                            <a:schemeClr val="tx1">
+                              <a:lumMod val="75000"/>
+                              <a:lumOff val="25000"/>
+                            </a:schemeClr>
+                          </a:solidFill>
+                        </a:rPr>
+                      </a:br>
+                      <a:r>
+                        <a:rPr kumimoji="1" lang="en-US" altLang="ja-JP" sz="1200" b="1" dirty="0" smtClean="0">
+                          <a:solidFill>
+                            <a:schemeClr val="tx1">
+                              <a:lumMod val="75000"/>
+                              <a:lumOff val="25000"/>
+                            </a:schemeClr>
+                          </a:solidFill>
+                        </a:rPr>
+                        <a:t>(</a:t>
+                      </a:r>
+                      <a:r>
+                        <a:rPr kumimoji="1" lang="ja-JP" altLang="en-US" sz="1200" b="1" dirty="0" smtClean="0">
+                          <a:solidFill>
+                            <a:schemeClr val="tx1">
+                              <a:lumMod val="75000"/>
+                              <a:lumOff val="25000"/>
+                            </a:schemeClr>
+                          </a:solidFill>
+                        </a:rPr>
+                        <a:t>単語数</a:t>
+                      </a:r>
+                      <a:r>
+                        <a:rPr kumimoji="1" lang="en-US" altLang="ja-JP" sz="1200" b="1" dirty="0" smtClean="0">
+                          <a:solidFill>
+                            <a:schemeClr val="tx1">
+                              <a:lumMod val="75000"/>
+                              <a:lumOff val="25000"/>
+                            </a:schemeClr>
+                          </a:solidFill>
+                        </a:rPr>
+                        <a:t>1</a:t>
+                      </a:r>
+                      <a:r>
+                        <a:rPr kumimoji="1" lang="ja-JP" altLang="en-US" sz="1200" b="1" dirty="0" smtClean="0">
+                          <a:solidFill>
+                            <a:schemeClr val="tx1">
+                              <a:lumMod val="75000"/>
+                              <a:lumOff val="25000"/>
+                            </a:schemeClr>
+                          </a:solidFill>
+                        </a:rPr>
+                        <a:t>以下除外</a:t>
+                      </a:r>
+                      <a:r>
+                        <a:rPr kumimoji="1" lang="en-US" altLang="ja-JP" sz="1200" b="1" dirty="0" smtClean="0">
+                          <a:solidFill>
+                            <a:schemeClr val="tx1">
+                              <a:lumMod val="75000"/>
+                              <a:lumOff val="25000"/>
+                            </a:schemeClr>
+                          </a:solidFill>
+                        </a:rPr>
+                        <a:t>)</a:t>
+                      </a:r>
+                      <a:endParaRPr kumimoji="1" lang="en-US" altLang="ja-JP" sz="1200" b="1" dirty="0">
+                        <a:solidFill>
+                          <a:schemeClr val="tx1">
+                            <a:lumMod val="75000"/>
+                            <a:lumOff val="25000"/>
+                          </a:schemeClr>
+                        </a:solidFill>
+                      </a:endParaRPr>
+                    </a:p>
+                  </a:txBody>
+                  <a:tcPr anchor="ctr">
+                    <a:lnTlToBr w="12700" cap="flat" cmpd="sng" algn="ctr">
+                      <a:noFill/>
+                      <a:prstDash val="solid"/>
+                      <a:round/>
+                      <a:headEnd type="none" w="med" len="med"/>
+                      <a:tailEnd type="none" w="med" len="med"/>
+                    </a:lnTlToBr>
+                  </a:tcPr>
+                </a:tc>
+                <a:tc rowSpan="2" hMerge="1">
+                  <a:txBody>
+                    <a:bodyPr/>
+                    <a:lstStyle/>
+                    <a:p>
+                      <a:pPr algn="ctr"/>
+                      <a:endParaRPr kumimoji="1" lang="ja-JP" altLang="en-US" sz="1400" b="1" dirty="0">
+                        <a:solidFill>
+                          <a:schemeClr val="tx1">
+                            <a:lumMod val="75000"/>
+                            <a:lumOff val="25000"/>
+                          </a:schemeClr>
+                        </a:solidFill>
+                      </a:endParaRPr>
+                    </a:p>
+                  </a:txBody>
+                  <a:tcPr anchor="ctr">
+                    <a:lnTlToBr w="12700" cap="flat" cmpd="sng" algn="ctr">
+                      <a:solidFill>
+                        <a:schemeClr val="tx1"/>
+                      </a:solidFill>
+                      <a:prstDash val="solid"/>
+                      <a:round/>
+                      <a:headEnd type="none" w="med" len="med"/>
+                      <a:tailEnd type="none" w="med" len="med"/>
+                    </a:lnTlToBr>
+                  </a:tcPr>
+                </a:tc>
+                <a:tc gridSpan="3">
+                  <a:txBody>
+                    <a:bodyPr/>
+                    <a:lstStyle/>
+                    <a:p>
+                      <a:pPr algn="ctr"/>
+                      <a:r>
+                        <a:rPr kumimoji="1" lang="ja-JP" altLang="en-US" sz="1800" b="1" dirty="0">
+                          <a:solidFill>
+                            <a:schemeClr val="tx1">
+                              <a:lumMod val="75000"/>
+                              <a:lumOff val="25000"/>
+                            </a:schemeClr>
+                          </a:solidFill>
+                        </a:rPr>
+                        <a:t>予測した分類</a:t>
+                      </a:r>
+                    </a:p>
+                  </a:txBody>
+                  <a:tcPr anchor="ctr">
+                    <a:solidFill>
+                      <a:srgbClr val="FFCCFF"/>
+                    </a:solidFill>
+                  </a:tcPr>
+                </a:tc>
+                <a:tc hMerge="1">
+                  <a:txBody>
+                    <a:bodyPr/>
+                    <a:lstStyle/>
+                    <a:p>
+                      <a:pPr algn="ctr"/>
+                      <a:endParaRPr kumimoji="1" lang="ja-JP" altLang="en-US" sz="1400" b="1" dirty="0">
+                        <a:solidFill>
+                          <a:schemeClr val="tx1">
+                            <a:lumMod val="75000"/>
+                            <a:lumOff val="25000"/>
+                          </a:schemeClr>
+                        </a:solidFill>
+                      </a:endParaRPr>
+                    </a:p>
+                  </a:txBody>
+                  <a:tcPr anchor="ctr">
+                    <a:solidFill>
+                      <a:srgbClr val="FFCCFF"/>
+                    </a:solidFill>
+                  </a:tcPr>
+                </a:tc>
+                <a:tc hMerge="1">
+                  <a:txBody>
+                    <a:bodyPr/>
+                    <a:lstStyle/>
+                    <a:p>
+                      <a:pPr algn="ctr"/>
+                      <a:endParaRPr kumimoji="1" lang="ja-JP" altLang="en-US" sz="1400" b="1" dirty="0">
+                        <a:solidFill>
+                          <a:schemeClr val="tx1">
+                            <a:lumMod val="75000"/>
+                            <a:lumOff val="25000"/>
+                          </a:schemeClr>
+                        </a:solidFill>
+                      </a:endParaRPr>
+                    </a:p>
+                  </a:txBody>
+                  <a:tcPr anchor="ctr">
+                    <a:solidFill>
+                      <a:srgbClr val="FFCCFF"/>
+                    </a:solidFill>
+                  </a:tcPr>
+                </a:tc>
+                <a:tc rowSpan="2">
+                  <a:txBody>
+                    <a:bodyPr/>
+                    <a:lstStyle/>
+                    <a:p>
+                      <a:pPr algn="ctr"/>
+                      <a:r>
+                        <a:rPr kumimoji="1" lang="ja-JP" altLang="en-US" sz="1800" b="1" dirty="0">
+                          <a:solidFill>
+                            <a:schemeClr val="tx1">
+                              <a:lumMod val="75000"/>
+                              <a:lumOff val="25000"/>
+                            </a:schemeClr>
+                          </a:solidFill>
+                        </a:rPr>
+                        <a:t>適合率</a:t>
+                      </a:r>
+                      <a:endParaRPr kumimoji="1" lang="en-US" altLang="ja-JP" sz="1800" b="1" dirty="0">
+                        <a:solidFill>
+                          <a:schemeClr val="tx1">
+                            <a:lumMod val="75000"/>
+                            <a:lumOff val="25000"/>
+                          </a:schemeClr>
+                        </a:solidFill>
+                      </a:endParaRPr>
+                    </a:p>
+                    <a:p>
+                      <a:pPr marL="0" marR="0" lvl="0" indent="0" algn="ctr" defTabSz="685800" rtl="0" eaLnBrk="1" fontAlgn="auto" latinLnBrk="0" hangingPunct="1">
+                        <a:lnSpc>
+                          <a:spcPct val="100000"/>
+                        </a:lnSpc>
+                        <a:spcBef>
+                          <a:spcPts val="0"/>
+                        </a:spcBef>
+                        <a:spcAft>
+                          <a:spcPts val="0"/>
+                        </a:spcAft>
+                        <a:buClrTx/>
+                        <a:buSzTx/>
+                        <a:buFontTx/>
+                        <a:buNone/>
+                        <a:tabLst/>
+                        <a:defRPr/>
+                      </a:pPr>
+                      <a:r>
+                        <a:rPr kumimoji="1" lang="en-US" altLang="ja-JP" sz="1400" b="0" dirty="0">
+                          <a:solidFill>
+                            <a:schemeClr val="tx1">
+                              <a:lumMod val="75000"/>
+                              <a:lumOff val="25000"/>
+                            </a:schemeClr>
+                          </a:solidFill>
+                        </a:rPr>
+                        <a:t>precision</a:t>
+                      </a:r>
+                      <a:endParaRPr kumimoji="1" lang="en-US" altLang="ja-JP" sz="2400" b="0" dirty="0">
+                        <a:solidFill>
+                          <a:schemeClr val="tx1">
+                            <a:lumMod val="75000"/>
+                            <a:lumOff val="25000"/>
+                          </a:schemeClr>
+                        </a:solidFill>
+                      </a:endParaRPr>
+                    </a:p>
+                  </a:txBody>
+                  <a:tcPr anchor="ctr">
+                    <a:noFill/>
+                  </a:tcPr>
+                </a:tc>
+                <a:tc rowSpan="2">
+                  <a:txBody>
+                    <a:bodyPr/>
+                    <a:lstStyle/>
+                    <a:p>
+                      <a:pPr algn="ctr"/>
+                      <a:r>
+                        <a:rPr kumimoji="1" lang="ja-JP" altLang="en-US" sz="1800" b="1" dirty="0">
+                          <a:solidFill>
+                            <a:schemeClr val="tx1">
+                              <a:lumMod val="75000"/>
+                              <a:lumOff val="25000"/>
+                            </a:schemeClr>
+                          </a:solidFill>
+                        </a:rPr>
+                        <a:t>再現率</a:t>
+                      </a:r>
+                      <a:endParaRPr kumimoji="1" lang="en-US" altLang="ja-JP" sz="1800" b="1" dirty="0">
+                        <a:solidFill>
+                          <a:schemeClr val="tx1">
+                            <a:lumMod val="75000"/>
+                            <a:lumOff val="25000"/>
+                          </a:schemeClr>
+                        </a:solidFill>
+                      </a:endParaRPr>
+                    </a:p>
+                    <a:p>
+                      <a:pPr algn="ctr"/>
+                      <a:r>
+                        <a:rPr kumimoji="1" lang="en-US" altLang="ja-JP" sz="1400" b="0" dirty="0">
+                          <a:solidFill>
+                            <a:schemeClr val="tx1">
+                              <a:lumMod val="75000"/>
+                              <a:lumOff val="25000"/>
+                            </a:schemeClr>
+                          </a:solidFill>
+                        </a:rPr>
+                        <a:t>recall</a:t>
+                      </a:r>
+                      <a:endParaRPr kumimoji="1" lang="ja-JP" altLang="en-US" sz="1800" b="0" dirty="0">
+                        <a:solidFill>
+                          <a:schemeClr val="tx1">
+                            <a:lumMod val="75000"/>
+                            <a:lumOff val="25000"/>
+                          </a:schemeClr>
+                        </a:solidFill>
+                      </a:endParaRPr>
+                    </a:p>
+                  </a:txBody>
+                  <a:tcPr anchor="ctr">
+                    <a:noFill/>
+                  </a:tcPr>
+                </a:tc>
+                <a:tc rowSpan="2">
+                  <a:txBody>
+                    <a:bodyPr/>
+                    <a:lstStyle/>
+                    <a:p>
+                      <a:pPr algn="ctr"/>
+                      <a:r>
+                        <a:rPr kumimoji="1" lang="en-US" altLang="ja-JP" sz="1800" b="1" dirty="0">
+                          <a:solidFill>
+                            <a:schemeClr val="tx1">
+                              <a:lumMod val="75000"/>
+                              <a:lumOff val="25000"/>
+                            </a:schemeClr>
+                          </a:solidFill>
+                        </a:rPr>
+                        <a:t>F</a:t>
+                      </a:r>
+                      <a:r>
+                        <a:rPr kumimoji="1" lang="ja-JP" altLang="en-US" sz="1800" b="1" dirty="0">
+                          <a:solidFill>
+                            <a:schemeClr val="tx1">
+                              <a:lumMod val="75000"/>
+                              <a:lumOff val="25000"/>
+                            </a:schemeClr>
+                          </a:solidFill>
+                        </a:rPr>
+                        <a:t>値</a:t>
+                      </a:r>
+                      <a:endParaRPr kumimoji="1" lang="en-US" altLang="ja-JP" sz="1800" b="1" dirty="0">
+                        <a:solidFill>
+                          <a:schemeClr val="tx1">
+                            <a:lumMod val="75000"/>
+                            <a:lumOff val="25000"/>
+                          </a:schemeClr>
+                        </a:solidFill>
+                      </a:endParaRPr>
+                    </a:p>
+                    <a:p>
+                      <a:pPr algn="ctr"/>
+                      <a:r>
+                        <a:rPr kumimoji="1" lang="en-US" altLang="ja-JP" sz="1400" b="0" dirty="0">
+                          <a:solidFill>
+                            <a:schemeClr val="tx1">
+                              <a:lumMod val="75000"/>
+                              <a:lumOff val="25000"/>
+                            </a:schemeClr>
+                          </a:solidFill>
+                        </a:rPr>
+                        <a:t>F1-score</a:t>
+                      </a:r>
+                      <a:endParaRPr kumimoji="1" lang="ja-JP" altLang="en-US" sz="1400" b="0" dirty="0">
+                        <a:solidFill>
+                          <a:schemeClr val="tx1">
+                            <a:lumMod val="75000"/>
+                            <a:lumOff val="25000"/>
+                          </a:schemeClr>
+                        </a:solidFill>
+                      </a:endParaRPr>
+                    </a:p>
+                  </a:txBody>
+                  <a:tcPr anchor="ctr">
+                    <a:noFill/>
+                  </a:tcPr>
+                </a:tc>
+                <a:tc rowSpan="2">
+                  <a:txBody>
+                    <a:bodyPr/>
+                    <a:lstStyle/>
+                    <a:p>
+                      <a:pPr algn="ctr"/>
+                      <a:r>
+                        <a:rPr kumimoji="1" lang="ja-JP" altLang="en-US" sz="1800" b="1" dirty="0">
+                          <a:solidFill>
+                            <a:schemeClr val="tx1">
+                              <a:lumMod val="75000"/>
+                              <a:lumOff val="25000"/>
+                            </a:schemeClr>
+                          </a:solidFill>
+                        </a:rPr>
+                        <a:t>正解率</a:t>
+                      </a:r>
+                      <a:endParaRPr kumimoji="1" lang="en-US" altLang="ja-JP" sz="1800" b="1" dirty="0">
+                        <a:solidFill>
+                          <a:schemeClr val="tx1">
+                            <a:lumMod val="75000"/>
+                            <a:lumOff val="25000"/>
+                          </a:schemeClr>
+                        </a:solidFill>
+                      </a:endParaRPr>
+                    </a:p>
+                    <a:p>
+                      <a:pPr algn="ctr"/>
+                      <a:r>
+                        <a:rPr kumimoji="1" lang="en-US" altLang="ja-JP" sz="1400" b="0" dirty="0">
+                          <a:solidFill>
+                            <a:schemeClr val="tx1">
+                              <a:lumMod val="75000"/>
+                              <a:lumOff val="25000"/>
+                            </a:schemeClr>
+                          </a:solidFill>
+                        </a:rPr>
+                        <a:t>accuracy</a:t>
+                      </a:r>
+                      <a:endParaRPr kumimoji="1" lang="ja-JP" altLang="en-US" sz="1400" b="0" dirty="0">
+                        <a:solidFill>
+                          <a:schemeClr val="tx1">
+                            <a:lumMod val="75000"/>
+                            <a:lumOff val="25000"/>
+                          </a:schemeClr>
+                        </a:solidFill>
+                      </a:endParaRPr>
+                    </a:p>
+                  </a:txBody>
+                  <a:tcPr anchor="ctr">
+                    <a:noFill/>
+                  </a:tcPr>
+                </a:tc>
+                <a:extLst>
+                  <a:ext uri="{0D108BD9-81ED-4DB2-BD59-A6C34878D82A}">
+                    <a16:rowId xmlns:a16="http://schemas.microsoft.com/office/drawing/2014/main" val="53369686"/>
+                  </a:ext>
+                </a:extLst>
+              </a:tr>
+              <a:tr h="360485">
+                <a:tc gridSpan="2" vMerge="1">
+                  <a:txBody>
+                    <a:bodyPr/>
+                    <a:lstStyle/>
+                    <a:p>
+                      <a:pPr algn="ctr"/>
+                      <a:endParaRPr kumimoji="1" lang="ja-JP" altLang="en-US" sz="1400" b="1" dirty="0">
+                        <a:solidFill>
+                          <a:schemeClr val="tx1">
+                            <a:lumMod val="75000"/>
+                            <a:lumOff val="25000"/>
+                          </a:schemeClr>
+                        </a:solidFill>
+                      </a:endParaRPr>
+                    </a:p>
+                  </a:txBody>
+                  <a:tcPr anchor="ctr">
+                    <a:lnTlToBr w="12700" cap="flat" cmpd="sng" algn="ctr">
+                      <a:solidFill>
+                        <a:schemeClr val="tx1"/>
+                      </a:solidFill>
+                      <a:prstDash val="solid"/>
+                      <a:round/>
+                      <a:headEnd type="none" w="med" len="med"/>
+                      <a:tailEnd type="none" w="med" len="med"/>
+                    </a:lnTlToBr>
+                  </a:tcPr>
+                </a:tc>
+                <a:tc hMerge="1" vMerge="1">
+                  <a:txBody>
+                    <a:bodyPr/>
+                    <a:lstStyle/>
+                    <a:p>
+                      <a:pPr algn="ctr"/>
+                      <a:endParaRPr kumimoji="1" lang="ja-JP" altLang="en-US" sz="1400" b="1" dirty="0">
+                        <a:solidFill>
+                          <a:schemeClr val="tx1">
+                            <a:lumMod val="75000"/>
+                            <a:lumOff val="25000"/>
+                          </a:schemeClr>
+                        </a:solidFill>
+                      </a:endParaRPr>
+                    </a:p>
+                  </a:txBody>
+                  <a:tcPr anchor="ctr">
+                    <a:lnTlToBr w="12700" cap="flat" cmpd="sng" algn="ctr">
+                      <a:solidFill>
+                        <a:schemeClr val="tx1"/>
+                      </a:solidFill>
+                      <a:prstDash val="solid"/>
+                      <a:round/>
+                      <a:headEnd type="none" w="med" len="med"/>
+                      <a:tailEnd type="none" w="med" len="med"/>
+                    </a:lnTlToBr>
+                  </a:tcPr>
+                </a:tc>
+                <a:tc>
+                  <a:txBody>
+                    <a:bodyPr/>
+                    <a:lstStyle/>
+                    <a:p>
+                      <a:pPr algn="ctr"/>
+                      <a:r>
+                        <a:rPr kumimoji="1" lang="ja-JP" altLang="en-US" sz="1800" b="1" dirty="0">
+                          <a:solidFill>
+                            <a:schemeClr val="tx1">
+                              <a:lumMod val="75000"/>
+                              <a:lumOff val="25000"/>
+                            </a:schemeClr>
+                          </a:solidFill>
+                        </a:rPr>
+                        <a:t>バグ報告</a:t>
+                      </a:r>
+                    </a:p>
+                  </a:txBody>
+                  <a:tcPr anchor="ctr">
+                    <a:solidFill>
+                      <a:srgbClr val="FFCCFF"/>
+                    </a:solidFill>
+                  </a:tcPr>
+                </a:tc>
+                <a:tc>
+                  <a:txBody>
+                    <a:bodyPr/>
+                    <a:lstStyle/>
+                    <a:p>
+                      <a:pPr algn="ctr"/>
+                      <a:r>
+                        <a:rPr kumimoji="1" lang="ja-JP" altLang="en-US" sz="1800" b="1" dirty="0">
+                          <a:solidFill>
+                            <a:schemeClr val="tx1">
+                              <a:lumMod val="75000"/>
+                              <a:lumOff val="25000"/>
+                            </a:schemeClr>
+                          </a:solidFill>
+                        </a:rPr>
+                        <a:t>機能要求</a:t>
+                      </a:r>
+                    </a:p>
+                  </a:txBody>
+                  <a:tcPr anchor="ctr">
+                    <a:solidFill>
+                      <a:srgbClr val="FFCCFF"/>
+                    </a:solidFill>
+                  </a:tcPr>
+                </a:tc>
+                <a:tc>
+                  <a:txBody>
+                    <a:bodyPr/>
+                    <a:lstStyle/>
+                    <a:p>
+                      <a:pPr algn="ctr"/>
+                      <a:r>
+                        <a:rPr kumimoji="1" lang="ja-JP" altLang="en-US" sz="1800" b="1" dirty="0">
+                          <a:solidFill>
+                            <a:schemeClr val="tx1">
+                              <a:lumMod val="75000"/>
+                              <a:lumOff val="25000"/>
+                            </a:schemeClr>
+                          </a:solidFill>
+                        </a:rPr>
+                        <a:t>その他</a:t>
+                      </a:r>
+                    </a:p>
+                  </a:txBody>
+                  <a:tcPr anchor="ctr">
+                    <a:solidFill>
+                      <a:srgbClr val="FFCCFF"/>
+                    </a:solidFill>
+                  </a:tcPr>
+                </a:tc>
+                <a:tc vMerge="1">
+                  <a:txBody>
+                    <a:bodyPr/>
+                    <a:lstStyle/>
+                    <a:p>
+                      <a:pPr algn="ctr"/>
+                      <a:endParaRPr kumimoji="1" lang="ja-JP" altLang="en-US" sz="1800" b="1" dirty="0">
+                        <a:solidFill>
+                          <a:schemeClr val="tx1">
+                            <a:lumMod val="75000"/>
+                            <a:lumOff val="25000"/>
+                          </a:schemeClr>
+                        </a:solidFill>
+                      </a:endParaRPr>
+                    </a:p>
+                  </a:txBody>
+                  <a:tcPr anchor="ctr">
+                    <a:solidFill>
+                      <a:srgbClr val="FFCCFF"/>
+                    </a:solidFill>
+                  </a:tcPr>
+                </a:tc>
+                <a:tc vMerge="1">
+                  <a:txBody>
+                    <a:bodyPr/>
+                    <a:lstStyle/>
+                    <a:p>
+                      <a:endParaRPr kumimoji="1" lang="ja-JP" altLang="en-US"/>
+                    </a:p>
+                  </a:txBody>
+                  <a:tcPr/>
+                </a:tc>
+                <a:tc vMerge="1">
+                  <a:txBody>
+                    <a:bodyPr/>
+                    <a:lstStyle/>
+                    <a:p>
+                      <a:endParaRPr kumimoji="1" lang="ja-JP" altLang="en-US"/>
+                    </a:p>
+                  </a:txBody>
+                  <a:tcPr/>
+                </a:tc>
+                <a:tc vMerge="1">
+                  <a:txBody>
+                    <a:bodyPr/>
+                    <a:lstStyle/>
+                    <a:p>
+                      <a:endParaRPr kumimoji="1" lang="ja-JP" altLang="en-US"/>
+                    </a:p>
+                  </a:txBody>
+                  <a:tcPr/>
+                </a:tc>
+                <a:extLst>
+                  <a:ext uri="{0D108BD9-81ED-4DB2-BD59-A6C34878D82A}">
+                    <a16:rowId xmlns:a16="http://schemas.microsoft.com/office/drawing/2014/main" val="290926368"/>
+                  </a:ext>
+                </a:extLst>
+              </a:tr>
+              <a:tr h="360485">
+                <a:tc rowSpan="3">
+                  <a:txBody>
+                    <a:bodyPr/>
+                    <a:lstStyle/>
+                    <a:p>
+                      <a:pPr marL="0" marR="0" lvl="0" indent="0" algn="ctr" defTabSz="685800" rtl="0" eaLnBrk="1" fontAlgn="auto" latinLnBrk="0" hangingPunct="1">
+                        <a:lnSpc>
+                          <a:spcPct val="100000"/>
+                        </a:lnSpc>
+                        <a:spcBef>
+                          <a:spcPts val="0"/>
+                        </a:spcBef>
+                        <a:spcAft>
+                          <a:spcPts val="0"/>
+                        </a:spcAft>
+                        <a:buClrTx/>
+                        <a:buSzTx/>
+                        <a:buFontTx/>
+                        <a:buNone/>
+                        <a:tabLst/>
+                        <a:defRPr/>
+                      </a:pPr>
+                      <a:r>
+                        <a:rPr kumimoji="1" lang="ja-JP" altLang="en-US" sz="1800" b="1" dirty="0">
+                          <a:solidFill>
+                            <a:schemeClr val="tx1">
+                              <a:lumMod val="75000"/>
+                              <a:lumOff val="25000"/>
+                            </a:schemeClr>
+                          </a:solidFill>
+                        </a:rPr>
+                        <a:t>真の分類</a:t>
+                      </a:r>
+                    </a:p>
+                  </a:txBody>
+                  <a:tcPr vert="eaVert" anchor="ctr">
+                    <a:solidFill>
+                      <a:schemeClr val="tx2">
+                        <a:lumMod val="20000"/>
+                        <a:lumOff val="80000"/>
+                      </a:schemeClr>
+                    </a:solidFill>
+                  </a:tcPr>
+                </a:tc>
+                <a:tc>
+                  <a:txBody>
+                    <a:bodyPr/>
+                    <a:lstStyle/>
+                    <a:p>
+                      <a:pPr marL="0" marR="0" lvl="0" indent="0" algn="ctr" defTabSz="685800" rtl="0" eaLnBrk="1" fontAlgn="auto" latinLnBrk="0" hangingPunct="1">
+                        <a:lnSpc>
+                          <a:spcPct val="100000"/>
+                        </a:lnSpc>
+                        <a:spcBef>
+                          <a:spcPts val="0"/>
+                        </a:spcBef>
+                        <a:spcAft>
+                          <a:spcPts val="0"/>
+                        </a:spcAft>
+                        <a:buClrTx/>
+                        <a:buSzTx/>
+                        <a:buFontTx/>
+                        <a:buNone/>
+                        <a:tabLst/>
+                        <a:defRPr/>
+                      </a:pPr>
+                      <a:r>
+                        <a:rPr kumimoji="1" lang="ja-JP" altLang="en-US" sz="1800" b="1" dirty="0">
+                          <a:solidFill>
+                            <a:schemeClr val="tx1">
+                              <a:lumMod val="75000"/>
+                              <a:lumOff val="25000"/>
+                            </a:schemeClr>
+                          </a:solidFill>
+                        </a:rPr>
+                        <a:t>バグ報告</a:t>
+                      </a:r>
+                    </a:p>
+                  </a:txBody>
+                  <a:tcPr anchor="ctr">
+                    <a:solidFill>
+                      <a:schemeClr val="tx2">
+                        <a:lumMod val="20000"/>
+                        <a:lumOff val="80000"/>
+                      </a:schemeClr>
+                    </a:solidFill>
+                  </a:tcPr>
+                </a:tc>
+                <a:tc>
+                  <a:txBody>
+                    <a:bodyPr/>
+                    <a:lstStyle/>
+                    <a:p>
+                      <a:pPr algn="ctr"/>
+                      <a:r>
+                        <a:rPr kumimoji="1" lang="en-US" altLang="ja-JP" sz="1800" b="1" dirty="0" smtClean="0">
+                          <a:solidFill>
+                            <a:schemeClr val="tx1">
+                              <a:lumMod val="75000"/>
+                              <a:lumOff val="25000"/>
+                            </a:schemeClr>
+                          </a:solidFill>
+                        </a:rPr>
+                        <a:t>12</a:t>
+                      </a:r>
+                      <a:endParaRPr kumimoji="1" lang="ja-JP" altLang="en-US" sz="1800" b="1" dirty="0">
+                        <a:solidFill>
+                          <a:schemeClr val="tx1">
+                            <a:lumMod val="75000"/>
+                            <a:lumOff val="25000"/>
+                          </a:schemeClr>
+                        </a:solidFill>
+                      </a:endParaRPr>
+                    </a:p>
+                  </a:txBody>
+                  <a:tcPr anchor="ctr">
+                    <a:solidFill>
+                      <a:srgbClr val="FFFF99"/>
+                    </a:solidFill>
+                  </a:tcPr>
+                </a:tc>
+                <a:tc>
+                  <a:txBody>
+                    <a:bodyPr/>
+                    <a:lstStyle/>
+                    <a:p>
+                      <a:pPr algn="ctr"/>
+                      <a:r>
+                        <a:rPr kumimoji="1" lang="en-US" altLang="ja-JP" sz="1800" b="1" dirty="0" smtClean="0">
+                          <a:solidFill>
+                            <a:schemeClr val="tx1">
+                              <a:lumMod val="75000"/>
+                              <a:lumOff val="25000"/>
+                            </a:schemeClr>
+                          </a:solidFill>
+                        </a:rPr>
+                        <a:t>4</a:t>
+                      </a:r>
+                      <a:endParaRPr kumimoji="1" lang="ja-JP" altLang="en-US" sz="1800" b="1" dirty="0">
+                        <a:solidFill>
+                          <a:schemeClr val="tx1">
+                            <a:lumMod val="75000"/>
+                            <a:lumOff val="25000"/>
+                          </a:schemeClr>
+                        </a:solidFill>
+                      </a:endParaRPr>
+                    </a:p>
+                  </a:txBody>
+                  <a:tcPr anchor="ctr"/>
+                </a:tc>
+                <a:tc>
+                  <a:txBody>
+                    <a:bodyPr/>
+                    <a:lstStyle/>
+                    <a:p>
+                      <a:pPr algn="ctr"/>
+                      <a:r>
+                        <a:rPr kumimoji="1" lang="en-US" altLang="ja-JP" sz="1800" b="1" dirty="0" smtClean="0">
+                          <a:solidFill>
+                            <a:schemeClr val="tx1">
+                              <a:lumMod val="75000"/>
+                              <a:lumOff val="25000"/>
+                            </a:schemeClr>
+                          </a:solidFill>
+                        </a:rPr>
+                        <a:t>6</a:t>
+                      </a:r>
+                      <a:endParaRPr kumimoji="1" lang="ja-JP" altLang="en-US" sz="1800" b="1" dirty="0">
+                        <a:solidFill>
+                          <a:schemeClr val="tx1">
+                            <a:lumMod val="75000"/>
+                            <a:lumOff val="25000"/>
+                          </a:schemeClr>
+                        </a:solidFill>
+                      </a:endParaRPr>
+                    </a:p>
+                  </a:txBody>
+                  <a:tcPr anchor="ctr"/>
+                </a:tc>
+                <a:tc>
+                  <a:txBody>
+                    <a:bodyPr/>
+                    <a:lstStyle/>
+                    <a:p>
+                      <a:pPr algn="ctr"/>
+                      <a:r>
+                        <a:rPr kumimoji="1" lang="en-US" altLang="ja-JP" sz="1800" b="1" dirty="0" smtClean="0">
+                          <a:solidFill>
+                            <a:schemeClr val="tx1">
+                              <a:lumMod val="75000"/>
+                              <a:lumOff val="25000"/>
+                            </a:schemeClr>
+                          </a:solidFill>
+                        </a:rPr>
+                        <a:t>0.38</a:t>
+                      </a:r>
+                      <a:endParaRPr kumimoji="1" lang="ja-JP" altLang="en-US" sz="1800" b="1" dirty="0">
+                        <a:solidFill>
+                          <a:schemeClr val="tx1">
+                            <a:lumMod val="75000"/>
+                            <a:lumOff val="25000"/>
+                          </a:schemeClr>
+                        </a:solidFill>
+                      </a:endParaRPr>
+                    </a:p>
+                  </a:txBody>
+                  <a:tcPr anchor="ctr"/>
+                </a:tc>
+                <a:tc>
+                  <a:txBody>
+                    <a:bodyPr/>
+                    <a:lstStyle/>
+                    <a:p>
+                      <a:pPr algn="ctr"/>
+                      <a:r>
+                        <a:rPr kumimoji="1" lang="en-US" altLang="ja-JP" sz="1800" b="1" dirty="0" smtClean="0">
+                          <a:solidFill>
+                            <a:schemeClr val="tx1">
+                              <a:lumMod val="75000"/>
+                              <a:lumOff val="25000"/>
+                            </a:schemeClr>
+                          </a:solidFill>
+                        </a:rPr>
+                        <a:t>0.55</a:t>
+                      </a:r>
+                      <a:endParaRPr kumimoji="1" lang="ja-JP" altLang="en-US" sz="1800" b="1" dirty="0">
+                        <a:solidFill>
+                          <a:schemeClr val="tx1">
+                            <a:lumMod val="75000"/>
+                            <a:lumOff val="25000"/>
+                          </a:schemeClr>
+                        </a:solidFill>
+                      </a:endParaRPr>
+                    </a:p>
+                  </a:txBody>
+                  <a:tcPr anchor="ctr"/>
+                </a:tc>
+                <a:tc>
+                  <a:txBody>
+                    <a:bodyPr/>
+                    <a:lstStyle/>
+                    <a:p>
+                      <a:pPr algn="ctr"/>
+                      <a:r>
+                        <a:rPr kumimoji="1" lang="en-US" altLang="ja-JP" sz="1800" b="1" dirty="0" smtClean="0">
+                          <a:solidFill>
+                            <a:schemeClr val="tx1">
+                              <a:lumMod val="75000"/>
+                              <a:lumOff val="25000"/>
+                            </a:schemeClr>
+                          </a:solidFill>
+                        </a:rPr>
+                        <a:t>0.44</a:t>
+                      </a:r>
+                      <a:endParaRPr kumimoji="1" lang="ja-JP" altLang="en-US" sz="1800" b="1" dirty="0">
+                        <a:solidFill>
+                          <a:schemeClr val="tx1">
+                            <a:lumMod val="75000"/>
+                            <a:lumOff val="25000"/>
+                          </a:schemeClr>
+                        </a:solidFill>
+                      </a:endParaRPr>
+                    </a:p>
+                  </a:txBody>
+                  <a:tcPr anchor="ctr"/>
+                </a:tc>
+                <a:tc rowSpan="3">
+                  <a:txBody>
+                    <a:bodyPr/>
+                    <a:lstStyle/>
+                    <a:p>
+                      <a:pPr algn="ctr"/>
+                      <a:r>
+                        <a:rPr kumimoji="1" lang="en-US" altLang="ja-JP" sz="1800" b="1" dirty="0" smtClean="0">
+                          <a:solidFill>
+                            <a:schemeClr val="tx1">
+                              <a:lumMod val="75000"/>
+                              <a:lumOff val="25000"/>
+                            </a:schemeClr>
+                          </a:solidFill>
+                        </a:rPr>
+                        <a:t>0.78</a:t>
+                      </a:r>
+                      <a:endParaRPr kumimoji="1" lang="ja-JP" altLang="en-US" sz="1800" b="1" dirty="0">
+                        <a:solidFill>
+                          <a:schemeClr val="tx1">
+                            <a:lumMod val="75000"/>
+                            <a:lumOff val="25000"/>
+                          </a:schemeClr>
+                        </a:solidFill>
+                      </a:endParaRPr>
+                    </a:p>
+                  </a:txBody>
+                  <a:tcPr anchor="ctr"/>
+                </a:tc>
+                <a:extLst>
+                  <a:ext uri="{0D108BD9-81ED-4DB2-BD59-A6C34878D82A}">
+                    <a16:rowId xmlns:a16="http://schemas.microsoft.com/office/drawing/2014/main" val="3098006258"/>
+                  </a:ext>
+                </a:extLst>
+              </a:tr>
+              <a:tr h="360485">
+                <a:tc vMerge="1">
+                  <a:txBody>
+                    <a:bodyPr/>
+                    <a:lstStyle/>
+                    <a:p>
+                      <a:pPr algn="ctr"/>
+                      <a:endParaRPr kumimoji="1" lang="ja-JP" altLang="en-US" sz="1400" b="1" dirty="0">
+                        <a:solidFill>
+                          <a:schemeClr val="tx1">
+                            <a:lumMod val="75000"/>
+                            <a:lumOff val="25000"/>
+                          </a:schemeClr>
+                        </a:solidFill>
+                      </a:endParaRPr>
+                    </a:p>
+                  </a:txBody>
+                  <a:tcPr anchor="ctr">
+                    <a:solidFill>
+                      <a:schemeClr val="tx2">
+                        <a:lumMod val="20000"/>
+                        <a:lumOff val="80000"/>
+                      </a:schemeClr>
+                    </a:solidFill>
+                  </a:tcPr>
+                </a:tc>
+                <a:tc>
+                  <a:txBody>
+                    <a:bodyPr/>
+                    <a:lstStyle/>
+                    <a:p>
+                      <a:pPr algn="ctr"/>
+                      <a:r>
+                        <a:rPr kumimoji="1" lang="ja-JP" altLang="en-US" sz="1800" b="1" dirty="0">
+                          <a:solidFill>
+                            <a:schemeClr val="tx1">
+                              <a:lumMod val="75000"/>
+                              <a:lumOff val="25000"/>
+                            </a:schemeClr>
+                          </a:solidFill>
+                        </a:rPr>
+                        <a:t>機能要求</a:t>
+                      </a:r>
+                    </a:p>
+                  </a:txBody>
+                  <a:tcPr anchor="ctr">
+                    <a:solidFill>
+                      <a:schemeClr val="tx2">
+                        <a:lumMod val="20000"/>
+                        <a:lumOff val="80000"/>
+                      </a:schemeClr>
+                    </a:solidFill>
+                  </a:tcPr>
+                </a:tc>
+                <a:tc>
+                  <a:txBody>
+                    <a:bodyPr/>
+                    <a:lstStyle/>
+                    <a:p>
+                      <a:pPr algn="ctr"/>
+                      <a:r>
+                        <a:rPr kumimoji="1" lang="en-US" altLang="ja-JP" sz="1800" b="1" dirty="0" smtClean="0">
+                          <a:solidFill>
+                            <a:schemeClr val="tx1">
+                              <a:lumMod val="75000"/>
+                              <a:lumOff val="25000"/>
+                            </a:schemeClr>
+                          </a:solidFill>
+                        </a:rPr>
+                        <a:t>0</a:t>
+                      </a:r>
+                      <a:endParaRPr kumimoji="1" lang="ja-JP" altLang="en-US" sz="1800" b="1" dirty="0">
+                        <a:solidFill>
+                          <a:schemeClr val="tx1">
+                            <a:lumMod val="75000"/>
+                            <a:lumOff val="25000"/>
+                          </a:schemeClr>
+                        </a:solidFill>
+                      </a:endParaRPr>
+                    </a:p>
+                  </a:txBody>
+                  <a:tcPr anchor="ctr"/>
+                </a:tc>
+                <a:tc>
+                  <a:txBody>
+                    <a:bodyPr/>
+                    <a:lstStyle/>
+                    <a:p>
+                      <a:pPr algn="ctr"/>
+                      <a:r>
+                        <a:rPr kumimoji="1" lang="en-US" altLang="ja-JP" sz="1800" b="1" dirty="0" smtClean="0">
+                          <a:solidFill>
+                            <a:schemeClr val="tx1">
+                              <a:lumMod val="75000"/>
+                              <a:lumOff val="25000"/>
+                            </a:schemeClr>
+                          </a:solidFill>
+                        </a:rPr>
+                        <a:t>17</a:t>
+                      </a:r>
+                      <a:endParaRPr kumimoji="1" lang="ja-JP" altLang="en-US" sz="1800" b="1" dirty="0">
+                        <a:solidFill>
+                          <a:schemeClr val="tx1">
+                            <a:lumMod val="75000"/>
+                            <a:lumOff val="25000"/>
+                          </a:schemeClr>
+                        </a:solidFill>
+                      </a:endParaRPr>
+                    </a:p>
+                  </a:txBody>
+                  <a:tcPr anchor="ctr">
+                    <a:solidFill>
+                      <a:srgbClr val="FFFF99"/>
+                    </a:solidFill>
+                  </a:tcPr>
+                </a:tc>
+                <a:tc>
+                  <a:txBody>
+                    <a:bodyPr/>
+                    <a:lstStyle/>
+                    <a:p>
+                      <a:pPr algn="ctr"/>
+                      <a:r>
+                        <a:rPr kumimoji="1" lang="en-US" altLang="ja-JP" sz="1800" b="1" dirty="0" smtClean="0">
+                          <a:solidFill>
+                            <a:schemeClr val="tx1">
+                              <a:lumMod val="75000"/>
+                              <a:lumOff val="25000"/>
+                            </a:schemeClr>
+                          </a:solidFill>
+                        </a:rPr>
+                        <a:t>7</a:t>
+                      </a:r>
+                      <a:endParaRPr kumimoji="1" lang="ja-JP" altLang="en-US" sz="1800" b="1" dirty="0">
+                        <a:solidFill>
+                          <a:schemeClr val="tx1">
+                            <a:lumMod val="75000"/>
+                            <a:lumOff val="25000"/>
+                          </a:schemeClr>
+                        </a:solidFill>
+                      </a:endParaRPr>
+                    </a:p>
+                  </a:txBody>
+                  <a:tcPr anchor="ctr"/>
+                </a:tc>
+                <a:tc>
+                  <a:txBody>
+                    <a:bodyPr/>
+                    <a:lstStyle/>
+                    <a:p>
+                      <a:pPr algn="ctr"/>
+                      <a:r>
+                        <a:rPr kumimoji="1" lang="en-US" altLang="ja-JP" sz="1800" b="1" dirty="0" smtClean="0">
+                          <a:solidFill>
+                            <a:schemeClr val="tx1">
+                              <a:lumMod val="75000"/>
+                              <a:lumOff val="25000"/>
+                            </a:schemeClr>
+                          </a:solidFill>
+                        </a:rPr>
+                        <a:t>0.35</a:t>
+                      </a:r>
+                      <a:endParaRPr kumimoji="1" lang="ja-JP" altLang="en-US" sz="1800" b="1" dirty="0">
+                        <a:solidFill>
+                          <a:schemeClr val="tx1">
+                            <a:lumMod val="75000"/>
+                            <a:lumOff val="25000"/>
+                          </a:schemeClr>
+                        </a:solidFill>
+                      </a:endParaRPr>
+                    </a:p>
+                  </a:txBody>
+                  <a:tcPr anchor="ctr"/>
+                </a:tc>
+                <a:tc>
+                  <a:txBody>
+                    <a:bodyPr/>
+                    <a:lstStyle/>
+                    <a:p>
+                      <a:pPr algn="ctr"/>
+                      <a:r>
+                        <a:rPr kumimoji="1" lang="en-US" altLang="ja-JP" sz="1800" b="1" dirty="0" smtClean="0">
+                          <a:solidFill>
+                            <a:schemeClr val="tx1">
+                              <a:lumMod val="75000"/>
+                              <a:lumOff val="25000"/>
+                            </a:schemeClr>
+                          </a:solidFill>
+                        </a:rPr>
+                        <a:t>0.71</a:t>
+                      </a:r>
+                      <a:endParaRPr kumimoji="1" lang="ja-JP" altLang="en-US" sz="1800" b="1" dirty="0">
+                        <a:solidFill>
+                          <a:schemeClr val="tx1">
+                            <a:lumMod val="75000"/>
+                            <a:lumOff val="25000"/>
+                          </a:schemeClr>
+                        </a:solidFill>
+                      </a:endParaRPr>
+                    </a:p>
+                  </a:txBody>
+                  <a:tcPr anchor="ctr"/>
+                </a:tc>
+                <a:tc>
+                  <a:txBody>
+                    <a:bodyPr/>
+                    <a:lstStyle/>
+                    <a:p>
+                      <a:pPr algn="ctr"/>
+                      <a:r>
+                        <a:rPr kumimoji="1" lang="en-US" altLang="ja-JP" sz="1800" b="1" dirty="0" smtClean="0">
+                          <a:solidFill>
+                            <a:schemeClr val="tx1">
+                              <a:lumMod val="75000"/>
+                              <a:lumOff val="25000"/>
+                            </a:schemeClr>
+                          </a:solidFill>
+                        </a:rPr>
+                        <a:t>0.47</a:t>
+                      </a:r>
+                      <a:endParaRPr kumimoji="1" lang="ja-JP" altLang="en-US" sz="1800" b="1" dirty="0">
+                        <a:solidFill>
+                          <a:schemeClr val="tx1">
+                            <a:lumMod val="75000"/>
+                            <a:lumOff val="25000"/>
+                          </a:schemeClr>
+                        </a:solidFill>
+                      </a:endParaRPr>
+                    </a:p>
+                  </a:txBody>
+                  <a:tcPr anchor="ctr"/>
+                </a:tc>
+                <a:tc vMerge="1">
+                  <a:txBody>
+                    <a:bodyPr/>
+                    <a:lstStyle/>
+                    <a:p>
+                      <a:pPr algn="ctr"/>
+                      <a:endParaRPr kumimoji="1" lang="ja-JP" altLang="en-US" sz="1800" b="1" dirty="0">
+                        <a:solidFill>
+                          <a:schemeClr val="tx1">
+                            <a:lumMod val="75000"/>
+                            <a:lumOff val="25000"/>
+                          </a:schemeClr>
+                        </a:solidFill>
+                      </a:endParaRPr>
+                    </a:p>
+                  </a:txBody>
+                  <a:tcPr anchor="ctr"/>
+                </a:tc>
+                <a:extLst>
+                  <a:ext uri="{0D108BD9-81ED-4DB2-BD59-A6C34878D82A}">
+                    <a16:rowId xmlns:a16="http://schemas.microsoft.com/office/drawing/2014/main" val="2471616886"/>
+                  </a:ext>
+                </a:extLst>
+              </a:tr>
+              <a:tr h="360485">
+                <a:tc vMerge="1">
+                  <a:txBody>
+                    <a:bodyPr/>
+                    <a:lstStyle/>
+                    <a:p>
+                      <a:pPr algn="ctr"/>
+                      <a:endParaRPr kumimoji="1" lang="ja-JP" altLang="en-US" sz="1400" b="1" dirty="0">
+                        <a:solidFill>
+                          <a:schemeClr val="tx1">
+                            <a:lumMod val="75000"/>
+                            <a:lumOff val="25000"/>
+                          </a:schemeClr>
+                        </a:solidFill>
+                      </a:endParaRPr>
+                    </a:p>
+                  </a:txBody>
+                  <a:tcPr anchor="ctr">
+                    <a:solidFill>
+                      <a:schemeClr val="tx2">
+                        <a:lumMod val="20000"/>
+                        <a:lumOff val="80000"/>
+                      </a:schemeClr>
+                    </a:solidFill>
+                  </a:tcPr>
+                </a:tc>
+                <a:tc>
+                  <a:txBody>
+                    <a:bodyPr/>
+                    <a:lstStyle/>
+                    <a:p>
+                      <a:pPr algn="ctr"/>
+                      <a:r>
+                        <a:rPr kumimoji="1" lang="ja-JP" altLang="en-US" sz="1800" b="1" dirty="0">
+                          <a:solidFill>
+                            <a:schemeClr val="tx1">
+                              <a:lumMod val="75000"/>
+                              <a:lumOff val="25000"/>
+                            </a:schemeClr>
+                          </a:solidFill>
+                        </a:rPr>
+                        <a:t>その他</a:t>
+                      </a:r>
+                    </a:p>
+                  </a:txBody>
+                  <a:tcPr anchor="ctr">
+                    <a:solidFill>
+                      <a:schemeClr val="tx2">
+                        <a:lumMod val="20000"/>
+                        <a:lumOff val="80000"/>
+                      </a:schemeClr>
+                    </a:solidFill>
+                  </a:tcPr>
+                </a:tc>
+                <a:tc>
+                  <a:txBody>
+                    <a:bodyPr/>
+                    <a:lstStyle/>
+                    <a:p>
+                      <a:pPr algn="ctr"/>
+                      <a:r>
+                        <a:rPr kumimoji="1" lang="en-US" altLang="ja-JP" sz="1800" b="1" dirty="0" smtClean="0">
+                          <a:solidFill>
+                            <a:srgbClr val="FF0000"/>
+                          </a:solidFill>
+                        </a:rPr>
+                        <a:t>20</a:t>
+                      </a:r>
+                      <a:endParaRPr kumimoji="1" lang="ja-JP" altLang="en-US" sz="1800" b="1" dirty="0">
+                        <a:solidFill>
+                          <a:srgbClr val="FF0000"/>
+                        </a:solidFill>
+                      </a:endParaRPr>
+                    </a:p>
+                  </a:txBody>
+                  <a:tcPr anchor="ctr"/>
+                </a:tc>
+                <a:tc>
+                  <a:txBody>
+                    <a:bodyPr/>
+                    <a:lstStyle/>
+                    <a:p>
+                      <a:pPr algn="ctr"/>
+                      <a:r>
+                        <a:rPr kumimoji="1" lang="en-US" altLang="ja-JP" sz="1800" b="1" dirty="0" smtClean="0">
+                          <a:solidFill>
+                            <a:schemeClr val="tx1">
+                              <a:lumMod val="75000"/>
+                              <a:lumOff val="25000"/>
+                            </a:schemeClr>
+                          </a:solidFill>
+                        </a:rPr>
+                        <a:t>27</a:t>
+                      </a:r>
+                      <a:endParaRPr kumimoji="1" lang="ja-JP" altLang="en-US" sz="1800" b="1" dirty="0">
+                        <a:solidFill>
+                          <a:schemeClr val="tx1">
+                            <a:lumMod val="75000"/>
+                            <a:lumOff val="25000"/>
+                          </a:schemeClr>
+                        </a:solidFill>
+                      </a:endParaRPr>
+                    </a:p>
+                  </a:txBody>
+                  <a:tcPr anchor="ctr"/>
+                </a:tc>
+                <a:tc>
+                  <a:txBody>
+                    <a:bodyPr/>
+                    <a:lstStyle/>
+                    <a:p>
+                      <a:pPr algn="ctr"/>
+                      <a:r>
+                        <a:rPr kumimoji="1" lang="en-US" altLang="ja-JP" sz="1800" b="1" dirty="0" smtClean="0">
+                          <a:solidFill>
+                            <a:srgbClr val="FF0000"/>
+                          </a:solidFill>
+                        </a:rPr>
+                        <a:t>197</a:t>
+                      </a:r>
+                      <a:endParaRPr kumimoji="1" lang="ja-JP" altLang="en-US" sz="1800" b="1" dirty="0">
+                        <a:solidFill>
+                          <a:srgbClr val="FF0000"/>
+                        </a:solidFill>
+                      </a:endParaRPr>
+                    </a:p>
+                  </a:txBody>
+                  <a:tcPr anchor="ctr">
+                    <a:solidFill>
+                      <a:srgbClr val="FFFF99"/>
+                    </a:solidFill>
+                  </a:tcPr>
+                </a:tc>
+                <a:tc>
+                  <a:txBody>
+                    <a:bodyPr/>
+                    <a:lstStyle/>
+                    <a:p>
+                      <a:pPr algn="ctr"/>
+                      <a:r>
+                        <a:rPr kumimoji="1" lang="en-US" altLang="ja-JP" sz="1800" b="1" dirty="0" smtClean="0">
+                          <a:solidFill>
+                            <a:schemeClr val="tx1">
+                              <a:lumMod val="75000"/>
+                              <a:lumOff val="25000"/>
+                            </a:schemeClr>
+                          </a:solidFill>
+                        </a:rPr>
+                        <a:t>0.94</a:t>
+                      </a:r>
+                      <a:endParaRPr kumimoji="1" lang="ja-JP" altLang="en-US" sz="1800" b="1" dirty="0">
+                        <a:solidFill>
+                          <a:schemeClr val="tx1">
+                            <a:lumMod val="75000"/>
+                            <a:lumOff val="25000"/>
+                          </a:schemeClr>
+                        </a:solidFill>
+                      </a:endParaRPr>
+                    </a:p>
+                  </a:txBody>
+                  <a:tcPr anchor="ctr">
+                    <a:noFill/>
+                  </a:tcPr>
+                </a:tc>
+                <a:tc>
+                  <a:txBody>
+                    <a:bodyPr/>
+                    <a:lstStyle/>
+                    <a:p>
+                      <a:pPr algn="ctr"/>
+                      <a:r>
+                        <a:rPr kumimoji="1" lang="en-US" altLang="ja-JP" sz="1800" b="1" dirty="0" smtClean="0">
+                          <a:solidFill>
+                            <a:schemeClr val="tx1">
+                              <a:lumMod val="75000"/>
+                              <a:lumOff val="25000"/>
+                            </a:schemeClr>
+                          </a:solidFill>
+                        </a:rPr>
+                        <a:t>0.81</a:t>
+                      </a:r>
+                      <a:endParaRPr kumimoji="1" lang="ja-JP" altLang="en-US" sz="1800" b="1" dirty="0">
+                        <a:solidFill>
+                          <a:schemeClr val="tx1">
+                            <a:lumMod val="75000"/>
+                            <a:lumOff val="25000"/>
+                          </a:schemeClr>
+                        </a:solidFill>
+                      </a:endParaRPr>
+                    </a:p>
+                  </a:txBody>
+                  <a:tcPr anchor="ctr">
+                    <a:noFill/>
+                  </a:tcPr>
+                </a:tc>
+                <a:tc>
+                  <a:txBody>
+                    <a:bodyPr/>
+                    <a:lstStyle/>
+                    <a:p>
+                      <a:pPr algn="ctr"/>
+                      <a:r>
+                        <a:rPr kumimoji="1" lang="en-US" altLang="ja-JP" sz="1800" b="1" dirty="0" smtClean="0">
+                          <a:solidFill>
+                            <a:schemeClr val="tx1">
+                              <a:lumMod val="75000"/>
+                              <a:lumOff val="25000"/>
+                            </a:schemeClr>
+                          </a:solidFill>
+                        </a:rPr>
+                        <a:t>0.87</a:t>
+                      </a:r>
+                      <a:endParaRPr kumimoji="1" lang="ja-JP" altLang="en-US" sz="1800" b="1" dirty="0">
+                        <a:solidFill>
+                          <a:schemeClr val="tx1">
+                            <a:lumMod val="75000"/>
+                            <a:lumOff val="25000"/>
+                          </a:schemeClr>
+                        </a:solidFill>
+                      </a:endParaRPr>
+                    </a:p>
+                  </a:txBody>
+                  <a:tcPr anchor="ctr">
+                    <a:noFill/>
+                  </a:tcPr>
+                </a:tc>
+                <a:tc vMerge="1">
+                  <a:txBody>
+                    <a:bodyPr/>
+                    <a:lstStyle/>
+                    <a:p>
+                      <a:pPr algn="ctr"/>
+                      <a:endParaRPr kumimoji="1" lang="ja-JP" altLang="en-US" sz="1800" b="1" dirty="0">
+                        <a:solidFill>
+                          <a:schemeClr val="tx1">
+                            <a:lumMod val="75000"/>
+                            <a:lumOff val="25000"/>
+                          </a:schemeClr>
+                        </a:solidFill>
+                      </a:endParaRPr>
+                    </a:p>
+                  </a:txBody>
+                  <a:tcPr anchor="ctr">
+                    <a:noFill/>
+                  </a:tcPr>
+                </a:tc>
+                <a:extLst>
+                  <a:ext uri="{0D108BD9-81ED-4DB2-BD59-A6C34878D82A}">
+                    <a16:rowId xmlns:a16="http://schemas.microsoft.com/office/drawing/2014/main" val="1654385434"/>
+                  </a:ext>
+                </a:extLst>
+              </a:tr>
+            </a:tbl>
+          </a:graphicData>
+        </a:graphic>
+      </p:graphicFrame>
+      <p:graphicFrame>
+        <p:nvGraphicFramePr>
+          <p:cNvPr id="16" name="コンテンツ プレースホルダー 4">
+            <a:extLst>
+              <a:ext uri="{FF2B5EF4-FFF2-40B4-BE49-F238E27FC236}">
+                <a16:creationId xmlns:a16="http://schemas.microsoft.com/office/drawing/2014/main" id="{94AA94F2-2491-4730-BA26-88F2D248DE99}"/>
+              </a:ext>
+            </a:extLst>
+          </p:cNvPr>
+          <p:cNvGraphicFramePr>
+            <a:graphicFrameLocks/>
+          </p:cNvGraphicFramePr>
+          <p:nvPr>
+            <p:extLst>
+              <p:ext uri="{D42A27DB-BD31-4B8C-83A1-F6EECF244321}">
+                <p14:modId xmlns:p14="http://schemas.microsoft.com/office/powerpoint/2010/main" val="1783902591"/>
+              </p:ext>
+            </p:extLst>
+          </p:nvPr>
+        </p:nvGraphicFramePr>
+        <p:xfrm>
+          <a:off x="125638" y="1219199"/>
+          <a:ext cx="8892721" cy="1828800"/>
+        </p:xfrm>
+        <a:graphic>
+          <a:graphicData uri="http://schemas.openxmlformats.org/drawingml/2006/table">
+            <a:tbl>
+              <a:tblPr firstRow="1" bandRow="1">
+                <a:tableStyleId>{5940675A-B579-460E-94D1-54222C63F5DA}</a:tableStyleId>
+              </a:tblPr>
+              <a:tblGrid>
+                <a:gridCol w="416002">
+                  <a:extLst>
+                    <a:ext uri="{9D8B030D-6E8A-4147-A177-3AD203B41FA5}">
+                      <a16:colId xmlns:a16="http://schemas.microsoft.com/office/drawing/2014/main" val="1923610548"/>
+                    </a:ext>
+                  </a:extLst>
+                </a:gridCol>
+                <a:gridCol w="1190750">
+                  <a:extLst>
+                    <a:ext uri="{9D8B030D-6E8A-4147-A177-3AD203B41FA5}">
+                      <a16:colId xmlns:a16="http://schemas.microsoft.com/office/drawing/2014/main" val="1484246165"/>
+                    </a:ext>
+                  </a:extLst>
+                </a:gridCol>
+                <a:gridCol w="1104679">
+                  <a:extLst>
+                    <a:ext uri="{9D8B030D-6E8A-4147-A177-3AD203B41FA5}">
+                      <a16:colId xmlns:a16="http://schemas.microsoft.com/office/drawing/2014/main" val="1784955739"/>
+                    </a:ext>
+                  </a:extLst>
+                </a:gridCol>
+                <a:gridCol w="1104679">
+                  <a:extLst>
+                    <a:ext uri="{9D8B030D-6E8A-4147-A177-3AD203B41FA5}">
+                      <a16:colId xmlns:a16="http://schemas.microsoft.com/office/drawing/2014/main" val="2815321614"/>
+                    </a:ext>
+                  </a:extLst>
+                </a:gridCol>
+                <a:gridCol w="1104679">
+                  <a:extLst>
+                    <a:ext uri="{9D8B030D-6E8A-4147-A177-3AD203B41FA5}">
+                      <a16:colId xmlns:a16="http://schemas.microsoft.com/office/drawing/2014/main" val="2073608608"/>
+                    </a:ext>
+                  </a:extLst>
+                </a:gridCol>
+                <a:gridCol w="992983">
+                  <a:extLst>
+                    <a:ext uri="{9D8B030D-6E8A-4147-A177-3AD203B41FA5}">
+                      <a16:colId xmlns:a16="http://schemas.microsoft.com/office/drawing/2014/main" val="3636356136"/>
+                    </a:ext>
+                  </a:extLst>
+                </a:gridCol>
+                <a:gridCol w="992983">
+                  <a:extLst>
+                    <a:ext uri="{9D8B030D-6E8A-4147-A177-3AD203B41FA5}">
+                      <a16:colId xmlns:a16="http://schemas.microsoft.com/office/drawing/2014/main" val="1161361597"/>
+                    </a:ext>
+                  </a:extLst>
+                </a:gridCol>
+                <a:gridCol w="992983">
+                  <a:extLst>
+                    <a:ext uri="{9D8B030D-6E8A-4147-A177-3AD203B41FA5}">
+                      <a16:colId xmlns:a16="http://schemas.microsoft.com/office/drawing/2014/main" val="1162311465"/>
+                    </a:ext>
+                  </a:extLst>
+                </a:gridCol>
+                <a:gridCol w="992983">
+                  <a:extLst>
+                    <a:ext uri="{9D8B030D-6E8A-4147-A177-3AD203B41FA5}">
+                      <a16:colId xmlns:a16="http://schemas.microsoft.com/office/drawing/2014/main" val="3168335535"/>
+                    </a:ext>
+                  </a:extLst>
+                </a:gridCol>
+              </a:tblGrid>
+              <a:tr h="360485">
+                <a:tc rowSpan="2" gridSpan="2">
+                  <a:txBody>
+                    <a:bodyPr/>
+                    <a:lstStyle/>
+                    <a:p>
+                      <a:pPr algn="ctr"/>
+                      <a:r>
+                        <a:rPr kumimoji="1" lang="ja-JP" altLang="en-US" sz="1800" b="1" dirty="0">
+                          <a:solidFill>
+                            <a:schemeClr val="tx1">
+                              <a:lumMod val="75000"/>
+                              <a:lumOff val="25000"/>
+                            </a:schemeClr>
+                          </a:solidFill>
+                        </a:rPr>
+                        <a:t>提案</a:t>
+                      </a:r>
+                      <a:r>
+                        <a:rPr kumimoji="1" lang="ja-JP" altLang="en-US" sz="1800" b="1" dirty="0" smtClean="0">
+                          <a:solidFill>
+                            <a:schemeClr val="tx1">
+                              <a:lumMod val="75000"/>
+                              <a:lumOff val="25000"/>
+                            </a:schemeClr>
+                          </a:solidFill>
+                        </a:rPr>
+                        <a:t>手法</a:t>
+                      </a:r>
+                      <a:endParaRPr kumimoji="1" lang="ja-JP" altLang="en-US" sz="2000" b="0" i="0" u="none" strike="noStrike" kern="1200" cap="none" spc="0" normalizeH="0" baseline="0" noProof="0" dirty="0">
+                        <a:ln>
+                          <a:noFill/>
+                        </a:ln>
+                        <a:solidFill>
+                          <a:prstClr val="black">
+                            <a:lumMod val="75000"/>
+                            <a:lumOff val="25000"/>
+                          </a:prstClr>
+                        </a:solidFill>
+                        <a:effectLst/>
+                        <a:uLnTx/>
+                        <a:uFillTx/>
+                        <a:latin typeface="+mn-lt"/>
+                        <a:ea typeface="+mn-ea"/>
+                        <a:cs typeface="+mn-cs"/>
+                      </a:endParaRPr>
+                    </a:p>
+                  </a:txBody>
+                  <a:tcPr anchor="ctr">
+                    <a:lnTlToBr w="12700" cap="flat" cmpd="sng" algn="ctr">
+                      <a:noFill/>
+                      <a:prstDash val="solid"/>
+                      <a:round/>
+                      <a:headEnd type="none" w="med" len="med"/>
+                      <a:tailEnd type="none" w="med" len="med"/>
+                    </a:lnTlToBr>
+                  </a:tcPr>
+                </a:tc>
+                <a:tc rowSpan="2" hMerge="1">
+                  <a:txBody>
+                    <a:bodyPr/>
+                    <a:lstStyle/>
+                    <a:p>
+                      <a:pPr algn="ctr"/>
+                      <a:endParaRPr kumimoji="1" lang="ja-JP" altLang="en-US" sz="1400" b="1" dirty="0">
+                        <a:solidFill>
+                          <a:schemeClr val="tx1">
+                            <a:lumMod val="75000"/>
+                            <a:lumOff val="25000"/>
+                          </a:schemeClr>
+                        </a:solidFill>
+                      </a:endParaRPr>
+                    </a:p>
+                  </a:txBody>
+                  <a:tcPr anchor="ctr">
+                    <a:lnTlToBr w="12700" cap="flat" cmpd="sng" algn="ctr">
+                      <a:solidFill>
+                        <a:schemeClr val="tx1"/>
+                      </a:solidFill>
+                      <a:prstDash val="solid"/>
+                      <a:round/>
+                      <a:headEnd type="none" w="med" len="med"/>
+                      <a:tailEnd type="none" w="med" len="med"/>
+                    </a:lnTlToBr>
+                  </a:tcPr>
+                </a:tc>
+                <a:tc gridSpan="3">
+                  <a:txBody>
+                    <a:bodyPr/>
+                    <a:lstStyle/>
+                    <a:p>
+                      <a:pPr algn="ctr"/>
+                      <a:r>
+                        <a:rPr kumimoji="1" lang="ja-JP" altLang="en-US" sz="1800" b="1" dirty="0">
+                          <a:solidFill>
+                            <a:schemeClr val="tx1">
+                              <a:lumMod val="75000"/>
+                              <a:lumOff val="25000"/>
+                            </a:schemeClr>
+                          </a:solidFill>
+                        </a:rPr>
+                        <a:t>予測した分類</a:t>
+                      </a:r>
+                    </a:p>
+                  </a:txBody>
+                  <a:tcPr anchor="ctr">
+                    <a:solidFill>
+                      <a:srgbClr val="FFCCFF"/>
+                    </a:solidFill>
+                  </a:tcPr>
+                </a:tc>
+                <a:tc hMerge="1">
+                  <a:txBody>
+                    <a:bodyPr/>
+                    <a:lstStyle/>
+                    <a:p>
+                      <a:pPr algn="ctr"/>
+                      <a:endParaRPr kumimoji="1" lang="ja-JP" altLang="en-US" sz="1400" b="1" dirty="0">
+                        <a:solidFill>
+                          <a:schemeClr val="tx1">
+                            <a:lumMod val="75000"/>
+                            <a:lumOff val="25000"/>
+                          </a:schemeClr>
+                        </a:solidFill>
+                      </a:endParaRPr>
+                    </a:p>
+                  </a:txBody>
+                  <a:tcPr anchor="ctr">
+                    <a:solidFill>
+                      <a:srgbClr val="FFCCFF"/>
+                    </a:solidFill>
+                  </a:tcPr>
+                </a:tc>
+                <a:tc hMerge="1">
+                  <a:txBody>
+                    <a:bodyPr/>
+                    <a:lstStyle/>
+                    <a:p>
+                      <a:pPr algn="ctr"/>
+                      <a:endParaRPr kumimoji="1" lang="ja-JP" altLang="en-US" sz="1400" b="1" dirty="0">
+                        <a:solidFill>
+                          <a:schemeClr val="tx1">
+                            <a:lumMod val="75000"/>
+                            <a:lumOff val="25000"/>
+                          </a:schemeClr>
+                        </a:solidFill>
+                      </a:endParaRPr>
+                    </a:p>
+                  </a:txBody>
+                  <a:tcPr anchor="ctr">
+                    <a:solidFill>
+                      <a:srgbClr val="FFCCFF"/>
+                    </a:solidFill>
+                  </a:tcPr>
+                </a:tc>
+                <a:tc rowSpan="2">
+                  <a:txBody>
+                    <a:bodyPr/>
+                    <a:lstStyle/>
+                    <a:p>
+                      <a:pPr algn="ctr"/>
+                      <a:r>
+                        <a:rPr kumimoji="1" lang="ja-JP" altLang="en-US" sz="1800" b="1" dirty="0">
+                          <a:solidFill>
+                            <a:schemeClr val="tx1">
+                              <a:lumMod val="75000"/>
+                              <a:lumOff val="25000"/>
+                            </a:schemeClr>
+                          </a:solidFill>
+                        </a:rPr>
+                        <a:t>適合率</a:t>
+                      </a:r>
+                      <a:endParaRPr kumimoji="1" lang="en-US" altLang="ja-JP" sz="1800" b="1" dirty="0">
+                        <a:solidFill>
+                          <a:schemeClr val="tx1">
+                            <a:lumMod val="75000"/>
+                            <a:lumOff val="25000"/>
+                          </a:schemeClr>
+                        </a:solidFill>
+                      </a:endParaRPr>
+                    </a:p>
+                    <a:p>
+                      <a:pPr marL="0" marR="0" lvl="0" indent="0" algn="ctr" defTabSz="685800" rtl="0" eaLnBrk="1" fontAlgn="auto" latinLnBrk="0" hangingPunct="1">
+                        <a:lnSpc>
+                          <a:spcPct val="100000"/>
+                        </a:lnSpc>
+                        <a:spcBef>
+                          <a:spcPts val="0"/>
+                        </a:spcBef>
+                        <a:spcAft>
+                          <a:spcPts val="0"/>
+                        </a:spcAft>
+                        <a:buClrTx/>
+                        <a:buSzTx/>
+                        <a:buFontTx/>
+                        <a:buNone/>
+                        <a:tabLst/>
+                        <a:defRPr/>
+                      </a:pPr>
+                      <a:r>
+                        <a:rPr kumimoji="1" lang="en-US" altLang="ja-JP" sz="1400" b="0" dirty="0">
+                          <a:solidFill>
+                            <a:schemeClr val="tx1">
+                              <a:lumMod val="75000"/>
+                              <a:lumOff val="25000"/>
+                            </a:schemeClr>
+                          </a:solidFill>
+                        </a:rPr>
+                        <a:t>precision</a:t>
+                      </a:r>
+                      <a:endParaRPr kumimoji="1" lang="en-US" altLang="ja-JP" sz="2400" b="0" dirty="0">
+                        <a:solidFill>
+                          <a:schemeClr val="tx1">
+                            <a:lumMod val="75000"/>
+                            <a:lumOff val="25000"/>
+                          </a:schemeClr>
+                        </a:solidFill>
+                      </a:endParaRPr>
+                    </a:p>
+                  </a:txBody>
+                  <a:tcPr anchor="ctr">
+                    <a:noFill/>
+                  </a:tcPr>
+                </a:tc>
+                <a:tc rowSpan="2">
+                  <a:txBody>
+                    <a:bodyPr/>
+                    <a:lstStyle/>
+                    <a:p>
+                      <a:pPr algn="ctr"/>
+                      <a:r>
+                        <a:rPr kumimoji="1" lang="ja-JP" altLang="en-US" sz="1800" b="1" dirty="0">
+                          <a:solidFill>
+                            <a:schemeClr val="tx1">
+                              <a:lumMod val="75000"/>
+                              <a:lumOff val="25000"/>
+                            </a:schemeClr>
+                          </a:solidFill>
+                        </a:rPr>
+                        <a:t>再現率</a:t>
+                      </a:r>
+                      <a:endParaRPr kumimoji="1" lang="en-US" altLang="ja-JP" sz="1800" b="1" dirty="0">
+                        <a:solidFill>
+                          <a:schemeClr val="tx1">
+                            <a:lumMod val="75000"/>
+                            <a:lumOff val="25000"/>
+                          </a:schemeClr>
+                        </a:solidFill>
+                      </a:endParaRPr>
+                    </a:p>
+                    <a:p>
+                      <a:pPr algn="ctr"/>
+                      <a:r>
+                        <a:rPr kumimoji="1" lang="en-US" altLang="ja-JP" sz="1400" b="0" dirty="0">
+                          <a:solidFill>
+                            <a:schemeClr val="tx1">
+                              <a:lumMod val="75000"/>
+                              <a:lumOff val="25000"/>
+                            </a:schemeClr>
+                          </a:solidFill>
+                        </a:rPr>
+                        <a:t>recall</a:t>
+                      </a:r>
+                      <a:endParaRPr kumimoji="1" lang="ja-JP" altLang="en-US" sz="1800" b="0" dirty="0">
+                        <a:solidFill>
+                          <a:schemeClr val="tx1">
+                            <a:lumMod val="75000"/>
+                            <a:lumOff val="25000"/>
+                          </a:schemeClr>
+                        </a:solidFill>
+                      </a:endParaRPr>
+                    </a:p>
+                  </a:txBody>
+                  <a:tcPr anchor="ctr">
+                    <a:noFill/>
+                  </a:tcPr>
+                </a:tc>
+                <a:tc rowSpan="2">
+                  <a:txBody>
+                    <a:bodyPr/>
+                    <a:lstStyle/>
+                    <a:p>
+                      <a:pPr algn="ctr"/>
+                      <a:r>
+                        <a:rPr kumimoji="1" lang="en-US" altLang="ja-JP" sz="1800" b="1" dirty="0">
+                          <a:solidFill>
+                            <a:schemeClr val="tx1">
+                              <a:lumMod val="75000"/>
+                              <a:lumOff val="25000"/>
+                            </a:schemeClr>
+                          </a:solidFill>
+                        </a:rPr>
+                        <a:t>F</a:t>
+                      </a:r>
+                      <a:r>
+                        <a:rPr kumimoji="1" lang="ja-JP" altLang="en-US" sz="1800" b="1" dirty="0">
+                          <a:solidFill>
+                            <a:schemeClr val="tx1">
+                              <a:lumMod val="75000"/>
+                              <a:lumOff val="25000"/>
+                            </a:schemeClr>
+                          </a:solidFill>
+                        </a:rPr>
+                        <a:t>値</a:t>
+                      </a:r>
+                      <a:endParaRPr kumimoji="1" lang="en-US" altLang="ja-JP" sz="1800" b="1" dirty="0">
+                        <a:solidFill>
+                          <a:schemeClr val="tx1">
+                            <a:lumMod val="75000"/>
+                            <a:lumOff val="25000"/>
+                          </a:schemeClr>
+                        </a:solidFill>
+                      </a:endParaRPr>
+                    </a:p>
+                    <a:p>
+                      <a:pPr algn="ctr"/>
+                      <a:r>
+                        <a:rPr kumimoji="1" lang="en-US" altLang="ja-JP" sz="1400" b="0" dirty="0">
+                          <a:solidFill>
+                            <a:schemeClr val="tx1">
+                              <a:lumMod val="75000"/>
+                              <a:lumOff val="25000"/>
+                            </a:schemeClr>
+                          </a:solidFill>
+                        </a:rPr>
+                        <a:t>F1-score</a:t>
+                      </a:r>
+                      <a:endParaRPr kumimoji="1" lang="ja-JP" altLang="en-US" sz="1400" b="0" dirty="0">
+                        <a:solidFill>
+                          <a:schemeClr val="tx1">
+                            <a:lumMod val="75000"/>
+                            <a:lumOff val="25000"/>
+                          </a:schemeClr>
+                        </a:solidFill>
+                      </a:endParaRPr>
+                    </a:p>
+                  </a:txBody>
+                  <a:tcPr anchor="ctr">
+                    <a:noFill/>
+                  </a:tcPr>
+                </a:tc>
+                <a:tc rowSpan="2">
+                  <a:txBody>
+                    <a:bodyPr/>
+                    <a:lstStyle/>
+                    <a:p>
+                      <a:pPr algn="ctr"/>
+                      <a:r>
+                        <a:rPr kumimoji="1" lang="ja-JP" altLang="en-US" sz="1800" b="1" dirty="0">
+                          <a:solidFill>
+                            <a:schemeClr val="tx1">
+                              <a:lumMod val="75000"/>
+                              <a:lumOff val="25000"/>
+                            </a:schemeClr>
+                          </a:solidFill>
+                        </a:rPr>
+                        <a:t>正解率</a:t>
+                      </a:r>
+                      <a:endParaRPr kumimoji="1" lang="en-US" altLang="ja-JP" sz="1800" b="1" dirty="0">
+                        <a:solidFill>
+                          <a:schemeClr val="tx1">
+                            <a:lumMod val="75000"/>
+                            <a:lumOff val="25000"/>
+                          </a:schemeClr>
+                        </a:solidFill>
+                      </a:endParaRPr>
+                    </a:p>
+                    <a:p>
+                      <a:pPr algn="ctr"/>
+                      <a:r>
+                        <a:rPr kumimoji="1" lang="en-US" altLang="ja-JP" sz="1400" b="0" dirty="0">
+                          <a:solidFill>
+                            <a:schemeClr val="tx1">
+                              <a:lumMod val="75000"/>
+                              <a:lumOff val="25000"/>
+                            </a:schemeClr>
+                          </a:solidFill>
+                        </a:rPr>
+                        <a:t>accuracy</a:t>
+                      </a:r>
+                      <a:endParaRPr kumimoji="1" lang="ja-JP" altLang="en-US" sz="1400" b="0" dirty="0">
+                        <a:solidFill>
+                          <a:schemeClr val="tx1">
+                            <a:lumMod val="75000"/>
+                            <a:lumOff val="25000"/>
+                          </a:schemeClr>
+                        </a:solidFill>
+                      </a:endParaRPr>
+                    </a:p>
+                  </a:txBody>
+                  <a:tcPr anchor="ctr">
+                    <a:noFill/>
+                  </a:tcPr>
+                </a:tc>
+                <a:extLst>
+                  <a:ext uri="{0D108BD9-81ED-4DB2-BD59-A6C34878D82A}">
+                    <a16:rowId xmlns:a16="http://schemas.microsoft.com/office/drawing/2014/main" val="53369686"/>
+                  </a:ext>
+                </a:extLst>
+              </a:tr>
+              <a:tr h="360485">
+                <a:tc gridSpan="2" vMerge="1">
+                  <a:txBody>
+                    <a:bodyPr/>
+                    <a:lstStyle/>
+                    <a:p>
+                      <a:pPr algn="ctr"/>
+                      <a:endParaRPr kumimoji="1" lang="ja-JP" altLang="en-US" sz="1400" b="1" dirty="0">
+                        <a:solidFill>
+                          <a:schemeClr val="tx1">
+                            <a:lumMod val="75000"/>
+                            <a:lumOff val="25000"/>
+                          </a:schemeClr>
+                        </a:solidFill>
+                      </a:endParaRPr>
+                    </a:p>
+                  </a:txBody>
+                  <a:tcPr anchor="ctr">
+                    <a:lnTlToBr w="12700" cap="flat" cmpd="sng" algn="ctr">
+                      <a:solidFill>
+                        <a:schemeClr val="tx1"/>
+                      </a:solidFill>
+                      <a:prstDash val="solid"/>
+                      <a:round/>
+                      <a:headEnd type="none" w="med" len="med"/>
+                      <a:tailEnd type="none" w="med" len="med"/>
+                    </a:lnTlToBr>
+                  </a:tcPr>
+                </a:tc>
+                <a:tc hMerge="1" vMerge="1">
+                  <a:txBody>
+                    <a:bodyPr/>
+                    <a:lstStyle/>
+                    <a:p>
+                      <a:pPr algn="ctr"/>
+                      <a:endParaRPr kumimoji="1" lang="ja-JP" altLang="en-US" sz="1400" b="1" dirty="0">
+                        <a:solidFill>
+                          <a:schemeClr val="tx1">
+                            <a:lumMod val="75000"/>
+                            <a:lumOff val="25000"/>
+                          </a:schemeClr>
+                        </a:solidFill>
+                      </a:endParaRPr>
+                    </a:p>
+                  </a:txBody>
+                  <a:tcPr anchor="ctr">
+                    <a:lnTlToBr w="12700" cap="flat" cmpd="sng" algn="ctr">
+                      <a:solidFill>
+                        <a:schemeClr val="tx1"/>
+                      </a:solidFill>
+                      <a:prstDash val="solid"/>
+                      <a:round/>
+                      <a:headEnd type="none" w="med" len="med"/>
+                      <a:tailEnd type="none" w="med" len="med"/>
+                    </a:lnTlToBr>
+                  </a:tcPr>
+                </a:tc>
+                <a:tc>
+                  <a:txBody>
+                    <a:bodyPr/>
+                    <a:lstStyle/>
+                    <a:p>
+                      <a:pPr algn="ctr"/>
+                      <a:r>
+                        <a:rPr kumimoji="1" lang="ja-JP" altLang="en-US" sz="1800" b="1" dirty="0">
+                          <a:solidFill>
+                            <a:schemeClr val="tx1">
+                              <a:lumMod val="75000"/>
+                              <a:lumOff val="25000"/>
+                            </a:schemeClr>
+                          </a:solidFill>
+                        </a:rPr>
+                        <a:t>バグ報告</a:t>
+                      </a:r>
+                    </a:p>
+                  </a:txBody>
+                  <a:tcPr anchor="ctr">
+                    <a:solidFill>
+                      <a:srgbClr val="FFCCFF"/>
+                    </a:solidFill>
+                  </a:tcPr>
+                </a:tc>
+                <a:tc>
+                  <a:txBody>
+                    <a:bodyPr/>
+                    <a:lstStyle/>
+                    <a:p>
+                      <a:pPr algn="ctr"/>
+                      <a:r>
+                        <a:rPr kumimoji="1" lang="ja-JP" altLang="en-US" sz="1800" b="1" dirty="0">
+                          <a:solidFill>
+                            <a:schemeClr val="tx1">
+                              <a:lumMod val="75000"/>
+                              <a:lumOff val="25000"/>
+                            </a:schemeClr>
+                          </a:solidFill>
+                        </a:rPr>
+                        <a:t>機能要求</a:t>
+                      </a:r>
+                    </a:p>
+                  </a:txBody>
+                  <a:tcPr anchor="ctr">
+                    <a:solidFill>
+                      <a:srgbClr val="FFCCFF"/>
+                    </a:solidFill>
+                  </a:tcPr>
+                </a:tc>
+                <a:tc>
+                  <a:txBody>
+                    <a:bodyPr/>
+                    <a:lstStyle/>
+                    <a:p>
+                      <a:pPr algn="ctr"/>
+                      <a:r>
+                        <a:rPr kumimoji="1" lang="ja-JP" altLang="en-US" sz="1800" b="1" dirty="0">
+                          <a:solidFill>
+                            <a:schemeClr val="tx1">
+                              <a:lumMod val="75000"/>
+                              <a:lumOff val="25000"/>
+                            </a:schemeClr>
+                          </a:solidFill>
+                        </a:rPr>
+                        <a:t>その他</a:t>
+                      </a:r>
+                    </a:p>
+                  </a:txBody>
+                  <a:tcPr anchor="ctr">
+                    <a:solidFill>
+                      <a:srgbClr val="FFCCFF"/>
+                    </a:solidFill>
+                  </a:tcPr>
+                </a:tc>
+                <a:tc vMerge="1">
+                  <a:txBody>
+                    <a:bodyPr/>
+                    <a:lstStyle/>
+                    <a:p>
+                      <a:pPr algn="ctr"/>
+                      <a:endParaRPr kumimoji="1" lang="ja-JP" altLang="en-US" sz="1800" b="1" dirty="0">
+                        <a:solidFill>
+                          <a:schemeClr val="tx1">
+                            <a:lumMod val="75000"/>
+                            <a:lumOff val="25000"/>
+                          </a:schemeClr>
+                        </a:solidFill>
+                      </a:endParaRPr>
+                    </a:p>
+                  </a:txBody>
+                  <a:tcPr anchor="ctr">
+                    <a:solidFill>
+                      <a:srgbClr val="FFCCFF"/>
+                    </a:solidFill>
+                  </a:tcPr>
+                </a:tc>
+                <a:tc vMerge="1">
+                  <a:txBody>
+                    <a:bodyPr/>
+                    <a:lstStyle/>
+                    <a:p>
+                      <a:endParaRPr kumimoji="1" lang="ja-JP" altLang="en-US"/>
+                    </a:p>
+                  </a:txBody>
+                  <a:tcPr/>
+                </a:tc>
+                <a:tc vMerge="1">
+                  <a:txBody>
+                    <a:bodyPr/>
+                    <a:lstStyle/>
+                    <a:p>
+                      <a:endParaRPr kumimoji="1" lang="ja-JP" altLang="en-US"/>
+                    </a:p>
+                  </a:txBody>
+                  <a:tcPr/>
+                </a:tc>
+                <a:tc vMerge="1">
+                  <a:txBody>
+                    <a:bodyPr/>
+                    <a:lstStyle/>
+                    <a:p>
+                      <a:endParaRPr kumimoji="1" lang="ja-JP" altLang="en-US"/>
+                    </a:p>
+                  </a:txBody>
+                  <a:tcPr/>
+                </a:tc>
+                <a:extLst>
+                  <a:ext uri="{0D108BD9-81ED-4DB2-BD59-A6C34878D82A}">
+                    <a16:rowId xmlns:a16="http://schemas.microsoft.com/office/drawing/2014/main" val="290926368"/>
+                  </a:ext>
+                </a:extLst>
+              </a:tr>
+              <a:tr h="360485">
+                <a:tc rowSpan="3">
+                  <a:txBody>
+                    <a:bodyPr/>
+                    <a:lstStyle/>
+                    <a:p>
+                      <a:pPr marL="0" marR="0" lvl="0" indent="0" algn="ctr" defTabSz="685800" rtl="0" eaLnBrk="1" fontAlgn="auto" latinLnBrk="0" hangingPunct="1">
+                        <a:lnSpc>
+                          <a:spcPct val="100000"/>
+                        </a:lnSpc>
+                        <a:spcBef>
+                          <a:spcPts val="0"/>
+                        </a:spcBef>
+                        <a:spcAft>
+                          <a:spcPts val="0"/>
+                        </a:spcAft>
+                        <a:buClrTx/>
+                        <a:buSzTx/>
+                        <a:buFontTx/>
+                        <a:buNone/>
+                        <a:tabLst/>
+                        <a:defRPr/>
+                      </a:pPr>
+                      <a:r>
+                        <a:rPr kumimoji="1" lang="ja-JP" altLang="en-US" sz="1800" b="1" dirty="0">
+                          <a:solidFill>
+                            <a:schemeClr val="tx1">
+                              <a:lumMod val="75000"/>
+                              <a:lumOff val="25000"/>
+                            </a:schemeClr>
+                          </a:solidFill>
+                        </a:rPr>
+                        <a:t>真の分類</a:t>
+                      </a:r>
+                    </a:p>
+                  </a:txBody>
+                  <a:tcPr vert="eaVert" anchor="ctr">
+                    <a:solidFill>
+                      <a:schemeClr val="tx2">
+                        <a:lumMod val="20000"/>
+                        <a:lumOff val="80000"/>
+                      </a:schemeClr>
+                    </a:solidFill>
+                  </a:tcPr>
+                </a:tc>
+                <a:tc>
+                  <a:txBody>
+                    <a:bodyPr/>
+                    <a:lstStyle/>
+                    <a:p>
+                      <a:pPr marL="0" marR="0" lvl="0" indent="0" algn="ctr" defTabSz="685800" rtl="0" eaLnBrk="1" fontAlgn="auto" latinLnBrk="0" hangingPunct="1">
+                        <a:lnSpc>
+                          <a:spcPct val="100000"/>
+                        </a:lnSpc>
+                        <a:spcBef>
+                          <a:spcPts val="0"/>
+                        </a:spcBef>
+                        <a:spcAft>
+                          <a:spcPts val="0"/>
+                        </a:spcAft>
+                        <a:buClrTx/>
+                        <a:buSzTx/>
+                        <a:buFontTx/>
+                        <a:buNone/>
+                        <a:tabLst/>
+                        <a:defRPr/>
+                      </a:pPr>
+                      <a:r>
+                        <a:rPr kumimoji="1" lang="ja-JP" altLang="en-US" sz="1800" b="1" dirty="0">
+                          <a:solidFill>
+                            <a:schemeClr val="tx1">
+                              <a:lumMod val="75000"/>
+                              <a:lumOff val="25000"/>
+                            </a:schemeClr>
+                          </a:solidFill>
+                        </a:rPr>
+                        <a:t>バグ報告</a:t>
+                      </a:r>
+                    </a:p>
+                  </a:txBody>
+                  <a:tcPr anchor="ctr">
+                    <a:solidFill>
+                      <a:schemeClr val="tx2">
+                        <a:lumMod val="20000"/>
+                        <a:lumOff val="80000"/>
+                      </a:schemeClr>
+                    </a:solidFill>
+                  </a:tcPr>
+                </a:tc>
+                <a:tc>
+                  <a:txBody>
+                    <a:bodyPr/>
+                    <a:lstStyle/>
+                    <a:p>
+                      <a:pPr algn="ctr"/>
+                      <a:r>
+                        <a:rPr kumimoji="1" lang="en-US" altLang="ja-JP" sz="1800" b="1" dirty="0" smtClean="0">
+                          <a:solidFill>
+                            <a:schemeClr val="tx1">
+                              <a:lumMod val="75000"/>
+                              <a:lumOff val="25000"/>
+                            </a:schemeClr>
+                          </a:solidFill>
+                        </a:rPr>
+                        <a:t>12</a:t>
+                      </a:r>
+                      <a:endParaRPr kumimoji="1" lang="ja-JP" altLang="en-US" sz="1800" b="1" dirty="0">
+                        <a:solidFill>
+                          <a:schemeClr val="tx1">
+                            <a:lumMod val="75000"/>
+                            <a:lumOff val="25000"/>
+                          </a:schemeClr>
+                        </a:solidFill>
+                      </a:endParaRPr>
+                    </a:p>
+                  </a:txBody>
+                  <a:tcPr anchor="ctr">
+                    <a:solidFill>
+                      <a:srgbClr val="FFFF99"/>
+                    </a:solidFill>
+                  </a:tcPr>
+                </a:tc>
+                <a:tc>
+                  <a:txBody>
+                    <a:bodyPr/>
+                    <a:lstStyle/>
+                    <a:p>
+                      <a:pPr algn="ctr"/>
+                      <a:r>
+                        <a:rPr kumimoji="1" lang="en-US" altLang="ja-JP" sz="1800" b="1" dirty="0" smtClean="0">
+                          <a:solidFill>
+                            <a:schemeClr val="tx1">
+                              <a:lumMod val="75000"/>
+                              <a:lumOff val="25000"/>
+                            </a:schemeClr>
+                          </a:solidFill>
+                        </a:rPr>
+                        <a:t>4</a:t>
+                      </a:r>
+                      <a:endParaRPr kumimoji="1" lang="ja-JP" altLang="en-US" sz="1800" b="1" dirty="0">
+                        <a:solidFill>
+                          <a:schemeClr val="tx1">
+                            <a:lumMod val="75000"/>
+                            <a:lumOff val="25000"/>
+                          </a:schemeClr>
+                        </a:solidFill>
+                      </a:endParaRPr>
+                    </a:p>
+                  </a:txBody>
+                  <a:tcPr anchor="ctr"/>
+                </a:tc>
+                <a:tc>
+                  <a:txBody>
+                    <a:bodyPr/>
+                    <a:lstStyle/>
+                    <a:p>
+                      <a:pPr algn="ctr"/>
+                      <a:r>
+                        <a:rPr kumimoji="1" lang="en-US" altLang="ja-JP" sz="1800" b="1" dirty="0" smtClean="0">
+                          <a:solidFill>
+                            <a:schemeClr val="tx1">
+                              <a:lumMod val="75000"/>
+                              <a:lumOff val="25000"/>
+                            </a:schemeClr>
+                          </a:solidFill>
+                        </a:rPr>
+                        <a:t>6</a:t>
+                      </a:r>
+                      <a:endParaRPr kumimoji="1" lang="ja-JP" altLang="en-US" sz="1800" b="1" dirty="0">
+                        <a:solidFill>
+                          <a:schemeClr val="tx1">
+                            <a:lumMod val="75000"/>
+                            <a:lumOff val="25000"/>
+                          </a:schemeClr>
+                        </a:solidFill>
+                      </a:endParaRPr>
+                    </a:p>
+                  </a:txBody>
+                  <a:tcPr anchor="ctr"/>
+                </a:tc>
+                <a:tc>
+                  <a:txBody>
+                    <a:bodyPr/>
+                    <a:lstStyle/>
+                    <a:p>
+                      <a:pPr algn="ctr"/>
+                      <a:r>
+                        <a:rPr kumimoji="1" lang="en-US" altLang="ja-JP" sz="1800" b="1" dirty="0" smtClean="0">
+                          <a:solidFill>
+                            <a:schemeClr val="tx1">
+                              <a:lumMod val="75000"/>
+                              <a:lumOff val="25000"/>
+                            </a:schemeClr>
+                          </a:solidFill>
+                        </a:rPr>
+                        <a:t>0.25</a:t>
+                      </a:r>
+                      <a:endParaRPr kumimoji="1" lang="ja-JP" altLang="en-US" sz="1800" b="1" dirty="0">
+                        <a:solidFill>
+                          <a:schemeClr val="tx1">
+                            <a:lumMod val="75000"/>
+                            <a:lumOff val="25000"/>
+                          </a:schemeClr>
+                        </a:solidFill>
+                      </a:endParaRPr>
+                    </a:p>
+                  </a:txBody>
+                  <a:tcPr anchor="ctr"/>
+                </a:tc>
+                <a:tc>
+                  <a:txBody>
+                    <a:bodyPr/>
+                    <a:lstStyle/>
+                    <a:p>
+                      <a:pPr algn="ctr"/>
+                      <a:r>
+                        <a:rPr kumimoji="1" lang="en-US" altLang="ja-JP" sz="1800" b="1" dirty="0" smtClean="0">
+                          <a:solidFill>
+                            <a:schemeClr val="tx1">
+                              <a:lumMod val="75000"/>
+                              <a:lumOff val="25000"/>
+                            </a:schemeClr>
+                          </a:solidFill>
+                        </a:rPr>
+                        <a:t>0.55</a:t>
+                      </a:r>
+                      <a:endParaRPr kumimoji="1" lang="ja-JP" altLang="en-US" sz="1800" b="1" dirty="0">
+                        <a:solidFill>
+                          <a:schemeClr val="tx1">
+                            <a:lumMod val="75000"/>
+                            <a:lumOff val="25000"/>
+                          </a:schemeClr>
+                        </a:solidFill>
+                      </a:endParaRPr>
+                    </a:p>
+                  </a:txBody>
+                  <a:tcPr anchor="ctr"/>
+                </a:tc>
+                <a:tc>
+                  <a:txBody>
+                    <a:bodyPr/>
+                    <a:lstStyle/>
+                    <a:p>
+                      <a:pPr algn="ctr"/>
+                      <a:r>
+                        <a:rPr kumimoji="1" lang="en-US" altLang="ja-JP" sz="1800" b="1" dirty="0" smtClean="0">
+                          <a:solidFill>
+                            <a:schemeClr val="tx1">
+                              <a:lumMod val="75000"/>
+                              <a:lumOff val="25000"/>
+                            </a:schemeClr>
+                          </a:solidFill>
+                        </a:rPr>
+                        <a:t>0.34</a:t>
+                      </a:r>
+                      <a:endParaRPr kumimoji="1" lang="ja-JP" altLang="en-US" sz="1800" b="1" dirty="0">
+                        <a:solidFill>
+                          <a:schemeClr val="tx1">
+                            <a:lumMod val="75000"/>
+                            <a:lumOff val="25000"/>
+                          </a:schemeClr>
+                        </a:solidFill>
+                      </a:endParaRPr>
+                    </a:p>
+                  </a:txBody>
+                  <a:tcPr anchor="ctr"/>
+                </a:tc>
+                <a:tc rowSpan="3">
+                  <a:txBody>
+                    <a:bodyPr/>
+                    <a:lstStyle/>
+                    <a:p>
+                      <a:pPr algn="ctr"/>
+                      <a:r>
+                        <a:rPr kumimoji="1" lang="en-US" altLang="ja-JP" sz="1800" b="1" dirty="0">
+                          <a:solidFill>
+                            <a:schemeClr val="tx1">
+                              <a:lumMod val="75000"/>
+                              <a:lumOff val="25000"/>
+                            </a:schemeClr>
+                          </a:solidFill>
+                        </a:rPr>
+                        <a:t>0.76</a:t>
+                      </a:r>
+                      <a:endParaRPr kumimoji="1" lang="ja-JP" altLang="en-US" sz="1800" b="1" dirty="0">
+                        <a:solidFill>
+                          <a:schemeClr val="tx1">
+                            <a:lumMod val="75000"/>
+                            <a:lumOff val="25000"/>
+                          </a:schemeClr>
+                        </a:solidFill>
+                      </a:endParaRPr>
+                    </a:p>
+                  </a:txBody>
+                  <a:tcPr anchor="ctr"/>
+                </a:tc>
+                <a:extLst>
+                  <a:ext uri="{0D108BD9-81ED-4DB2-BD59-A6C34878D82A}">
+                    <a16:rowId xmlns:a16="http://schemas.microsoft.com/office/drawing/2014/main" val="3098006258"/>
+                  </a:ext>
+                </a:extLst>
+              </a:tr>
+              <a:tr h="360485">
+                <a:tc vMerge="1">
+                  <a:txBody>
+                    <a:bodyPr/>
+                    <a:lstStyle/>
+                    <a:p>
+                      <a:pPr algn="ctr"/>
+                      <a:endParaRPr kumimoji="1" lang="ja-JP" altLang="en-US" sz="1400" b="1" dirty="0">
+                        <a:solidFill>
+                          <a:schemeClr val="tx1">
+                            <a:lumMod val="75000"/>
+                            <a:lumOff val="25000"/>
+                          </a:schemeClr>
+                        </a:solidFill>
+                      </a:endParaRPr>
+                    </a:p>
+                  </a:txBody>
+                  <a:tcPr anchor="ctr">
+                    <a:solidFill>
+                      <a:schemeClr val="tx2">
+                        <a:lumMod val="20000"/>
+                        <a:lumOff val="80000"/>
+                      </a:schemeClr>
+                    </a:solidFill>
+                  </a:tcPr>
+                </a:tc>
+                <a:tc>
+                  <a:txBody>
+                    <a:bodyPr/>
+                    <a:lstStyle/>
+                    <a:p>
+                      <a:pPr algn="ctr"/>
+                      <a:r>
+                        <a:rPr kumimoji="1" lang="ja-JP" altLang="en-US" sz="1800" b="1" dirty="0">
+                          <a:solidFill>
+                            <a:schemeClr val="tx1">
+                              <a:lumMod val="75000"/>
+                              <a:lumOff val="25000"/>
+                            </a:schemeClr>
+                          </a:solidFill>
+                        </a:rPr>
+                        <a:t>機能要求</a:t>
+                      </a:r>
+                    </a:p>
+                  </a:txBody>
+                  <a:tcPr anchor="ctr">
+                    <a:solidFill>
+                      <a:schemeClr val="tx2">
+                        <a:lumMod val="20000"/>
+                        <a:lumOff val="80000"/>
+                      </a:schemeClr>
+                    </a:solidFill>
+                  </a:tcPr>
+                </a:tc>
+                <a:tc>
+                  <a:txBody>
+                    <a:bodyPr/>
+                    <a:lstStyle/>
+                    <a:p>
+                      <a:pPr algn="ctr"/>
+                      <a:r>
+                        <a:rPr kumimoji="1" lang="en-US" altLang="ja-JP" sz="1800" b="1" dirty="0" smtClean="0">
+                          <a:solidFill>
+                            <a:schemeClr val="tx1">
+                              <a:lumMod val="75000"/>
+                              <a:lumOff val="25000"/>
+                            </a:schemeClr>
+                          </a:solidFill>
+                        </a:rPr>
+                        <a:t>0</a:t>
+                      </a:r>
+                      <a:endParaRPr kumimoji="1" lang="ja-JP" altLang="en-US" sz="1800" b="1" dirty="0">
+                        <a:solidFill>
+                          <a:schemeClr val="tx1">
+                            <a:lumMod val="75000"/>
+                            <a:lumOff val="25000"/>
+                          </a:schemeClr>
+                        </a:solidFill>
+                      </a:endParaRPr>
+                    </a:p>
+                  </a:txBody>
+                  <a:tcPr anchor="ctr"/>
+                </a:tc>
+                <a:tc>
+                  <a:txBody>
+                    <a:bodyPr/>
+                    <a:lstStyle/>
+                    <a:p>
+                      <a:pPr algn="ctr"/>
+                      <a:r>
+                        <a:rPr kumimoji="1" lang="en-US" altLang="ja-JP" sz="1800" b="1" dirty="0" smtClean="0">
+                          <a:solidFill>
+                            <a:schemeClr val="tx1">
+                              <a:lumMod val="75000"/>
+                              <a:lumOff val="25000"/>
+                            </a:schemeClr>
+                          </a:solidFill>
+                        </a:rPr>
+                        <a:t>17</a:t>
+                      </a:r>
+                      <a:endParaRPr kumimoji="1" lang="ja-JP" altLang="en-US" sz="1800" b="1" dirty="0">
+                        <a:solidFill>
+                          <a:schemeClr val="tx1">
+                            <a:lumMod val="75000"/>
+                            <a:lumOff val="25000"/>
+                          </a:schemeClr>
+                        </a:solidFill>
+                      </a:endParaRPr>
+                    </a:p>
+                  </a:txBody>
+                  <a:tcPr anchor="ctr">
+                    <a:solidFill>
+                      <a:srgbClr val="FFFF99"/>
+                    </a:solidFill>
+                  </a:tcPr>
+                </a:tc>
+                <a:tc>
+                  <a:txBody>
+                    <a:bodyPr/>
+                    <a:lstStyle/>
+                    <a:p>
+                      <a:pPr algn="ctr"/>
+                      <a:r>
+                        <a:rPr kumimoji="1" lang="en-US" altLang="ja-JP" sz="1800" b="1" dirty="0" smtClean="0">
+                          <a:solidFill>
+                            <a:schemeClr val="tx1">
+                              <a:lumMod val="75000"/>
+                              <a:lumOff val="25000"/>
+                            </a:schemeClr>
+                          </a:solidFill>
+                        </a:rPr>
+                        <a:t>7</a:t>
+                      </a:r>
+                      <a:endParaRPr kumimoji="1" lang="ja-JP" altLang="en-US" sz="1800" b="1" dirty="0">
+                        <a:solidFill>
+                          <a:schemeClr val="tx1">
+                            <a:lumMod val="75000"/>
+                            <a:lumOff val="25000"/>
+                          </a:schemeClr>
+                        </a:solidFill>
+                      </a:endParaRPr>
+                    </a:p>
+                  </a:txBody>
+                  <a:tcPr anchor="ctr"/>
+                </a:tc>
+                <a:tc>
+                  <a:txBody>
+                    <a:bodyPr/>
+                    <a:lstStyle/>
+                    <a:p>
+                      <a:pPr algn="ctr"/>
+                      <a:r>
+                        <a:rPr kumimoji="1" lang="en-US" altLang="ja-JP" sz="1800" b="1" dirty="0" smtClean="0">
+                          <a:solidFill>
+                            <a:schemeClr val="tx1">
+                              <a:lumMod val="75000"/>
+                              <a:lumOff val="25000"/>
+                            </a:schemeClr>
+                          </a:solidFill>
+                        </a:rPr>
+                        <a:t>0.35</a:t>
+                      </a:r>
+                      <a:endParaRPr kumimoji="1" lang="ja-JP" altLang="en-US" sz="1800" b="1" dirty="0">
+                        <a:solidFill>
+                          <a:schemeClr val="tx1">
+                            <a:lumMod val="75000"/>
+                            <a:lumOff val="25000"/>
+                          </a:schemeClr>
+                        </a:solidFill>
+                      </a:endParaRPr>
+                    </a:p>
+                  </a:txBody>
+                  <a:tcPr anchor="ctr"/>
+                </a:tc>
+                <a:tc>
+                  <a:txBody>
+                    <a:bodyPr/>
+                    <a:lstStyle/>
+                    <a:p>
+                      <a:pPr algn="ctr"/>
+                      <a:r>
+                        <a:rPr kumimoji="1" lang="en-US" altLang="ja-JP" sz="1800" b="1" dirty="0" smtClean="0">
+                          <a:solidFill>
+                            <a:schemeClr val="tx1">
+                              <a:lumMod val="75000"/>
+                              <a:lumOff val="25000"/>
+                            </a:schemeClr>
+                          </a:solidFill>
+                        </a:rPr>
+                        <a:t>0.71</a:t>
+                      </a:r>
+                      <a:endParaRPr kumimoji="1" lang="ja-JP" altLang="en-US" sz="1800" b="1" dirty="0">
+                        <a:solidFill>
+                          <a:schemeClr val="tx1">
+                            <a:lumMod val="75000"/>
+                            <a:lumOff val="25000"/>
+                          </a:schemeClr>
+                        </a:solidFill>
+                      </a:endParaRPr>
+                    </a:p>
+                  </a:txBody>
+                  <a:tcPr anchor="ctr"/>
+                </a:tc>
+                <a:tc>
+                  <a:txBody>
+                    <a:bodyPr/>
+                    <a:lstStyle/>
+                    <a:p>
+                      <a:pPr algn="ctr"/>
+                      <a:r>
+                        <a:rPr kumimoji="1" lang="en-US" altLang="ja-JP" sz="1800" b="1" dirty="0" smtClean="0">
+                          <a:solidFill>
+                            <a:schemeClr val="tx1">
+                              <a:lumMod val="75000"/>
+                              <a:lumOff val="25000"/>
+                            </a:schemeClr>
+                          </a:solidFill>
+                        </a:rPr>
+                        <a:t>0.47</a:t>
+                      </a:r>
+                      <a:endParaRPr kumimoji="1" lang="ja-JP" altLang="en-US" sz="1800" b="1" dirty="0">
+                        <a:solidFill>
+                          <a:schemeClr val="tx1">
+                            <a:lumMod val="75000"/>
+                            <a:lumOff val="25000"/>
+                          </a:schemeClr>
+                        </a:solidFill>
+                      </a:endParaRPr>
+                    </a:p>
+                  </a:txBody>
+                  <a:tcPr anchor="ctr"/>
+                </a:tc>
+                <a:tc vMerge="1">
+                  <a:txBody>
+                    <a:bodyPr/>
+                    <a:lstStyle/>
+                    <a:p>
+                      <a:pPr algn="ctr"/>
+                      <a:endParaRPr kumimoji="1" lang="ja-JP" altLang="en-US" sz="1800" b="1" dirty="0">
+                        <a:solidFill>
+                          <a:schemeClr val="tx1">
+                            <a:lumMod val="75000"/>
+                            <a:lumOff val="25000"/>
+                          </a:schemeClr>
+                        </a:solidFill>
+                      </a:endParaRPr>
+                    </a:p>
+                  </a:txBody>
+                  <a:tcPr anchor="ctr"/>
+                </a:tc>
+                <a:extLst>
+                  <a:ext uri="{0D108BD9-81ED-4DB2-BD59-A6C34878D82A}">
+                    <a16:rowId xmlns:a16="http://schemas.microsoft.com/office/drawing/2014/main" val="2471616886"/>
+                  </a:ext>
+                </a:extLst>
+              </a:tr>
+              <a:tr h="360485">
+                <a:tc vMerge="1">
+                  <a:txBody>
+                    <a:bodyPr/>
+                    <a:lstStyle/>
+                    <a:p>
+                      <a:pPr algn="ctr"/>
+                      <a:endParaRPr kumimoji="1" lang="ja-JP" altLang="en-US" sz="1400" b="1" dirty="0">
+                        <a:solidFill>
+                          <a:schemeClr val="tx1">
+                            <a:lumMod val="75000"/>
+                            <a:lumOff val="25000"/>
+                          </a:schemeClr>
+                        </a:solidFill>
+                      </a:endParaRPr>
+                    </a:p>
+                  </a:txBody>
+                  <a:tcPr anchor="ctr">
+                    <a:solidFill>
+                      <a:schemeClr val="tx2">
+                        <a:lumMod val="20000"/>
+                        <a:lumOff val="80000"/>
+                      </a:schemeClr>
+                    </a:solidFill>
+                  </a:tcPr>
+                </a:tc>
+                <a:tc>
+                  <a:txBody>
+                    <a:bodyPr/>
+                    <a:lstStyle/>
+                    <a:p>
+                      <a:pPr algn="ctr"/>
+                      <a:r>
+                        <a:rPr kumimoji="1" lang="ja-JP" altLang="en-US" sz="1800" b="1" dirty="0">
+                          <a:solidFill>
+                            <a:schemeClr val="tx1">
+                              <a:lumMod val="75000"/>
+                              <a:lumOff val="25000"/>
+                            </a:schemeClr>
+                          </a:solidFill>
+                        </a:rPr>
+                        <a:t>その他</a:t>
+                      </a:r>
+                    </a:p>
+                  </a:txBody>
+                  <a:tcPr anchor="ctr">
+                    <a:solidFill>
+                      <a:schemeClr val="tx2">
+                        <a:lumMod val="20000"/>
+                        <a:lumOff val="80000"/>
+                      </a:schemeClr>
+                    </a:solidFill>
+                  </a:tcPr>
+                </a:tc>
+                <a:tc>
+                  <a:txBody>
+                    <a:bodyPr/>
+                    <a:lstStyle/>
+                    <a:p>
+                      <a:pPr algn="ctr"/>
+                      <a:r>
+                        <a:rPr kumimoji="1" lang="en-US" altLang="ja-JP" sz="1800" b="1" dirty="0" smtClean="0">
+                          <a:solidFill>
+                            <a:schemeClr val="tx1">
+                              <a:lumMod val="75000"/>
+                              <a:lumOff val="25000"/>
+                            </a:schemeClr>
+                          </a:solidFill>
+                        </a:rPr>
+                        <a:t>36</a:t>
+                      </a:r>
+                      <a:endParaRPr kumimoji="1" lang="ja-JP" altLang="en-US" sz="1800" b="1" dirty="0">
+                        <a:solidFill>
+                          <a:schemeClr val="tx1">
+                            <a:lumMod val="75000"/>
+                            <a:lumOff val="25000"/>
+                          </a:schemeClr>
+                        </a:solidFill>
+                      </a:endParaRPr>
+                    </a:p>
+                  </a:txBody>
+                  <a:tcPr anchor="ctr"/>
+                </a:tc>
+                <a:tc>
+                  <a:txBody>
+                    <a:bodyPr/>
+                    <a:lstStyle/>
+                    <a:p>
+                      <a:pPr algn="ctr"/>
+                      <a:r>
+                        <a:rPr kumimoji="1" lang="en-US" altLang="ja-JP" sz="1800" b="1" dirty="0" smtClean="0">
+                          <a:solidFill>
+                            <a:schemeClr val="tx1">
+                              <a:lumMod val="75000"/>
+                              <a:lumOff val="25000"/>
+                            </a:schemeClr>
+                          </a:solidFill>
+                        </a:rPr>
+                        <a:t>27</a:t>
+                      </a:r>
+                      <a:endParaRPr kumimoji="1" lang="ja-JP" altLang="en-US" sz="1800" b="1" dirty="0">
+                        <a:solidFill>
+                          <a:schemeClr val="tx1">
+                            <a:lumMod val="75000"/>
+                            <a:lumOff val="25000"/>
+                          </a:schemeClr>
+                        </a:solidFill>
+                      </a:endParaRPr>
+                    </a:p>
+                  </a:txBody>
+                  <a:tcPr anchor="ctr"/>
+                </a:tc>
+                <a:tc>
+                  <a:txBody>
+                    <a:bodyPr/>
+                    <a:lstStyle/>
+                    <a:p>
+                      <a:pPr algn="ctr"/>
+                      <a:r>
+                        <a:rPr kumimoji="1" lang="en-US" altLang="ja-JP" sz="1800" b="1" dirty="0" smtClean="0">
+                          <a:solidFill>
+                            <a:schemeClr val="tx1">
+                              <a:lumMod val="75000"/>
+                              <a:lumOff val="25000"/>
+                            </a:schemeClr>
+                          </a:solidFill>
+                        </a:rPr>
+                        <a:t>223</a:t>
+                      </a:r>
+                      <a:endParaRPr kumimoji="1" lang="ja-JP" altLang="en-US" sz="1800" b="1" dirty="0">
+                        <a:solidFill>
+                          <a:schemeClr val="tx1">
+                            <a:lumMod val="75000"/>
+                            <a:lumOff val="25000"/>
+                          </a:schemeClr>
+                        </a:solidFill>
+                      </a:endParaRPr>
+                    </a:p>
+                  </a:txBody>
+                  <a:tcPr anchor="ctr">
+                    <a:solidFill>
+                      <a:srgbClr val="FFFF99"/>
+                    </a:solidFill>
+                  </a:tcPr>
+                </a:tc>
+                <a:tc>
+                  <a:txBody>
+                    <a:bodyPr/>
+                    <a:lstStyle/>
+                    <a:p>
+                      <a:pPr algn="ctr"/>
+                      <a:r>
+                        <a:rPr kumimoji="1" lang="en-US" altLang="ja-JP" sz="1800" b="1" dirty="0" smtClean="0">
+                          <a:solidFill>
+                            <a:schemeClr val="tx1">
+                              <a:lumMod val="75000"/>
+                              <a:lumOff val="25000"/>
+                            </a:schemeClr>
+                          </a:solidFill>
+                        </a:rPr>
+                        <a:t>0.94</a:t>
+                      </a:r>
+                      <a:endParaRPr kumimoji="1" lang="ja-JP" altLang="en-US" sz="1800" b="1" dirty="0">
+                        <a:solidFill>
+                          <a:schemeClr val="tx1">
+                            <a:lumMod val="75000"/>
+                            <a:lumOff val="25000"/>
+                          </a:schemeClr>
+                        </a:solidFill>
+                      </a:endParaRPr>
+                    </a:p>
+                  </a:txBody>
+                  <a:tcPr anchor="ctr">
+                    <a:noFill/>
+                  </a:tcPr>
+                </a:tc>
+                <a:tc>
+                  <a:txBody>
+                    <a:bodyPr/>
+                    <a:lstStyle/>
+                    <a:p>
+                      <a:pPr algn="ctr"/>
+                      <a:r>
+                        <a:rPr kumimoji="1" lang="en-US" altLang="ja-JP" sz="1800" b="1" dirty="0" smtClean="0">
+                          <a:solidFill>
+                            <a:schemeClr val="tx1">
+                              <a:lumMod val="75000"/>
+                              <a:lumOff val="25000"/>
+                            </a:schemeClr>
+                          </a:solidFill>
+                        </a:rPr>
+                        <a:t>0.78</a:t>
+                      </a:r>
+                      <a:endParaRPr kumimoji="1" lang="ja-JP" altLang="en-US" sz="1800" b="1" dirty="0">
+                        <a:solidFill>
+                          <a:schemeClr val="tx1">
+                            <a:lumMod val="75000"/>
+                            <a:lumOff val="25000"/>
+                          </a:schemeClr>
+                        </a:solidFill>
+                      </a:endParaRPr>
+                    </a:p>
+                  </a:txBody>
+                  <a:tcPr anchor="ctr">
+                    <a:noFill/>
+                  </a:tcPr>
+                </a:tc>
+                <a:tc>
+                  <a:txBody>
+                    <a:bodyPr/>
+                    <a:lstStyle/>
+                    <a:p>
+                      <a:pPr algn="ctr"/>
+                      <a:r>
+                        <a:rPr kumimoji="1" lang="en-US" altLang="ja-JP" sz="1800" b="1" dirty="0" smtClean="0">
+                          <a:solidFill>
+                            <a:schemeClr val="tx1">
+                              <a:lumMod val="75000"/>
+                              <a:lumOff val="25000"/>
+                            </a:schemeClr>
+                          </a:solidFill>
+                        </a:rPr>
+                        <a:t>0.85</a:t>
+                      </a:r>
+                      <a:endParaRPr kumimoji="1" lang="ja-JP" altLang="en-US" sz="1800" b="1" dirty="0">
+                        <a:solidFill>
+                          <a:schemeClr val="tx1">
+                            <a:lumMod val="75000"/>
+                            <a:lumOff val="25000"/>
+                          </a:schemeClr>
+                        </a:solidFill>
+                      </a:endParaRPr>
+                    </a:p>
+                  </a:txBody>
+                  <a:tcPr anchor="ctr">
+                    <a:noFill/>
+                  </a:tcPr>
+                </a:tc>
+                <a:tc vMerge="1">
+                  <a:txBody>
+                    <a:bodyPr/>
+                    <a:lstStyle/>
+                    <a:p>
+                      <a:pPr algn="ctr"/>
+                      <a:endParaRPr kumimoji="1" lang="ja-JP" altLang="en-US" sz="1800" b="1" dirty="0">
+                        <a:solidFill>
+                          <a:schemeClr val="tx1">
+                            <a:lumMod val="75000"/>
+                            <a:lumOff val="25000"/>
+                          </a:schemeClr>
+                        </a:solidFill>
+                      </a:endParaRPr>
+                    </a:p>
+                  </a:txBody>
+                  <a:tcPr anchor="ctr">
+                    <a:noFill/>
+                  </a:tcPr>
+                </a:tc>
+                <a:extLst>
+                  <a:ext uri="{0D108BD9-81ED-4DB2-BD59-A6C34878D82A}">
+                    <a16:rowId xmlns:a16="http://schemas.microsoft.com/office/drawing/2014/main" val="1654385434"/>
+                  </a:ext>
+                </a:extLst>
+              </a:tr>
+            </a:tbl>
+          </a:graphicData>
+        </a:graphic>
+      </p:graphicFrame>
+    </p:spTree>
+    <p:extLst>
+      <p:ext uri="{BB962C8B-B14F-4D97-AF65-F5344CB8AC3E}">
+        <p14:creationId xmlns:p14="http://schemas.microsoft.com/office/powerpoint/2010/main" val="2660738224"/>
       </p:ext>
     </p:extLst>
   </p:cSld>
@@ -30834,6 +34263,10 @@
               <a:rPr kumimoji="1" lang="ja-JP" altLang="en-US" dirty="0"/>
               <a:t>既存手法</a:t>
             </a:r>
+            <a:r>
+              <a:rPr kumimoji="1" lang="en-US" altLang="ja-JP" dirty="0"/>
+              <a:t/>
+            </a:r>
             <a:br>
               <a:rPr kumimoji="1" lang="en-US" altLang="ja-JP" dirty="0"/>
             </a:br>
@@ -30894,6 +34327,10 @@
             <a:r>
               <a:rPr kumimoji="1" lang="ja-JP" altLang="en-US" dirty="0"/>
               <a:t>手法</a:t>
+            </a:r>
+            <a:r>
+              <a:rPr kumimoji="1" lang="en-US" altLang="ja-JP" dirty="0"/>
+              <a:t/>
             </a:r>
             <a:br>
               <a:rPr kumimoji="1" lang="en-US" altLang="ja-JP" dirty="0"/>
@@ -31120,6 +34557,10 @@
               <a:rPr kumimoji="1" lang="ja-JP" altLang="en-US" dirty="0"/>
               <a:t>既存手法</a:t>
             </a:r>
+            <a:r>
+              <a:rPr kumimoji="1" lang="en-US" altLang="ja-JP" dirty="0"/>
+              <a:t/>
+            </a:r>
             <a:br>
               <a:rPr kumimoji="1" lang="en-US" altLang="ja-JP" dirty="0"/>
             </a:br>
@@ -31180,6 +34621,10 @@
             <a:r>
               <a:rPr kumimoji="1" lang="ja-JP" altLang="en-US" dirty="0"/>
               <a:t>手法</a:t>
+            </a:r>
+            <a:r>
+              <a:rPr kumimoji="1" lang="en-US" altLang="ja-JP" dirty="0"/>
+              <a:t/>
             </a:r>
             <a:br>
               <a:rPr kumimoji="1" lang="en-US" altLang="ja-JP" dirty="0"/>
@@ -31413,6 +34858,10 @@
             <a:r>
               <a:rPr kumimoji="1" lang="en-US" altLang="ja-JP" dirty="0"/>
               <a:t>:	Cities: Skylines</a:t>
+            </a:r>
+            <a:r>
+              <a:rPr lang="en-US" altLang="ja-JP" dirty="0"/>
+              <a:t/>
             </a:r>
             <a:br>
               <a:rPr lang="en-US" altLang="ja-JP" dirty="0"/>
